--- a/DEPA Final Project PPT.pptx
+++ b/DEPA Final Project PPT.pptx
@@ -5,15 +5,13 @@
     <p:sldMasterId id="2147483673" r:id="rId1"/>
   </p:sldMasterIdLst>
   <p:notesMasterIdLst>
-    <p:notesMasterId r:id="rId8"/>
+    <p:notesMasterId r:id="rId6"/>
   </p:notesMasterIdLst>
   <p:sldIdLst>
     <p:sldId id="256" r:id="rId2"/>
-    <p:sldId id="261" r:id="rId3"/>
-    <p:sldId id="257" r:id="rId4"/>
-    <p:sldId id="258" r:id="rId5"/>
-    <p:sldId id="259" r:id="rId6"/>
-    <p:sldId id="262" r:id="rId7"/>
+    <p:sldId id="257" r:id="rId3"/>
+    <p:sldId id="258" r:id="rId4"/>
+    <p:sldId id="262" r:id="rId5"/>
   </p:sldIdLst>
   <p:sldSz cx="9144000" cy="5143500" type="screen16x9"/>
   <p:notesSz cx="6858000" cy="9144000"/>
@@ -1075,7 +1073,7 @@
         <a:p>
           <a:r>
             <a:rPr lang="en-US" dirty="0"/>
-            <a:t>Our goal is to optimize vehicle allocation according to ridership demand and give business insights and recommendations to TNP companies. </a:t>
+            <a:t>Our goal is to optimize vehicle allocation according to ridership demand and give business insights and recommendations to TNP companies(also called rider sharing companies like Uber, Lyft and Via). </a:t>
           </a:r>
         </a:p>
       </dgm:t>
@@ -1535,7 +1533,7 @@
           </a:pPr>
           <a:r>
             <a:rPr lang="en-US" sz="1400" kern="1200" dirty="0"/>
-            <a:t>Our goal is to optimize vehicle allocation according to ridership demand and give business insights and recommendations to TNP companies. </a:t>
+            <a:t>Our goal is to optimize vehicle allocation according to ridership demand and give business insights and recommendations to TNP companies(also called rider sharing companies like Uber, Lyft and Via). </a:t>
           </a:r>
         </a:p>
       </dsp:txBody>
@@ -3720,115 +3718,6 @@
   <p:cSld>
     <p:spTree>
       <p:nvGrpSpPr>
-        <p:cNvPr id="1" name="Shape 50"/>
-        <p:cNvGrpSpPr/>
-        <p:nvPr/>
-      </p:nvGrpSpPr>
-      <p:grpSpPr>
-        <a:xfrm>
-          <a:off x="0" y="0"/>
-          <a:ext cx="0" cy="0"/>
-          <a:chOff x="0" y="0"/>
-          <a:chExt cx="0" cy="0"/>
-        </a:xfrm>
-      </p:grpSpPr>
-      <p:sp>
-        <p:nvSpPr>
-          <p:cNvPr id="51" name="Google Shape;51;p:notes"/>
-          <p:cNvSpPr>
-            <a:spLocks noGrp="1" noRot="1" noChangeAspect="1"/>
-          </p:cNvSpPr>
-          <p:nvPr>
-            <p:ph type="sldImg" idx="2"/>
-          </p:nvPr>
-        </p:nvSpPr>
-        <p:spPr>
-          <a:xfrm>
-            <a:off x="381000" y="685800"/>
-            <a:ext cx="6096000" cy="3429000"/>
-          </a:xfrm>
-          <a:custGeom>
-            <a:avLst/>
-            <a:gdLst/>
-            <a:ahLst/>
-            <a:cxnLst/>
-            <a:rect l="l" t="t" r="r" b="b"/>
-            <a:pathLst>
-              <a:path w="120000" h="120000" extrusionOk="0">
-                <a:moveTo>
-                  <a:pt x="0" y="0"/>
-                </a:moveTo>
-                <a:lnTo>
-                  <a:pt x="120000" y="0"/>
-                </a:lnTo>
-                <a:lnTo>
-                  <a:pt x="120000" y="120000"/>
-                </a:lnTo>
-                <a:lnTo>
-                  <a:pt x="0" y="120000"/>
-                </a:lnTo>
-                <a:close/>
-              </a:path>
-            </a:pathLst>
-          </a:custGeom>
-        </p:spPr>
-      </p:sp>
-      <p:sp>
-        <p:nvSpPr>
-          <p:cNvPr id="52" name="Google Shape;52;p:notes"/>
-          <p:cNvSpPr txBox="1">
-            <a:spLocks noGrp="1"/>
-          </p:cNvSpPr>
-          <p:nvPr>
-            <p:ph type="body" idx="1"/>
-          </p:nvPr>
-        </p:nvSpPr>
-        <p:spPr>
-          <a:xfrm>
-            <a:off x="685800" y="4343400"/>
-            <a:ext cx="5486400" cy="4114800"/>
-          </a:xfrm>
-          <a:prstGeom prst="rect">
-            <a:avLst/>
-          </a:prstGeom>
-        </p:spPr>
-        <p:txBody>
-          <a:bodyPr spcFirstLastPara="1" wrap="square" lIns="91425" tIns="91425" rIns="91425" bIns="91425" anchor="t" anchorCtr="0">
-            <a:noAutofit/>
-          </a:bodyPr>
-          <a:lstStyle/>
-          <a:p>
-            <a:pPr marL="0" lvl="0" indent="0" algn="l" rtl="0">
-              <a:spcBef>
-                <a:spcPts val="0"/>
-              </a:spcBef>
-              <a:spcAft>
-                <a:spcPts val="0"/>
-              </a:spcAft>
-              <a:buNone/>
-            </a:pPr>
-            <a:endParaRPr/>
-          </a:p>
-        </p:txBody>
-      </p:sp>
-    </p:spTree>
-    <p:extLst>
-      <p:ext uri="{BB962C8B-B14F-4D97-AF65-F5344CB8AC3E}">
-        <p14:creationId xmlns:p14="http://schemas.microsoft.com/office/powerpoint/2010/main" val="3309851605"/>
-      </p:ext>
-    </p:extLst>
-  </p:cSld>
-  <p:clrMapOvr>
-    <a:masterClrMapping/>
-  </p:clrMapOvr>
-</p:notes>
-</file>
-
-<file path=ppt/notesSlides/notesSlide3.xml><?xml version="1.0" encoding="utf-8"?>
-<p:notes xmlns:a="http://schemas.openxmlformats.org/drawingml/2006/main" xmlns:r="http://schemas.openxmlformats.org/officeDocument/2006/relationships" xmlns:p="http://schemas.openxmlformats.org/presentationml/2006/main" showMasterSp="0" showMasterPhAnim="0">
-  <p:cSld>
-    <p:spTree>
-      <p:nvGrpSpPr>
         <p:cNvPr id="1" name="Shape 55"/>
         <p:cNvGrpSpPr/>
         <p:nvPr/>
@@ -4029,7 +3918,7 @@
 </p:notes>
 </file>
 
-<file path=ppt/notesSlides/notesSlide4.xml><?xml version="1.0" encoding="utf-8"?>
+<file path=ppt/notesSlides/notesSlide3.xml><?xml version="1.0" encoding="utf-8"?>
 <p:notes xmlns:a="http://schemas.openxmlformats.org/drawingml/2006/main" xmlns:r="http://schemas.openxmlformats.org/officeDocument/2006/relationships" xmlns:p="http://schemas.openxmlformats.org/presentationml/2006/main" showMasterSp="0" showMasterPhAnim="0">
   <p:cSld>
     <p:spTree>
@@ -4121,7 +4010,7 @@
               </a:spcAft>
               <a:buNone/>
             </a:pPr>
-            <a:endParaRPr/>
+            <a:endParaRPr dirty="0"/>
           </a:p>
           <a:p>
             <a:pPr marL="457200" lvl="0" indent="-342900" algn="l" rtl="0">
@@ -4141,14 +4030,14 @@
               <a:buChar char="-"/>
             </a:pPr>
             <a:r>
-              <a:rPr lang="en" sz="1800">
+              <a:rPr lang="en" sz="1800" dirty="0">
                 <a:solidFill>
                   <a:schemeClr val="dk2"/>
                 </a:solidFill>
               </a:rPr>
               <a:t>TNP can utilize our analysis to optimize their vehicle allocation system according to various factors.</a:t>
             </a:r>
-            <a:endParaRPr sz="1800">
+            <a:endParaRPr sz="1800" dirty="0">
               <a:solidFill>
                 <a:schemeClr val="dk2"/>
               </a:solidFill>
@@ -4172,14 +4061,14 @@
               <a:buChar char="-"/>
             </a:pPr>
             <a:r>
-              <a:rPr lang="en" sz="1800">
+              <a:rPr lang="en" sz="1800" dirty="0">
                 <a:solidFill>
                   <a:schemeClr val="dk2"/>
                 </a:solidFill>
               </a:rPr>
               <a:t>TNP can use our analysis to better understand customer behavior based on various factors.</a:t>
             </a:r>
-            <a:endParaRPr sz="1800">
+            <a:endParaRPr sz="1800" dirty="0">
               <a:solidFill>
                 <a:schemeClr val="dk2"/>
               </a:solidFill>
@@ -4203,14 +4092,14 @@
               <a:buChar char="-"/>
             </a:pPr>
             <a:r>
-              <a:rPr lang="en" sz="1800">
+              <a:rPr lang="en" sz="1800" dirty="0">
                 <a:solidFill>
                   <a:schemeClr val="dk2"/>
                 </a:solidFill>
               </a:rPr>
               <a:t>Drivers can use our analysis to find locations where ridership demand is high and customers tip very generously.</a:t>
             </a:r>
-            <a:endParaRPr sz="1800">
+            <a:endParaRPr sz="1800" dirty="0">
               <a:solidFill>
                 <a:schemeClr val="dk2"/>
               </a:solidFill>
@@ -4234,129 +4123,14 @@
               <a:buChar char="-"/>
             </a:pPr>
             <a:r>
-              <a:rPr lang="en" sz="1800">
+              <a:rPr lang="en" sz="1800" dirty="0">
                 <a:solidFill>
                   <a:schemeClr val="dk2"/>
                 </a:solidFill>
               </a:rPr>
               <a:t>TNP can further increase the maximum wait time for locations that have high crime rate. Which can greatly benefit customers</a:t>
             </a:r>
-            <a:endParaRPr/>
-          </a:p>
-        </p:txBody>
-      </p:sp>
-    </p:spTree>
-  </p:cSld>
-  <p:clrMapOvr>
-    <a:masterClrMapping/>
-  </p:clrMapOvr>
-</p:notes>
-</file>
-
-<file path=ppt/notesSlides/notesSlide5.xml><?xml version="1.0" encoding="utf-8"?>
-<p:notes xmlns:a="http://schemas.openxmlformats.org/drawingml/2006/main" xmlns:r="http://schemas.openxmlformats.org/officeDocument/2006/relationships" xmlns:p="http://schemas.openxmlformats.org/presentationml/2006/main" showMasterSp="0" showMasterPhAnim="0">
-  <p:cSld>
-    <p:spTree>
-      <p:nvGrpSpPr>
-        <p:cNvPr id="1" name="Shape 68"/>
-        <p:cNvGrpSpPr/>
-        <p:nvPr/>
-      </p:nvGrpSpPr>
-      <p:grpSpPr>
-        <a:xfrm>
-          <a:off x="0" y="0"/>
-          <a:ext cx="0" cy="0"/>
-          <a:chOff x="0" y="0"/>
-          <a:chExt cx="0" cy="0"/>
-        </a:xfrm>
-      </p:grpSpPr>
-      <p:sp>
-        <p:nvSpPr>
-          <p:cNvPr id="69" name="Google Shape;69;g800a5aca53_3_10:notes"/>
-          <p:cNvSpPr>
-            <a:spLocks noGrp="1" noRot="1" noChangeAspect="1"/>
-          </p:cNvSpPr>
-          <p:nvPr>
-            <p:ph type="sldImg" idx="2"/>
-          </p:nvPr>
-        </p:nvSpPr>
-        <p:spPr>
-          <a:xfrm>
-            <a:off x="381000" y="685800"/>
-            <a:ext cx="6096000" cy="3429000"/>
-          </a:xfrm>
-          <a:custGeom>
-            <a:avLst/>
-            <a:gdLst/>
-            <a:ahLst/>
-            <a:cxnLst/>
-            <a:rect l="l" t="t" r="r" b="b"/>
-            <a:pathLst>
-              <a:path w="120000" h="120000" extrusionOk="0">
-                <a:moveTo>
-                  <a:pt x="0" y="0"/>
-                </a:moveTo>
-                <a:lnTo>
-                  <a:pt x="120000" y="0"/>
-                </a:lnTo>
-                <a:lnTo>
-                  <a:pt x="120000" y="120000"/>
-                </a:lnTo>
-                <a:lnTo>
-                  <a:pt x="0" y="120000"/>
-                </a:lnTo>
-                <a:close/>
-              </a:path>
-            </a:pathLst>
-          </a:custGeom>
-        </p:spPr>
-      </p:sp>
-      <p:sp>
-        <p:nvSpPr>
-          <p:cNvPr id="70" name="Google Shape;70;g800a5aca53_3_10:notes"/>
-          <p:cNvSpPr txBox="1">
-            <a:spLocks noGrp="1"/>
-          </p:cNvSpPr>
-          <p:nvPr>
-            <p:ph type="body" idx="1"/>
-          </p:nvPr>
-        </p:nvSpPr>
-        <p:spPr>
-          <a:xfrm>
-            <a:off x="685800" y="4343400"/>
-            <a:ext cx="5486400" cy="4114800"/>
-          </a:xfrm>
-          <a:prstGeom prst="rect">
-            <a:avLst/>
-          </a:prstGeom>
-        </p:spPr>
-        <p:txBody>
-          <a:bodyPr spcFirstLastPara="1" wrap="square" lIns="91425" tIns="91425" rIns="91425" bIns="91425" anchor="t" anchorCtr="0">
-            <a:noAutofit/>
-          </a:bodyPr>
-          <a:lstStyle/>
-          <a:p>
-            <a:pPr marL="0" lvl="0" indent="0" algn="l" rtl="0">
-              <a:spcBef>
-                <a:spcPts val="0"/>
-              </a:spcBef>
-              <a:spcAft>
-                <a:spcPts val="0"/>
-              </a:spcAft>
-              <a:buNone/>
-            </a:pPr>
-            <a:endParaRPr sz="900" dirty="0">
-              <a:solidFill>
-                <a:srgbClr val="24292E"/>
-              </a:solidFill>
-              <a:highlight>
-                <a:srgbClr val="FFFFFF"/>
-              </a:highlight>
-              <a:latin typeface="Courier New"/>
-              <a:ea typeface="Courier New"/>
-              <a:cs typeface="Courier New"/>
-              <a:sym typeface="Courier New"/>
-            </a:endParaRPr>
+            <a:endParaRPr dirty="0"/>
           </a:p>
         </p:txBody>
       </p:sp>
@@ -14302,1058 +14076,6 @@
     <p:bg>
       <p:bgPr>
         <a:solidFill>
-          <a:schemeClr val="accent1"/>
-        </a:solidFill>
-        <a:effectLst/>
-      </p:bgPr>
-    </p:bg>
-    <p:spTree>
-      <p:nvGrpSpPr>
-        <p:cNvPr id="1" name="Shape 53"/>
-        <p:cNvGrpSpPr/>
-        <p:nvPr/>
-      </p:nvGrpSpPr>
-      <p:grpSpPr>
-        <a:xfrm>
-          <a:off x="0" y="0"/>
-          <a:ext cx="0" cy="0"/>
-          <a:chOff x="0" y="0"/>
-          <a:chExt cx="0" cy="0"/>
-        </a:xfrm>
-      </p:grpSpPr>
-      <p:sp>
-        <p:nvSpPr>
-          <p:cNvPr id="39" name="Rectangle 38">
-            <a:extLst>
-              <a:ext uri="{FF2B5EF4-FFF2-40B4-BE49-F238E27FC236}">
-                <a16:creationId xmlns:a16="http://schemas.microsoft.com/office/drawing/2014/main" id="{D4A29828-0E9F-418B-A95D-A7D6ABF1C717}"/>
-              </a:ext>
-              <a:ext uri="{C183D7F6-B498-43B3-948B-1728B52AA6E4}">
-                <adec:decorative xmlns:adec="http://schemas.microsoft.com/office/drawing/2017/decorative" val="1"/>
-              </a:ext>
-            </a:extLst>
-          </p:cNvPr>
-          <p:cNvSpPr>
-            <a:spLocks noGrp="1" noRot="1" noChangeAspect="1" noMove="1" noResize="1" noEditPoints="1" noAdjustHandles="1" noChangeArrowheads="1" noChangeShapeType="1" noTextEdit="1"/>
-          </p:cNvSpPr>
-          <p:nvPr>
-            <p:extLst>
-              <p:ext uri="{386F3935-93C4-4BCD-93E2-E3B085C9AB24}">
-                <p16:designElem xmlns:p16="http://schemas.microsoft.com/office/powerpoint/2015/main" val="1"/>
-              </p:ext>
-            </p:extLst>
-          </p:nvPr>
-        </p:nvSpPr>
-        <p:spPr bwMode="ltGray">
-          <a:xfrm>
-            <a:off x="0" y="0"/>
-            <a:ext cx="9143999" cy="5143500"/>
-          </a:xfrm>
-          <a:prstGeom prst="rect">
-            <a:avLst/>
-          </a:prstGeom>
-          <a:solidFill>
-            <a:schemeClr val="accent1"/>
-          </a:solidFill>
-          <a:ln>
-            <a:noFill/>
-          </a:ln>
-        </p:spPr>
-        <p:style>
-          <a:lnRef idx="2">
-            <a:schemeClr val="accent1">
-              <a:shade val="50000"/>
-            </a:schemeClr>
-          </a:lnRef>
-          <a:fillRef idx="1">
-            <a:schemeClr val="accent1"/>
-          </a:fillRef>
-          <a:effectRef idx="0">
-            <a:schemeClr val="accent1"/>
-          </a:effectRef>
-          <a:fontRef idx="minor">
-            <a:schemeClr val="lt1"/>
-          </a:fontRef>
-        </p:style>
-        <p:txBody>
-          <a:bodyPr rtlCol="0" anchor="ctr"/>
-          <a:lstStyle/>
-          <a:p>
-            <a:pPr algn="ctr"/>
-            <a:endParaRPr lang="en-US"/>
-          </a:p>
-        </p:txBody>
-      </p:sp>
-      <p:sp>
-        <p:nvSpPr>
-          <p:cNvPr id="34" name="Google Shape;54;p13">
-            <a:extLst>
-              <a:ext uri="{FF2B5EF4-FFF2-40B4-BE49-F238E27FC236}">
-                <a16:creationId xmlns:a16="http://schemas.microsoft.com/office/drawing/2014/main" id="{BAA1F629-36DF-744D-B841-8D172111439D}"/>
-              </a:ext>
-            </a:extLst>
-          </p:cNvPr>
-          <p:cNvSpPr txBox="1">
-            <a:spLocks/>
-          </p:cNvSpPr>
-          <p:nvPr/>
-        </p:nvSpPr>
-        <p:spPr>
-          <a:xfrm>
-            <a:off x="955528" y="3181524"/>
-            <a:ext cx="7705873" cy="1300872"/>
-          </a:xfrm>
-          <a:prstGeom prst="rect">
-            <a:avLst/>
-          </a:prstGeom>
-        </p:spPr>
-        <p:txBody>
-          <a:bodyPr spcFirstLastPara="1" vert="horz" lIns="91440" tIns="45720" rIns="91440" bIns="45720" rtlCol="0" anchor="t" anchorCtr="0">
-            <a:normAutofit/>
-          </a:bodyPr>
-          <a:lstStyle>
-            <a:lvl1pPr marL="0" indent="0" algn="ctr" defTabSz="685800" rtl="0" eaLnBrk="1" latinLnBrk="0" hangingPunct="1">
-              <a:lnSpc>
-                <a:spcPct val="100000"/>
-              </a:lnSpc>
-              <a:spcBef>
-                <a:spcPts val="525"/>
-              </a:spcBef>
-              <a:buClr>
-                <a:schemeClr val="tx2"/>
-              </a:buClr>
-              <a:buFont typeface="Arial" panose="020B0604020202020204" pitchFamily="34" charset="0"/>
-              <a:buNone/>
-              <a:defRPr sz="1500" b="1" i="0" kern="1200" cap="all" spc="300" baseline="0">
-                <a:solidFill>
-                  <a:schemeClr val="tx2"/>
-                </a:solidFill>
-                <a:latin typeface="+mn-lt"/>
-                <a:ea typeface="+mn-ea"/>
-                <a:cs typeface="+mn-cs"/>
-              </a:defRPr>
-            </a:lvl1pPr>
-            <a:lvl2pPr marL="342900" indent="0" algn="ctr" defTabSz="685800" rtl="0" eaLnBrk="1" latinLnBrk="0" hangingPunct="1">
-              <a:lnSpc>
-                <a:spcPct val="110000"/>
-              </a:lnSpc>
-              <a:spcBef>
-                <a:spcPts val="525"/>
-              </a:spcBef>
-              <a:buClr>
-                <a:schemeClr val="tx2"/>
-              </a:buClr>
-              <a:buFont typeface="Gill Sans MT" panose="020B0502020104020203" pitchFamily="34" charset="0"/>
-              <a:buNone/>
-              <a:defRPr sz="1500" kern="1200">
-                <a:solidFill>
-                  <a:schemeClr val="tx1">
-                    <a:lumMod val="65000"/>
-                    <a:lumOff val="35000"/>
-                  </a:schemeClr>
-                </a:solidFill>
-                <a:latin typeface="+mn-lt"/>
-                <a:ea typeface="+mn-ea"/>
-                <a:cs typeface="+mn-cs"/>
-              </a:defRPr>
-            </a:lvl2pPr>
-            <a:lvl3pPr marL="685800" indent="0" algn="ctr" defTabSz="685800" rtl="0" eaLnBrk="1" latinLnBrk="0" hangingPunct="1">
-              <a:lnSpc>
-                <a:spcPct val="110000"/>
-              </a:lnSpc>
-              <a:spcBef>
-                <a:spcPts val="525"/>
-              </a:spcBef>
-              <a:buClr>
-                <a:schemeClr val="tx2"/>
-              </a:buClr>
-              <a:buFont typeface="Arial" panose="020B0604020202020204" pitchFamily="34" charset="0"/>
-              <a:buNone/>
-              <a:defRPr sz="1350" kern="1200">
-                <a:solidFill>
-                  <a:schemeClr val="tx1">
-                    <a:lumMod val="65000"/>
-                    <a:lumOff val="35000"/>
-                  </a:schemeClr>
-                </a:solidFill>
-                <a:latin typeface="+mn-lt"/>
-                <a:ea typeface="+mn-ea"/>
-                <a:cs typeface="+mn-cs"/>
-              </a:defRPr>
-            </a:lvl3pPr>
-            <a:lvl4pPr marL="1028700" indent="0" algn="ctr" defTabSz="685800" rtl="0" eaLnBrk="1" latinLnBrk="0" hangingPunct="1">
-              <a:lnSpc>
-                <a:spcPct val="110000"/>
-              </a:lnSpc>
-              <a:spcBef>
-                <a:spcPts val="525"/>
-              </a:spcBef>
-              <a:buClr>
-                <a:schemeClr val="tx2"/>
-              </a:buClr>
-              <a:buFont typeface="Gill Sans MT" panose="020B0502020104020203" pitchFamily="34" charset="0"/>
-              <a:buNone/>
-              <a:defRPr sz="1200" kern="1200">
-                <a:solidFill>
-                  <a:schemeClr val="tx1">
-                    <a:lumMod val="65000"/>
-                    <a:lumOff val="35000"/>
-                  </a:schemeClr>
-                </a:solidFill>
-                <a:latin typeface="+mn-lt"/>
-                <a:ea typeface="+mn-ea"/>
-                <a:cs typeface="+mn-cs"/>
-              </a:defRPr>
-            </a:lvl4pPr>
-            <a:lvl5pPr marL="1371600" indent="0" algn="ctr" defTabSz="685800" rtl="0" eaLnBrk="1" latinLnBrk="0" hangingPunct="1">
-              <a:lnSpc>
-                <a:spcPct val="110000"/>
-              </a:lnSpc>
-              <a:spcBef>
-                <a:spcPts val="525"/>
-              </a:spcBef>
-              <a:buClr>
-                <a:schemeClr val="tx2"/>
-              </a:buClr>
-              <a:buFont typeface="Arial" panose="020B0604020202020204" pitchFamily="34" charset="0"/>
-              <a:buNone/>
-              <a:defRPr sz="1200" kern="1200">
-                <a:solidFill>
-                  <a:schemeClr val="tx1">
-                    <a:lumMod val="65000"/>
-                    <a:lumOff val="35000"/>
-                  </a:schemeClr>
-                </a:solidFill>
-                <a:latin typeface="+mn-lt"/>
-                <a:ea typeface="+mn-ea"/>
-                <a:cs typeface="+mn-cs"/>
-              </a:defRPr>
-            </a:lvl5pPr>
-            <a:lvl6pPr marL="1714500" indent="0" algn="ctr" defTabSz="685800" rtl="0" eaLnBrk="1" latinLnBrk="0" hangingPunct="1">
-              <a:lnSpc>
-                <a:spcPct val="110000"/>
-              </a:lnSpc>
-              <a:spcBef>
-                <a:spcPts val="525"/>
-              </a:spcBef>
-              <a:buClr>
-                <a:schemeClr val="tx2"/>
-              </a:buClr>
-              <a:buFont typeface="Gill Sans MT" panose="020B0502020104020203" pitchFamily="34" charset="0"/>
-              <a:buNone/>
-              <a:defRPr sz="1200" kern="1200">
-                <a:solidFill>
-                  <a:schemeClr val="tx1">
-                    <a:lumMod val="65000"/>
-                    <a:lumOff val="35000"/>
-                  </a:schemeClr>
-                </a:solidFill>
-                <a:latin typeface="+mn-lt"/>
-                <a:ea typeface="+mn-ea"/>
-                <a:cs typeface="+mn-cs"/>
-              </a:defRPr>
-            </a:lvl6pPr>
-            <a:lvl7pPr marL="2057400" indent="0" algn="ctr" defTabSz="685800" rtl="0" eaLnBrk="1" latinLnBrk="0" hangingPunct="1">
-              <a:lnSpc>
-                <a:spcPct val="110000"/>
-              </a:lnSpc>
-              <a:spcBef>
-                <a:spcPts val="525"/>
-              </a:spcBef>
-              <a:buClr>
-                <a:schemeClr val="tx2"/>
-              </a:buClr>
-              <a:buFont typeface="Arial" panose="020B0604020202020204" pitchFamily="34" charset="0"/>
-              <a:buNone/>
-              <a:defRPr sz="1200" kern="1200">
-                <a:solidFill>
-                  <a:schemeClr val="tx1">
-                    <a:lumMod val="65000"/>
-                    <a:lumOff val="35000"/>
-                  </a:schemeClr>
-                </a:solidFill>
-                <a:latin typeface="+mn-lt"/>
-                <a:ea typeface="+mn-ea"/>
-                <a:cs typeface="+mn-cs"/>
-              </a:defRPr>
-            </a:lvl7pPr>
-            <a:lvl8pPr marL="2400300" indent="0" algn="ctr" defTabSz="685800" rtl="0" eaLnBrk="1" latinLnBrk="0" hangingPunct="1">
-              <a:lnSpc>
-                <a:spcPct val="110000"/>
-              </a:lnSpc>
-              <a:spcBef>
-                <a:spcPts val="525"/>
-              </a:spcBef>
-              <a:buClr>
-                <a:schemeClr val="tx2"/>
-              </a:buClr>
-              <a:buFont typeface="Gill Sans MT" panose="020B0502020104020203" pitchFamily="34" charset="0"/>
-              <a:buNone/>
-              <a:defRPr sz="1200" kern="1200" baseline="0">
-                <a:solidFill>
-                  <a:schemeClr val="tx1">
-                    <a:lumMod val="65000"/>
-                    <a:lumOff val="35000"/>
-                  </a:schemeClr>
-                </a:solidFill>
-                <a:latin typeface="+mn-lt"/>
-                <a:ea typeface="+mn-ea"/>
-                <a:cs typeface="+mn-cs"/>
-              </a:defRPr>
-            </a:lvl8pPr>
-            <a:lvl9pPr marL="2743200" indent="0" algn="ctr" defTabSz="685800" rtl="0" eaLnBrk="1" latinLnBrk="0" hangingPunct="1">
-              <a:lnSpc>
-                <a:spcPct val="110000"/>
-              </a:lnSpc>
-              <a:spcBef>
-                <a:spcPts val="525"/>
-              </a:spcBef>
-              <a:buClr>
-                <a:schemeClr val="tx2"/>
-              </a:buClr>
-              <a:buFont typeface="Arial" panose="020B0604020202020204" pitchFamily="34" charset="0"/>
-              <a:buNone/>
-              <a:defRPr sz="1200" kern="1200" baseline="0">
-                <a:solidFill>
-                  <a:schemeClr val="tx1">
-                    <a:lumMod val="65000"/>
-                    <a:lumOff val="35000"/>
-                  </a:schemeClr>
-                </a:solidFill>
-                <a:latin typeface="+mn-lt"/>
-                <a:ea typeface="+mn-ea"/>
-                <a:cs typeface="+mn-cs"/>
-              </a:defRPr>
-            </a:lvl9pPr>
-          </a:lstStyle>
-          <a:p>
-            <a:pPr defTabSz="914400">
-              <a:lnSpc>
-                <a:spcPct val="90000"/>
-              </a:lnSpc>
-              <a:spcBef>
-                <a:spcPct val="0"/>
-              </a:spcBef>
-              <a:spcAft>
-                <a:spcPts val="1200"/>
-              </a:spcAft>
-              <a:buClr>
-                <a:schemeClr val="dk1"/>
-              </a:buClr>
-              <a:buSzPts val="1100"/>
-            </a:pPr>
-            <a:r>
-              <a:rPr lang="en-US" sz="3800" spc="800">
-                <a:latin typeface="+mj-lt"/>
-                <a:ea typeface="+mj-ea"/>
-                <a:cs typeface="+mj-cs"/>
-                <a:sym typeface="Times New Roman"/>
-              </a:rPr>
-              <a:t>Analysis on Ridership Allocation for TNPs</a:t>
-            </a:r>
-            <a:endParaRPr lang="en-US" sz="3800" spc="800">
-              <a:latin typeface="+mj-lt"/>
-              <a:ea typeface="+mj-ea"/>
-              <a:cs typeface="+mj-cs"/>
-            </a:endParaRPr>
-          </a:p>
-        </p:txBody>
-      </p:sp>
-      <p:sp>
-        <p:nvSpPr>
-          <p:cNvPr id="2" name="Subtitle 1">
-            <a:extLst>
-              <a:ext uri="{FF2B5EF4-FFF2-40B4-BE49-F238E27FC236}">
-                <a16:creationId xmlns:a16="http://schemas.microsoft.com/office/drawing/2014/main" id="{E4C821F7-B971-2642-B822-52FA347C91FD}"/>
-              </a:ext>
-            </a:extLst>
-          </p:cNvPr>
-          <p:cNvSpPr>
-            <a:spLocks noGrp="1"/>
-          </p:cNvSpPr>
-          <p:nvPr>
-            <p:ph type="subTitle" idx="1"/>
-          </p:nvPr>
-        </p:nvSpPr>
-        <p:spPr>
-          <a:xfrm>
-            <a:off x="955528" y="4482397"/>
-            <a:ext cx="7705873" cy="472375"/>
-          </a:xfrm>
-        </p:spPr>
-        <p:txBody>
-          <a:bodyPr vert="horz" lIns="91440" tIns="45720" rIns="91440" bIns="45720" rtlCol="0" anchor="t">
-            <a:normAutofit/>
-          </a:bodyPr>
-          <a:lstStyle/>
-          <a:p>
-            <a:pPr defTabSz="914400">
-              <a:lnSpc>
-                <a:spcPct val="90000"/>
-              </a:lnSpc>
-              <a:spcBef>
-                <a:spcPts val="700"/>
-              </a:spcBef>
-            </a:pPr>
-            <a:r>
-              <a:rPr lang="en-US" altLang="zh-CN" sz="1050" spc="400" dirty="0">
-                <a:solidFill>
-                  <a:schemeClr val="tx1"/>
-                </a:solidFill>
-              </a:rPr>
-              <a:t>Presented by: </a:t>
-            </a:r>
-          </a:p>
-          <a:p>
-            <a:pPr defTabSz="914400">
-              <a:lnSpc>
-                <a:spcPct val="90000"/>
-              </a:lnSpc>
-              <a:spcBef>
-                <a:spcPts val="700"/>
-              </a:spcBef>
-            </a:pPr>
-            <a:r>
-              <a:rPr lang="en-US" altLang="zh-CN" sz="1050" spc="400" dirty="0">
-                <a:solidFill>
-                  <a:schemeClr val="tx1"/>
-                </a:solidFill>
-              </a:rPr>
-              <a:t>Duo </a:t>
-            </a:r>
-            <a:r>
-              <a:rPr lang="en-US" altLang="zh-CN" sz="1050" spc="400" dirty="0" err="1">
-                <a:solidFill>
-                  <a:schemeClr val="tx1"/>
-                </a:solidFill>
-              </a:rPr>
-              <a:t>zhou</a:t>
-            </a:r>
-            <a:r>
-              <a:rPr lang="en-US" altLang="zh-CN" sz="1050" spc="400" dirty="0">
-                <a:solidFill>
-                  <a:schemeClr val="tx1"/>
-                </a:solidFill>
-              </a:rPr>
-              <a:t>, </a:t>
-            </a:r>
-            <a:r>
-              <a:rPr lang="en-US" altLang="zh-CN" sz="1050" spc="400" dirty="0" err="1">
-                <a:solidFill>
-                  <a:schemeClr val="tx1"/>
-                </a:solidFill>
-              </a:rPr>
-              <a:t>Amily</a:t>
-            </a:r>
-            <a:r>
-              <a:rPr lang="en-US" altLang="zh-CN" sz="1050" spc="400" dirty="0">
-                <a:solidFill>
-                  <a:schemeClr val="tx1"/>
-                </a:solidFill>
-              </a:rPr>
-              <a:t> </a:t>
-            </a:r>
-            <a:r>
-              <a:rPr lang="en-US" altLang="zh-CN" sz="1050" spc="400" dirty="0" err="1">
-                <a:solidFill>
-                  <a:schemeClr val="tx1"/>
-                </a:solidFill>
-              </a:rPr>
-              <a:t>huang</a:t>
-            </a:r>
-            <a:r>
-              <a:rPr lang="en-US" altLang="zh-CN" sz="1050" spc="400" dirty="0">
-                <a:solidFill>
-                  <a:schemeClr val="tx1"/>
-                </a:solidFill>
-              </a:rPr>
-              <a:t>, </a:t>
-            </a:r>
-            <a:r>
-              <a:rPr lang="en-US" altLang="zh-CN" sz="1050" spc="400" dirty="0" err="1">
-                <a:solidFill>
-                  <a:schemeClr val="tx1"/>
-                </a:solidFill>
-              </a:rPr>
-              <a:t>bowen</a:t>
-            </a:r>
-            <a:r>
-              <a:rPr lang="en-US" altLang="zh-CN" sz="1050" spc="400" dirty="0">
-                <a:solidFill>
-                  <a:schemeClr val="tx1"/>
-                </a:solidFill>
-              </a:rPr>
-              <a:t> </a:t>
-            </a:r>
-            <a:r>
-              <a:rPr lang="en-US" altLang="zh-CN" sz="1050" spc="400" dirty="0" err="1">
-                <a:solidFill>
-                  <a:schemeClr val="tx1"/>
-                </a:solidFill>
-              </a:rPr>
-              <a:t>zhao</a:t>
-            </a:r>
-            <a:r>
-              <a:rPr lang="en-US" altLang="zh-CN" sz="1050" spc="400" dirty="0">
-                <a:solidFill>
-                  <a:schemeClr val="tx1"/>
-                </a:solidFill>
-              </a:rPr>
-              <a:t>, </a:t>
-            </a:r>
-            <a:r>
-              <a:rPr lang="en-US" altLang="zh-CN" sz="1050" spc="400" dirty="0" err="1">
-                <a:solidFill>
-                  <a:schemeClr val="tx1"/>
-                </a:solidFill>
-              </a:rPr>
-              <a:t>Yiheng</a:t>
-            </a:r>
-            <a:r>
-              <a:rPr lang="en-US" altLang="zh-CN" sz="1050" spc="400" dirty="0">
-                <a:solidFill>
-                  <a:schemeClr val="tx1"/>
-                </a:solidFill>
-              </a:rPr>
-              <a:t> Zhu</a:t>
-            </a:r>
-            <a:endParaRPr lang="en-US" sz="1050" spc="400" dirty="0">
-              <a:solidFill>
-                <a:schemeClr val="tx1"/>
-              </a:solidFill>
-            </a:endParaRPr>
-          </a:p>
-        </p:txBody>
-      </p:sp>
-      <p:sp>
-        <p:nvSpPr>
-          <p:cNvPr id="41" name="Freeform 6">
-            <a:extLst>
-              <a:ext uri="{FF2B5EF4-FFF2-40B4-BE49-F238E27FC236}">
-                <a16:creationId xmlns:a16="http://schemas.microsoft.com/office/drawing/2014/main" id="{397636A1-434C-40B3-A908-6730DB23CA9F}"/>
-              </a:ext>
-              <a:ext uri="{C183D7F6-B498-43B3-948B-1728B52AA6E4}">
-                <adec:decorative xmlns:adec="http://schemas.microsoft.com/office/drawing/2017/decorative" val="1"/>
-              </a:ext>
-            </a:extLst>
-          </p:cNvPr>
-          <p:cNvSpPr>
-            <a:spLocks noGrp="1" noRot="1" noChangeAspect="1" noMove="1" noResize="1" noEditPoints="1" noAdjustHandles="1" noChangeArrowheads="1" noChangeShapeType="1" noTextEdit="1"/>
-          </p:cNvSpPr>
-          <p:nvPr>
-            <p:extLst>
-              <p:ext uri="{386F3935-93C4-4BCD-93E2-E3B085C9AB24}">
-                <p16:designElem xmlns:p16="http://schemas.microsoft.com/office/powerpoint/2015/main" val="1"/>
-              </p:ext>
-            </p:extLst>
-          </p:nvPr>
-        </p:nvSpPr>
-        <p:spPr bwMode="auto">
-          <a:xfrm>
-            <a:off x="0" y="0"/>
-            <a:ext cx="664368" cy="5143500"/>
-          </a:xfrm>
-          <a:custGeom>
-            <a:avLst/>
-            <a:gdLst/>
-            <a:ahLst/>
-            <a:cxnLst/>
-            <a:rect l="0" t="0" r="r" b="b"/>
-            <a:pathLst>
-              <a:path w="558" h="4320">
-                <a:moveTo>
-                  <a:pt x="0" y="0"/>
-                </a:moveTo>
-                <a:lnTo>
-                  <a:pt x="447" y="0"/>
-                </a:lnTo>
-                <a:lnTo>
-                  <a:pt x="448" y="43"/>
-                </a:lnTo>
-                <a:lnTo>
-                  <a:pt x="453" y="81"/>
-                </a:lnTo>
-                <a:lnTo>
-                  <a:pt x="460" y="114"/>
-                </a:lnTo>
-                <a:lnTo>
-                  <a:pt x="469" y="143"/>
-                </a:lnTo>
-                <a:lnTo>
-                  <a:pt x="479" y="169"/>
-                </a:lnTo>
-                <a:lnTo>
-                  <a:pt x="491" y="192"/>
-                </a:lnTo>
-                <a:lnTo>
-                  <a:pt x="503" y="216"/>
-                </a:lnTo>
-                <a:lnTo>
-                  <a:pt x="515" y="240"/>
-                </a:lnTo>
-                <a:lnTo>
-                  <a:pt x="525" y="263"/>
-                </a:lnTo>
-                <a:lnTo>
-                  <a:pt x="535" y="289"/>
-                </a:lnTo>
-                <a:lnTo>
-                  <a:pt x="545" y="318"/>
-                </a:lnTo>
-                <a:lnTo>
-                  <a:pt x="552" y="351"/>
-                </a:lnTo>
-                <a:lnTo>
-                  <a:pt x="556" y="389"/>
-                </a:lnTo>
-                <a:lnTo>
-                  <a:pt x="558" y="432"/>
-                </a:lnTo>
-                <a:lnTo>
-                  <a:pt x="556" y="475"/>
-                </a:lnTo>
-                <a:lnTo>
-                  <a:pt x="552" y="513"/>
-                </a:lnTo>
-                <a:lnTo>
-                  <a:pt x="545" y="546"/>
-                </a:lnTo>
-                <a:lnTo>
-                  <a:pt x="535" y="575"/>
-                </a:lnTo>
-                <a:lnTo>
-                  <a:pt x="525" y="601"/>
-                </a:lnTo>
-                <a:lnTo>
-                  <a:pt x="515" y="624"/>
-                </a:lnTo>
-                <a:lnTo>
-                  <a:pt x="503" y="648"/>
-                </a:lnTo>
-                <a:lnTo>
-                  <a:pt x="491" y="672"/>
-                </a:lnTo>
-                <a:lnTo>
-                  <a:pt x="479" y="695"/>
-                </a:lnTo>
-                <a:lnTo>
-                  <a:pt x="469" y="721"/>
-                </a:lnTo>
-                <a:lnTo>
-                  <a:pt x="460" y="750"/>
-                </a:lnTo>
-                <a:lnTo>
-                  <a:pt x="453" y="783"/>
-                </a:lnTo>
-                <a:lnTo>
-                  <a:pt x="448" y="821"/>
-                </a:lnTo>
-                <a:lnTo>
-                  <a:pt x="447" y="864"/>
-                </a:lnTo>
-                <a:lnTo>
-                  <a:pt x="448" y="907"/>
-                </a:lnTo>
-                <a:lnTo>
-                  <a:pt x="453" y="945"/>
-                </a:lnTo>
-                <a:lnTo>
-                  <a:pt x="460" y="978"/>
-                </a:lnTo>
-                <a:lnTo>
-                  <a:pt x="469" y="1007"/>
-                </a:lnTo>
-                <a:lnTo>
-                  <a:pt x="479" y="1033"/>
-                </a:lnTo>
-                <a:lnTo>
-                  <a:pt x="491" y="1056"/>
-                </a:lnTo>
-                <a:lnTo>
-                  <a:pt x="503" y="1080"/>
-                </a:lnTo>
-                <a:lnTo>
-                  <a:pt x="515" y="1104"/>
-                </a:lnTo>
-                <a:lnTo>
-                  <a:pt x="525" y="1127"/>
-                </a:lnTo>
-                <a:lnTo>
-                  <a:pt x="535" y="1153"/>
-                </a:lnTo>
-                <a:lnTo>
-                  <a:pt x="545" y="1182"/>
-                </a:lnTo>
-                <a:lnTo>
-                  <a:pt x="552" y="1215"/>
-                </a:lnTo>
-                <a:lnTo>
-                  <a:pt x="556" y="1253"/>
-                </a:lnTo>
-                <a:lnTo>
-                  <a:pt x="558" y="1296"/>
-                </a:lnTo>
-                <a:lnTo>
-                  <a:pt x="556" y="1339"/>
-                </a:lnTo>
-                <a:lnTo>
-                  <a:pt x="552" y="1377"/>
-                </a:lnTo>
-                <a:lnTo>
-                  <a:pt x="545" y="1410"/>
-                </a:lnTo>
-                <a:lnTo>
-                  <a:pt x="535" y="1439"/>
-                </a:lnTo>
-                <a:lnTo>
-                  <a:pt x="525" y="1465"/>
-                </a:lnTo>
-                <a:lnTo>
-                  <a:pt x="515" y="1488"/>
-                </a:lnTo>
-                <a:lnTo>
-                  <a:pt x="503" y="1512"/>
-                </a:lnTo>
-                <a:lnTo>
-                  <a:pt x="491" y="1536"/>
-                </a:lnTo>
-                <a:lnTo>
-                  <a:pt x="479" y="1559"/>
-                </a:lnTo>
-                <a:lnTo>
-                  <a:pt x="469" y="1585"/>
-                </a:lnTo>
-                <a:lnTo>
-                  <a:pt x="460" y="1614"/>
-                </a:lnTo>
-                <a:lnTo>
-                  <a:pt x="453" y="1647"/>
-                </a:lnTo>
-                <a:lnTo>
-                  <a:pt x="448" y="1685"/>
-                </a:lnTo>
-                <a:lnTo>
-                  <a:pt x="447" y="1728"/>
-                </a:lnTo>
-                <a:lnTo>
-                  <a:pt x="448" y="1771"/>
-                </a:lnTo>
-                <a:lnTo>
-                  <a:pt x="453" y="1809"/>
-                </a:lnTo>
-                <a:lnTo>
-                  <a:pt x="460" y="1842"/>
-                </a:lnTo>
-                <a:lnTo>
-                  <a:pt x="469" y="1871"/>
-                </a:lnTo>
-                <a:lnTo>
-                  <a:pt x="479" y="1897"/>
-                </a:lnTo>
-                <a:lnTo>
-                  <a:pt x="491" y="1920"/>
-                </a:lnTo>
-                <a:lnTo>
-                  <a:pt x="503" y="1944"/>
-                </a:lnTo>
-                <a:lnTo>
-                  <a:pt x="515" y="1968"/>
-                </a:lnTo>
-                <a:lnTo>
-                  <a:pt x="525" y="1991"/>
-                </a:lnTo>
-                <a:lnTo>
-                  <a:pt x="535" y="2017"/>
-                </a:lnTo>
-                <a:lnTo>
-                  <a:pt x="545" y="2046"/>
-                </a:lnTo>
-                <a:lnTo>
-                  <a:pt x="552" y="2079"/>
-                </a:lnTo>
-                <a:lnTo>
-                  <a:pt x="556" y="2117"/>
-                </a:lnTo>
-                <a:lnTo>
-                  <a:pt x="558" y="2159"/>
-                </a:lnTo>
-                <a:lnTo>
-                  <a:pt x="556" y="2203"/>
-                </a:lnTo>
-                <a:lnTo>
-                  <a:pt x="552" y="2241"/>
-                </a:lnTo>
-                <a:lnTo>
-                  <a:pt x="545" y="2274"/>
-                </a:lnTo>
-                <a:lnTo>
-                  <a:pt x="535" y="2303"/>
-                </a:lnTo>
-                <a:lnTo>
-                  <a:pt x="525" y="2329"/>
-                </a:lnTo>
-                <a:lnTo>
-                  <a:pt x="515" y="2352"/>
-                </a:lnTo>
-                <a:lnTo>
-                  <a:pt x="503" y="2376"/>
-                </a:lnTo>
-                <a:lnTo>
-                  <a:pt x="491" y="2400"/>
-                </a:lnTo>
-                <a:lnTo>
-                  <a:pt x="479" y="2423"/>
-                </a:lnTo>
-                <a:lnTo>
-                  <a:pt x="469" y="2449"/>
-                </a:lnTo>
-                <a:lnTo>
-                  <a:pt x="460" y="2478"/>
-                </a:lnTo>
-                <a:lnTo>
-                  <a:pt x="453" y="2511"/>
-                </a:lnTo>
-                <a:lnTo>
-                  <a:pt x="448" y="2549"/>
-                </a:lnTo>
-                <a:lnTo>
-                  <a:pt x="447" y="2592"/>
-                </a:lnTo>
-                <a:lnTo>
-                  <a:pt x="448" y="2635"/>
-                </a:lnTo>
-                <a:lnTo>
-                  <a:pt x="453" y="2673"/>
-                </a:lnTo>
-                <a:lnTo>
-                  <a:pt x="460" y="2706"/>
-                </a:lnTo>
-                <a:lnTo>
-                  <a:pt x="469" y="2735"/>
-                </a:lnTo>
-                <a:lnTo>
-                  <a:pt x="479" y="2761"/>
-                </a:lnTo>
-                <a:lnTo>
-                  <a:pt x="491" y="2784"/>
-                </a:lnTo>
-                <a:lnTo>
-                  <a:pt x="515" y="2832"/>
-                </a:lnTo>
-                <a:lnTo>
-                  <a:pt x="525" y="2855"/>
-                </a:lnTo>
-                <a:lnTo>
-                  <a:pt x="535" y="2881"/>
-                </a:lnTo>
-                <a:lnTo>
-                  <a:pt x="545" y="2910"/>
-                </a:lnTo>
-                <a:lnTo>
-                  <a:pt x="552" y="2943"/>
-                </a:lnTo>
-                <a:lnTo>
-                  <a:pt x="556" y="2981"/>
-                </a:lnTo>
-                <a:lnTo>
-                  <a:pt x="558" y="3024"/>
-                </a:lnTo>
-                <a:lnTo>
-                  <a:pt x="556" y="3067"/>
-                </a:lnTo>
-                <a:lnTo>
-                  <a:pt x="552" y="3105"/>
-                </a:lnTo>
-                <a:lnTo>
-                  <a:pt x="545" y="3138"/>
-                </a:lnTo>
-                <a:lnTo>
-                  <a:pt x="535" y="3167"/>
-                </a:lnTo>
-                <a:lnTo>
-                  <a:pt x="525" y="3193"/>
-                </a:lnTo>
-                <a:lnTo>
-                  <a:pt x="515" y="3216"/>
-                </a:lnTo>
-                <a:lnTo>
-                  <a:pt x="503" y="3240"/>
-                </a:lnTo>
-                <a:lnTo>
-                  <a:pt x="491" y="3264"/>
-                </a:lnTo>
-                <a:lnTo>
-                  <a:pt x="479" y="3287"/>
-                </a:lnTo>
-                <a:lnTo>
-                  <a:pt x="469" y="3313"/>
-                </a:lnTo>
-                <a:lnTo>
-                  <a:pt x="460" y="3342"/>
-                </a:lnTo>
-                <a:lnTo>
-                  <a:pt x="453" y="3375"/>
-                </a:lnTo>
-                <a:lnTo>
-                  <a:pt x="448" y="3413"/>
-                </a:lnTo>
-                <a:lnTo>
-                  <a:pt x="447" y="3456"/>
-                </a:lnTo>
-                <a:lnTo>
-                  <a:pt x="448" y="3499"/>
-                </a:lnTo>
-                <a:lnTo>
-                  <a:pt x="453" y="3537"/>
-                </a:lnTo>
-                <a:lnTo>
-                  <a:pt x="460" y="3570"/>
-                </a:lnTo>
-                <a:lnTo>
-                  <a:pt x="469" y="3599"/>
-                </a:lnTo>
-                <a:lnTo>
-                  <a:pt x="479" y="3625"/>
-                </a:lnTo>
-                <a:lnTo>
-                  <a:pt x="491" y="3648"/>
-                </a:lnTo>
-                <a:lnTo>
-                  <a:pt x="503" y="3672"/>
-                </a:lnTo>
-                <a:lnTo>
-                  <a:pt x="515" y="3696"/>
-                </a:lnTo>
-                <a:lnTo>
-                  <a:pt x="525" y="3719"/>
-                </a:lnTo>
-                <a:lnTo>
-                  <a:pt x="535" y="3745"/>
-                </a:lnTo>
-                <a:lnTo>
-                  <a:pt x="545" y="3774"/>
-                </a:lnTo>
-                <a:lnTo>
-                  <a:pt x="552" y="3807"/>
-                </a:lnTo>
-                <a:lnTo>
-                  <a:pt x="556" y="3845"/>
-                </a:lnTo>
-                <a:lnTo>
-                  <a:pt x="558" y="3888"/>
-                </a:lnTo>
-                <a:lnTo>
-                  <a:pt x="556" y="3931"/>
-                </a:lnTo>
-                <a:lnTo>
-                  <a:pt x="552" y="3969"/>
-                </a:lnTo>
-                <a:lnTo>
-                  <a:pt x="545" y="4002"/>
-                </a:lnTo>
-                <a:lnTo>
-                  <a:pt x="535" y="4031"/>
-                </a:lnTo>
-                <a:lnTo>
-                  <a:pt x="525" y="4057"/>
-                </a:lnTo>
-                <a:lnTo>
-                  <a:pt x="515" y="4080"/>
-                </a:lnTo>
-                <a:lnTo>
-                  <a:pt x="503" y="4104"/>
-                </a:lnTo>
-                <a:lnTo>
-                  <a:pt x="491" y="4128"/>
-                </a:lnTo>
-                <a:lnTo>
-                  <a:pt x="479" y="4151"/>
-                </a:lnTo>
-                <a:lnTo>
-                  <a:pt x="469" y="4177"/>
-                </a:lnTo>
-                <a:lnTo>
-                  <a:pt x="460" y="4206"/>
-                </a:lnTo>
-                <a:lnTo>
-                  <a:pt x="453" y="4239"/>
-                </a:lnTo>
-                <a:lnTo>
-                  <a:pt x="448" y="4277"/>
-                </a:lnTo>
-                <a:lnTo>
-                  <a:pt x="447" y="4320"/>
-                </a:lnTo>
-                <a:lnTo>
-                  <a:pt x="0" y="4320"/>
-                </a:lnTo>
-                <a:lnTo>
-                  <a:pt x="0" y="0"/>
-                </a:lnTo>
-                <a:close/>
-              </a:path>
-            </a:pathLst>
-          </a:custGeom>
-          <a:solidFill>
-            <a:schemeClr val="tx2"/>
-          </a:solidFill>
-          <a:ln w="0">
-            <a:noFill/>
-            <a:prstDash val="solid"/>
-            <a:round/>
-            <a:headEnd/>
-            <a:tailEnd/>
-          </a:ln>
-        </p:spPr>
-      </p:sp>
-      <p:pic>
-        <p:nvPicPr>
-          <p:cNvPr id="10" name="Picture 9">
-            <a:extLst>
-              <a:ext uri="{FF2B5EF4-FFF2-40B4-BE49-F238E27FC236}">
-                <a16:creationId xmlns:a16="http://schemas.microsoft.com/office/drawing/2014/main" id="{EBB38109-E385-B546-860F-79BC932F293F}"/>
-              </a:ext>
-            </a:extLst>
-          </p:cNvPr>
-          <p:cNvPicPr>
-            <a:picLocks noChangeAspect="1"/>
-          </p:cNvPicPr>
-          <p:nvPr/>
-        </p:nvPicPr>
-        <p:blipFill rotWithShape="1">
-          <a:blip r:embed="rId3"/>
-          <a:srcRect r="47419" b="1780"/>
-          <a:stretch/>
-        </p:blipFill>
-        <p:spPr>
-          <a:xfrm>
-            <a:off x="3214138" y="362271"/>
-            <a:ext cx="3188651" cy="2456983"/>
-          </a:xfrm>
-          <a:prstGeom prst="rect">
-            <a:avLst/>
-          </a:prstGeom>
-        </p:spPr>
-      </p:pic>
-    </p:spTree>
-    <p:extLst>
-      <p:ext uri="{BB962C8B-B14F-4D97-AF65-F5344CB8AC3E}">
-        <p14:creationId xmlns:p14="http://schemas.microsoft.com/office/powerpoint/2010/main" val="3694772625"/>
-      </p:ext>
-    </p:extLst>
-  </p:cSld>
-  <p:clrMapOvr>
-    <a:masterClrMapping/>
-  </p:clrMapOvr>
-</p:sld>
-</file>
-
-<file path=ppt/slides/slide3.xml><?xml version="1.0" encoding="utf-8"?>
-<p:sld xmlns:a="http://schemas.openxmlformats.org/drawingml/2006/main" xmlns:r="http://schemas.openxmlformats.org/officeDocument/2006/relationships" xmlns:p="http://schemas.openxmlformats.org/presentationml/2006/main">
-  <p:cSld>
-    <p:bg>
-      <p:bgPr>
-        <a:solidFill>
           <a:schemeClr val="bg2"/>
         </a:solidFill>
         <a:effectLst/>
@@ -17368,7 +16090,7 @@
           <p:nvPr>
             <p:extLst>
               <p:ext uri="{D42A27DB-BD31-4B8C-83A1-F6EECF244321}">
-                <p14:modId xmlns:p14="http://schemas.microsoft.com/office/powerpoint/2010/main" val="658152366"/>
+                <p14:modId xmlns:p14="http://schemas.microsoft.com/office/powerpoint/2010/main" val="3597121854"/>
               </p:ext>
             </p:extLst>
           </p:nvPr>
@@ -17391,7 +16113,7 @@
 </p:sld>
 </file>
 
-<file path=ppt/slides/slide4.xml><?xml version="1.0" encoding="utf-8"?>
+<file path=ppt/slides/slide3.xml><?xml version="1.0" encoding="utf-8"?>
 <p:sld xmlns:a="http://schemas.openxmlformats.org/drawingml/2006/main" xmlns:r="http://schemas.openxmlformats.org/officeDocument/2006/relationships" xmlns:p="http://schemas.openxmlformats.org/presentationml/2006/main">
   <p:cSld>
     <p:spTree>
@@ -17457,7 +16179,7 @@
           <p:nvPr>
             <p:extLst>
               <p:ext uri="{D42A27DB-BD31-4B8C-83A1-F6EECF244321}">
-                <p14:modId xmlns:p14="http://schemas.microsoft.com/office/powerpoint/2010/main" val="3896542593"/>
+                <p14:modId xmlns:p14="http://schemas.microsoft.com/office/powerpoint/2010/main" val="2390257126"/>
               </p:ext>
             </p:extLst>
           </p:nvPr>
@@ -17738,7 +16460,7 @@
                       </a:pPr>
                       <a:r>
                         <a:rPr lang="en" sz="1400" dirty="0"/>
-                        <a:t>Understand how different factors impact ridership frequency</a:t>
+                        <a:t>Understand how different factors impact ridership</a:t>
                       </a:r>
                       <a:endParaRPr sz="1400" dirty="0"/>
                     </a:p>
@@ -17783,7 +16505,7 @@
                     <a:bodyPr/>
                     <a:lstStyle/>
                     <a:p>
-                      <a:pPr marL="285750" lvl="0" indent="-285750" algn="l" rtl="0">
+                      <a:pPr marL="412750" marR="0" lvl="0" indent="-285750" algn="l" defTabSz="685800" rtl="0" eaLnBrk="1" fontAlgn="auto" latinLnBrk="0" hangingPunct="1">
                         <a:lnSpc>
                           <a:spcPct val="150000"/>
                         </a:lnSpc>
@@ -17793,8 +16515,12 @@
                         <a:spcAft>
                           <a:spcPts val="0"/>
                         </a:spcAft>
+                        <a:buClrTx/>
+                        <a:buSzPts val="1600"/>
                         <a:buFont typeface="Wingdings" pitchFamily="2" charset="2"/>
                         <a:buChar char="v"/>
+                        <a:tabLst/>
+                        <a:defRPr/>
                       </a:pPr>
                       <a:r>
                         <a:rPr lang="en" sz="1400" dirty="0"/>
@@ -17823,7 +16549,7 @@
                       </a:pPr>
                       <a:r>
                         <a:rPr lang="en" sz="1400" dirty="0"/>
-                        <a:t>Understand how fare and tips vary in different circumstances</a:t>
+                        <a:t>Understand how tips vary in different circumstances</a:t>
                       </a:r>
                       <a:endParaRPr sz="1400" dirty="0"/>
                     </a:p>
@@ -17868,7 +16594,7 @@
                     <a:bodyPr/>
                     <a:lstStyle/>
                     <a:p>
-                      <a:pPr marL="285750" lvl="0" indent="-285750" algn="l" rtl="0">
+                      <a:pPr marL="412750" marR="0" lvl="0" indent="-285750" algn="l" defTabSz="685800" rtl="0" eaLnBrk="1" fontAlgn="auto" latinLnBrk="0" hangingPunct="1">
                         <a:lnSpc>
                           <a:spcPct val="150000"/>
                         </a:lnSpc>
@@ -17878,14 +16604,17 @@
                         <a:spcAft>
                           <a:spcPts val="0"/>
                         </a:spcAft>
+                        <a:buClrTx/>
+                        <a:buSzPts val="1600"/>
                         <a:buFont typeface="Wingdings" pitchFamily="2" charset="2"/>
                         <a:buChar char="v"/>
+                        <a:tabLst/>
+                        <a:defRPr/>
                       </a:pPr>
                       <a:r>
                         <a:rPr lang="en" sz="1400" dirty="0"/>
                         <a:t>Time-efficient and safer service </a:t>
                       </a:r>
-                      <a:endParaRPr sz="1400" dirty="0"/>
                     </a:p>
                   </a:txBody>
                   <a:tcPr marL="91425" marR="91425" marT="91425" marB="91425" anchor="ctr"/>
@@ -17934,1540 +16663,7 @@
 </p:sld>
 </file>
 
-<file path=ppt/slides/slide5.xml><?xml version="1.0" encoding="utf-8"?>
-<p:sld xmlns:a="http://schemas.openxmlformats.org/drawingml/2006/main" xmlns:r="http://schemas.openxmlformats.org/officeDocument/2006/relationships" xmlns:p="http://schemas.openxmlformats.org/presentationml/2006/main">
-  <p:cSld>
-    <p:spTree>
-      <p:nvGrpSpPr>
-        <p:cNvPr id="1" name="Shape 71"/>
-        <p:cNvGrpSpPr/>
-        <p:nvPr/>
-      </p:nvGrpSpPr>
-      <p:grpSpPr>
-        <a:xfrm>
-          <a:off x="0" y="0"/>
-          <a:ext cx="0" cy="0"/>
-          <a:chOff x="0" y="0"/>
-          <a:chExt cx="0" cy="0"/>
-        </a:xfrm>
-      </p:grpSpPr>
-      <p:sp>
-        <p:nvSpPr>
-          <p:cNvPr id="72" name="Google Shape;72;p16"/>
-          <p:cNvSpPr txBox="1">
-            <a:spLocks noGrp="1"/>
-          </p:cNvSpPr>
-          <p:nvPr>
-            <p:ph type="title"/>
-          </p:nvPr>
-        </p:nvSpPr>
-        <p:spPr>
-          <a:xfrm>
-            <a:off x="762924" y="149978"/>
-            <a:ext cx="8520600" cy="572700"/>
-          </a:xfrm>
-          <a:prstGeom prst="rect">
-            <a:avLst/>
-          </a:prstGeom>
-        </p:spPr>
-        <p:txBody>
-          <a:bodyPr spcFirstLastPara="1" wrap="square" lIns="91425" tIns="91425" rIns="91425" bIns="91425" anchor="t" anchorCtr="0">
-            <a:noAutofit/>
-          </a:bodyPr>
-          <a:lstStyle/>
-          <a:p>
-            <a:pPr marL="0" lvl="0" indent="0" algn="l" rtl="0">
-              <a:spcBef>
-                <a:spcPts val="0"/>
-              </a:spcBef>
-              <a:spcAft>
-                <a:spcPts val="0"/>
-              </a:spcAft>
-              <a:buNone/>
-            </a:pPr>
-            <a:r>
-              <a:rPr lang="en" dirty="0"/>
-              <a:t>Solution overview: Data / Tools</a:t>
-            </a:r>
-            <a:endParaRPr dirty="0"/>
-          </a:p>
-        </p:txBody>
-      </p:sp>
-      <p:pic>
-        <p:nvPicPr>
-          <p:cNvPr id="74" name="Google Shape;74;p16"/>
-          <p:cNvPicPr preferRelativeResize="0"/>
-          <p:nvPr/>
-        </p:nvPicPr>
-        <p:blipFill rotWithShape="1">
-          <a:blip r:embed="rId3">
-            <a:alphaModFix/>
-          </a:blip>
-          <a:srcRect l="-850" t="-4310" r="849" b="4310"/>
-          <a:stretch/>
-        </p:blipFill>
-        <p:spPr>
-          <a:xfrm>
-            <a:off x="2760715" y="5154438"/>
-            <a:ext cx="4080841" cy="1323439"/>
-          </a:xfrm>
-          <a:prstGeom prst="rect">
-            <a:avLst/>
-          </a:prstGeom>
-          <a:noFill/>
-          <a:ln>
-            <a:noFill/>
-          </a:ln>
-        </p:spPr>
-      </p:pic>
-      <p:sp>
-        <p:nvSpPr>
-          <p:cNvPr id="5" name="Rectangle 4" descr="User Network">
-            <a:extLst>
-              <a:ext uri="{FF2B5EF4-FFF2-40B4-BE49-F238E27FC236}">
-                <a16:creationId xmlns:a16="http://schemas.microsoft.com/office/drawing/2014/main" id="{787868F7-F077-BA41-8E5E-2D17E8CAD06D}"/>
-              </a:ext>
-            </a:extLst>
-          </p:cNvPr>
-          <p:cNvSpPr/>
-          <p:nvPr/>
-        </p:nvSpPr>
-        <p:spPr>
-          <a:xfrm>
-            <a:off x="860275" y="733980"/>
-            <a:ext cx="278373" cy="278373"/>
-          </a:xfrm>
-          <a:prstGeom prst="rect">
-            <a:avLst/>
-          </a:prstGeom>
-          <a:blipFill>
-            <a:blip r:embed="rId4">
-              <a:extLst>
-                <a:ext uri="{28A0092B-C50C-407E-A947-70E740481C1C}">
-                  <a14:useLocalDpi xmlns:a14="http://schemas.microsoft.com/office/drawing/2010/main" val="0"/>
-                </a:ext>
-                <a:ext uri="{96DAC541-7B7A-43D3-8B79-37D633B846F1}">
-                  <asvg:svgBlip xmlns:asvg="http://schemas.microsoft.com/office/drawing/2016/SVG/main" r:embed="rId5"/>
-                </a:ext>
-              </a:extLst>
-            </a:blip>
-            <a:stretch>
-              <a:fillRect/>
-            </a:stretch>
-          </a:blipFill>
-          <a:ln>
-            <a:noFill/>
-          </a:ln>
-        </p:spPr>
-        <p:style>
-          <a:lnRef idx="2">
-            <a:scrgbClr r="0" g="0" b="0"/>
-          </a:lnRef>
-          <a:fillRef idx="1">
-            <a:scrgbClr r="0" g="0" b="0"/>
-          </a:fillRef>
-          <a:effectRef idx="0">
-            <a:schemeClr val="accent2">
-              <a:hueOff val="0"/>
-              <a:satOff val="0"/>
-              <a:lumOff val="0"/>
-              <a:alphaOff val="0"/>
-            </a:schemeClr>
-          </a:effectRef>
-          <a:fontRef idx="minor">
-            <a:schemeClr val="lt1"/>
-          </a:fontRef>
-        </p:style>
-      </p:sp>
-      <p:sp>
-        <p:nvSpPr>
-          <p:cNvPr id="6" name="Rectangle 5" descr="Marker">
-            <a:extLst>
-              <a:ext uri="{FF2B5EF4-FFF2-40B4-BE49-F238E27FC236}">
-                <a16:creationId xmlns:a16="http://schemas.microsoft.com/office/drawing/2014/main" id="{0FFDB7A4-37E7-3542-90CE-F1E38A9143AC}"/>
-              </a:ext>
-            </a:extLst>
-          </p:cNvPr>
-          <p:cNvSpPr/>
-          <p:nvPr/>
-        </p:nvSpPr>
-        <p:spPr>
-          <a:xfrm>
-            <a:off x="7158226" y="739313"/>
-            <a:ext cx="316586" cy="316586"/>
-          </a:xfrm>
-          <a:prstGeom prst="rect">
-            <a:avLst/>
-          </a:prstGeom>
-          <a:blipFill>
-            <a:blip r:embed="rId6">
-              <a:extLst>
-                <a:ext uri="{28A0092B-C50C-407E-A947-70E740481C1C}">
-                  <a14:useLocalDpi xmlns:a14="http://schemas.microsoft.com/office/drawing/2010/main" val="0"/>
-                </a:ext>
-                <a:ext uri="{96DAC541-7B7A-43D3-8B79-37D633B846F1}">
-                  <asvg:svgBlip xmlns:asvg="http://schemas.microsoft.com/office/drawing/2016/SVG/main" r:embed="rId7"/>
-                </a:ext>
-              </a:extLst>
-            </a:blip>
-            <a:stretch>
-              <a:fillRect/>
-            </a:stretch>
-          </a:blipFill>
-          <a:ln>
-            <a:noFill/>
-          </a:ln>
-        </p:spPr>
-        <p:style>
-          <a:lnRef idx="2">
-            <a:scrgbClr r="0" g="0" b="0"/>
-          </a:lnRef>
-          <a:fillRef idx="1">
-            <a:scrgbClr r="0" g="0" b="0"/>
-          </a:fillRef>
-          <a:effectRef idx="0">
-            <a:schemeClr val="accent3">
-              <a:hueOff val="0"/>
-              <a:satOff val="0"/>
-              <a:lumOff val="0"/>
-              <a:alphaOff val="0"/>
-            </a:schemeClr>
-          </a:effectRef>
-          <a:fontRef idx="minor">
-            <a:schemeClr val="lt1"/>
-          </a:fontRef>
-        </p:style>
-      </p:sp>
-      <p:sp>
-        <p:nvSpPr>
-          <p:cNvPr id="7" name="Rectangle 6" descr="Database">
-            <a:extLst>
-              <a:ext uri="{FF2B5EF4-FFF2-40B4-BE49-F238E27FC236}">
-                <a16:creationId xmlns:a16="http://schemas.microsoft.com/office/drawing/2014/main" id="{82E23796-1D46-3444-B77B-FF11BB210C93}"/>
-              </a:ext>
-            </a:extLst>
-          </p:cNvPr>
-          <p:cNvSpPr/>
-          <p:nvPr/>
-        </p:nvSpPr>
-        <p:spPr>
-          <a:xfrm>
-            <a:off x="3644759" y="1621702"/>
-            <a:ext cx="316586" cy="316586"/>
-          </a:xfrm>
-          <a:prstGeom prst="rect">
-            <a:avLst/>
-          </a:prstGeom>
-          <a:blipFill>
-            <a:blip r:embed="rId8">
-              <a:extLst>
-                <a:ext uri="{28A0092B-C50C-407E-A947-70E740481C1C}">
-                  <a14:useLocalDpi xmlns:a14="http://schemas.microsoft.com/office/drawing/2010/main" val="0"/>
-                </a:ext>
-                <a:ext uri="{96DAC541-7B7A-43D3-8B79-37D633B846F1}">
-                  <asvg:svgBlip xmlns:asvg="http://schemas.microsoft.com/office/drawing/2016/SVG/main" r:embed="rId9"/>
-                </a:ext>
-              </a:extLst>
-            </a:blip>
-            <a:stretch>
-              <a:fillRect/>
-            </a:stretch>
-          </a:blipFill>
-          <a:ln>
-            <a:noFill/>
-          </a:ln>
-        </p:spPr>
-        <p:style>
-          <a:lnRef idx="2">
-            <a:scrgbClr r="0" g="0" b="0"/>
-          </a:lnRef>
-          <a:fillRef idx="1">
-            <a:scrgbClr r="0" g="0" b="0"/>
-          </a:fillRef>
-          <a:effectRef idx="0">
-            <a:schemeClr val="accent4">
-              <a:hueOff val="0"/>
-              <a:satOff val="0"/>
-              <a:lumOff val="0"/>
-              <a:alphaOff val="0"/>
-            </a:schemeClr>
-          </a:effectRef>
-          <a:fontRef idx="minor">
-            <a:schemeClr val="lt1"/>
-          </a:fontRef>
-        </p:style>
-      </p:sp>
-      <p:sp>
-        <p:nvSpPr>
-          <p:cNvPr id="8" name="Rectangle 7" descr="Computer">
-            <a:extLst>
-              <a:ext uri="{FF2B5EF4-FFF2-40B4-BE49-F238E27FC236}">
-                <a16:creationId xmlns:a16="http://schemas.microsoft.com/office/drawing/2014/main" id="{68FDB242-06B3-F149-8F90-64EEEF916BBA}"/>
-              </a:ext>
-            </a:extLst>
-          </p:cNvPr>
-          <p:cNvSpPr/>
-          <p:nvPr/>
-        </p:nvSpPr>
-        <p:spPr>
-          <a:xfrm>
-            <a:off x="5055122" y="714873"/>
-            <a:ext cx="316586" cy="316586"/>
-          </a:xfrm>
-          <a:prstGeom prst="rect">
-            <a:avLst/>
-          </a:prstGeom>
-          <a:blipFill>
-            <a:blip r:embed="rId10">
-              <a:extLst>
-                <a:ext uri="{28A0092B-C50C-407E-A947-70E740481C1C}">
-                  <a14:useLocalDpi xmlns:a14="http://schemas.microsoft.com/office/drawing/2010/main" val="0"/>
-                </a:ext>
-                <a:ext uri="{96DAC541-7B7A-43D3-8B79-37D633B846F1}">
-                  <asvg:svgBlip xmlns:asvg="http://schemas.microsoft.com/office/drawing/2016/SVG/main" r:embed="rId11"/>
-                </a:ext>
-              </a:extLst>
-            </a:blip>
-            <a:stretch>
-              <a:fillRect/>
-            </a:stretch>
-          </a:blipFill>
-          <a:ln>
-            <a:noFill/>
-          </a:ln>
-        </p:spPr>
-        <p:style>
-          <a:lnRef idx="2">
-            <a:scrgbClr r="0" g="0" b="0"/>
-          </a:lnRef>
-          <a:fillRef idx="1">
-            <a:scrgbClr r="0" g="0" b="0"/>
-          </a:fillRef>
-          <a:effectRef idx="0">
-            <a:schemeClr val="accent5">
-              <a:hueOff val="0"/>
-              <a:satOff val="0"/>
-              <a:lumOff val="0"/>
-              <a:alphaOff val="0"/>
-            </a:schemeClr>
-          </a:effectRef>
-          <a:fontRef idx="minor">
-            <a:schemeClr val="lt1"/>
-          </a:fontRef>
-        </p:style>
-      </p:sp>
-      <p:sp>
-        <p:nvSpPr>
-          <p:cNvPr id="10" name="Rectangle 9" descr="Statistics">
-            <a:extLst>
-              <a:ext uri="{FF2B5EF4-FFF2-40B4-BE49-F238E27FC236}">
-                <a16:creationId xmlns:a16="http://schemas.microsoft.com/office/drawing/2014/main" id="{A038844B-DCB2-4B44-B7C0-3DBCED13BFE0}"/>
-              </a:ext>
-            </a:extLst>
-          </p:cNvPr>
-          <p:cNvSpPr/>
-          <p:nvPr/>
-        </p:nvSpPr>
-        <p:spPr>
-          <a:xfrm>
-            <a:off x="7253835" y="4010971"/>
-            <a:ext cx="316586" cy="316586"/>
-          </a:xfrm>
-          <a:prstGeom prst="rect">
-            <a:avLst/>
-          </a:prstGeom>
-          <a:blipFill>
-            <a:blip r:embed="rId12">
-              <a:extLst>
-                <a:ext uri="{28A0092B-C50C-407E-A947-70E740481C1C}">
-                  <a14:useLocalDpi xmlns:a14="http://schemas.microsoft.com/office/drawing/2010/main" val="0"/>
-                </a:ext>
-                <a:ext uri="{96DAC541-7B7A-43D3-8B79-37D633B846F1}">
-                  <asvg:svgBlip xmlns:asvg="http://schemas.microsoft.com/office/drawing/2016/SVG/main" r:embed="rId13"/>
-                </a:ext>
-              </a:extLst>
-            </a:blip>
-            <a:stretch>
-              <a:fillRect/>
-            </a:stretch>
-          </a:blipFill>
-          <a:ln>
-            <a:noFill/>
-          </a:ln>
-        </p:spPr>
-        <p:style>
-          <a:lnRef idx="2">
-            <a:scrgbClr r="0" g="0" b="0"/>
-          </a:lnRef>
-          <a:fillRef idx="1">
-            <a:scrgbClr r="0" g="0" b="0"/>
-          </a:fillRef>
-          <a:effectRef idx="0">
-            <a:schemeClr val="accent2">
-              <a:hueOff val="0"/>
-              <a:satOff val="0"/>
-              <a:lumOff val="0"/>
-              <a:alphaOff val="0"/>
-            </a:schemeClr>
-          </a:effectRef>
-          <a:fontRef idx="minor">
-            <a:schemeClr val="lt1"/>
-          </a:fontRef>
-        </p:style>
-      </p:sp>
-      <p:sp>
-        <p:nvSpPr>
-          <p:cNvPr id="3" name="Rectangle 2">
-            <a:extLst>
-              <a:ext uri="{FF2B5EF4-FFF2-40B4-BE49-F238E27FC236}">
-                <a16:creationId xmlns:a16="http://schemas.microsoft.com/office/drawing/2014/main" id="{0E863EEC-9505-0540-9710-A8485DD4B18F}"/>
-              </a:ext>
-            </a:extLst>
-          </p:cNvPr>
-          <p:cNvSpPr/>
-          <p:nvPr/>
-        </p:nvSpPr>
-        <p:spPr>
-          <a:xfrm>
-            <a:off x="822063" y="1007812"/>
-            <a:ext cx="2676049" cy="892552"/>
-          </a:xfrm>
-          <a:prstGeom prst="rect">
-            <a:avLst/>
-          </a:prstGeom>
-        </p:spPr>
-        <p:style>
-          <a:lnRef idx="2">
-            <a:schemeClr val="accent1"/>
-          </a:lnRef>
-          <a:fillRef idx="1">
-            <a:schemeClr val="lt1"/>
-          </a:fillRef>
-          <a:effectRef idx="0">
-            <a:schemeClr val="accent1"/>
-          </a:effectRef>
-          <a:fontRef idx="minor">
-            <a:schemeClr val="dk1"/>
-          </a:fontRef>
-        </p:style>
-        <p:txBody>
-          <a:bodyPr wrap="square">
-            <a:spAutoFit/>
-          </a:bodyPr>
-          <a:lstStyle/>
-          <a:p>
-            <a:r>
-              <a:rPr lang="en-US" sz="1200" b="1" dirty="0">
-                <a:solidFill>
-                  <a:srgbClr val="000000"/>
-                </a:solidFill>
-              </a:rPr>
-              <a:t>Transportation Network Providers </a:t>
-            </a:r>
-            <a:r>
-              <a:rPr lang="en-US" sz="1100" dirty="0">
-                <a:solidFill>
-                  <a:srgbClr val="000000"/>
-                </a:solidFill>
-              </a:rPr>
-              <a:t>– Trips by Location, Distance, Day/Time, Tips, etc.</a:t>
-            </a:r>
-            <a:endParaRPr lang="en-US" sz="1100" dirty="0"/>
-          </a:p>
-          <a:p>
-            <a:r>
-              <a:rPr lang="en-US" sz="800" dirty="0">
-                <a:solidFill>
-                  <a:srgbClr val="000000"/>
-                </a:solidFill>
-                <a:hlinkClick r:id="rId14"/>
-              </a:rPr>
-              <a:t>https://data.cityofchicago.org/Transportation/Transportation-Network-Providers-Trips/m6dm-c72p</a:t>
-            </a:r>
-            <a:endParaRPr lang="en-US" sz="800" dirty="0"/>
-          </a:p>
-        </p:txBody>
-      </p:sp>
-      <p:sp>
-        <p:nvSpPr>
-          <p:cNvPr id="12" name="Rectangle 11">
-            <a:extLst>
-              <a:ext uri="{FF2B5EF4-FFF2-40B4-BE49-F238E27FC236}">
-                <a16:creationId xmlns:a16="http://schemas.microsoft.com/office/drawing/2014/main" id="{1308A9A3-B533-6F41-B111-51822D10DC36}"/>
-              </a:ext>
-            </a:extLst>
-          </p:cNvPr>
-          <p:cNvSpPr/>
-          <p:nvPr/>
-        </p:nvSpPr>
-        <p:spPr>
-          <a:xfrm>
-            <a:off x="1077564" y="719128"/>
-            <a:ext cx="1471878" cy="338554"/>
-          </a:xfrm>
-          <a:prstGeom prst="rect">
-            <a:avLst/>
-          </a:prstGeom>
-        </p:spPr>
-        <p:txBody>
-          <a:bodyPr wrap="none">
-            <a:spAutoFit/>
-          </a:bodyPr>
-          <a:lstStyle/>
-          <a:p>
-            <a:r>
-              <a:rPr lang="en-US" sz="1600" b="1" dirty="0">
-                <a:solidFill>
-                  <a:srgbClr val="000000"/>
-                </a:solidFill>
-              </a:rPr>
-              <a:t>Main dataset:</a:t>
-            </a:r>
-            <a:endParaRPr lang="en-US" sz="1600" b="1" dirty="0"/>
-          </a:p>
-        </p:txBody>
-      </p:sp>
-      <p:sp>
-        <p:nvSpPr>
-          <p:cNvPr id="16" name="Rectangle 15" descr="User Network">
-            <a:extLst>
-              <a:ext uri="{FF2B5EF4-FFF2-40B4-BE49-F238E27FC236}">
-                <a16:creationId xmlns:a16="http://schemas.microsoft.com/office/drawing/2014/main" id="{C1160C6A-79BE-CC4E-A518-53245D692952}"/>
-              </a:ext>
-            </a:extLst>
-          </p:cNvPr>
-          <p:cNvSpPr/>
-          <p:nvPr/>
-        </p:nvSpPr>
-        <p:spPr>
-          <a:xfrm>
-            <a:off x="860275" y="1907125"/>
-            <a:ext cx="278373" cy="278373"/>
-          </a:xfrm>
-          <a:prstGeom prst="rect">
-            <a:avLst/>
-          </a:prstGeom>
-          <a:blipFill>
-            <a:blip r:embed="rId4">
-              <a:extLst>
-                <a:ext uri="{28A0092B-C50C-407E-A947-70E740481C1C}">
-                  <a14:useLocalDpi xmlns:a14="http://schemas.microsoft.com/office/drawing/2010/main" val="0"/>
-                </a:ext>
-                <a:ext uri="{96DAC541-7B7A-43D3-8B79-37D633B846F1}">
-                  <asvg:svgBlip xmlns:asvg="http://schemas.microsoft.com/office/drawing/2016/SVG/main" r:embed="rId15"/>
-                </a:ext>
-              </a:extLst>
-            </a:blip>
-            <a:stretch>
-              <a:fillRect/>
-            </a:stretch>
-          </a:blipFill>
-          <a:ln>
-            <a:noFill/>
-          </a:ln>
-        </p:spPr>
-        <p:style>
-          <a:lnRef idx="2">
-            <a:scrgbClr r="0" g="0" b="0"/>
-          </a:lnRef>
-          <a:fillRef idx="1">
-            <a:scrgbClr r="0" g="0" b="0"/>
-          </a:fillRef>
-          <a:effectRef idx="0">
-            <a:schemeClr val="accent2">
-              <a:hueOff val="0"/>
-              <a:satOff val="0"/>
-              <a:lumOff val="0"/>
-              <a:alphaOff val="0"/>
-            </a:schemeClr>
-          </a:effectRef>
-          <a:fontRef idx="minor">
-            <a:schemeClr val="lt1"/>
-          </a:fontRef>
-        </p:style>
-      </p:sp>
-      <p:sp>
-        <p:nvSpPr>
-          <p:cNvPr id="17" name="Rectangle 16">
-            <a:extLst>
-              <a:ext uri="{FF2B5EF4-FFF2-40B4-BE49-F238E27FC236}">
-                <a16:creationId xmlns:a16="http://schemas.microsoft.com/office/drawing/2014/main" id="{0D4CAA92-3AFF-CE48-9084-B5E96BE3676D}"/>
-              </a:ext>
-            </a:extLst>
-          </p:cNvPr>
-          <p:cNvSpPr/>
-          <p:nvPr/>
-        </p:nvSpPr>
-        <p:spPr>
-          <a:xfrm>
-            <a:off x="813641" y="2185498"/>
-            <a:ext cx="2676049" cy="738664"/>
-          </a:xfrm>
-          <a:prstGeom prst="rect">
-            <a:avLst/>
-          </a:prstGeom>
-        </p:spPr>
-        <p:style>
-          <a:lnRef idx="2">
-            <a:schemeClr val="accent1"/>
-          </a:lnRef>
-          <a:fillRef idx="1">
-            <a:schemeClr val="lt1"/>
-          </a:fillRef>
-          <a:effectRef idx="0">
-            <a:schemeClr val="accent1"/>
-          </a:effectRef>
-          <a:fontRef idx="minor">
-            <a:schemeClr val="dk1"/>
-          </a:fontRef>
-        </p:style>
-        <p:txBody>
-          <a:bodyPr wrap="square">
-            <a:spAutoFit/>
-          </a:bodyPr>
-          <a:lstStyle/>
-          <a:p>
-            <a:r>
-              <a:rPr lang="en-US" sz="1200" b="1" dirty="0">
-                <a:solidFill>
-                  <a:srgbClr val="000000"/>
-                </a:solidFill>
-              </a:rPr>
-              <a:t>Weather</a:t>
-            </a:r>
-            <a:endParaRPr lang="en-US" sz="1400" b="1" dirty="0">
-              <a:solidFill>
-                <a:srgbClr val="000000"/>
-              </a:solidFill>
-            </a:endParaRPr>
-          </a:p>
-          <a:p>
-            <a:r>
-              <a:rPr lang="en-US" sz="1100" dirty="0">
-                <a:solidFill>
-                  <a:srgbClr val="000000"/>
-                </a:solidFill>
-              </a:rPr>
-              <a:t>– Historical Weather Conditions, Short-term Forecasts</a:t>
-            </a:r>
-            <a:endParaRPr lang="en-US" sz="1100" dirty="0"/>
-          </a:p>
-          <a:p>
-            <a:r>
-              <a:rPr lang="en-US" sz="800" u="sng" dirty="0">
-                <a:solidFill>
-                  <a:schemeClr val="accent1"/>
-                </a:solidFill>
-              </a:rPr>
-              <a:t>https://</a:t>
-            </a:r>
-            <a:r>
-              <a:rPr lang="en-US" sz="800" u="sng" dirty="0" err="1">
-                <a:solidFill>
-                  <a:schemeClr val="accent1"/>
-                </a:solidFill>
-              </a:rPr>
-              <a:t>www.ncdc.noaa.gov</a:t>
-            </a:r>
-            <a:r>
-              <a:rPr lang="en-US" sz="800" u="sng" dirty="0">
-                <a:solidFill>
-                  <a:schemeClr val="accent1"/>
-                </a:solidFill>
-              </a:rPr>
-              <a:t>/</a:t>
-            </a:r>
-            <a:r>
-              <a:rPr lang="en-US" sz="800" u="sng" dirty="0" err="1">
-                <a:solidFill>
-                  <a:schemeClr val="accent1"/>
-                </a:solidFill>
-              </a:rPr>
-              <a:t>cdo</a:t>
-            </a:r>
-            <a:r>
-              <a:rPr lang="en-US" sz="800" u="sng" dirty="0">
-                <a:solidFill>
-                  <a:schemeClr val="accent1"/>
-                </a:solidFill>
-              </a:rPr>
-              <a:t>-web/datasets</a:t>
-            </a:r>
-          </a:p>
-        </p:txBody>
-      </p:sp>
-      <p:sp>
-        <p:nvSpPr>
-          <p:cNvPr id="18" name="Rectangle 17">
-            <a:extLst>
-              <a:ext uri="{FF2B5EF4-FFF2-40B4-BE49-F238E27FC236}">
-                <a16:creationId xmlns:a16="http://schemas.microsoft.com/office/drawing/2014/main" id="{CDF1071E-A773-694F-91B8-10F0B4DA1F3E}"/>
-              </a:ext>
-            </a:extLst>
-          </p:cNvPr>
-          <p:cNvSpPr/>
-          <p:nvPr/>
-        </p:nvSpPr>
-        <p:spPr>
-          <a:xfrm>
-            <a:off x="1077564" y="1861159"/>
-            <a:ext cx="2077107" cy="338554"/>
-          </a:xfrm>
-          <a:prstGeom prst="rect">
-            <a:avLst/>
-          </a:prstGeom>
-        </p:spPr>
-        <p:txBody>
-          <a:bodyPr wrap="none">
-            <a:spAutoFit/>
-          </a:bodyPr>
-          <a:lstStyle/>
-          <a:p>
-            <a:r>
-              <a:rPr lang="en-US" sz="1600" b="1" dirty="0">
-                <a:solidFill>
-                  <a:srgbClr val="000000"/>
-                </a:solidFill>
-              </a:rPr>
-              <a:t>Supporting dataset:</a:t>
-            </a:r>
-            <a:endParaRPr lang="en-US" sz="1600" b="1" dirty="0"/>
-          </a:p>
-        </p:txBody>
-      </p:sp>
-      <p:sp>
-        <p:nvSpPr>
-          <p:cNvPr id="19" name="Rectangle 18">
-            <a:extLst>
-              <a:ext uri="{FF2B5EF4-FFF2-40B4-BE49-F238E27FC236}">
-                <a16:creationId xmlns:a16="http://schemas.microsoft.com/office/drawing/2014/main" id="{B80211B7-39DE-E94F-BBEF-95F21B6645FE}"/>
-              </a:ext>
-            </a:extLst>
-          </p:cNvPr>
-          <p:cNvSpPr/>
-          <p:nvPr/>
-        </p:nvSpPr>
-        <p:spPr>
-          <a:xfrm>
-            <a:off x="813641" y="2943355"/>
-            <a:ext cx="2676049" cy="661720"/>
-          </a:xfrm>
-          <a:prstGeom prst="rect">
-            <a:avLst/>
-          </a:prstGeom>
-        </p:spPr>
-        <p:style>
-          <a:lnRef idx="2">
-            <a:schemeClr val="accent1"/>
-          </a:lnRef>
-          <a:fillRef idx="1">
-            <a:schemeClr val="lt1"/>
-          </a:fillRef>
-          <a:effectRef idx="0">
-            <a:schemeClr val="accent1"/>
-          </a:effectRef>
-          <a:fontRef idx="minor">
-            <a:schemeClr val="dk1"/>
-          </a:fontRef>
-        </p:style>
-        <p:txBody>
-          <a:bodyPr wrap="square">
-            <a:spAutoFit/>
-          </a:bodyPr>
-          <a:lstStyle/>
-          <a:p>
-            <a:r>
-              <a:rPr lang="en-US" sz="1200" b="1" dirty="0">
-                <a:solidFill>
-                  <a:srgbClr val="000000"/>
-                </a:solidFill>
-              </a:rPr>
-              <a:t>Geography</a:t>
-            </a:r>
-          </a:p>
-          <a:p>
-            <a:r>
-              <a:rPr lang="en-US" sz="1100" dirty="0">
-                <a:solidFill>
-                  <a:srgbClr val="000000"/>
-                </a:solidFill>
-              </a:rPr>
-              <a:t>– Community area boundaries in Chicago</a:t>
-            </a:r>
-            <a:endParaRPr lang="en-US" sz="1100" dirty="0"/>
-          </a:p>
-          <a:p>
-            <a:r>
-              <a:rPr lang="en-US" sz="700" u="sng" dirty="0">
-                <a:solidFill>
-                  <a:schemeClr val="accent1"/>
-                </a:solidFill>
-              </a:rPr>
-              <a:t>https://</a:t>
-            </a:r>
-            <a:r>
-              <a:rPr lang="en-US" sz="700" u="sng" dirty="0" err="1">
-                <a:solidFill>
-                  <a:schemeClr val="accent1"/>
-                </a:solidFill>
-              </a:rPr>
-              <a:t>data.cityofchicago.org</a:t>
-            </a:r>
-            <a:r>
-              <a:rPr lang="en-US" sz="700" u="sng" dirty="0">
-                <a:solidFill>
-                  <a:schemeClr val="accent1"/>
-                </a:solidFill>
-              </a:rPr>
-              <a:t>/Facilities-Geographic-Boundaries/Boundaries-Community-Areas-current-/cauq-8yn6</a:t>
-            </a:r>
-          </a:p>
-        </p:txBody>
-      </p:sp>
-      <p:sp>
-        <p:nvSpPr>
-          <p:cNvPr id="20" name="Rectangle 19">
-            <a:extLst>
-              <a:ext uri="{FF2B5EF4-FFF2-40B4-BE49-F238E27FC236}">
-                <a16:creationId xmlns:a16="http://schemas.microsoft.com/office/drawing/2014/main" id="{4DA11EA5-372D-134D-9EE3-BA7F49ACF762}"/>
-              </a:ext>
-            </a:extLst>
-          </p:cNvPr>
-          <p:cNvSpPr/>
-          <p:nvPr/>
-        </p:nvSpPr>
-        <p:spPr>
-          <a:xfrm>
-            <a:off x="813641" y="3620388"/>
-            <a:ext cx="2676049" cy="738664"/>
-          </a:xfrm>
-          <a:prstGeom prst="rect">
-            <a:avLst/>
-          </a:prstGeom>
-        </p:spPr>
-        <p:style>
-          <a:lnRef idx="2">
-            <a:schemeClr val="accent1"/>
-          </a:lnRef>
-          <a:fillRef idx="1">
-            <a:schemeClr val="lt1"/>
-          </a:fillRef>
-          <a:effectRef idx="0">
-            <a:schemeClr val="accent1"/>
-          </a:effectRef>
-          <a:fontRef idx="minor">
-            <a:schemeClr val="dk1"/>
-          </a:fontRef>
-        </p:style>
-        <p:txBody>
-          <a:bodyPr wrap="square">
-            <a:spAutoFit/>
-          </a:bodyPr>
-          <a:lstStyle/>
-          <a:p>
-            <a:r>
-              <a:rPr lang="en-US" sz="1200" b="1" dirty="0">
-                <a:solidFill>
-                  <a:srgbClr val="000000"/>
-                </a:solidFill>
-              </a:rPr>
-              <a:t>Sports Event</a:t>
-            </a:r>
-          </a:p>
-          <a:p>
-            <a:r>
-              <a:rPr lang="en-US" sz="1100" dirty="0">
-                <a:solidFill>
-                  <a:srgbClr val="000000"/>
-                </a:solidFill>
-              </a:rPr>
-              <a:t>– Chicago sports team (NBA,NFL,MLB) schedules</a:t>
-            </a:r>
-            <a:endParaRPr lang="en-US" sz="1100" dirty="0"/>
-          </a:p>
-          <a:p>
-            <a:r>
-              <a:rPr lang="en-US" sz="800" u="sng" dirty="0">
-                <a:solidFill>
-                  <a:schemeClr val="accent1"/>
-                </a:solidFill>
-                <a:hlinkClick r:id="rId16">
-                  <a:extLst>
-                    <a:ext uri="{A12FA001-AC4F-418D-AE19-62706E023703}">
-                      <ahyp:hlinkClr xmlns:ahyp="http://schemas.microsoft.com/office/drawing/2018/hyperlinkcolor" val="tx"/>
-                    </a:ext>
-                  </a:extLst>
-                </a:hlinkClick>
-              </a:rPr>
-              <a:t>https://www.espn.com</a:t>
-            </a:r>
-            <a:endParaRPr lang="en-US" sz="800" u="sng" dirty="0">
-              <a:solidFill>
-                <a:schemeClr val="accent1"/>
-              </a:solidFill>
-            </a:endParaRPr>
-          </a:p>
-        </p:txBody>
-      </p:sp>
-      <p:sp>
-        <p:nvSpPr>
-          <p:cNvPr id="21" name="Rectangle 20">
-            <a:extLst>
-              <a:ext uri="{FF2B5EF4-FFF2-40B4-BE49-F238E27FC236}">
-                <a16:creationId xmlns:a16="http://schemas.microsoft.com/office/drawing/2014/main" id="{CF2358AC-0ACE-1A40-A57D-A5FF30F93BBB}"/>
-              </a:ext>
-            </a:extLst>
-          </p:cNvPr>
-          <p:cNvSpPr/>
-          <p:nvPr/>
-        </p:nvSpPr>
-        <p:spPr>
-          <a:xfrm>
-            <a:off x="822063" y="4384997"/>
-            <a:ext cx="2667627" cy="769441"/>
-          </a:xfrm>
-          <a:prstGeom prst="rect">
-            <a:avLst/>
-          </a:prstGeom>
-        </p:spPr>
-        <p:style>
-          <a:lnRef idx="2">
-            <a:schemeClr val="accent1"/>
-          </a:lnRef>
-          <a:fillRef idx="1">
-            <a:schemeClr val="lt1"/>
-          </a:fillRef>
-          <a:effectRef idx="0">
-            <a:schemeClr val="accent1"/>
-          </a:effectRef>
-          <a:fontRef idx="minor">
-            <a:schemeClr val="dk1"/>
-          </a:fontRef>
-        </p:style>
-        <p:txBody>
-          <a:bodyPr wrap="square">
-            <a:spAutoFit/>
-          </a:bodyPr>
-          <a:lstStyle/>
-          <a:p>
-            <a:r>
-              <a:rPr lang="en-US" sz="1200" b="1" dirty="0">
-                <a:solidFill>
-                  <a:srgbClr val="000000"/>
-                </a:solidFill>
-              </a:rPr>
-              <a:t>Census &amp; Crime</a:t>
-            </a:r>
-          </a:p>
-          <a:p>
-            <a:r>
-              <a:rPr lang="en-US" sz="800" u="sng" dirty="0">
-                <a:solidFill>
-                  <a:schemeClr val="accent1"/>
-                </a:solidFill>
-                <a:hlinkClick r:id="rId17">
-                  <a:extLst>
-                    <a:ext uri="{A12FA001-AC4F-418D-AE19-62706E023703}">
-                      <ahyp:hlinkClr xmlns:ahyp="http://schemas.microsoft.com/office/drawing/2018/hyperlinkcolor" val="tx"/>
-                    </a:ext>
-                  </a:extLst>
-                </a:hlinkClick>
-              </a:rPr>
-              <a:t>https://datahub.cmap.illinois.gov/dataset/community-data-snapshots-raw-data</a:t>
-            </a:r>
-            <a:endParaRPr lang="en-US" sz="800" u="sng" dirty="0">
-              <a:solidFill>
-                <a:schemeClr val="accent1"/>
-              </a:solidFill>
-            </a:endParaRPr>
-          </a:p>
-          <a:p>
-            <a:r>
-              <a:rPr lang="en-US" sz="800" u="sng" dirty="0">
-                <a:solidFill>
-                  <a:schemeClr val="accent1"/>
-                </a:solidFill>
-              </a:rPr>
-              <a:t>https://</a:t>
-            </a:r>
-            <a:r>
-              <a:rPr lang="en-US" sz="800" u="sng" dirty="0" err="1">
-                <a:solidFill>
-                  <a:schemeClr val="accent1"/>
-                </a:solidFill>
-              </a:rPr>
-              <a:t>data.cityofchicago.org</a:t>
-            </a:r>
-            <a:r>
-              <a:rPr lang="en-US" sz="800" u="sng" dirty="0">
-                <a:solidFill>
-                  <a:schemeClr val="accent1"/>
-                </a:solidFill>
-              </a:rPr>
-              <a:t>/Public-Safety/Crimes-2001-to-present/ijzp-q8t2</a:t>
-            </a:r>
-          </a:p>
-        </p:txBody>
-      </p:sp>
-      <p:sp>
-        <p:nvSpPr>
-          <p:cNvPr id="23" name="Rectangle 22">
-            <a:extLst>
-              <a:ext uri="{FF2B5EF4-FFF2-40B4-BE49-F238E27FC236}">
-                <a16:creationId xmlns:a16="http://schemas.microsoft.com/office/drawing/2014/main" id="{C67C4910-7137-4E48-8D39-8D72B77C9B9F}"/>
-              </a:ext>
-            </a:extLst>
-          </p:cNvPr>
-          <p:cNvSpPr/>
-          <p:nvPr/>
-        </p:nvSpPr>
-        <p:spPr>
-          <a:xfrm>
-            <a:off x="3924135" y="1600723"/>
-            <a:ext cx="1461876" cy="584775"/>
-          </a:xfrm>
-          <a:prstGeom prst="rect">
-            <a:avLst/>
-          </a:prstGeom>
-        </p:spPr>
-        <p:txBody>
-          <a:bodyPr wrap="square">
-            <a:spAutoFit/>
-          </a:bodyPr>
-          <a:lstStyle/>
-          <a:p>
-            <a:r>
-              <a:rPr lang="en-US" sz="1600" b="1" dirty="0">
-                <a:solidFill>
-                  <a:srgbClr val="000000"/>
-                </a:solidFill>
-              </a:rPr>
-              <a:t>Data Connectors:</a:t>
-            </a:r>
-            <a:endParaRPr lang="en-US" sz="1600" b="1" dirty="0"/>
-          </a:p>
-        </p:txBody>
-      </p:sp>
-      <p:sp>
-        <p:nvSpPr>
-          <p:cNvPr id="24" name="Rectangle 23">
-            <a:extLst>
-              <a:ext uri="{FF2B5EF4-FFF2-40B4-BE49-F238E27FC236}">
-                <a16:creationId xmlns:a16="http://schemas.microsoft.com/office/drawing/2014/main" id="{73B21581-1BE8-3343-A5CD-40C7BE9FB6D2}"/>
-              </a:ext>
-            </a:extLst>
-          </p:cNvPr>
-          <p:cNvSpPr/>
-          <p:nvPr/>
-        </p:nvSpPr>
-        <p:spPr>
-          <a:xfrm>
-            <a:off x="5371708" y="712379"/>
-            <a:ext cx="1787349" cy="338554"/>
-          </a:xfrm>
-          <a:prstGeom prst="rect">
-            <a:avLst/>
-          </a:prstGeom>
-        </p:spPr>
-        <p:txBody>
-          <a:bodyPr wrap="none">
-            <a:spAutoFit/>
-          </a:bodyPr>
-          <a:lstStyle/>
-          <a:p>
-            <a:r>
-              <a:rPr lang="en-US" sz="1600" b="1" dirty="0">
-                <a:solidFill>
-                  <a:srgbClr val="000000"/>
-                </a:solidFill>
-              </a:rPr>
-              <a:t>Data Processing:</a:t>
-            </a:r>
-            <a:endParaRPr lang="en-US" sz="1600" b="1" dirty="0"/>
-          </a:p>
-        </p:txBody>
-      </p:sp>
-      <p:sp>
-        <p:nvSpPr>
-          <p:cNvPr id="25" name="Rectangle 24">
-            <a:extLst>
-              <a:ext uri="{FF2B5EF4-FFF2-40B4-BE49-F238E27FC236}">
-                <a16:creationId xmlns:a16="http://schemas.microsoft.com/office/drawing/2014/main" id="{F5EDF995-929F-7346-B170-5A1BDE269A1B}"/>
-              </a:ext>
-            </a:extLst>
-          </p:cNvPr>
-          <p:cNvSpPr/>
-          <p:nvPr/>
-        </p:nvSpPr>
-        <p:spPr>
-          <a:xfrm>
-            <a:off x="3677451" y="2291234"/>
-            <a:ext cx="1577764" cy="1323439"/>
-          </a:xfrm>
-          <a:prstGeom prst="rect">
-            <a:avLst/>
-          </a:prstGeom>
-        </p:spPr>
-        <p:style>
-          <a:lnRef idx="2">
-            <a:schemeClr val="accent1"/>
-          </a:lnRef>
-          <a:fillRef idx="1">
-            <a:schemeClr val="lt1"/>
-          </a:fillRef>
-          <a:effectRef idx="0">
-            <a:schemeClr val="accent1"/>
-          </a:effectRef>
-          <a:fontRef idx="minor">
-            <a:schemeClr val="dk1"/>
-          </a:fontRef>
-        </p:style>
-        <p:txBody>
-          <a:bodyPr wrap="square">
-            <a:spAutoFit/>
-          </a:bodyPr>
-          <a:lstStyle/>
-          <a:p>
-            <a:pPr marL="171450" indent="-171450">
-              <a:buFont typeface="Wingdings" pitchFamily="2" charset="2"/>
-              <a:buChar char="v"/>
-            </a:pPr>
-            <a:r>
-              <a:rPr lang="en-US" sz="1600" dirty="0">
-                <a:solidFill>
-                  <a:srgbClr val="000000"/>
-                </a:solidFill>
-              </a:rPr>
-              <a:t> CSV Extracts</a:t>
-            </a:r>
-          </a:p>
-          <a:p>
-            <a:pPr marL="171450" indent="-171450">
-              <a:buFont typeface="Wingdings" pitchFamily="2" charset="2"/>
-              <a:buChar char="v"/>
-            </a:pPr>
-            <a:r>
-              <a:rPr lang="en-US" sz="1600" dirty="0">
-                <a:solidFill>
-                  <a:srgbClr val="000000"/>
-                </a:solidFill>
-              </a:rPr>
-              <a:t> Python: </a:t>
-            </a:r>
-            <a:r>
-              <a:rPr lang="en-US" sz="1600" dirty="0" err="1">
-                <a:solidFill>
-                  <a:srgbClr val="000000"/>
-                </a:solidFill>
-              </a:rPr>
-              <a:t>WebScraping</a:t>
-            </a:r>
-            <a:endParaRPr lang="en-US" sz="1600" dirty="0">
-              <a:solidFill>
-                <a:srgbClr val="000000"/>
-              </a:solidFill>
-            </a:endParaRPr>
-          </a:p>
-          <a:p>
-            <a:pPr marL="171450" indent="-171450">
-              <a:buFont typeface="Wingdings" pitchFamily="2" charset="2"/>
-              <a:buChar char="v"/>
-            </a:pPr>
-            <a:r>
-              <a:rPr lang="en-US" sz="1600" dirty="0">
-                <a:solidFill>
-                  <a:srgbClr val="000000"/>
-                </a:solidFill>
-              </a:rPr>
-              <a:t> </a:t>
-            </a:r>
-            <a:r>
-              <a:rPr lang="en-US" sz="1600" dirty="0" err="1">
-                <a:solidFill>
-                  <a:srgbClr val="000000"/>
-                </a:solidFill>
-              </a:rPr>
-              <a:t>NoAA</a:t>
-            </a:r>
-            <a:r>
-              <a:rPr lang="en-US" sz="1600" dirty="0">
-                <a:solidFill>
-                  <a:srgbClr val="000000"/>
-                </a:solidFill>
-              </a:rPr>
-              <a:t>:  API</a:t>
-            </a:r>
-          </a:p>
-          <a:p>
-            <a:r>
-              <a:rPr lang="en-US" sz="1600" dirty="0">
-                <a:solidFill>
-                  <a:srgbClr val="000000"/>
-                </a:solidFill>
-                <a:latin typeface="Arial" panose="020B0604020202020204" pitchFamily="34" charset="0"/>
-              </a:rPr>
-              <a:t> </a:t>
-            </a:r>
-            <a:endParaRPr lang="en-US" sz="1600" dirty="0"/>
-          </a:p>
-        </p:txBody>
-      </p:sp>
-      <p:sp>
-        <p:nvSpPr>
-          <p:cNvPr id="27" name="Rectangle 26">
-            <a:extLst>
-              <a:ext uri="{FF2B5EF4-FFF2-40B4-BE49-F238E27FC236}">
-                <a16:creationId xmlns:a16="http://schemas.microsoft.com/office/drawing/2014/main" id="{78209A75-B762-674C-AEA4-BF2E6295F98C}"/>
-              </a:ext>
-            </a:extLst>
-          </p:cNvPr>
-          <p:cNvSpPr/>
-          <p:nvPr/>
-        </p:nvSpPr>
-        <p:spPr>
-          <a:xfrm>
-            <a:off x="5466120" y="1069807"/>
-            <a:ext cx="1577764" cy="2800767"/>
-          </a:xfrm>
-          <a:prstGeom prst="rect">
-            <a:avLst/>
-          </a:prstGeom>
-        </p:spPr>
-        <p:style>
-          <a:lnRef idx="2">
-            <a:schemeClr val="accent1"/>
-          </a:lnRef>
-          <a:fillRef idx="1">
-            <a:schemeClr val="lt1"/>
-          </a:fillRef>
-          <a:effectRef idx="0">
-            <a:schemeClr val="accent1"/>
-          </a:effectRef>
-          <a:fontRef idx="minor">
-            <a:schemeClr val="dk1"/>
-          </a:fontRef>
-        </p:style>
-        <p:txBody>
-          <a:bodyPr wrap="square">
-            <a:spAutoFit/>
-          </a:bodyPr>
-          <a:lstStyle/>
-          <a:p>
-            <a:pPr marL="171450" indent="-171450">
-              <a:buFont typeface="Wingdings" pitchFamily="2" charset="2"/>
-              <a:buChar char="v"/>
-            </a:pPr>
-            <a:r>
-              <a:rPr lang="en-US" sz="1600" dirty="0">
-                <a:solidFill>
-                  <a:srgbClr val="000000"/>
-                </a:solidFill>
-              </a:rPr>
-              <a:t>Python: data cleaning and processing</a:t>
-            </a:r>
-          </a:p>
-          <a:p>
-            <a:pPr marL="171450" indent="-171450">
-              <a:buFont typeface="Wingdings" pitchFamily="2" charset="2"/>
-              <a:buChar char="v"/>
-            </a:pPr>
-            <a:r>
-              <a:rPr lang="en-US" sz="1600" dirty="0">
-                <a:solidFill>
-                  <a:srgbClr val="000000"/>
-                </a:solidFill>
-              </a:rPr>
-              <a:t>Excel: data cleaning and processing</a:t>
-            </a:r>
-          </a:p>
-          <a:p>
-            <a:pPr marL="171450" indent="-171450">
-              <a:buFont typeface="Wingdings" pitchFamily="2" charset="2"/>
-              <a:buChar char="v"/>
-            </a:pPr>
-            <a:r>
-              <a:rPr lang="en-US" sz="1600" dirty="0" err="1">
-                <a:solidFill>
-                  <a:srgbClr val="000000"/>
-                </a:solidFill>
-              </a:rPr>
-              <a:t>Uchicago</a:t>
-            </a:r>
-            <a:r>
-              <a:rPr lang="en-US" sz="1600" dirty="0">
-                <a:solidFill>
-                  <a:srgbClr val="000000"/>
-                </a:solidFill>
-              </a:rPr>
-              <a:t> RCC: cloud computing for large datasets</a:t>
-            </a:r>
-          </a:p>
-          <a:p>
-            <a:endParaRPr lang="en-US" sz="1600" dirty="0"/>
-          </a:p>
-        </p:txBody>
-      </p:sp>
-      <p:sp>
-        <p:nvSpPr>
-          <p:cNvPr id="28" name="Rectangle 27">
-            <a:extLst>
-              <a:ext uri="{FF2B5EF4-FFF2-40B4-BE49-F238E27FC236}">
-                <a16:creationId xmlns:a16="http://schemas.microsoft.com/office/drawing/2014/main" id="{36E50BFF-703B-AF47-8EE6-70B89DB1886D}"/>
-              </a:ext>
-            </a:extLst>
-          </p:cNvPr>
-          <p:cNvSpPr/>
-          <p:nvPr/>
-        </p:nvSpPr>
-        <p:spPr>
-          <a:xfrm>
-            <a:off x="7338494" y="723247"/>
-            <a:ext cx="1560042" cy="338554"/>
-          </a:xfrm>
-          <a:prstGeom prst="rect">
-            <a:avLst/>
-          </a:prstGeom>
-        </p:spPr>
-        <p:txBody>
-          <a:bodyPr wrap="none">
-            <a:spAutoFit/>
-          </a:bodyPr>
-          <a:lstStyle/>
-          <a:p>
-            <a:r>
-              <a:rPr lang="en-US" sz="1600" b="1" dirty="0">
-                <a:solidFill>
-                  <a:srgbClr val="000000"/>
-                </a:solidFill>
-              </a:rPr>
-              <a:t>Visualizations:</a:t>
-            </a:r>
-            <a:endParaRPr lang="en-US" sz="1600" b="1" dirty="0"/>
-          </a:p>
-        </p:txBody>
-      </p:sp>
-      <p:sp>
-        <p:nvSpPr>
-          <p:cNvPr id="29" name="Rectangle 28">
-            <a:extLst>
-              <a:ext uri="{FF2B5EF4-FFF2-40B4-BE49-F238E27FC236}">
-                <a16:creationId xmlns:a16="http://schemas.microsoft.com/office/drawing/2014/main" id="{0D7221A2-8E9B-C549-9D75-1624434AC897}"/>
-              </a:ext>
-            </a:extLst>
-          </p:cNvPr>
-          <p:cNvSpPr/>
-          <p:nvPr/>
-        </p:nvSpPr>
-        <p:spPr>
-          <a:xfrm>
-            <a:off x="7204102" y="1072534"/>
-            <a:ext cx="1577764" cy="1323439"/>
-          </a:xfrm>
-          <a:prstGeom prst="rect">
-            <a:avLst/>
-          </a:prstGeom>
-        </p:spPr>
-        <p:style>
-          <a:lnRef idx="2">
-            <a:schemeClr val="accent1"/>
-          </a:lnRef>
-          <a:fillRef idx="1">
-            <a:schemeClr val="lt1"/>
-          </a:fillRef>
-          <a:effectRef idx="0">
-            <a:schemeClr val="accent1"/>
-          </a:effectRef>
-          <a:fontRef idx="minor">
-            <a:schemeClr val="dk1"/>
-          </a:fontRef>
-        </p:style>
-        <p:txBody>
-          <a:bodyPr wrap="square">
-            <a:spAutoFit/>
-          </a:bodyPr>
-          <a:lstStyle/>
-          <a:p>
-            <a:pPr marL="171450" indent="-171450">
-              <a:buFont typeface="Wingdings" pitchFamily="2" charset="2"/>
-              <a:buChar char="v"/>
-            </a:pPr>
-            <a:r>
-              <a:rPr lang="en-US" sz="1600" dirty="0">
-                <a:solidFill>
-                  <a:srgbClr val="000000"/>
-                </a:solidFill>
-              </a:rPr>
-              <a:t> </a:t>
-            </a:r>
-            <a:r>
-              <a:rPr lang="en-US" sz="1600" dirty="0" err="1">
-                <a:solidFill>
-                  <a:srgbClr val="000000"/>
-                </a:solidFill>
-              </a:rPr>
-              <a:t>Tablaue</a:t>
-            </a:r>
-            <a:endParaRPr lang="en-US" sz="1600" dirty="0">
-              <a:solidFill>
-                <a:srgbClr val="000000"/>
-              </a:solidFill>
-            </a:endParaRPr>
-          </a:p>
-          <a:p>
-            <a:pPr marL="171450" indent="-171450">
-              <a:buFont typeface="Wingdings" pitchFamily="2" charset="2"/>
-              <a:buChar char="v"/>
-            </a:pPr>
-            <a:r>
-              <a:rPr lang="en-US" sz="1600" dirty="0">
-                <a:solidFill>
-                  <a:srgbClr val="000000"/>
-                </a:solidFill>
-              </a:rPr>
-              <a:t> Python: Matplotlib/ Seaborn/</a:t>
-            </a:r>
-            <a:r>
-              <a:rPr lang="en-US" sz="1600" dirty="0" err="1">
-                <a:solidFill>
-                  <a:srgbClr val="000000"/>
-                </a:solidFill>
-              </a:rPr>
-              <a:t>ggplot</a:t>
-            </a:r>
-            <a:r>
-              <a:rPr lang="en-US" sz="1600" dirty="0">
-                <a:solidFill>
-                  <a:srgbClr val="000000"/>
-                </a:solidFill>
-              </a:rPr>
-              <a:t>/Bokeh/</a:t>
-            </a:r>
-            <a:r>
-              <a:rPr lang="en-US" sz="1600" dirty="0" err="1">
-                <a:solidFill>
-                  <a:srgbClr val="000000"/>
-                </a:solidFill>
-              </a:rPr>
-              <a:t>Plotly</a:t>
-            </a:r>
-            <a:endParaRPr lang="en-US" sz="1600" dirty="0">
-              <a:solidFill>
-                <a:srgbClr val="000000"/>
-              </a:solidFill>
-            </a:endParaRPr>
-          </a:p>
-        </p:txBody>
-      </p:sp>
-      <p:sp>
-        <p:nvSpPr>
-          <p:cNvPr id="30" name="Rectangle 29">
-            <a:extLst>
-              <a:ext uri="{FF2B5EF4-FFF2-40B4-BE49-F238E27FC236}">
-                <a16:creationId xmlns:a16="http://schemas.microsoft.com/office/drawing/2014/main" id="{0D1CD2CD-9E8D-184C-B519-49D105FD94A0}"/>
-              </a:ext>
-            </a:extLst>
-          </p:cNvPr>
-          <p:cNvSpPr/>
-          <p:nvPr/>
-        </p:nvSpPr>
-        <p:spPr>
-          <a:xfrm>
-            <a:off x="7476097" y="3989003"/>
-            <a:ext cx="1118832" cy="338554"/>
-          </a:xfrm>
-          <a:prstGeom prst="rect">
-            <a:avLst/>
-          </a:prstGeom>
-        </p:spPr>
-        <p:txBody>
-          <a:bodyPr wrap="none">
-            <a:spAutoFit/>
-          </a:bodyPr>
-          <a:lstStyle/>
-          <a:p>
-            <a:r>
-              <a:rPr lang="en-US" sz="1600" b="1" dirty="0">
-                <a:solidFill>
-                  <a:srgbClr val="000000"/>
-                </a:solidFill>
-              </a:rPr>
-              <a:t>Analytics:</a:t>
-            </a:r>
-            <a:endParaRPr lang="en-US" sz="1600" b="1" dirty="0"/>
-          </a:p>
-        </p:txBody>
-      </p:sp>
-      <p:sp>
-        <p:nvSpPr>
-          <p:cNvPr id="31" name="Rectangle 30">
-            <a:extLst>
-              <a:ext uri="{FF2B5EF4-FFF2-40B4-BE49-F238E27FC236}">
-                <a16:creationId xmlns:a16="http://schemas.microsoft.com/office/drawing/2014/main" id="{BCDE6843-E1B1-3240-A740-FDBEE5256109}"/>
-              </a:ext>
-            </a:extLst>
-          </p:cNvPr>
-          <p:cNvSpPr/>
-          <p:nvPr/>
-        </p:nvSpPr>
-        <p:spPr>
-          <a:xfrm>
-            <a:off x="7258220" y="4349058"/>
-            <a:ext cx="1577764" cy="584775"/>
-          </a:xfrm>
-          <a:prstGeom prst="rect">
-            <a:avLst/>
-          </a:prstGeom>
-        </p:spPr>
-        <p:style>
-          <a:lnRef idx="2">
-            <a:schemeClr val="accent1"/>
-          </a:lnRef>
-          <a:fillRef idx="1">
-            <a:schemeClr val="lt1"/>
-          </a:fillRef>
-          <a:effectRef idx="0">
-            <a:schemeClr val="accent1"/>
-          </a:effectRef>
-          <a:fontRef idx="minor">
-            <a:schemeClr val="dk1"/>
-          </a:fontRef>
-        </p:style>
-        <p:txBody>
-          <a:bodyPr wrap="square">
-            <a:spAutoFit/>
-          </a:bodyPr>
-          <a:lstStyle/>
-          <a:p>
-            <a:r>
-              <a:rPr lang="en-US" sz="1600" dirty="0">
-                <a:solidFill>
-                  <a:srgbClr val="000000"/>
-                </a:solidFill>
-              </a:rPr>
-              <a:t>Python: </a:t>
-            </a:r>
-          </a:p>
-          <a:p>
-            <a:r>
-              <a:rPr lang="en-US" sz="1600" dirty="0">
-                <a:solidFill>
-                  <a:srgbClr val="000000"/>
-                </a:solidFill>
-              </a:rPr>
-              <a:t>Data Analysis</a:t>
-            </a:r>
-          </a:p>
-        </p:txBody>
-      </p:sp>
-    </p:spTree>
-  </p:cSld>
-  <p:clrMapOvr>
-    <a:masterClrMapping/>
-  </p:clrMapOvr>
-</p:sld>
-</file>
-
-<file path=ppt/slides/slide6.xml><?xml version="1.0" encoding="utf-8"?>
+<file path=ppt/slides/slide4.xml><?xml version="1.0" encoding="utf-8"?>
 <p:sld xmlns:a="http://schemas.openxmlformats.org/drawingml/2006/main" xmlns:r="http://schemas.openxmlformats.org/officeDocument/2006/relationships" xmlns:p="http://schemas.openxmlformats.org/presentationml/2006/main">
   <p:cSld>
     <p:bg>
@@ -22206,10 +19402,58 @@
       </p:sp>
       <p:sp>
         <p:nvSpPr>
-          <p:cNvPr id="4" name="Rectangle 3">
+          <p:cNvPr id="9" name="Google Shape;72;p16">
             <a:extLst>
               <a:ext uri="{FF2B5EF4-FFF2-40B4-BE49-F238E27FC236}">
-                <a16:creationId xmlns:a16="http://schemas.microsoft.com/office/drawing/2014/main" id="{419F8850-444A-D144-B0D6-1B2B551629F5}"/>
+                <a16:creationId xmlns:a16="http://schemas.microsoft.com/office/drawing/2014/main" id="{7F814B89-0BE6-5742-8CA3-F729B1CA888C}"/>
+              </a:ext>
+            </a:extLst>
+          </p:cNvPr>
+          <p:cNvSpPr txBox="1">
+            <a:spLocks noGrp="1"/>
+          </p:cNvSpPr>
+          <p:nvPr>
+            <p:ph type="title"/>
+          </p:nvPr>
+        </p:nvSpPr>
+        <p:spPr>
+          <a:xfrm>
+            <a:off x="486480" y="54281"/>
+            <a:ext cx="8520600" cy="572700"/>
+          </a:xfrm>
+          <a:prstGeom prst="rect">
+            <a:avLst/>
+          </a:prstGeom>
+        </p:spPr>
+        <p:txBody>
+          <a:bodyPr spcFirstLastPara="1" wrap="square" lIns="91425" tIns="91425" rIns="91425" bIns="91425" anchor="t" anchorCtr="0">
+            <a:noAutofit/>
+          </a:bodyPr>
+          <a:lstStyle/>
+          <a:p>
+            <a:pPr marL="0" lvl="0" indent="0" algn="l" rtl="0">
+              <a:spcBef>
+                <a:spcPts val="0"/>
+              </a:spcBef>
+              <a:spcAft>
+                <a:spcPts val="0"/>
+              </a:spcAft>
+              <a:buNone/>
+            </a:pPr>
+            <a:r>
+              <a:rPr lang="en" dirty="0"/>
+              <a:t>Solution overview: Data / Tools</a:t>
+            </a:r>
+            <a:endParaRPr dirty="0"/>
+          </a:p>
+        </p:txBody>
+      </p:sp>
+      <p:sp>
+        <p:nvSpPr>
+          <p:cNvPr id="11" name="Rectangle 10" descr="User Network">
+            <a:extLst>
+              <a:ext uri="{FF2B5EF4-FFF2-40B4-BE49-F238E27FC236}">
+                <a16:creationId xmlns:a16="http://schemas.microsoft.com/office/drawing/2014/main" id="{28D166D9-C5A2-8442-B841-33666BFFB03E}"/>
               </a:ext>
             </a:extLst>
           </p:cNvPr>
@@ -22218,8 +19462,797 @@
         </p:nvSpPr>
         <p:spPr>
           <a:xfrm>
-            <a:off x="576760" y="827320"/>
-            <a:ext cx="8442251" cy="3693319"/>
+            <a:off x="594464" y="702081"/>
+            <a:ext cx="278373" cy="278373"/>
+          </a:xfrm>
+          <a:prstGeom prst="rect">
+            <a:avLst/>
+          </a:prstGeom>
+          <a:blipFill>
+            <a:blip r:embed="rId2">
+              <a:extLst>
+                <a:ext uri="{28A0092B-C50C-407E-A947-70E740481C1C}">
+                  <a14:useLocalDpi xmlns:a14="http://schemas.microsoft.com/office/drawing/2010/main" val="0"/>
+                </a:ext>
+                <a:ext uri="{96DAC541-7B7A-43D3-8B79-37D633B846F1}">
+                  <asvg:svgBlip xmlns:asvg="http://schemas.microsoft.com/office/drawing/2016/SVG/main" r:embed="rId3"/>
+                </a:ext>
+              </a:extLst>
+            </a:blip>
+            <a:stretch>
+              <a:fillRect/>
+            </a:stretch>
+          </a:blipFill>
+          <a:ln>
+            <a:noFill/>
+          </a:ln>
+        </p:spPr>
+        <p:style>
+          <a:lnRef idx="2">
+            <a:scrgbClr r="0" g="0" b="0"/>
+          </a:lnRef>
+          <a:fillRef idx="1">
+            <a:scrgbClr r="0" g="0" b="0"/>
+          </a:fillRef>
+          <a:effectRef idx="0">
+            <a:schemeClr val="accent2">
+              <a:hueOff val="0"/>
+              <a:satOff val="0"/>
+              <a:lumOff val="0"/>
+              <a:alphaOff val="0"/>
+            </a:schemeClr>
+          </a:effectRef>
+          <a:fontRef idx="minor">
+            <a:schemeClr val="lt1"/>
+          </a:fontRef>
+        </p:style>
+      </p:sp>
+      <p:sp>
+        <p:nvSpPr>
+          <p:cNvPr id="13" name="Rectangle 12" descr="Marker">
+            <a:extLst>
+              <a:ext uri="{FF2B5EF4-FFF2-40B4-BE49-F238E27FC236}">
+                <a16:creationId xmlns:a16="http://schemas.microsoft.com/office/drawing/2014/main" id="{01E597D5-B937-9F46-A64A-65201BFB97F5}"/>
+              </a:ext>
+            </a:extLst>
+          </p:cNvPr>
+          <p:cNvSpPr/>
+          <p:nvPr/>
+        </p:nvSpPr>
+        <p:spPr>
+          <a:xfrm>
+            <a:off x="7030631" y="739313"/>
+            <a:ext cx="316586" cy="316586"/>
+          </a:xfrm>
+          <a:prstGeom prst="rect">
+            <a:avLst/>
+          </a:prstGeom>
+          <a:blipFill>
+            <a:blip r:embed="rId4">
+              <a:extLst>
+                <a:ext uri="{28A0092B-C50C-407E-A947-70E740481C1C}">
+                  <a14:useLocalDpi xmlns:a14="http://schemas.microsoft.com/office/drawing/2010/main" val="0"/>
+                </a:ext>
+                <a:ext uri="{96DAC541-7B7A-43D3-8B79-37D633B846F1}">
+                  <asvg:svgBlip xmlns:asvg="http://schemas.microsoft.com/office/drawing/2016/SVG/main" r:embed="rId5"/>
+                </a:ext>
+              </a:extLst>
+            </a:blip>
+            <a:stretch>
+              <a:fillRect/>
+            </a:stretch>
+          </a:blipFill>
+          <a:ln>
+            <a:noFill/>
+          </a:ln>
+        </p:spPr>
+        <p:style>
+          <a:lnRef idx="2">
+            <a:scrgbClr r="0" g="0" b="0"/>
+          </a:lnRef>
+          <a:fillRef idx="1">
+            <a:scrgbClr r="0" g="0" b="0"/>
+          </a:fillRef>
+          <a:effectRef idx="0">
+            <a:schemeClr val="accent3">
+              <a:hueOff val="0"/>
+              <a:satOff val="0"/>
+              <a:lumOff val="0"/>
+              <a:alphaOff val="0"/>
+            </a:schemeClr>
+          </a:effectRef>
+          <a:fontRef idx="minor">
+            <a:schemeClr val="lt1"/>
+          </a:fontRef>
+        </p:style>
+      </p:sp>
+      <p:sp>
+        <p:nvSpPr>
+          <p:cNvPr id="15" name="Rectangle 14" descr="Database">
+            <a:extLst>
+              <a:ext uri="{FF2B5EF4-FFF2-40B4-BE49-F238E27FC236}">
+                <a16:creationId xmlns:a16="http://schemas.microsoft.com/office/drawing/2014/main" id="{2129AD73-DD8B-6A4C-B78E-BEC2BE1E5105}"/>
+              </a:ext>
+            </a:extLst>
+          </p:cNvPr>
+          <p:cNvSpPr/>
+          <p:nvPr/>
+        </p:nvSpPr>
+        <p:spPr>
+          <a:xfrm>
+            <a:off x="3453368" y="1621702"/>
+            <a:ext cx="316586" cy="316586"/>
+          </a:xfrm>
+          <a:prstGeom prst="rect">
+            <a:avLst/>
+          </a:prstGeom>
+          <a:blipFill>
+            <a:blip r:embed="rId6">
+              <a:extLst>
+                <a:ext uri="{28A0092B-C50C-407E-A947-70E740481C1C}">
+                  <a14:useLocalDpi xmlns:a14="http://schemas.microsoft.com/office/drawing/2010/main" val="0"/>
+                </a:ext>
+                <a:ext uri="{96DAC541-7B7A-43D3-8B79-37D633B846F1}">
+                  <asvg:svgBlip xmlns:asvg="http://schemas.microsoft.com/office/drawing/2016/SVG/main" r:embed="rId7"/>
+                </a:ext>
+              </a:extLst>
+            </a:blip>
+            <a:stretch>
+              <a:fillRect/>
+            </a:stretch>
+          </a:blipFill>
+          <a:ln>
+            <a:noFill/>
+          </a:ln>
+        </p:spPr>
+        <p:style>
+          <a:lnRef idx="2">
+            <a:scrgbClr r="0" g="0" b="0"/>
+          </a:lnRef>
+          <a:fillRef idx="1">
+            <a:scrgbClr r="0" g="0" b="0"/>
+          </a:fillRef>
+          <a:effectRef idx="0">
+            <a:schemeClr val="accent4">
+              <a:hueOff val="0"/>
+              <a:satOff val="0"/>
+              <a:lumOff val="0"/>
+              <a:alphaOff val="0"/>
+            </a:schemeClr>
+          </a:effectRef>
+          <a:fontRef idx="minor">
+            <a:schemeClr val="lt1"/>
+          </a:fontRef>
+        </p:style>
+      </p:sp>
+      <p:sp>
+        <p:nvSpPr>
+          <p:cNvPr id="16" name="Rectangle 15" descr="Computer">
+            <a:extLst>
+              <a:ext uri="{FF2B5EF4-FFF2-40B4-BE49-F238E27FC236}">
+                <a16:creationId xmlns:a16="http://schemas.microsoft.com/office/drawing/2014/main" id="{DDAC8180-30E8-BA4F-B221-D230FC7030C7}"/>
+              </a:ext>
+            </a:extLst>
+          </p:cNvPr>
+          <p:cNvSpPr/>
+          <p:nvPr/>
+        </p:nvSpPr>
+        <p:spPr>
+          <a:xfrm>
+            <a:off x="5020717" y="744629"/>
+            <a:ext cx="316586" cy="316586"/>
+          </a:xfrm>
+          <a:prstGeom prst="rect">
+            <a:avLst/>
+          </a:prstGeom>
+          <a:blipFill>
+            <a:blip r:embed="rId8">
+              <a:extLst>
+                <a:ext uri="{28A0092B-C50C-407E-A947-70E740481C1C}">
+                  <a14:useLocalDpi xmlns:a14="http://schemas.microsoft.com/office/drawing/2010/main" val="0"/>
+                </a:ext>
+                <a:ext uri="{96DAC541-7B7A-43D3-8B79-37D633B846F1}">
+                  <asvg:svgBlip xmlns:asvg="http://schemas.microsoft.com/office/drawing/2016/SVG/main" r:embed="rId9"/>
+                </a:ext>
+              </a:extLst>
+            </a:blip>
+            <a:stretch>
+              <a:fillRect/>
+            </a:stretch>
+          </a:blipFill>
+          <a:ln>
+            <a:noFill/>
+          </a:ln>
+        </p:spPr>
+        <p:style>
+          <a:lnRef idx="2">
+            <a:scrgbClr r="0" g="0" b="0"/>
+          </a:lnRef>
+          <a:fillRef idx="1">
+            <a:scrgbClr r="0" g="0" b="0"/>
+          </a:fillRef>
+          <a:effectRef idx="0">
+            <a:schemeClr val="accent5">
+              <a:hueOff val="0"/>
+              <a:satOff val="0"/>
+              <a:lumOff val="0"/>
+              <a:alphaOff val="0"/>
+            </a:schemeClr>
+          </a:effectRef>
+          <a:fontRef idx="minor">
+            <a:schemeClr val="lt1"/>
+          </a:fontRef>
+        </p:style>
+      </p:sp>
+      <p:sp>
+        <p:nvSpPr>
+          <p:cNvPr id="17" name="Rectangle 16" descr="Statistics">
+            <a:extLst>
+              <a:ext uri="{FF2B5EF4-FFF2-40B4-BE49-F238E27FC236}">
+                <a16:creationId xmlns:a16="http://schemas.microsoft.com/office/drawing/2014/main" id="{68369E5B-F583-AF42-8D86-CC015C4B5C3E}"/>
+              </a:ext>
+            </a:extLst>
+          </p:cNvPr>
+          <p:cNvSpPr/>
+          <p:nvPr/>
+        </p:nvSpPr>
+        <p:spPr>
+          <a:xfrm>
+            <a:off x="7156564" y="3308412"/>
+            <a:ext cx="316586" cy="316586"/>
+          </a:xfrm>
+          <a:prstGeom prst="rect">
+            <a:avLst/>
+          </a:prstGeom>
+          <a:blipFill>
+            <a:blip r:embed="rId10">
+              <a:extLst>
+                <a:ext uri="{28A0092B-C50C-407E-A947-70E740481C1C}">
+                  <a14:useLocalDpi xmlns:a14="http://schemas.microsoft.com/office/drawing/2010/main" val="0"/>
+                </a:ext>
+                <a:ext uri="{96DAC541-7B7A-43D3-8B79-37D633B846F1}">
+                  <asvg:svgBlip xmlns:asvg="http://schemas.microsoft.com/office/drawing/2016/SVG/main" r:embed="rId11"/>
+                </a:ext>
+              </a:extLst>
+            </a:blip>
+            <a:stretch>
+              <a:fillRect/>
+            </a:stretch>
+          </a:blipFill>
+          <a:ln>
+            <a:noFill/>
+          </a:ln>
+        </p:spPr>
+        <p:style>
+          <a:lnRef idx="2">
+            <a:scrgbClr r="0" g="0" b="0"/>
+          </a:lnRef>
+          <a:fillRef idx="1">
+            <a:scrgbClr r="0" g="0" b="0"/>
+          </a:fillRef>
+          <a:effectRef idx="0">
+            <a:schemeClr val="accent2">
+              <a:hueOff val="0"/>
+              <a:satOff val="0"/>
+              <a:lumOff val="0"/>
+              <a:alphaOff val="0"/>
+            </a:schemeClr>
+          </a:effectRef>
+          <a:fontRef idx="minor">
+            <a:schemeClr val="lt1"/>
+          </a:fontRef>
+        </p:style>
+      </p:sp>
+      <p:sp>
+        <p:nvSpPr>
+          <p:cNvPr id="18" name="Rectangle 17">
+            <a:extLst>
+              <a:ext uri="{FF2B5EF4-FFF2-40B4-BE49-F238E27FC236}">
+                <a16:creationId xmlns:a16="http://schemas.microsoft.com/office/drawing/2014/main" id="{7EF51F83-4222-1944-96E8-50B4633ED025}"/>
+              </a:ext>
+            </a:extLst>
+          </p:cNvPr>
+          <p:cNvSpPr/>
+          <p:nvPr/>
+        </p:nvSpPr>
+        <p:spPr>
+          <a:xfrm>
+            <a:off x="556656" y="993952"/>
+            <a:ext cx="2676049" cy="892552"/>
+          </a:xfrm>
+          <a:prstGeom prst="rect">
+            <a:avLst/>
+          </a:prstGeom>
+        </p:spPr>
+        <p:style>
+          <a:lnRef idx="2">
+            <a:schemeClr val="accent1"/>
+          </a:lnRef>
+          <a:fillRef idx="1">
+            <a:schemeClr val="lt1"/>
+          </a:fillRef>
+          <a:effectRef idx="0">
+            <a:schemeClr val="accent1"/>
+          </a:effectRef>
+          <a:fontRef idx="minor">
+            <a:schemeClr val="dk1"/>
+          </a:fontRef>
+        </p:style>
+        <p:txBody>
+          <a:bodyPr wrap="square">
+            <a:spAutoFit/>
+          </a:bodyPr>
+          <a:lstStyle/>
+          <a:p>
+            <a:r>
+              <a:rPr lang="en-US" sz="1200" b="1" dirty="0">
+                <a:solidFill>
+                  <a:srgbClr val="000000"/>
+                </a:solidFill>
+              </a:rPr>
+              <a:t>Transportation Network Providers </a:t>
+            </a:r>
+            <a:r>
+              <a:rPr lang="en-US" sz="1100" dirty="0">
+                <a:solidFill>
+                  <a:srgbClr val="000000"/>
+                </a:solidFill>
+              </a:rPr>
+              <a:t>– Trips by Location, Distance, Day/Time, Tips, etc.</a:t>
+            </a:r>
+            <a:endParaRPr lang="en-US" sz="1100" dirty="0"/>
+          </a:p>
+          <a:p>
+            <a:r>
+              <a:rPr lang="en-US" sz="800" dirty="0">
+                <a:solidFill>
+                  <a:srgbClr val="000000"/>
+                </a:solidFill>
+                <a:hlinkClick r:id="rId12"/>
+              </a:rPr>
+              <a:t>https://data.cityofchicago.org/Transportation/Transportation-Network-Providers-Trips/m6dm-c72p</a:t>
+            </a:r>
+            <a:endParaRPr lang="en-US" sz="800" dirty="0"/>
+          </a:p>
+        </p:txBody>
+      </p:sp>
+      <p:sp>
+        <p:nvSpPr>
+          <p:cNvPr id="19" name="Rectangle 18">
+            <a:extLst>
+              <a:ext uri="{FF2B5EF4-FFF2-40B4-BE49-F238E27FC236}">
+                <a16:creationId xmlns:a16="http://schemas.microsoft.com/office/drawing/2014/main" id="{605159D8-DB55-284B-8E42-30D1155EBD02}"/>
+              </a:ext>
+            </a:extLst>
+          </p:cNvPr>
+          <p:cNvSpPr/>
+          <p:nvPr/>
+        </p:nvSpPr>
+        <p:spPr>
+          <a:xfrm>
+            <a:off x="801120" y="687229"/>
+            <a:ext cx="1471878" cy="338554"/>
+          </a:xfrm>
+          <a:prstGeom prst="rect">
+            <a:avLst/>
+          </a:prstGeom>
+        </p:spPr>
+        <p:txBody>
+          <a:bodyPr wrap="none">
+            <a:spAutoFit/>
+          </a:bodyPr>
+          <a:lstStyle/>
+          <a:p>
+            <a:r>
+              <a:rPr lang="en-US" sz="1600" b="1" dirty="0">
+                <a:solidFill>
+                  <a:srgbClr val="000000"/>
+                </a:solidFill>
+              </a:rPr>
+              <a:t>Main dataset:</a:t>
+            </a:r>
+            <a:endParaRPr lang="en-US" sz="1600" b="1" dirty="0"/>
+          </a:p>
+        </p:txBody>
+      </p:sp>
+      <p:sp>
+        <p:nvSpPr>
+          <p:cNvPr id="20" name="Rectangle 19" descr="User Network">
+            <a:extLst>
+              <a:ext uri="{FF2B5EF4-FFF2-40B4-BE49-F238E27FC236}">
+                <a16:creationId xmlns:a16="http://schemas.microsoft.com/office/drawing/2014/main" id="{5F6528CB-A3A3-2A4B-B235-56F799FF6F46}"/>
+              </a:ext>
+            </a:extLst>
+          </p:cNvPr>
+          <p:cNvSpPr/>
+          <p:nvPr/>
+        </p:nvSpPr>
+        <p:spPr>
+          <a:xfrm>
+            <a:off x="583831" y="1896492"/>
+            <a:ext cx="278373" cy="278373"/>
+          </a:xfrm>
+          <a:prstGeom prst="rect">
+            <a:avLst/>
+          </a:prstGeom>
+          <a:blipFill>
+            <a:blip r:embed="rId2">
+              <a:extLst>
+                <a:ext uri="{28A0092B-C50C-407E-A947-70E740481C1C}">
+                  <a14:useLocalDpi xmlns:a14="http://schemas.microsoft.com/office/drawing/2010/main" val="0"/>
+                </a:ext>
+                <a:ext uri="{96DAC541-7B7A-43D3-8B79-37D633B846F1}">
+                  <asvg:svgBlip xmlns:asvg="http://schemas.microsoft.com/office/drawing/2016/SVG/main" r:embed="rId3"/>
+                </a:ext>
+              </a:extLst>
+            </a:blip>
+            <a:stretch>
+              <a:fillRect/>
+            </a:stretch>
+          </a:blipFill>
+          <a:ln>
+            <a:noFill/>
+          </a:ln>
+        </p:spPr>
+        <p:style>
+          <a:lnRef idx="2">
+            <a:scrgbClr r="0" g="0" b="0"/>
+          </a:lnRef>
+          <a:fillRef idx="1">
+            <a:scrgbClr r="0" g="0" b="0"/>
+          </a:fillRef>
+          <a:effectRef idx="0">
+            <a:schemeClr val="accent2">
+              <a:hueOff val="0"/>
+              <a:satOff val="0"/>
+              <a:lumOff val="0"/>
+              <a:alphaOff val="0"/>
+            </a:schemeClr>
+          </a:effectRef>
+          <a:fontRef idx="minor">
+            <a:schemeClr val="lt1"/>
+          </a:fontRef>
+        </p:style>
+      </p:sp>
+      <p:sp>
+        <p:nvSpPr>
+          <p:cNvPr id="21" name="Rectangle 20">
+            <a:extLst>
+              <a:ext uri="{FF2B5EF4-FFF2-40B4-BE49-F238E27FC236}">
+                <a16:creationId xmlns:a16="http://schemas.microsoft.com/office/drawing/2014/main" id="{8B9EF8C6-9970-374E-A30A-D147DCA975C9}"/>
+              </a:ext>
+            </a:extLst>
+          </p:cNvPr>
+          <p:cNvSpPr/>
+          <p:nvPr/>
+        </p:nvSpPr>
+        <p:spPr>
+          <a:xfrm>
+            <a:off x="537197" y="2142966"/>
+            <a:ext cx="2676049" cy="738664"/>
+          </a:xfrm>
+          <a:prstGeom prst="rect">
+            <a:avLst/>
+          </a:prstGeom>
+        </p:spPr>
+        <p:style>
+          <a:lnRef idx="2">
+            <a:schemeClr val="accent1"/>
+          </a:lnRef>
+          <a:fillRef idx="1">
+            <a:schemeClr val="lt1"/>
+          </a:fillRef>
+          <a:effectRef idx="0">
+            <a:schemeClr val="accent1"/>
+          </a:effectRef>
+          <a:fontRef idx="minor">
+            <a:schemeClr val="dk1"/>
+          </a:fontRef>
+        </p:style>
+        <p:txBody>
+          <a:bodyPr wrap="square">
+            <a:spAutoFit/>
+          </a:bodyPr>
+          <a:lstStyle/>
+          <a:p>
+            <a:r>
+              <a:rPr lang="en-US" sz="1200" b="1" dirty="0">
+                <a:solidFill>
+                  <a:srgbClr val="000000"/>
+                </a:solidFill>
+              </a:rPr>
+              <a:t>Weather</a:t>
+            </a:r>
+            <a:endParaRPr lang="en-US" sz="1400" b="1" dirty="0">
+              <a:solidFill>
+                <a:srgbClr val="000000"/>
+              </a:solidFill>
+            </a:endParaRPr>
+          </a:p>
+          <a:p>
+            <a:r>
+              <a:rPr lang="en-US" sz="1100" dirty="0">
+                <a:solidFill>
+                  <a:srgbClr val="000000"/>
+                </a:solidFill>
+              </a:rPr>
+              <a:t>– Historical Weather Conditions, Short-term Forecasts</a:t>
+            </a:r>
+            <a:endParaRPr lang="en-US" sz="1100" dirty="0"/>
+          </a:p>
+          <a:p>
+            <a:r>
+              <a:rPr lang="en-US" sz="800" u="sng" dirty="0">
+                <a:solidFill>
+                  <a:schemeClr val="accent1"/>
+                </a:solidFill>
+              </a:rPr>
+              <a:t>https://</a:t>
+            </a:r>
+            <a:r>
+              <a:rPr lang="en-US" sz="800" u="sng" dirty="0" err="1">
+                <a:solidFill>
+                  <a:schemeClr val="accent1"/>
+                </a:solidFill>
+              </a:rPr>
+              <a:t>www.ncdc.noaa.gov</a:t>
+            </a:r>
+            <a:r>
+              <a:rPr lang="en-US" sz="800" u="sng" dirty="0">
+                <a:solidFill>
+                  <a:schemeClr val="accent1"/>
+                </a:solidFill>
+              </a:rPr>
+              <a:t>/</a:t>
+            </a:r>
+            <a:r>
+              <a:rPr lang="en-US" sz="800" u="sng" dirty="0" err="1">
+                <a:solidFill>
+                  <a:schemeClr val="accent1"/>
+                </a:solidFill>
+              </a:rPr>
+              <a:t>cdo</a:t>
+            </a:r>
+            <a:r>
+              <a:rPr lang="en-US" sz="800" u="sng" dirty="0">
+                <a:solidFill>
+                  <a:schemeClr val="accent1"/>
+                </a:solidFill>
+              </a:rPr>
+              <a:t>-web/datasets</a:t>
+            </a:r>
+          </a:p>
+        </p:txBody>
+      </p:sp>
+      <p:sp>
+        <p:nvSpPr>
+          <p:cNvPr id="22" name="Rectangle 21">
+            <a:extLst>
+              <a:ext uri="{FF2B5EF4-FFF2-40B4-BE49-F238E27FC236}">
+                <a16:creationId xmlns:a16="http://schemas.microsoft.com/office/drawing/2014/main" id="{A4C30EED-2E2F-DE44-A9AF-6E15067BD139}"/>
+              </a:ext>
+            </a:extLst>
+          </p:cNvPr>
+          <p:cNvSpPr/>
+          <p:nvPr/>
+        </p:nvSpPr>
+        <p:spPr>
+          <a:xfrm>
+            <a:off x="801120" y="1850526"/>
+            <a:ext cx="2077107" cy="338554"/>
+          </a:xfrm>
+          <a:prstGeom prst="rect">
+            <a:avLst/>
+          </a:prstGeom>
+        </p:spPr>
+        <p:txBody>
+          <a:bodyPr wrap="none">
+            <a:spAutoFit/>
+          </a:bodyPr>
+          <a:lstStyle/>
+          <a:p>
+            <a:r>
+              <a:rPr lang="en-US" sz="1600" b="1" dirty="0">
+                <a:solidFill>
+                  <a:srgbClr val="000000"/>
+                </a:solidFill>
+              </a:rPr>
+              <a:t>Supporting dataset:</a:t>
+            </a:r>
+            <a:endParaRPr lang="en-US" sz="1600" b="1" dirty="0"/>
+          </a:p>
+        </p:txBody>
+      </p:sp>
+      <p:sp>
+        <p:nvSpPr>
+          <p:cNvPr id="23" name="Rectangle 22">
+            <a:extLst>
+              <a:ext uri="{FF2B5EF4-FFF2-40B4-BE49-F238E27FC236}">
+                <a16:creationId xmlns:a16="http://schemas.microsoft.com/office/drawing/2014/main" id="{91B8079A-E903-6E4E-8539-78A90A49F439}"/>
+              </a:ext>
+            </a:extLst>
+          </p:cNvPr>
+          <p:cNvSpPr/>
+          <p:nvPr/>
+        </p:nvSpPr>
+        <p:spPr>
+          <a:xfrm>
+            <a:off x="537197" y="2900823"/>
+            <a:ext cx="2676049" cy="661720"/>
+          </a:xfrm>
+          <a:prstGeom prst="rect">
+            <a:avLst/>
+          </a:prstGeom>
+        </p:spPr>
+        <p:style>
+          <a:lnRef idx="2">
+            <a:schemeClr val="accent1"/>
+          </a:lnRef>
+          <a:fillRef idx="1">
+            <a:schemeClr val="lt1"/>
+          </a:fillRef>
+          <a:effectRef idx="0">
+            <a:schemeClr val="accent1"/>
+          </a:effectRef>
+          <a:fontRef idx="minor">
+            <a:schemeClr val="dk1"/>
+          </a:fontRef>
+        </p:style>
+        <p:txBody>
+          <a:bodyPr wrap="square">
+            <a:spAutoFit/>
+          </a:bodyPr>
+          <a:lstStyle/>
+          <a:p>
+            <a:r>
+              <a:rPr lang="en-US" sz="1200" b="1" dirty="0">
+                <a:solidFill>
+                  <a:srgbClr val="000000"/>
+                </a:solidFill>
+              </a:rPr>
+              <a:t>Geography</a:t>
+            </a:r>
+          </a:p>
+          <a:p>
+            <a:r>
+              <a:rPr lang="en-US" sz="1100" dirty="0">
+                <a:solidFill>
+                  <a:srgbClr val="000000"/>
+                </a:solidFill>
+              </a:rPr>
+              <a:t>– Community area boundaries in Chicago</a:t>
+            </a:r>
+            <a:endParaRPr lang="en-US" sz="1100" dirty="0"/>
+          </a:p>
+          <a:p>
+            <a:r>
+              <a:rPr lang="en-US" sz="700" u="sng" dirty="0">
+                <a:solidFill>
+                  <a:schemeClr val="accent1"/>
+                </a:solidFill>
+              </a:rPr>
+              <a:t>https://</a:t>
+            </a:r>
+            <a:r>
+              <a:rPr lang="en-US" sz="700" u="sng" dirty="0" err="1">
+                <a:solidFill>
+                  <a:schemeClr val="accent1"/>
+                </a:solidFill>
+              </a:rPr>
+              <a:t>data.cityofchicago.org</a:t>
+            </a:r>
+            <a:r>
+              <a:rPr lang="en-US" sz="700" u="sng" dirty="0">
+                <a:solidFill>
+                  <a:schemeClr val="accent1"/>
+                </a:solidFill>
+              </a:rPr>
+              <a:t>/Facilities-Geographic-Boundaries/Boundaries-Community-Areas-current-/cauq-8yn6</a:t>
+            </a:r>
+          </a:p>
+        </p:txBody>
+      </p:sp>
+      <p:sp>
+        <p:nvSpPr>
+          <p:cNvPr id="24" name="Rectangle 23">
+            <a:extLst>
+              <a:ext uri="{FF2B5EF4-FFF2-40B4-BE49-F238E27FC236}">
+                <a16:creationId xmlns:a16="http://schemas.microsoft.com/office/drawing/2014/main" id="{D79E2072-33D8-B844-ACB0-5B8C27659367}"/>
+              </a:ext>
+            </a:extLst>
+          </p:cNvPr>
+          <p:cNvSpPr/>
+          <p:nvPr/>
+        </p:nvSpPr>
+        <p:spPr>
+          <a:xfrm>
+            <a:off x="537197" y="3577856"/>
+            <a:ext cx="2676049" cy="738664"/>
+          </a:xfrm>
+          <a:prstGeom prst="rect">
+            <a:avLst/>
+          </a:prstGeom>
+        </p:spPr>
+        <p:style>
+          <a:lnRef idx="2">
+            <a:schemeClr val="accent1"/>
+          </a:lnRef>
+          <a:fillRef idx="1">
+            <a:schemeClr val="lt1"/>
+          </a:fillRef>
+          <a:effectRef idx="0">
+            <a:schemeClr val="accent1"/>
+          </a:effectRef>
+          <a:fontRef idx="minor">
+            <a:schemeClr val="dk1"/>
+          </a:fontRef>
+        </p:style>
+        <p:txBody>
+          <a:bodyPr wrap="square">
+            <a:spAutoFit/>
+          </a:bodyPr>
+          <a:lstStyle/>
+          <a:p>
+            <a:r>
+              <a:rPr lang="en-US" sz="1200" b="1" dirty="0">
+                <a:solidFill>
+                  <a:srgbClr val="000000"/>
+                </a:solidFill>
+              </a:rPr>
+              <a:t>Sports Event</a:t>
+            </a:r>
+          </a:p>
+          <a:p>
+            <a:r>
+              <a:rPr lang="en-US" sz="1100" dirty="0">
+                <a:solidFill>
+                  <a:srgbClr val="000000"/>
+                </a:solidFill>
+              </a:rPr>
+              <a:t>– Chicago sports team (NBA,NFL,MLB) schedules</a:t>
+            </a:r>
+            <a:endParaRPr lang="en-US" sz="1100" dirty="0"/>
+          </a:p>
+          <a:p>
+            <a:r>
+              <a:rPr lang="en-US" sz="800" u="sng" dirty="0">
+                <a:solidFill>
+                  <a:schemeClr val="accent1"/>
+                </a:solidFill>
+                <a:hlinkClick r:id="rId13">
+                  <a:extLst>
+                    <a:ext uri="{A12FA001-AC4F-418D-AE19-62706E023703}">
+                      <ahyp:hlinkClr xmlns:ahyp="http://schemas.microsoft.com/office/drawing/2018/hyperlinkcolor" val="tx"/>
+                    </a:ext>
+                  </a:extLst>
+                </a:hlinkClick>
+              </a:rPr>
+              <a:t>https://www.espn.com</a:t>
+            </a:r>
+            <a:endParaRPr lang="en-US" sz="800" u="sng" dirty="0">
+              <a:solidFill>
+                <a:schemeClr val="accent1"/>
+              </a:solidFill>
+            </a:endParaRPr>
+          </a:p>
+        </p:txBody>
+      </p:sp>
+      <p:sp>
+        <p:nvSpPr>
+          <p:cNvPr id="25" name="Rectangle 24">
+            <a:extLst>
+              <a:ext uri="{FF2B5EF4-FFF2-40B4-BE49-F238E27FC236}">
+                <a16:creationId xmlns:a16="http://schemas.microsoft.com/office/drawing/2014/main" id="{A85597EE-9BF4-384D-9143-21303B59806F}"/>
+              </a:ext>
+            </a:extLst>
+          </p:cNvPr>
+          <p:cNvSpPr/>
+          <p:nvPr/>
+        </p:nvSpPr>
+        <p:spPr>
+          <a:xfrm>
+            <a:off x="3674902" y="1568771"/>
+            <a:ext cx="1415201" cy="584775"/>
           </a:xfrm>
           <a:prstGeom prst="rect">
             <a:avLst/>
@@ -22232,209 +20265,695 @@
           <a:lstStyle/>
           <a:p>
             <a:r>
-              <a:rPr lang="en-US" dirty="0">
+              <a:rPr lang="en-US" sz="1600" b="1" dirty="0">
                 <a:solidFill>
                   <a:srgbClr val="000000"/>
                 </a:solidFill>
-                <a:latin typeface="Arial" panose="020B0604020202020204" pitchFamily="34" charset="0"/>
               </a:rPr>
-              <a:t> </a:t>
+              <a:t>Data Connectors:</a:t>
             </a:r>
-            <a:endParaRPr lang="en-US" dirty="0"/>
+            <a:endParaRPr lang="en-US" sz="1600" b="1" dirty="0"/>
+          </a:p>
+        </p:txBody>
+      </p:sp>
+      <p:sp>
+        <p:nvSpPr>
+          <p:cNvPr id="26" name="Rectangle 25">
+            <a:extLst>
+              <a:ext uri="{FF2B5EF4-FFF2-40B4-BE49-F238E27FC236}">
+                <a16:creationId xmlns:a16="http://schemas.microsoft.com/office/drawing/2014/main" id="{FFCB1D17-21E4-DE4D-A62B-176836A925D7}"/>
+              </a:ext>
+            </a:extLst>
+          </p:cNvPr>
+          <p:cNvSpPr/>
+          <p:nvPr/>
+        </p:nvSpPr>
+        <p:spPr>
+          <a:xfrm>
+            <a:off x="5307910" y="733645"/>
+            <a:ext cx="1787349" cy="338554"/>
+          </a:xfrm>
+          <a:prstGeom prst="rect">
+            <a:avLst/>
+          </a:prstGeom>
+        </p:spPr>
+        <p:txBody>
+          <a:bodyPr wrap="none">
+            <a:spAutoFit/>
+          </a:bodyPr>
+          <a:lstStyle/>
+          <a:p>
+            <a:r>
+              <a:rPr lang="en-US" sz="1600" b="1" dirty="0">
+                <a:solidFill>
+                  <a:srgbClr val="000000"/>
+                </a:solidFill>
+              </a:rPr>
+              <a:t>Data Processing:</a:t>
+            </a:r>
+            <a:endParaRPr lang="en-US" sz="1600" b="1" dirty="0"/>
+          </a:p>
+        </p:txBody>
+      </p:sp>
+      <p:sp>
+        <p:nvSpPr>
+          <p:cNvPr id="27" name="Rectangle 26">
+            <a:extLst>
+              <a:ext uri="{FF2B5EF4-FFF2-40B4-BE49-F238E27FC236}">
+                <a16:creationId xmlns:a16="http://schemas.microsoft.com/office/drawing/2014/main" id="{1720B5EE-1458-8F49-9D95-5F9B62E2C555}"/>
+              </a:ext>
+            </a:extLst>
+          </p:cNvPr>
+          <p:cNvSpPr/>
+          <p:nvPr/>
+        </p:nvSpPr>
+        <p:spPr>
+          <a:xfrm>
+            <a:off x="3518389" y="2148946"/>
+            <a:ext cx="1577764" cy="1815882"/>
+          </a:xfrm>
+          <a:prstGeom prst="rect">
+            <a:avLst/>
+          </a:prstGeom>
+        </p:spPr>
+        <p:style>
+          <a:lnRef idx="2">
+            <a:schemeClr val="accent1"/>
+          </a:lnRef>
+          <a:fillRef idx="1">
+            <a:schemeClr val="lt1"/>
+          </a:fillRef>
+          <a:effectRef idx="0">
+            <a:schemeClr val="accent1"/>
+          </a:effectRef>
+          <a:fontRef idx="minor">
+            <a:schemeClr val="dk1"/>
+          </a:fontRef>
+        </p:style>
+        <p:txBody>
+          <a:bodyPr wrap="square">
+            <a:spAutoFit/>
+          </a:bodyPr>
+          <a:lstStyle/>
+          <a:p>
+            <a:r>
+              <a:rPr lang="en-US" sz="1600" dirty="0">
+                <a:solidFill>
+                  <a:srgbClr val="000000"/>
+                </a:solidFill>
+              </a:rPr>
+              <a:t>CSV Extracts</a:t>
+            </a:r>
+          </a:p>
+          <a:p>
+            <a:endParaRPr lang="en-US" sz="1600" dirty="0">
+              <a:solidFill>
+                <a:srgbClr val="000000"/>
+              </a:solidFill>
+            </a:endParaRPr>
           </a:p>
           <a:p>
             <a:r>
-              <a:rPr lang="en-US" b="1" u="sng" dirty="0">
+              <a:rPr lang="en-US" sz="1600" dirty="0">
                 <a:solidFill>
                   <a:srgbClr val="000000"/>
                 </a:solidFill>
-                <a:latin typeface="Arial" panose="020B0604020202020204" pitchFamily="34" charset="0"/>
               </a:rPr>
-              <a:t>Data Processing</a:t>
+              <a:t>Python</a:t>
             </a:r>
-            <a:endParaRPr lang="en-US" dirty="0"/>
           </a:p>
           <a:p>
-            <a:pPr indent="457200"/>
             <a:r>
-              <a:rPr lang="en-US" dirty="0">
+              <a:rPr lang="en-US" sz="1400" dirty="0">
                 <a:solidFill>
                   <a:srgbClr val="000000"/>
                 </a:solidFill>
-                <a:latin typeface="Arial" panose="020B0604020202020204" pitchFamily="34" charset="0"/>
               </a:rPr>
-              <a:t>Python: data cleaning and processing</a:t>
+              <a:t>- </a:t>
             </a:r>
-            <a:endParaRPr lang="en-US" dirty="0"/>
-          </a:p>
-          <a:p>
-            <a:pPr indent="457200"/>
             <a:r>
-              <a:rPr lang="en-US" dirty="0">
+              <a:rPr lang="en-US" sz="1400" dirty="0" err="1">
                 <a:solidFill>
                   <a:srgbClr val="000000"/>
                 </a:solidFill>
-                <a:latin typeface="Arial" panose="020B0604020202020204" pitchFamily="34" charset="0"/>
               </a:rPr>
-              <a:t>Excel: data cleaning and processing</a:t>
+              <a:t>WebScraping</a:t>
             </a:r>
-            <a:endParaRPr lang="en-US" dirty="0"/>
+            <a:endParaRPr lang="en-US" sz="1400" dirty="0">
+              <a:solidFill>
+                <a:srgbClr val="000000"/>
+              </a:solidFill>
+            </a:endParaRPr>
           </a:p>
           <a:p>
-            <a:pPr indent="457200"/>
+            <a:endParaRPr lang="en-US" sz="1600" dirty="0">
+              <a:solidFill>
+                <a:srgbClr val="000000"/>
+              </a:solidFill>
+            </a:endParaRPr>
+          </a:p>
+          <a:p>
             <a:r>
-              <a:rPr lang="en-US" dirty="0" err="1">
+              <a:rPr lang="en-US" sz="1600" dirty="0" err="1">
                 <a:solidFill>
                   <a:srgbClr val="000000"/>
                 </a:solidFill>
-                <a:latin typeface="Arial" panose="020B0604020202020204" pitchFamily="34" charset="0"/>
               </a:rPr>
-              <a:t>Uchicago</a:t>
+              <a:t>NoAA</a:t>
             </a:r>
+            <a:endParaRPr lang="en-US" sz="1600" dirty="0">
+              <a:solidFill>
+                <a:srgbClr val="000000"/>
+              </a:solidFill>
+            </a:endParaRPr>
+          </a:p>
+          <a:p>
             <a:r>
-              <a:rPr lang="en-US" dirty="0">
+              <a:rPr lang="en-US" sz="1400" dirty="0">
                 <a:solidFill>
                   <a:srgbClr val="000000"/>
                 </a:solidFill>
-                <a:latin typeface="Arial" panose="020B0604020202020204" pitchFamily="34" charset="0"/>
               </a:rPr>
-              <a:t> RCC: cloud computing for large datasets</a:t>
+              <a:t>- API</a:t>
             </a:r>
-            <a:endParaRPr lang="en-US" dirty="0"/>
+          </a:p>
+        </p:txBody>
+      </p:sp>
+      <p:sp>
+        <p:nvSpPr>
+          <p:cNvPr id="28" name="Rectangle 27">
+            <a:extLst>
+              <a:ext uri="{FF2B5EF4-FFF2-40B4-BE49-F238E27FC236}">
+                <a16:creationId xmlns:a16="http://schemas.microsoft.com/office/drawing/2014/main" id="{8DD2E783-BA7F-314D-B725-7316F61F95B0}"/>
+              </a:ext>
+            </a:extLst>
+          </p:cNvPr>
+          <p:cNvSpPr/>
+          <p:nvPr/>
+        </p:nvSpPr>
+        <p:spPr>
+          <a:xfrm>
+            <a:off x="5390739" y="1133284"/>
+            <a:ext cx="1577764" cy="2831544"/>
+          </a:xfrm>
+          <a:prstGeom prst="rect">
+            <a:avLst/>
+          </a:prstGeom>
+        </p:spPr>
+        <p:style>
+          <a:lnRef idx="2">
+            <a:schemeClr val="accent1"/>
+          </a:lnRef>
+          <a:fillRef idx="1">
+            <a:schemeClr val="lt1"/>
+          </a:fillRef>
+          <a:effectRef idx="0">
+            <a:schemeClr val="accent1"/>
+          </a:effectRef>
+          <a:fontRef idx="minor">
+            <a:schemeClr val="dk1"/>
+          </a:fontRef>
+        </p:style>
+        <p:txBody>
+          <a:bodyPr wrap="square">
+            <a:spAutoFit/>
+          </a:bodyPr>
+          <a:lstStyle/>
+          <a:p>
+            <a:r>
+              <a:rPr lang="en-US" sz="1600" dirty="0">
+                <a:solidFill>
+                  <a:srgbClr val="000000"/>
+                </a:solidFill>
+              </a:rPr>
+              <a:t>Python</a:t>
+            </a:r>
           </a:p>
           <a:p>
             <a:r>
-              <a:rPr lang="en-US" dirty="0">
+              <a:rPr lang="en-US" sz="1400" dirty="0">
                 <a:solidFill>
                   <a:srgbClr val="000000"/>
                 </a:solidFill>
-                <a:latin typeface="Arial" panose="020B0604020202020204" pitchFamily="34" charset="0"/>
               </a:rPr>
-              <a:t> </a:t>
+              <a:t>- Data Cleaning and Processing</a:t>
             </a:r>
-            <a:endParaRPr lang="en-US" dirty="0"/>
+          </a:p>
+          <a:p>
+            <a:endParaRPr lang="en-US" sz="1600" dirty="0">
+              <a:solidFill>
+                <a:srgbClr val="000000"/>
+              </a:solidFill>
+            </a:endParaRPr>
           </a:p>
           <a:p>
             <a:r>
-              <a:rPr lang="en-US" b="1" u="sng" dirty="0">
+              <a:rPr lang="en-US" sz="1600" dirty="0">
                 <a:solidFill>
                   <a:srgbClr val="000000"/>
                 </a:solidFill>
-                <a:latin typeface="Arial" panose="020B0604020202020204" pitchFamily="34" charset="0"/>
               </a:rPr>
-              <a:t>Visualizations</a:t>
+              <a:t>Excel</a:t>
             </a:r>
-            <a:endParaRPr lang="en-US" dirty="0"/>
           </a:p>
           <a:p>
-            <a:pPr indent="457200"/>
             <a:r>
-              <a:rPr lang="en-US" dirty="0" err="1">
+              <a:rPr lang="en-US" sz="1400" dirty="0">
                 <a:solidFill>
                   <a:srgbClr val="000000"/>
                 </a:solidFill>
-                <a:latin typeface="Arial" panose="020B0604020202020204" pitchFamily="34" charset="0"/>
               </a:rPr>
-              <a:t>Tableue</a:t>
+              <a:t>- Data Cleaning and Processing</a:t>
             </a:r>
+          </a:p>
+          <a:p>
+            <a:endParaRPr lang="en-US" sz="1600" dirty="0">
+              <a:solidFill>
+                <a:srgbClr val="000000"/>
+              </a:solidFill>
+            </a:endParaRPr>
+          </a:p>
+          <a:p>
             <a:r>
-              <a:rPr lang="en-US" dirty="0">
+              <a:rPr lang="en-US" sz="1600" dirty="0" err="1">
                 <a:solidFill>
                   <a:srgbClr val="000000"/>
                 </a:solidFill>
-                <a:latin typeface="Arial" panose="020B0604020202020204" pitchFamily="34" charset="0"/>
               </a:rPr>
-              <a:t>:</a:t>
+              <a:t>UChicago</a:t>
             </a:r>
-            <a:endParaRPr lang="en-US" dirty="0"/>
-          </a:p>
-          <a:p>
-            <a:pPr indent="457200"/>
             <a:r>
-              <a:rPr lang="en-US" dirty="0">
+              <a:rPr lang="en-US" sz="1600" dirty="0">
                 <a:solidFill>
                   <a:srgbClr val="000000"/>
                 </a:solidFill>
-                <a:latin typeface="Arial" panose="020B0604020202020204" pitchFamily="34" charset="0"/>
               </a:rPr>
-              <a:t>Python: Matplotlib/ Seaborn/</a:t>
+              <a:t> RCC </a:t>
             </a:r>
+          </a:p>
+          <a:p>
             <a:r>
-              <a:rPr lang="en-US" dirty="0" err="1">
+              <a:rPr lang="en-US" sz="1400" dirty="0">
                 <a:solidFill>
                   <a:srgbClr val="000000"/>
                 </a:solidFill>
-                <a:latin typeface="Arial" panose="020B0604020202020204" pitchFamily="34" charset="0"/>
+              </a:rPr>
+              <a:t>- Cloud Computing for Large Datasets</a:t>
+            </a:r>
+            <a:endParaRPr lang="en-US" sz="1600" dirty="0">
+              <a:solidFill>
+                <a:srgbClr val="000000"/>
+              </a:solidFill>
+            </a:endParaRPr>
+          </a:p>
+        </p:txBody>
+      </p:sp>
+      <p:sp>
+        <p:nvSpPr>
+          <p:cNvPr id="29" name="Rectangle 28">
+            <a:extLst>
+              <a:ext uri="{FF2B5EF4-FFF2-40B4-BE49-F238E27FC236}">
+                <a16:creationId xmlns:a16="http://schemas.microsoft.com/office/drawing/2014/main" id="{90CB9835-C936-9743-B50D-1B8620C81E29}"/>
+              </a:ext>
+            </a:extLst>
+          </p:cNvPr>
+          <p:cNvSpPr/>
+          <p:nvPr/>
+        </p:nvSpPr>
+        <p:spPr>
+          <a:xfrm>
+            <a:off x="7210899" y="723247"/>
+            <a:ext cx="1560042" cy="338554"/>
+          </a:xfrm>
+          <a:prstGeom prst="rect">
+            <a:avLst/>
+          </a:prstGeom>
+        </p:spPr>
+        <p:txBody>
+          <a:bodyPr wrap="none">
+            <a:spAutoFit/>
+          </a:bodyPr>
+          <a:lstStyle/>
+          <a:p>
+            <a:r>
+              <a:rPr lang="en-US" sz="1600" b="1" dirty="0">
+                <a:solidFill>
+                  <a:srgbClr val="000000"/>
+                </a:solidFill>
+              </a:rPr>
+              <a:t>Visualizations:</a:t>
+            </a:r>
+            <a:endParaRPr lang="en-US" sz="1600" b="1" dirty="0"/>
+          </a:p>
+        </p:txBody>
+      </p:sp>
+      <p:sp>
+        <p:nvSpPr>
+          <p:cNvPr id="30" name="Rectangle 29">
+            <a:extLst>
+              <a:ext uri="{FF2B5EF4-FFF2-40B4-BE49-F238E27FC236}">
+                <a16:creationId xmlns:a16="http://schemas.microsoft.com/office/drawing/2014/main" id="{B7C051A9-865E-384A-84CC-181A19B6F635}"/>
+              </a:ext>
+            </a:extLst>
+          </p:cNvPr>
+          <p:cNvSpPr/>
+          <p:nvPr/>
+        </p:nvSpPr>
+        <p:spPr>
+          <a:xfrm>
+            <a:off x="7150316" y="1072226"/>
+            <a:ext cx="1577764" cy="1569660"/>
+          </a:xfrm>
+          <a:prstGeom prst="rect">
+            <a:avLst/>
+          </a:prstGeom>
+        </p:spPr>
+        <p:style>
+          <a:lnRef idx="2">
+            <a:schemeClr val="accent1"/>
+          </a:lnRef>
+          <a:fillRef idx="1">
+            <a:schemeClr val="lt1"/>
+          </a:fillRef>
+          <a:effectRef idx="0">
+            <a:schemeClr val="accent1"/>
+          </a:effectRef>
+          <a:fontRef idx="minor">
+            <a:schemeClr val="dk1"/>
+          </a:fontRef>
+        </p:style>
+        <p:txBody>
+          <a:bodyPr wrap="square">
+            <a:spAutoFit/>
+          </a:bodyPr>
+          <a:lstStyle/>
+          <a:p>
+            <a:r>
+              <a:rPr lang="en-US" sz="1600" dirty="0" err="1">
+                <a:solidFill>
+                  <a:srgbClr val="000000"/>
+                </a:solidFill>
+              </a:rPr>
+              <a:t>Tablaue</a:t>
+            </a:r>
+            <a:endParaRPr lang="en-US" sz="1600" dirty="0">
+              <a:solidFill>
+                <a:srgbClr val="000000"/>
+              </a:solidFill>
+            </a:endParaRPr>
+          </a:p>
+          <a:p>
+            <a:r>
+              <a:rPr lang="en-US" sz="1600" dirty="0">
+                <a:solidFill>
+                  <a:srgbClr val="000000"/>
+                </a:solidFill>
+              </a:rPr>
+              <a:t>Python:</a:t>
+            </a:r>
+          </a:p>
+          <a:p>
+            <a:pPr marL="285750" indent="-285750">
+              <a:buFont typeface="Wingdings" pitchFamily="2" charset="2"/>
+              <a:buChar char="v"/>
+            </a:pPr>
+            <a:r>
+              <a:rPr lang="en-US" sz="1600" dirty="0">
+                <a:solidFill>
+                  <a:srgbClr val="000000"/>
+                </a:solidFill>
+              </a:rPr>
+              <a:t>Matplotlib</a:t>
+            </a:r>
+          </a:p>
+          <a:p>
+            <a:pPr marL="285750" indent="-285750">
+              <a:buFont typeface="Wingdings" pitchFamily="2" charset="2"/>
+              <a:buChar char="v"/>
+            </a:pPr>
+            <a:r>
+              <a:rPr lang="en-US" sz="1600" dirty="0">
+                <a:solidFill>
+                  <a:srgbClr val="000000"/>
+                </a:solidFill>
+              </a:rPr>
+              <a:t>Seaborn</a:t>
+            </a:r>
+          </a:p>
+          <a:p>
+            <a:pPr marL="171450" indent="-171450">
+              <a:buFont typeface="Wingdings" pitchFamily="2" charset="2"/>
+              <a:buChar char="v"/>
+            </a:pPr>
+            <a:r>
+              <a:rPr lang="en-US" sz="1600" dirty="0">
+                <a:solidFill>
+                  <a:srgbClr val="000000"/>
+                </a:solidFill>
+              </a:rPr>
+              <a:t>  </a:t>
+            </a:r>
+            <a:r>
+              <a:rPr lang="en-US" sz="1600" dirty="0" err="1">
+                <a:solidFill>
+                  <a:srgbClr val="000000"/>
+                </a:solidFill>
               </a:rPr>
               <a:t>ggplot</a:t>
             </a:r>
+            <a:endParaRPr lang="en-US" sz="1600" dirty="0">
+              <a:solidFill>
+                <a:srgbClr val="000000"/>
+              </a:solidFill>
+            </a:endParaRPr>
+          </a:p>
+          <a:p>
+            <a:pPr marL="171450" indent="-171450">
+              <a:buFont typeface="Wingdings" pitchFamily="2" charset="2"/>
+              <a:buChar char="v"/>
+            </a:pPr>
             <a:r>
-              <a:rPr lang="en-US" dirty="0">
+              <a:rPr lang="en-US" sz="1600" dirty="0">
                 <a:solidFill>
                   <a:srgbClr val="000000"/>
                 </a:solidFill>
-                <a:latin typeface="Arial" panose="020B0604020202020204" pitchFamily="34" charset="0"/>
               </a:rPr>
-              <a:t>/Bokeh/</a:t>
+              <a:t>  </a:t>
             </a:r>
             <a:r>
-              <a:rPr lang="en-US" dirty="0" err="1">
+              <a:rPr lang="en-US" sz="1600" dirty="0" err="1">
                 <a:solidFill>
                   <a:srgbClr val="000000"/>
                 </a:solidFill>
-                <a:latin typeface="Arial" panose="020B0604020202020204" pitchFamily="34" charset="0"/>
               </a:rPr>
               <a:t>Plotly</a:t>
             </a:r>
-            <a:endParaRPr lang="en-US" dirty="0"/>
+            <a:endParaRPr lang="en-US" sz="1600" dirty="0">
+              <a:solidFill>
+                <a:srgbClr val="000000"/>
+              </a:solidFill>
+            </a:endParaRPr>
+          </a:p>
+        </p:txBody>
+      </p:sp>
+      <p:sp>
+        <p:nvSpPr>
+          <p:cNvPr id="31" name="Rectangle 30">
+            <a:extLst>
+              <a:ext uri="{FF2B5EF4-FFF2-40B4-BE49-F238E27FC236}">
+                <a16:creationId xmlns:a16="http://schemas.microsoft.com/office/drawing/2014/main" id="{0547C1FF-1F59-EB4D-A694-FAC3B2660832}"/>
+              </a:ext>
+            </a:extLst>
+          </p:cNvPr>
+          <p:cNvSpPr/>
+          <p:nvPr/>
+        </p:nvSpPr>
+        <p:spPr>
+          <a:xfrm>
+            <a:off x="7378826" y="3286444"/>
+            <a:ext cx="1118832" cy="338554"/>
+          </a:xfrm>
+          <a:prstGeom prst="rect">
+            <a:avLst/>
+          </a:prstGeom>
+        </p:spPr>
+        <p:txBody>
+          <a:bodyPr wrap="none">
+            <a:spAutoFit/>
+          </a:bodyPr>
+          <a:lstStyle/>
+          <a:p>
+            <a:r>
+              <a:rPr lang="en-US" sz="1600" b="1" dirty="0">
+                <a:solidFill>
+                  <a:srgbClr val="000000"/>
+                </a:solidFill>
+              </a:rPr>
+              <a:t>Analytics:</a:t>
+            </a:r>
+            <a:endParaRPr lang="en-US" sz="1600" b="1" dirty="0"/>
+          </a:p>
+        </p:txBody>
+      </p:sp>
+      <p:sp>
+        <p:nvSpPr>
+          <p:cNvPr id="32" name="Rectangle 31">
+            <a:extLst>
+              <a:ext uri="{FF2B5EF4-FFF2-40B4-BE49-F238E27FC236}">
+                <a16:creationId xmlns:a16="http://schemas.microsoft.com/office/drawing/2014/main" id="{FAF0486F-9BD3-4A45-8AA4-A7299147A7DC}"/>
+              </a:ext>
+            </a:extLst>
+          </p:cNvPr>
+          <p:cNvSpPr/>
+          <p:nvPr/>
+        </p:nvSpPr>
+        <p:spPr>
+          <a:xfrm>
+            <a:off x="7160949" y="3646499"/>
+            <a:ext cx="1577764" cy="584775"/>
+          </a:xfrm>
+          <a:prstGeom prst="rect">
+            <a:avLst/>
+          </a:prstGeom>
+        </p:spPr>
+        <p:style>
+          <a:lnRef idx="2">
+            <a:schemeClr val="accent1"/>
+          </a:lnRef>
+          <a:fillRef idx="1">
+            <a:schemeClr val="lt1"/>
+          </a:fillRef>
+          <a:effectRef idx="0">
+            <a:schemeClr val="accent1"/>
+          </a:effectRef>
+          <a:fontRef idx="minor">
+            <a:schemeClr val="dk1"/>
+          </a:fontRef>
+        </p:style>
+        <p:txBody>
+          <a:bodyPr wrap="square">
+            <a:spAutoFit/>
+          </a:bodyPr>
+          <a:lstStyle/>
+          <a:p>
+            <a:r>
+              <a:rPr lang="en-US" sz="1600" dirty="0">
+                <a:solidFill>
+                  <a:srgbClr val="000000"/>
+                </a:solidFill>
+              </a:rPr>
+              <a:t>Python: </a:t>
+            </a:r>
           </a:p>
           <a:p>
             <a:r>
-              <a:rPr lang="en-US" dirty="0">
+              <a:rPr lang="en-US" sz="1600" dirty="0">
                 <a:solidFill>
                   <a:srgbClr val="000000"/>
                 </a:solidFill>
-                <a:latin typeface="Arial" panose="020B0604020202020204" pitchFamily="34" charset="0"/>
               </a:rPr>
-              <a:t> </a:t>
+              <a:t>Data Analysis</a:t>
             </a:r>
-            <a:endParaRPr lang="en-US" dirty="0"/>
+          </a:p>
+        </p:txBody>
+      </p:sp>
+      <p:sp>
+        <p:nvSpPr>
+          <p:cNvPr id="33" name="Rectangle 32">
+            <a:extLst>
+              <a:ext uri="{FF2B5EF4-FFF2-40B4-BE49-F238E27FC236}">
+                <a16:creationId xmlns:a16="http://schemas.microsoft.com/office/drawing/2014/main" id="{A4F2C26C-8FA5-E541-8E4F-9BCE4E7CCB15}"/>
+              </a:ext>
+            </a:extLst>
+          </p:cNvPr>
+          <p:cNvSpPr/>
+          <p:nvPr/>
+        </p:nvSpPr>
+        <p:spPr>
+          <a:xfrm>
+            <a:off x="545619" y="4342465"/>
+            <a:ext cx="2667627" cy="769441"/>
+          </a:xfrm>
+          <a:prstGeom prst="rect">
+            <a:avLst/>
+          </a:prstGeom>
+        </p:spPr>
+        <p:style>
+          <a:lnRef idx="2">
+            <a:schemeClr val="accent1"/>
+          </a:lnRef>
+          <a:fillRef idx="1">
+            <a:schemeClr val="lt1"/>
+          </a:fillRef>
+          <a:effectRef idx="0">
+            <a:schemeClr val="accent1"/>
+          </a:effectRef>
+          <a:fontRef idx="minor">
+            <a:schemeClr val="dk1"/>
+          </a:fontRef>
+        </p:style>
+        <p:txBody>
+          <a:bodyPr wrap="square">
+            <a:spAutoFit/>
+          </a:bodyPr>
+          <a:lstStyle/>
+          <a:p>
+            <a:r>
+              <a:rPr lang="en-US" sz="1200" b="1" dirty="0">
+                <a:solidFill>
+                  <a:srgbClr val="000000"/>
+                </a:solidFill>
+              </a:rPr>
+              <a:t>Census &amp; Crime</a:t>
+            </a:r>
           </a:p>
           <a:p>
             <a:r>
-              <a:rPr lang="en-US" b="1" u="sng" dirty="0" err="1">
+              <a:rPr lang="en-US" sz="800" u="sng" dirty="0">
                 <a:solidFill>
-                  <a:srgbClr val="000000"/>
+                  <a:schemeClr val="accent1"/>
                 </a:solidFill>
-                <a:latin typeface="Arial" panose="020B0604020202020204" pitchFamily="34" charset="0"/>
+                <a:hlinkClick r:id="rId14">
+                  <a:extLst>
+                    <a:ext uri="{A12FA001-AC4F-418D-AE19-62706E023703}">
+                      <ahyp:hlinkClr xmlns:ahyp="http://schemas.microsoft.com/office/drawing/2018/hyperlinkcolor" val="tx"/>
+                    </a:ext>
+                  </a:extLst>
+                </a:hlinkClick>
               </a:rPr>
-              <a:t>Analytics</a:t>
+              <a:t>https://datahub.cmap.illinois.gov/dataset/community-data-snapshots-raw-data</a:t>
+            </a:r>
+            <a:endParaRPr lang="en-US" sz="800" u="sng" dirty="0">
+              <a:solidFill>
+                <a:schemeClr val="accent1"/>
+              </a:solidFill>
+            </a:endParaRPr>
+          </a:p>
+          <a:p>
+            <a:r>
+              <a:rPr lang="en-US" sz="800" u="sng" dirty="0">
+                <a:solidFill>
+                  <a:schemeClr val="accent1"/>
+                </a:solidFill>
+              </a:rPr>
+              <a:t>https://</a:t>
             </a:r>
             <a:r>
-              <a:rPr lang="en-US" dirty="0" err="1">
+              <a:rPr lang="en-US" sz="800" u="sng" dirty="0" err="1">
                 <a:solidFill>
-                  <a:srgbClr val="000000"/>
+                  <a:schemeClr val="accent1"/>
                 </a:solidFill>
-                <a:latin typeface="Arial" panose="020B0604020202020204" pitchFamily="34" charset="0"/>
               </a:rPr>
-              <a:t>Python</a:t>
+              <a:t>data.cityofchicago.org</a:t>
             </a:r>
             <a:r>
-              <a:rPr lang="en-US" dirty="0">
+              <a:rPr lang="en-US" sz="800" u="sng" dirty="0">
                 <a:solidFill>
-                  <a:srgbClr val="000000"/>
+                  <a:schemeClr val="accent1"/>
                 </a:solidFill>
-                <a:latin typeface="Arial" panose="020B0604020202020204" pitchFamily="34" charset="0"/>
               </a:rPr>
-              <a:t>: data analysis</a:t>
+              <a:t>/Public-Safety/Crimes-2001-to-present/ijzp-q8t2</a:t>
             </a:r>
-            <a:endParaRPr lang="en-US" dirty="0"/>
-          </a:p>
-          <a:p>
-            <a:br>
-              <a:rPr lang="en-US" dirty="0"/>
-            </a:br>
-            <a:endParaRPr lang="en-US" dirty="0"/>
           </a:p>
         </p:txBody>
       </p:sp>

--- a/DEPA Final Project PPT.pptx
+++ b/DEPA Final Project PPT.pptx
@@ -1109,7 +1109,7 @@
         <a:p>
           <a:r>
             <a:rPr lang="en-US" dirty="0"/>
-            <a:t>We are going to use data regarding weather, major events, public safety, and income level to analyze user behavior and to give precise recommendations. </a:t>
+            <a:t>We are going to use data regarding weather, major events, public safety, and census to analyze user behavior and to give precise recommendations. </a:t>
           </a:r>
         </a:p>
       </dgm:t>
@@ -1680,7 +1680,7 @@
           </a:pPr>
           <a:r>
             <a:rPr lang="en-US" sz="1400" kern="1200" dirty="0"/>
-            <a:t>We are going to use data regarding weather, major events, public safety, and income level to analyze user behavior and to give precise recommendations. </a:t>
+            <a:t>We are going to use data regarding weather, major events, public safety, and census to analyze user behavior and to give precise recommendations. </a:t>
           </a:r>
         </a:p>
       </dsp:txBody>
@@ -14009,7 +14009,7 @@
         <p:spPr>
           <a:xfrm>
             <a:off x="3285861" y="2555609"/>
-            <a:ext cx="5661611" cy="780663"/>
+            <a:ext cx="5661611" cy="1134606"/>
           </a:xfrm>
           <a:prstGeom prst="rect">
             <a:avLst/>
@@ -14048,7 +14048,7 @@
                 <a:cs typeface="Times New Roman"/>
                 <a:sym typeface="Times New Roman"/>
               </a:rPr>
-              <a:t>Analysis on Ridership Allocation for Transportation Network Providers</a:t>
+              <a:t>Analysis on Ridership Allocation for Transportation Network Providers (Uber/Lyft/Via, etc.)</a:t>
             </a:r>
             <a:endParaRPr lang="en-US" sz="2000" dirty="0">
               <a:solidFill>
@@ -16090,7 +16090,7 @@
           <p:nvPr>
             <p:extLst>
               <p:ext uri="{D42A27DB-BD31-4B8C-83A1-F6EECF244321}">
-                <p14:modId xmlns:p14="http://schemas.microsoft.com/office/powerpoint/2010/main" val="3597121854"/>
+                <p14:modId xmlns:p14="http://schemas.microsoft.com/office/powerpoint/2010/main" val="1923745472"/>
               </p:ext>
             </p:extLst>
           </p:nvPr>

--- a/DEPA Final Project PPT.pptx
+++ b/DEPA Final Project PPT.pptx
@@ -5,13 +5,17 @@
     <p:sldMasterId id="2147483673" r:id="rId1"/>
   </p:sldMasterIdLst>
   <p:notesMasterIdLst>
-    <p:notesMasterId r:id="rId6"/>
+    <p:notesMasterId r:id="rId10"/>
   </p:notesMasterIdLst>
   <p:sldIdLst>
     <p:sldId id="256" r:id="rId2"/>
     <p:sldId id="257" r:id="rId3"/>
     <p:sldId id="258" r:id="rId4"/>
     <p:sldId id="262" r:id="rId5"/>
+    <p:sldId id="263" r:id="rId6"/>
+    <p:sldId id="268" r:id="rId7"/>
+    <p:sldId id="267" r:id="rId8"/>
+    <p:sldId id="265" r:id="rId9"/>
   </p:sldIdLst>
   <p:sldSz cx="9144000" cy="5143500" type="screen16x9"/>
   <p:notesSz cx="6858000" cy="9144000"/>
@@ -4142,6 +4146,72 @@
 </p:notes>
 </file>
 
+<file path=ppt/notesSlides/notesSlide4.xml><?xml version="1.0" encoding="utf-8"?>
+<p:notes xmlns:a="http://schemas.openxmlformats.org/drawingml/2006/main" xmlns:r="http://schemas.openxmlformats.org/officeDocument/2006/relationships" xmlns:p="http://schemas.openxmlformats.org/presentationml/2006/main">
+  <p:cSld>
+    <p:spTree>
+      <p:nvGrpSpPr>
+        <p:cNvPr id="1" name=""/>
+        <p:cNvGrpSpPr/>
+        <p:nvPr/>
+      </p:nvGrpSpPr>
+      <p:grpSpPr>
+        <a:xfrm>
+          <a:off x="0" y="0"/>
+          <a:ext cx="0" cy="0"/>
+          <a:chOff x="0" y="0"/>
+          <a:chExt cx="0" cy="0"/>
+        </a:xfrm>
+      </p:grpSpPr>
+      <p:sp>
+        <p:nvSpPr>
+          <p:cNvPr id="2" name="Slide Image Placeholder 1"/>
+          <p:cNvSpPr>
+            <a:spLocks noGrp="1" noRot="1" noChangeAspect="1"/>
+          </p:cNvSpPr>
+          <p:nvPr>
+            <p:ph type="sldImg"/>
+          </p:nvPr>
+        </p:nvSpPr>
+        <p:spPr>
+          <a:xfrm>
+            <a:off x="381000" y="685800"/>
+            <a:ext cx="6096000" cy="3429000"/>
+          </a:xfrm>
+        </p:spPr>
+      </p:sp>
+      <p:sp>
+        <p:nvSpPr>
+          <p:cNvPr id="3" name="Notes Placeholder 2"/>
+          <p:cNvSpPr>
+            <a:spLocks noGrp="1"/>
+          </p:cNvSpPr>
+          <p:nvPr>
+            <p:ph type="body" idx="1"/>
+          </p:nvPr>
+        </p:nvSpPr>
+        <p:spPr/>
+        <p:txBody>
+          <a:bodyPr/>
+          <a:lstStyle/>
+          <a:p>
+            <a:endParaRPr lang="en-US" dirty="0"/>
+          </a:p>
+        </p:txBody>
+      </p:sp>
+    </p:spTree>
+    <p:extLst>
+      <p:ext uri="{BB962C8B-B14F-4D97-AF65-F5344CB8AC3E}">
+        <p14:creationId xmlns:p14="http://schemas.microsoft.com/office/powerpoint/2010/main" val="3755637107"/>
+      </p:ext>
+    </p:extLst>
+  </p:cSld>
+  <p:clrMapOvr>
+    <a:masterClrMapping/>
+  </p:clrMapOvr>
+</p:notes>
+</file>
+
 <file path=ppt/slideLayouts/slideLayout1.xml><?xml version="1.0" encoding="utf-8"?>
 <p:sldLayout xmlns:a="http://schemas.openxmlformats.org/drawingml/2006/main" xmlns:r="http://schemas.openxmlformats.org/officeDocument/2006/relationships" xmlns:p="http://schemas.openxmlformats.org/presentationml/2006/main" showMasterSp="0" type="title" preserve="1">
   <p:cSld name="Title Slide">
@@ -5354,7 +5424,7 @@
             <a:fld id="{9334D819-9F07-4261-B09B-9E467E5D9002}" type="datetimeFigureOut">
               <a:rPr lang="en-US" smtClean="0"/>
               <a:pPr/>
-              <a:t>5/6/20</a:t>
+              <a:t>5/17/20</a:t>
             </a:fld>
             <a:endParaRPr lang="en-US" dirty="0"/>
           </a:p>
@@ -5602,7 +5672,7 @@
           <a:p>
             <a:fld id="{9334D819-9F07-4261-B09B-9E467E5D9002}" type="datetimeFigureOut">
               <a:rPr lang="en-US" smtClean="0"/>
-              <a:t>5/6/20</a:t>
+              <a:t>5/17/20</a:t>
             </a:fld>
             <a:endParaRPr lang="en-US" dirty="0"/>
           </a:p>
@@ -5792,7 +5862,7 @@
           <a:p>
             <a:fld id="{9334D819-9F07-4261-B09B-9E467E5D9002}" type="datetimeFigureOut">
               <a:rPr lang="en-US" smtClean="0"/>
-              <a:t>5/6/20</a:t>
+              <a:t>5/17/20</a:t>
             </a:fld>
             <a:endParaRPr lang="en-US" dirty="0"/>
           </a:p>
@@ -6339,7 +6409,7 @@
           <a:p>
             <a:fld id="{9334D819-9F07-4261-B09B-9E467E5D9002}" type="datetimeFigureOut">
               <a:rPr lang="en-US" smtClean="0"/>
-              <a:t>5/6/20</a:t>
+              <a:t>5/17/20</a:t>
             </a:fld>
             <a:endParaRPr lang="en-US" dirty="0"/>
           </a:p>
@@ -6623,7 +6693,7 @@
             <a:fld id="{9334D819-9F07-4261-B09B-9E467E5D9002}" type="datetimeFigureOut">
               <a:rPr lang="en-US" smtClean="0"/>
               <a:pPr/>
-              <a:t>5/6/20</a:t>
+              <a:t>5/17/20</a:t>
             </a:fld>
             <a:endParaRPr lang="en-US" dirty="0"/>
           </a:p>
@@ -7834,7 +7904,7 @@
           <a:p>
             <a:fld id="{9334D819-9F07-4261-B09B-9E467E5D9002}" type="datetimeFigureOut">
               <a:rPr lang="en-US" smtClean="0"/>
-              <a:t>5/6/20</a:t>
+              <a:t>5/17/20</a:t>
             </a:fld>
             <a:endParaRPr lang="en-US" dirty="0"/>
           </a:p>
@@ -8234,7 +8304,7 @@
           <a:p>
             <a:fld id="{9334D819-9F07-4261-B09B-9E467E5D9002}" type="datetimeFigureOut">
               <a:rPr lang="en-US" smtClean="0"/>
-              <a:t>5/6/20</a:t>
+              <a:t>5/17/20</a:t>
             </a:fld>
             <a:endParaRPr lang="en-US" dirty="0"/>
           </a:p>
@@ -8367,7 +8437,7 @@
           <a:p>
             <a:fld id="{9334D819-9F07-4261-B09B-9E467E5D9002}" type="datetimeFigureOut">
               <a:rPr lang="en-US" smtClean="0"/>
-              <a:t>5/6/20</a:t>
+              <a:t>5/17/20</a:t>
             </a:fld>
             <a:endParaRPr lang="en-US" dirty="0"/>
           </a:p>
@@ -8472,7 +8542,7 @@
           <a:p>
             <a:fld id="{9334D819-9F07-4261-B09B-9E467E5D9002}" type="datetimeFigureOut">
               <a:rPr lang="en-US" smtClean="0"/>
-              <a:t>5/6/20</a:t>
+              <a:t>5/17/20</a:t>
             </a:fld>
             <a:endParaRPr lang="en-US" dirty="0"/>
           </a:p>
@@ -9244,7 +9314,7 @@
           <a:p>
             <a:fld id="{9334D819-9F07-4261-B09B-9E467E5D9002}" type="datetimeFigureOut">
               <a:rPr lang="en-US" smtClean="0"/>
-              <a:t>5/6/20</a:t>
+              <a:t>5/17/20</a:t>
             </a:fld>
             <a:endParaRPr lang="en-US" dirty="0"/>
           </a:p>
@@ -10094,7 +10164,7 @@
           <a:p>
             <a:fld id="{9334D819-9F07-4261-B09B-9E467E5D9002}" type="datetimeFigureOut">
               <a:rPr lang="en-US" smtClean="0"/>
-              <a:t>5/6/20</a:t>
+              <a:t>5/17/20</a:t>
             </a:fld>
             <a:endParaRPr lang="en-US" dirty="0"/>
           </a:p>
@@ -10332,7 +10402,7 @@
             <a:fld id="{9334D819-9F07-4261-B09B-9E467E5D9002}" type="datetimeFigureOut">
               <a:rPr lang="en-US" smtClean="0"/>
               <a:pPr/>
-              <a:t>5/6/20</a:t>
+              <a:t>5/17/20</a:t>
             </a:fld>
             <a:endParaRPr lang="en-US" dirty="0"/>
           </a:p>
@@ -20970,6 +21040,2174 @@
 </p:sld>
 </file>
 
+<file path=ppt/slides/slide5.xml><?xml version="1.0" encoding="utf-8"?>
+<p:sld xmlns:a="http://schemas.openxmlformats.org/drawingml/2006/main" xmlns:r="http://schemas.openxmlformats.org/officeDocument/2006/relationships" xmlns:p="http://schemas.openxmlformats.org/presentationml/2006/main">
+  <p:cSld>
+    <p:spTree>
+      <p:nvGrpSpPr>
+        <p:cNvPr id="1" name=""/>
+        <p:cNvGrpSpPr/>
+        <p:nvPr/>
+      </p:nvGrpSpPr>
+      <p:grpSpPr>
+        <a:xfrm>
+          <a:off x="0" y="0"/>
+          <a:ext cx="0" cy="0"/>
+          <a:chOff x="0" y="0"/>
+          <a:chExt cx="0" cy="0"/>
+        </a:xfrm>
+      </p:grpSpPr>
+      <p:sp>
+        <p:nvSpPr>
+          <p:cNvPr id="2" name="Title 1">
+            <a:extLst>
+              <a:ext uri="{FF2B5EF4-FFF2-40B4-BE49-F238E27FC236}">
+                <a16:creationId xmlns:a16="http://schemas.microsoft.com/office/drawing/2014/main" id="{4D84132B-14F2-0646-8F85-99B6FCFCE37D}"/>
+              </a:ext>
+            </a:extLst>
+          </p:cNvPr>
+          <p:cNvSpPr>
+            <a:spLocks noGrp="1"/>
+          </p:cNvSpPr>
+          <p:nvPr>
+            <p:ph type="title"/>
+          </p:nvPr>
+        </p:nvSpPr>
+        <p:spPr>
+          <a:xfrm>
+            <a:off x="623400" y="423759"/>
+            <a:ext cx="8520600" cy="628864"/>
+          </a:xfrm>
+        </p:spPr>
+        <p:txBody>
+          <a:bodyPr/>
+          <a:lstStyle/>
+          <a:p>
+            <a:r>
+              <a:rPr lang="en-US" dirty="0"/>
+              <a:t>DATA PREPARATION</a:t>
+            </a:r>
+          </a:p>
+        </p:txBody>
+      </p:sp>
+      <p:sp>
+        <p:nvSpPr>
+          <p:cNvPr id="3" name="Text Placeholder 2">
+            <a:extLst>
+              <a:ext uri="{FF2B5EF4-FFF2-40B4-BE49-F238E27FC236}">
+                <a16:creationId xmlns:a16="http://schemas.microsoft.com/office/drawing/2014/main" id="{3B85608B-9366-3D41-9D86-3BEBA316FFAD}"/>
+              </a:ext>
+            </a:extLst>
+          </p:cNvPr>
+          <p:cNvSpPr>
+            <a:spLocks noGrp="1"/>
+          </p:cNvSpPr>
+          <p:nvPr>
+            <p:ph type="body" idx="1"/>
+          </p:nvPr>
+        </p:nvSpPr>
+        <p:spPr/>
+        <p:txBody>
+          <a:bodyPr/>
+          <a:lstStyle/>
+          <a:p>
+            <a:r>
+              <a:rPr lang="en-US" dirty="0"/>
+              <a:t>DATA SOURCE</a:t>
+            </a:r>
+          </a:p>
+          <a:p>
+            <a:endParaRPr lang="en-US" dirty="0"/>
+          </a:p>
+          <a:p>
+            <a:endParaRPr lang="en-US" dirty="0"/>
+          </a:p>
+          <a:p>
+            <a:pPr marL="114300" indent="0">
+              <a:buNone/>
+            </a:pPr>
+            <a:endParaRPr lang="en-US" dirty="0"/>
+          </a:p>
+        </p:txBody>
+      </p:sp>
+    </p:spTree>
+    <p:extLst>
+      <p:ext uri="{BB962C8B-B14F-4D97-AF65-F5344CB8AC3E}">
+        <p14:creationId xmlns:p14="http://schemas.microsoft.com/office/powerpoint/2010/main" val="1881765150"/>
+      </p:ext>
+    </p:extLst>
+  </p:cSld>
+  <p:clrMapOvr>
+    <a:masterClrMapping/>
+  </p:clrMapOvr>
+</p:sld>
+</file>
+
+<file path=ppt/slides/slide6.xml><?xml version="1.0" encoding="utf-8"?>
+<p:sld xmlns:a="http://schemas.openxmlformats.org/drawingml/2006/main" xmlns:r="http://schemas.openxmlformats.org/officeDocument/2006/relationships" xmlns:p="http://schemas.openxmlformats.org/presentationml/2006/main">
+  <p:cSld>
+    <p:spTree>
+      <p:nvGrpSpPr>
+        <p:cNvPr id="1" name=""/>
+        <p:cNvGrpSpPr/>
+        <p:nvPr/>
+      </p:nvGrpSpPr>
+      <p:grpSpPr>
+        <a:xfrm>
+          <a:off x="0" y="0"/>
+          <a:ext cx="0" cy="0"/>
+          <a:chOff x="0" y="0"/>
+          <a:chExt cx="0" cy="0"/>
+        </a:xfrm>
+      </p:grpSpPr>
+      <p:sp>
+        <p:nvSpPr>
+          <p:cNvPr id="2" name="Title 1">
+            <a:extLst>
+              <a:ext uri="{FF2B5EF4-FFF2-40B4-BE49-F238E27FC236}">
+                <a16:creationId xmlns:a16="http://schemas.microsoft.com/office/drawing/2014/main" id="{229FF883-FBB8-0F4F-BF9C-68EF4BE308BA}"/>
+              </a:ext>
+            </a:extLst>
+          </p:cNvPr>
+          <p:cNvSpPr>
+            <a:spLocks noGrp="1"/>
+          </p:cNvSpPr>
+          <p:nvPr>
+            <p:ph type="title"/>
+          </p:nvPr>
+        </p:nvSpPr>
+        <p:spPr>
+          <a:xfrm>
+            <a:off x="623400" y="434393"/>
+            <a:ext cx="8520600" cy="572700"/>
+          </a:xfrm>
+        </p:spPr>
+        <p:txBody>
+          <a:bodyPr/>
+          <a:lstStyle/>
+          <a:p>
+            <a:r>
+              <a:rPr lang="en-US" dirty="0"/>
+              <a:t>DATA MODELING</a:t>
+            </a:r>
+          </a:p>
+        </p:txBody>
+      </p:sp>
+      <p:sp>
+        <p:nvSpPr>
+          <p:cNvPr id="4" name="Text Placeholder 2">
+            <a:extLst>
+              <a:ext uri="{FF2B5EF4-FFF2-40B4-BE49-F238E27FC236}">
+                <a16:creationId xmlns:a16="http://schemas.microsoft.com/office/drawing/2014/main" id="{4555957F-DF63-5E43-807C-992851D78D74}"/>
+              </a:ext>
+            </a:extLst>
+          </p:cNvPr>
+          <p:cNvSpPr txBox="1">
+            <a:spLocks/>
+          </p:cNvSpPr>
+          <p:nvPr/>
+        </p:nvSpPr>
+        <p:spPr>
+          <a:xfrm>
+            <a:off x="464100" y="1007093"/>
+            <a:ext cx="8520600" cy="3416400"/>
+          </a:xfrm>
+          <a:prstGeom prst="rect">
+            <a:avLst/>
+          </a:prstGeom>
+        </p:spPr>
+        <p:txBody>
+          <a:bodyPr spcFirstLastPara="1" vert="horz" wrap="square" lIns="91425" tIns="91425" rIns="91425" bIns="91425" rtlCol="0" anchor="t" anchorCtr="0">
+            <a:noAutofit/>
+          </a:bodyPr>
+          <a:lstStyle>
+            <a:lvl1pPr marL="457200" lvl="0" indent="-342900" algn="l" defTabSz="685800" rtl="0" eaLnBrk="1" latinLnBrk="0" hangingPunct="1">
+              <a:lnSpc>
+                <a:spcPct val="110000"/>
+              </a:lnSpc>
+              <a:spcBef>
+                <a:spcPts val="0"/>
+              </a:spcBef>
+              <a:spcAft>
+                <a:spcPts val="0"/>
+              </a:spcAft>
+              <a:buClr>
+                <a:schemeClr val="tx2"/>
+              </a:buClr>
+              <a:buSzPts val="1800"/>
+              <a:buFont typeface="Arial" panose="020B0604020202020204" pitchFamily="34" charset="0"/>
+              <a:buChar char="●"/>
+              <a:defRPr sz="1500" kern="1200">
+                <a:solidFill>
+                  <a:schemeClr val="tx1">
+                    <a:lumMod val="65000"/>
+                    <a:lumOff val="35000"/>
+                  </a:schemeClr>
+                </a:solidFill>
+                <a:latin typeface="+mn-lt"/>
+                <a:ea typeface="+mn-ea"/>
+                <a:cs typeface="+mn-cs"/>
+              </a:defRPr>
+            </a:lvl1pPr>
+            <a:lvl2pPr marL="914400" lvl="1" indent="-317500" algn="l" defTabSz="685800" rtl="0" eaLnBrk="1" latinLnBrk="0" hangingPunct="1">
+              <a:lnSpc>
+                <a:spcPct val="110000"/>
+              </a:lnSpc>
+              <a:spcBef>
+                <a:spcPts val="1600"/>
+              </a:spcBef>
+              <a:spcAft>
+                <a:spcPts val="0"/>
+              </a:spcAft>
+              <a:buClr>
+                <a:schemeClr val="tx2"/>
+              </a:buClr>
+              <a:buSzPts val="1400"/>
+              <a:buFont typeface="Gill Sans MT" panose="020B0502020104020203" pitchFamily="34" charset="0"/>
+              <a:buChar char="○"/>
+              <a:defRPr sz="1350" kern="1200">
+                <a:solidFill>
+                  <a:schemeClr val="tx1">
+                    <a:lumMod val="65000"/>
+                    <a:lumOff val="35000"/>
+                  </a:schemeClr>
+                </a:solidFill>
+                <a:latin typeface="+mn-lt"/>
+                <a:ea typeface="+mn-ea"/>
+                <a:cs typeface="+mn-cs"/>
+              </a:defRPr>
+            </a:lvl2pPr>
+            <a:lvl3pPr marL="1371600" lvl="2" indent="-317500" algn="l" defTabSz="685800" rtl="0" eaLnBrk="1" latinLnBrk="0" hangingPunct="1">
+              <a:lnSpc>
+                <a:spcPct val="110000"/>
+              </a:lnSpc>
+              <a:spcBef>
+                <a:spcPts val="1600"/>
+              </a:spcBef>
+              <a:spcAft>
+                <a:spcPts val="0"/>
+              </a:spcAft>
+              <a:buClr>
+                <a:schemeClr val="tx2"/>
+              </a:buClr>
+              <a:buSzPts val="1400"/>
+              <a:buFont typeface="Arial" panose="020B0604020202020204" pitchFamily="34" charset="0"/>
+              <a:buChar char="■"/>
+              <a:defRPr sz="1200" kern="1200">
+                <a:solidFill>
+                  <a:schemeClr val="tx1">
+                    <a:lumMod val="65000"/>
+                    <a:lumOff val="35000"/>
+                  </a:schemeClr>
+                </a:solidFill>
+                <a:latin typeface="+mn-lt"/>
+                <a:ea typeface="+mn-ea"/>
+                <a:cs typeface="+mn-cs"/>
+              </a:defRPr>
+            </a:lvl3pPr>
+            <a:lvl4pPr marL="1828800" lvl="3" indent="-317500" algn="l" defTabSz="685800" rtl="0" eaLnBrk="1" latinLnBrk="0" hangingPunct="1">
+              <a:lnSpc>
+                <a:spcPct val="110000"/>
+              </a:lnSpc>
+              <a:spcBef>
+                <a:spcPts val="1600"/>
+              </a:spcBef>
+              <a:spcAft>
+                <a:spcPts val="0"/>
+              </a:spcAft>
+              <a:buClr>
+                <a:schemeClr val="tx2"/>
+              </a:buClr>
+              <a:buSzPts val="1400"/>
+              <a:buFont typeface="Gill Sans MT" panose="020B0502020104020203" pitchFamily="34" charset="0"/>
+              <a:buChar char="●"/>
+              <a:defRPr sz="1050" kern="1200">
+                <a:solidFill>
+                  <a:schemeClr val="tx1">
+                    <a:lumMod val="65000"/>
+                    <a:lumOff val="35000"/>
+                  </a:schemeClr>
+                </a:solidFill>
+                <a:latin typeface="+mn-lt"/>
+                <a:ea typeface="+mn-ea"/>
+                <a:cs typeface="+mn-cs"/>
+              </a:defRPr>
+            </a:lvl4pPr>
+            <a:lvl5pPr marL="2286000" lvl="4" indent="-317500" algn="l" defTabSz="685800" rtl="0" eaLnBrk="1" latinLnBrk="0" hangingPunct="1">
+              <a:lnSpc>
+                <a:spcPct val="110000"/>
+              </a:lnSpc>
+              <a:spcBef>
+                <a:spcPts val="1600"/>
+              </a:spcBef>
+              <a:spcAft>
+                <a:spcPts val="0"/>
+              </a:spcAft>
+              <a:buClr>
+                <a:schemeClr val="tx2"/>
+              </a:buClr>
+              <a:buSzPts val="1400"/>
+              <a:buFont typeface="Arial" panose="020B0604020202020204" pitchFamily="34" charset="0"/>
+              <a:buChar char="○"/>
+              <a:defRPr sz="1050" kern="1200">
+                <a:solidFill>
+                  <a:schemeClr val="tx1">
+                    <a:lumMod val="65000"/>
+                    <a:lumOff val="35000"/>
+                  </a:schemeClr>
+                </a:solidFill>
+                <a:latin typeface="+mn-lt"/>
+                <a:ea typeface="+mn-ea"/>
+                <a:cs typeface="+mn-cs"/>
+              </a:defRPr>
+            </a:lvl5pPr>
+            <a:lvl6pPr marL="2743200" lvl="5" indent="-317500" algn="l" defTabSz="685800" rtl="0" eaLnBrk="1" latinLnBrk="0" hangingPunct="1">
+              <a:lnSpc>
+                <a:spcPct val="110000"/>
+              </a:lnSpc>
+              <a:spcBef>
+                <a:spcPts val="1600"/>
+              </a:spcBef>
+              <a:spcAft>
+                <a:spcPts val="0"/>
+              </a:spcAft>
+              <a:buClr>
+                <a:schemeClr val="tx2"/>
+              </a:buClr>
+              <a:buSzPts val="1400"/>
+              <a:buFont typeface="Gill Sans MT" panose="020B0502020104020203" pitchFamily="34" charset="0"/>
+              <a:buChar char="■"/>
+              <a:defRPr sz="1050" kern="1200">
+                <a:solidFill>
+                  <a:schemeClr val="tx1">
+                    <a:lumMod val="65000"/>
+                    <a:lumOff val="35000"/>
+                  </a:schemeClr>
+                </a:solidFill>
+                <a:latin typeface="+mn-lt"/>
+                <a:ea typeface="+mn-ea"/>
+                <a:cs typeface="+mn-cs"/>
+              </a:defRPr>
+            </a:lvl6pPr>
+            <a:lvl7pPr marL="3200400" lvl="6" indent="-317500" algn="l" defTabSz="685800" rtl="0" eaLnBrk="1" latinLnBrk="0" hangingPunct="1">
+              <a:lnSpc>
+                <a:spcPct val="110000"/>
+              </a:lnSpc>
+              <a:spcBef>
+                <a:spcPts val="1600"/>
+              </a:spcBef>
+              <a:spcAft>
+                <a:spcPts val="0"/>
+              </a:spcAft>
+              <a:buClr>
+                <a:schemeClr val="tx2"/>
+              </a:buClr>
+              <a:buSzPts val="1400"/>
+              <a:buFont typeface="Arial" panose="020B0604020202020204" pitchFamily="34" charset="0"/>
+              <a:buChar char="●"/>
+              <a:defRPr sz="1050" kern="1200">
+                <a:solidFill>
+                  <a:schemeClr val="tx1">
+                    <a:lumMod val="65000"/>
+                    <a:lumOff val="35000"/>
+                  </a:schemeClr>
+                </a:solidFill>
+                <a:latin typeface="+mn-lt"/>
+                <a:ea typeface="+mn-ea"/>
+                <a:cs typeface="+mn-cs"/>
+              </a:defRPr>
+            </a:lvl7pPr>
+            <a:lvl8pPr marL="3657600" lvl="7" indent="-317500" algn="l" defTabSz="685800" rtl="0" eaLnBrk="1" latinLnBrk="0" hangingPunct="1">
+              <a:lnSpc>
+                <a:spcPct val="110000"/>
+              </a:lnSpc>
+              <a:spcBef>
+                <a:spcPts val="1600"/>
+              </a:spcBef>
+              <a:spcAft>
+                <a:spcPts val="0"/>
+              </a:spcAft>
+              <a:buClr>
+                <a:schemeClr val="tx2"/>
+              </a:buClr>
+              <a:buSzPts val="1400"/>
+              <a:buFont typeface="Gill Sans MT" panose="020B0502020104020203" pitchFamily="34" charset="0"/>
+              <a:buChar char="○"/>
+              <a:defRPr sz="1050" kern="1200" baseline="0">
+                <a:solidFill>
+                  <a:schemeClr val="tx1">
+                    <a:lumMod val="65000"/>
+                    <a:lumOff val="35000"/>
+                  </a:schemeClr>
+                </a:solidFill>
+                <a:latin typeface="+mn-lt"/>
+                <a:ea typeface="+mn-ea"/>
+                <a:cs typeface="+mn-cs"/>
+              </a:defRPr>
+            </a:lvl8pPr>
+            <a:lvl9pPr marL="4114800" lvl="8" indent="-317500" algn="l" defTabSz="685800" rtl="0" eaLnBrk="1" latinLnBrk="0" hangingPunct="1">
+              <a:lnSpc>
+                <a:spcPct val="110000"/>
+              </a:lnSpc>
+              <a:spcBef>
+                <a:spcPts val="1600"/>
+              </a:spcBef>
+              <a:spcAft>
+                <a:spcPts val="1600"/>
+              </a:spcAft>
+              <a:buClr>
+                <a:schemeClr val="tx2"/>
+              </a:buClr>
+              <a:buSzPts val="1400"/>
+              <a:buFont typeface="Arial" panose="020B0604020202020204" pitchFamily="34" charset="0"/>
+              <a:buChar char="■"/>
+              <a:defRPr sz="1050" kern="1200" baseline="0">
+                <a:solidFill>
+                  <a:schemeClr val="tx1">
+                    <a:lumMod val="65000"/>
+                    <a:lumOff val="35000"/>
+                  </a:schemeClr>
+                </a:solidFill>
+                <a:latin typeface="+mn-lt"/>
+                <a:ea typeface="+mn-ea"/>
+                <a:cs typeface="+mn-cs"/>
+              </a:defRPr>
+            </a:lvl9pPr>
+          </a:lstStyle>
+          <a:p>
+            <a:r>
+              <a:rPr lang="en-US" dirty="0"/>
+              <a:t>platform considerations</a:t>
+            </a:r>
+          </a:p>
+          <a:p>
+            <a:r>
+              <a:rPr lang="en-US" sz="1600" dirty="0"/>
+              <a:t>After scraping, we compiled the data into tables, forming the basis of an entity relationship model. </a:t>
+            </a:r>
+            <a:endParaRPr lang="en-US" dirty="0"/>
+          </a:p>
+          <a:p>
+            <a:r>
+              <a:rPr lang="en-US" sz="1600" dirty="0"/>
+              <a:t>▹  Once keys were set, we were then able to create a dimensional model. </a:t>
+            </a:r>
+            <a:endParaRPr lang="en-US" dirty="0"/>
+          </a:p>
+          <a:p>
+            <a:r>
+              <a:rPr lang="en-US" sz="1600" dirty="0"/>
+              <a:t>▹  We wanted to analyze movie performance and other attributes, comparing </a:t>
+            </a:r>
+            <a:endParaRPr lang="en-US" dirty="0"/>
+          </a:p>
+          <a:p>
+            <a:r>
+              <a:rPr lang="en-US" sz="1600" dirty="0"/>
+              <a:t>to their source books: three main tables were created: </a:t>
+            </a:r>
+            <a:endParaRPr lang="en-US" sz="1350" dirty="0"/>
+          </a:p>
+          <a:p>
+            <a:r>
+              <a:rPr lang="en-US" sz="1400" dirty="0"/>
+              <a:t>Movie Book Table(List of movies that were adapted from books and the book titles </a:t>
+            </a:r>
+            <a:endParaRPr lang="en-US" sz="1350" dirty="0"/>
+          </a:p>
+          <a:p>
+            <a:r>
+              <a:rPr lang="en-US" sz="1400" dirty="0"/>
+              <a:t>Movie Table (Director, Rating, Genre, Release Year) </a:t>
+            </a:r>
+          </a:p>
+          <a:p>
+            <a:r>
+              <a:rPr lang="en-US" sz="1400" dirty="0"/>
+              <a:t>Book Table (Author, Rating, Genre, Publication Date) </a:t>
+            </a:r>
+            <a:endParaRPr lang="en-US" dirty="0"/>
+          </a:p>
+          <a:p>
+            <a:endParaRPr lang="en-US" sz="1600" dirty="0"/>
+          </a:p>
+          <a:p>
+            <a:r>
+              <a:rPr lang="en-US" sz="1600" dirty="0"/>
+              <a:t>Further we also wanted to explore relationship between individuals involved in these projects: a personnel table was created. </a:t>
+            </a:r>
+            <a:endParaRPr lang="en-US" dirty="0"/>
+          </a:p>
+          <a:p>
+            <a:pPr marL="114300" indent="0">
+              <a:buFont typeface="Arial" panose="020B0604020202020204" pitchFamily="34" charset="0"/>
+              <a:buNone/>
+            </a:pPr>
+            <a:endParaRPr lang="en-US" dirty="0"/>
+          </a:p>
+        </p:txBody>
+      </p:sp>
+      <p:pic>
+        <p:nvPicPr>
+          <p:cNvPr id="6" name="Picture 5">
+            <a:extLst>
+              <a:ext uri="{FF2B5EF4-FFF2-40B4-BE49-F238E27FC236}">
+                <a16:creationId xmlns:a16="http://schemas.microsoft.com/office/drawing/2014/main" id="{586B2EA5-F4E3-6346-A982-49F3F88AC411}"/>
+              </a:ext>
+            </a:extLst>
+          </p:cNvPr>
+          <p:cNvPicPr>
+            <a:picLocks noChangeAspect="1"/>
+          </p:cNvPicPr>
+          <p:nvPr/>
+        </p:nvPicPr>
+        <p:blipFill>
+          <a:blip r:embed="rId2"/>
+          <a:stretch>
+            <a:fillRect/>
+          </a:stretch>
+        </p:blipFill>
+        <p:spPr>
+          <a:xfrm>
+            <a:off x="6002625" y="434393"/>
+            <a:ext cx="2751703" cy="3416400"/>
+          </a:xfrm>
+          <a:prstGeom prst="rect">
+            <a:avLst/>
+          </a:prstGeom>
+        </p:spPr>
+      </p:pic>
+    </p:spTree>
+    <p:extLst>
+      <p:ext uri="{BB962C8B-B14F-4D97-AF65-F5344CB8AC3E}">
+        <p14:creationId xmlns:p14="http://schemas.microsoft.com/office/powerpoint/2010/main" val="3914863970"/>
+      </p:ext>
+    </p:extLst>
+  </p:cSld>
+  <p:clrMapOvr>
+    <a:masterClrMapping/>
+  </p:clrMapOvr>
+</p:sld>
+</file>
+
+<file path=ppt/slides/slide7.xml><?xml version="1.0" encoding="utf-8"?>
+<p:sld xmlns:a="http://schemas.openxmlformats.org/drawingml/2006/main" xmlns:r="http://schemas.openxmlformats.org/officeDocument/2006/relationships" xmlns:p="http://schemas.openxmlformats.org/presentationml/2006/main">
+  <p:cSld>
+    <p:spTree>
+      <p:nvGrpSpPr>
+        <p:cNvPr id="1" name=""/>
+        <p:cNvGrpSpPr/>
+        <p:nvPr/>
+      </p:nvGrpSpPr>
+      <p:grpSpPr>
+        <a:xfrm>
+          <a:off x="0" y="0"/>
+          <a:ext cx="0" cy="0"/>
+          <a:chOff x="0" y="0"/>
+          <a:chExt cx="0" cy="0"/>
+        </a:xfrm>
+      </p:grpSpPr>
+      <p:sp>
+        <p:nvSpPr>
+          <p:cNvPr id="2" name="Title 1">
+            <a:extLst>
+              <a:ext uri="{FF2B5EF4-FFF2-40B4-BE49-F238E27FC236}">
+                <a16:creationId xmlns:a16="http://schemas.microsoft.com/office/drawing/2014/main" id="{4D84132B-14F2-0646-8F85-99B6FCFCE37D}"/>
+              </a:ext>
+            </a:extLst>
+          </p:cNvPr>
+          <p:cNvSpPr>
+            <a:spLocks noGrp="1"/>
+          </p:cNvSpPr>
+          <p:nvPr>
+            <p:ph type="title"/>
+          </p:nvPr>
+        </p:nvSpPr>
+        <p:spPr>
+          <a:xfrm>
+            <a:off x="623400" y="423759"/>
+            <a:ext cx="8520600" cy="628864"/>
+          </a:xfrm>
+        </p:spPr>
+        <p:txBody>
+          <a:bodyPr/>
+          <a:lstStyle/>
+          <a:p>
+            <a:r>
+              <a:rPr lang="en-US" dirty="0"/>
+              <a:t>DESIGN CONSIDERATIONS</a:t>
+            </a:r>
+          </a:p>
+        </p:txBody>
+      </p:sp>
+      <p:sp>
+        <p:nvSpPr>
+          <p:cNvPr id="5" name="Text Placeholder 2">
+            <a:extLst>
+              <a:ext uri="{FF2B5EF4-FFF2-40B4-BE49-F238E27FC236}">
+                <a16:creationId xmlns:a16="http://schemas.microsoft.com/office/drawing/2014/main" id="{F395D830-C752-154D-A925-979F95241837}"/>
+              </a:ext>
+            </a:extLst>
+          </p:cNvPr>
+          <p:cNvSpPr txBox="1">
+            <a:spLocks/>
+          </p:cNvSpPr>
+          <p:nvPr/>
+        </p:nvSpPr>
+        <p:spPr>
+          <a:xfrm>
+            <a:off x="464100" y="1052623"/>
+            <a:ext cx="8520600" cy="3416400"/>
+          </a:xfrm>
+          <a:prstGeom prst="rect">
+            <a:avLst/>
+          </a:prstGeom>
+        </p:spPr>
+        <p:txBody>
+          <a:bodyPr spcFirstLastPara="1" vert="horz" wrap="square" lIns="91425" tIns="91425" rIns="91425" bIns="91425" rtlCol="0" anchor="t" anchorCtr="0">
+            <a:noAutofit/>
+          </a:bodyPr>
+          <a:lstStyle>
+            <a:lvl1pPr marL="457200" lvl="0" indent="-342900" algn="l" defTabSz="685800" rtl="0" eaLnBrk="1" latinLnBrk="0" hangingPunct="1">
+              <a:lnSpc>
+                <a:spcPct val="110000"/>
+              </a:lnSpc>
+              <a:spcBef>
+                <a:spcPts val="0"/>
+              </a:spcBef>
+              <a:spcAft>
+                <a:spcPts val="0"/>
+              </a:spcAft>
+              <a:buClr>
+                <a:schemeClr val="tx2"/>
+              </a:buClr>
+              <a:buSzPts val="1800"/>
+              <a:buFont typeface="Arial" panose="020B0604020202020204" pitchFamily="34" charset="0"/>
+              <a:buChar char="●"/>
+              <a:defRPr sz="1500" kern="1200">
+                <a:solidFill>
+                  <a:schemeClr val="tx1">
+                    <a:lumMod val="65000"/>
+                    <a:lumOff val="35000"/>
+                  </a:schemeClr>
+                </a:solidFill>
+                <a:latin typeface="+mn-lt"/>
+                <a:ea typeface="+mn-ea"/>
+                <a:cs typeface="+mn-cs"/>
+              </a:defRPr>
+            </a:lvl1pPr>
+            <a:lvl2pPr marL="914400" lvl="1" indent="-317500" algn="l" defTabSz="685800" rtl="0" eaLnBrk="1" latinLnBrk="0" hangingPunct="1">
+              <a:lnSpc>
+                <a:spcPct val="110000"/>
+              </a:lnSpc>
+              <a:spcBef>
+                <a:spcPts val="1600"/>
+              </a:spcBef>
+              <a:spcAft>
+                <a:spcPts val="0"/>
+              </a:spcAft>
+              <a:buClr>
+                <a:schemeClr val="tx2"/>
+              </a:buClr>
+              <a:buSzPts val="1400"/>
+              <a:buFont typeface="Gill Sans MT" panose="020B0502020104020203" pitchFamily="34" charset="0"/>
+              <a:buChar char="○"/>
+              <a:defRPr sz="1350" kern="1200">
+                <a:solidFill>
+                  <a:schemeClr val="tx1">
+                    <a:lumMod val="65000"/>
+                    <a:lumOff val="35000"/>
+                  </a:schemeClr>
+                </a:solidFill>
+                <a:latin typeface="+mn-lt"/>
+                <a:ea typeface="+mn-ea"/>
+                <a:cs typeface="+mn-cs"/>
+              </a:defRPr>
+            </a:lvl2pPr>
+            <a:lvl3pPr marL="1371600" lvl="2" indent="-317500" algn="l" defTabSz="685800" rtl="0" eaLnBrk="1" latinLnBrk="0" hangingPunct="1">
+              <a:lnSpc>
+                <a:spcPct val="110000"/>
+              </a:lnSpc>
+              <a:spcBef>
+                <a:spcPts val="1600"/>
+              </a:spcBef>
+              <a:spcAft>
+                <a:spcPts val="0"/>
+              </a:spcAft>
+              <a:buClr>
+                <a:schemeClr val="tx2"/>
+              </a:buClr>
+              <a:buSzPts val="1400"/>
+              <a:buFont typeface="Arial" panose="020B0604020202020204" pitchFamily="34" charset="0"/>
+              <a:buChar char="■"/>
+              <a:defRPr sz="1200" kern="1200">
+                <a:solidFill>
+                  <a:schemeClr val="tx1">
+                    <a:lumMod val="65000"/>
+                    <a:lumOff val="35000"/>
+                  </a:schemeClr>
+                </a:solidFill>
+                <a:latin typeface="+mn-lt"/>
+                <a:ea typeface="+mn-ea"/>
+                <a:cs typeface="+mn-cs"/>
+              </a:defRPr>
+            </a:lvl3pPr>
+            <a:lvl4pPr marL="1828800" lvl="3" indent="-317500" algn="l" defTabSz="685800" rtl="0" eaLnBrk="1" latinLnBrk="0" hangingPunct="1">
+              <a:lnSpc>
+                <a:spcPct val="110000"/>
+              </a:lnSpc>
+              <a:spcBef>
+                <a:spcPts val="1600"/>
+              </a:spcBef>
+              <a:spcAft>
+                <a:spcPts val="0"/>
+              </a:spcAft>
+              <a:buClr>
+                <a:schemeClr val="tx2"/>
+              </a:buClr>
+              <a:buSzPts val="1400"/>
+              <a:buFont typeface="Gill Sans MT" panose="020B0502020104020203" pitchFamily="34" charset="0"/>
+              <a:buChar char="●"/>
+              <a:defRPr sz="1050" kern="1200">
+                <a:solidFill>
+                  <a:schemeClr val="tx1">
+                    <a:lumMod val="65000"/>
+                    <a:lumOff val="35000"/>
+                  </a:schemeClr>
+                </a:solidFill>
+                <a:latin typeface="+mn-lt"/>
+                <a:ea typeface="+mn-ea"/>
+                <a:cs typeface="+mn-cs"/>
+              </a:defRPr>
+            </a:lvl4pPr>
+            <a:lvl5pPr marL="2286000" lvl="4" indent="-317500" algn="l" defTabSz="685800" rtl="0" eaLnBrk="1" latinLnBrk="0" hangingPunct="1">
+              <a:lnSpc>
+                <a:spcPct val="110000"/>
+              </a:lnSpc>
+              <a:spcBef>
+                <a:spcPts val="1600"/>
+              </a:spcBef>
+              <a:spcAft>
+                <a:spcPts val="0"/>
+              </a:spcAft>
+              <a:buClr>
+                <a:schemeClr val="tx2"/>
+              </a:buClr>
+              <a:buSzPts val="1400"/>
+              <a:buFont typeface="Arial" panose="020B0604020202020204" pitchFamily="34" charset="0"/>
+              <a:buChar char="○"/>
+              <a:defRPr sz="1050" kern="1200">
+                <a:solidFill>
+                  <a:schemeClr val="tx1">
+                    <a:lumMod val="65000"/>
+                    <a:lumOff val="35000"/>
+                  </a:schemeClr>
+                </a:solidFill>
+                <a:latin typeface="+mn-lt"/>
+                <a:ea typeface="+mn-ea"/>
+                <a:cs typeface="+mn-cs"/>
+              </a:defRPr>
+            </a:lvl5pPr>
+            <a:lvl6pPr marL="2743200" lvl="5" indent="-317500" algn="l" defTabSz="685800" rtl="0" eaLnBrk="1" latinLnBrk="0" hangingPunct="1">
+              <a:lnSpc>
+                <a:spcPct val="110000"/>
+              </a:lnSpc>
+              <a:spcBef>
+                <a:spcPts val="1600"/>
+              </a:spcBef>
+              <a:spcAft>
+                <a:spcPts val="0"/>
+              </a:spcAft>
+              <a:buClr>
+                <a:schemeClr val="tx2"/>
+              </a:buClr>
+              <a:buSzPts val="1400"/>
+              <a:buFont typeface="Gill Sans MT" panose="020B0502020104020203" pitchFamily="34" charset="0"/>
+              <a:buChar char="■"/>
+              <a:defRPr sz="1050" kern="1200">
+                <a:solidFill>
+                  <a:schemeClr val="tx1">
+                    <a:lumMod val="65000"/>
+                    <a:lumOff val="35000"/>
+                  </a:schemeClr>
+                </a:solidFill>
+                <a:latin typeface="+mn-lt"/>
+                <a:ea typeface="+mn-ea"/>
+                <a:cs typeface="+mn-cs"/>
+              </a:defRPr>
+            </a:lvl6pPr>
+            <a:lvl7pPr marL="3200400" lvl="6" indent="-317500" algn="l" defTabSz="685800" rtl="0" eaLnBrk="1" latinLnBrk="0" hangingPunct="1">
+              <a:lnSpc>
+                <a:spcPct val="110000"/>
+              </a:lnSpc>
+              <a:spcBef>
+                <a:spcPts val="1600"/>
+              </a:spcBef>
+              <a:spcAft>
+                <a:spcPts val="0"/>
+              </a:spcAft>
+              <a:buClr>
+                <a:schemeClr val="tx2"/>
+              </a:buClr>
+              <a:buSzPts val="1400"/>
+              <a:buFont typeface="Arial" panose="020B0604020202020204" pitchFamily="34" charset="0"/>
+              <a:buChar char="●"/>
+              <a:defRPr sz="1050" kern="1200">
+                <a:solidFill>
+                  <a:schemeClr val="tx1">
+                    <a:lumMod val="65000"/>
+                    <a:lumOff val="35000"/>
+                  </a:schemeClr>
+                </a:solidFill>
+                <a:latin typeface="+mn-lt"/>
+                <a:ea typeface="+mn-ea"/>
+                <a:cs typeface="+mn-cs"/>
+              </a:defRPr>
+            </a:lvl7pPr>
+            <a:lvl8pPr marL="3657600" lvl="7" indent="-317500" algn="l" defTabSz="685800" rtl="0" eaLnBrk="1" latinLnBrk="0" hangingPunct="1">
+              <a:lnSpc>
+                <a:spcPct val="110000"/>
+              </a:lnSpc>
+              <a:spcBef>
+                <a:spcPts val="1600"/>
+              </a:spcBef>
+              <a:spcAft>
+                <a:spcPts val="0"/>
+              </a:spcAft>
+              <a:buClr>
+                <a:schemeClr val="tx2"/>
+              </a:buClr>
+              <a:buSzPts val="1400"/>
+              <a:buFont typeface="Gill Sans MT" panose="020B0502020104020203" pitchFamily="34" charset="0"/>
+              <a:buChar char="○"/>
+              <a:defRPr sz="1050" kern="1200" baseline="0">
+                <a:solidFill>
+                  <a:schemeClr val="tx1">
+                    <a:lumMod val="65000"/>
+                    <a:lumOff val="35000"/>
+                  </a:schemeClr>
+                </a:solidFill>
+                <a:latin typeface="+mn-lt"/>
+                <a:ea typeface="+mn-ea"/>
+                <a:cs typeface="+mn-cs"/>
+              </a:defRPr>
+            </a:lvl8pPr>
+            <a:lvl9pPr marL="4114800" lvl="8" indent="-317500" algn="l" defTabSz="685800" rtl="0" eaLnBrk="1" latinLnBrk="0" hangingPunct="1">
+              <a:lnSpc>
+                <a:spcPct val="110000"/>
+              </a:lnSpc>
+              <a:spcBef>
+                <a:spcPts val="1600"/>
+              </a:spcBef>
+              <a:spcAft>
+                <a:spcPts val="1600"/>
+              </a:spcAft>
+              <a:buClr>
+                <a:schemeClr val="tx2"/>
+              </a:buClr>
+              <a:buSzPts val="1400"/>
+              <a:buFont typeface="Arial" panose="020B0604020202020204" pitchFamily="34" charset="0"/>
+              <a:buChar char="■"/>
+              <a:defRPr sz="1050" kern="1200" baseline="0">
+                <a:solidFill>
+                  <a:schemeClr val="tx1">
+                    <a:lumMod val="65000"/>
+                    <a:lumOff val="35000"/>
+                  </a:schemeClr>
+                </a:solidFill>
+                <a:latin typeface="+mn-lt"/>
+                <a:ea typeface="+mn-ea"/>
+                <a:cs typeface="+mn-cs"/>
+              </a:defRPr>
+            </a:lvl9pPr>
+          </a:lstStyle>
+          <a:p>
+            <a:r>
+              <a:rPr lang="en-US" dirty="0"/>
+              <a:t>Data type for Movie ID, Person ID and </a:t>
+            </a:r>
+            <a:r>
+              <a:rPr lang="en-US" dirty="0" err="1"/>
+              <a:t>Movie_Book_Id</a:t>
+            </a:r>
+            <a:r>
+              <a:rPr lang="en-US" dirty="0"/>
+              <a:t> was defined as INT. Data type for movie ratings and book ratings are defined as string </a:t>
+            </a:r>
+          </a:p>
+          <a:p>
+            <a:r>
+              <a:rPr lang="en-US" dirty="0"/>
+              <a:t>▹ Movie Rating may have NA </a:t>
+            </a:r>
+          </a:p>
+          <a:p>
+            <a:r>
+              <a:rPr lang="en-US" dirty="0"/>
+              <a:t>Data type for movie air date was also defined as string</a:t>
+            </a:r>
+            <a:br>
+              <a:rPr lang="en-US" dirty="0"/>
+            </a:br>
+            <a:r>
+              <a:rPr lang="en-US" dirty="0"/>
+              <a:t>▹ Movie release date may also have the country of release along with the </a:t>
+            </a:r>
+          </a:p>
+          <a:p>
+            <a:r>
+              <a:rPr lang="en-US" dirty="0"/>
+              <a:t>date. </a:t>
+            </a:r>
+          </a:p>
+          <a:p>
+            <a:endParaRPr lang="en-US" dirty="0"/>
+          </a:p>
+        </p:txBody>
+      </p:sp>
+    </p:spTree>
+    <p:extLst>
+      <p:ext uri="{BB962C8B-B14F-4D97-AF65-F5344CB8AC3E}">
+        <p14:creationId xmlns:p14="http://schemas.microsoft.com/office/powerpoint/2010/main" val="1547084163"/>
+      </p:ext>
+    </p:extLst>
+  </p:cSld>
+  <p:clrMapOvr>
+    <a:masterClrMapping/>
+  </p:clrMapOvr>
+</p:sld>
+</file>
+
+<file path=ppt/slides/slide8.xml><?xml version="1.0" encoding="utf-8"?>
+<p:sld xmlns:a="http://schemas.openxmlformats.org/drawingml/2006/main" xmlns:r="http://schemas.openxmlformats.org/officeDocument/2006/relationships" xmlns:p="http://schemas.openxmlformats.org/presentationml/2006/main">
+  <p:cSld>
+    <p:bg>
+      <p:bgPr>
+        <a:solidFill>
+          <a:schemeClr val="bg2"/>
+        </a:solidFill>
+        <a:effectLst/>
+      </p:bgPr>
+    </p:bg>
+    <p:spTree>
+      <p:nvGrpSpPr>
+        <p:cNvPr id="1" name=""/>
+        <p:cNvGrpSpPr/>
+        <p:nvPr/>
+      </p:nvGrpSpPr>
+      <p:grpSpPr>
+        <a:xfrm>
+          <a:off x="0" y="0"/>
+          <a:ext cx="0" cy="0"/>
+          <a:chOff x="0" y="0"/>
+          <a:chExt cx="0" cy="0"/>
+        </a:xfrm>
+      </p:grpSpPr>
+      <p:sp>
+        <p:nvSpPr>
+          <p:cNvPr id="18" name="Freeform 6">
+            <a:extLst>
+              <a:ext uri="{FF2B5EF4-FFF2-40B4-BE49-F238E27FC236}">
+                <a16:creationId xmlns:a16="http://schemas.microsoft.com/office/drawing/2014/main" id="{1DF61F47-37EC-408A-BDC8-E491FB5E59B8}"/>
+              </a:ext>
+              <a:ext uri="{C183D7F6-B498-43B3-948B-1728B52AA6E4}">
+                <adec:decorative xmlns:adec="http://schemas.microsoft.com/office/drawing/2017/decorative" val="1"/>
+              </a:ext>
+            </a:extLst>
+          </p:cNvPr>
+          <p:cNvSpPr>
+            <a:spLocks noGrp="1" noRot="1" noChangeAspect="1" noMove="1" noResize="1" noEditPoints="1" noAdjustHandles="1" noChangeArrowheads="1" noChangeShapeType="1" noTextEdit="1"/>
+          </p:cNvSpPr>
+          <p:nvPr>
+            <p:extLst>
+              <p:ext uri="{386F3935-93C4-4BCD-93E2-E3B085C9AB24}">
+                <p16:designElem xmlns:p16="http://schemas.microsoft.com/office/powerpoint/2015/main" val="1"/>
+              </p:ext>
+            </p:extLst>
+          </p:nvPr>
+        </p:nvSpPr>
+        <p:spPr bwMode="auto">
+          <a:xfrm>
+            <a:off x="0" y="0"/>
+            <a:ext cx="664368" cy="5143500"/>
+          </a:xfrm>
+          <a:custGeom>
+            <a:avLst/>
+            <a:gdLst/>
+            <a:ahLst/>
+            <a:cxnLst/>
+            <a:rect l="0" t="0" r="r" b="b"/>
+            <a:pathLst>
+              <a:path w="558" h="4320">
+                <a:moveTo>
+                  <a:pt x="0" y="0"/>
+                </a:moveTo>
+                <a:lnTo>
+                  <a:pt x="447" y="0"/>
+                </a:lnTo>
+                <a:lnTo>
+                  <a:pt x="448" y="43"/>
+                </a:lnTo>
+                <a:lnTo>
+                  <a:pt x="453" y="81"/>
+                </a:lnTo>
+                <a:lnTo>
+                  <a:pt x="460" y="114"/>
+                </a:lnTo>
+                <a:lnTo>
+                  <a:pt x="469" y="143"/>
+                </a:lnTo>
+                <a:lnTo>
+                  <a:pt x="479" y="169"/>
+                </a:lnTo>
+                <a:lnTo>
+                  <a:pt x="491" y="192"/>
+                </a:lnTo>
+                <a:lnTo>
+                  <a:pt x="503" y="216"/>
+                </a:lnTo>
+                <a:lnTo>
+                  <a:pt x="515" y="240"/>
+                </a:lnTo>
+                <a:lnTo>
+                  <a:pt x="525" y="263"/>
+                </a:lnTo>
+                <a:lnTo>
+                  <a:pt x="535" y="289"/>
+                </a:lnTo>
+                <a:lnTo>
+                  <a:pt x="545" y="318"/>
+                </a:lnTo>
+                <a:lnTo>
+                  <a:pt x="552" y="351"/>
+                </a:lnTo>
+                <a:lnTo>
+                  <a:pt x="556" y="389"/>
+                </a:lnTo>
+                <a:lnTo>
+                  <a:pt x="558" y="432"/>
+                </a:lnTo>
+                <a:lnTo>
+                  <a:pt x="556" y="475"/>
+                </a:lnTo>
+                <a:lnTo>
+                  <a:pt x="552" y="513"/>
+                </a:lnTo>
+                <a:lnTo>
+                  <a:pt x="545" y="546"/>
+                </a:lnTo>
+                <a:lnTo>
+                  <a:pt x="535" y="575"/>
+                </a:lnTo>
+                <a:lnTo>
+                  <a:pt x="525" y="601"/>
+                </a:lnTo>
+                <a:lnTo>
+                  <a:pt x="515" y="624"/>
+                </a:lnTo>
+                <a:lnTo>
+                  <a:pt x="503" y="648"/>
+                </a:lnTo>
+                <a:lnTo>
+                  <a:pt x="491" y="672"/>
+                </a:lnTo>
+                <a:lnTo>
+                  <a:pt x="479" y="695"/>
+                </a:lnTo>
+                <a:lnTo>
+                  <a:pt x="469" y="721"/>
+                </a:lnTo>
+                <a:lnTo>
+                  <a:pt x="460" y="750"/>
+                </a:lnTo>
+                <a:lnTo>
+                  <a:pt x="453" y="783"/>
+                </a:lnTo>
+                <a:lnTo>
+                  <a:pt x="448" y="821"/>
+                </a:lnTo>
+                <a:lnTo>
+                  <a:pt x="447" y="864"/>
+                </a:lnTo>
+                <a:lnTo>
+                  <a:pt x="448" y="907"/>
+                </a:lnTo>
+                <a:lnTo>
+                  <a:pt x="453" y="945"/>
+                </a:lnTo>
+                <a:lnTo>
+                  <a:pt x="460" y="978"/>
+                </a:lnTo>
+                <a:lnTo>
+                  <a:pt x="469" y="1007"/>
+                </a:lnTo>
+                <a:lnTo>
+                  <a:pt x="479" y="1033"/>
+                </a:lnTo>
+                <a:lnTo>
+                  <a:pt x="491" y="1056"/>
+                </a:lnTo>
+                <a:lnTo>
+                  <a:pt x="503" y="1080"/>
+                </a:lnTo>
+                <a:lnTo>
+                  <a:pt x="515" y="1104"/>
+                </a:lnTo>
+                <a:lnTo>
+                  <a:pt x="525" y="1127"/>
+                </a:lnTo>
+                <a:lnTo>
+                  <a:pt x="535" y="1153"/>
+                </a:lnTo>
+                <a:lnTo>
+                  <a:pt x="545" y="1182"/>
+                </a:lnTo>
+                <a:lnTo>
+                  <a:pt x="552" y="1215"/>
+                </a:lnTo>
+                <a:lnTo>
+                  <a:pt x="556" y="1253"/>
+                </a:lnTo>
+                <a:lnTo>
+                  <a:pt x="558" y="1296"/>
+                </a:lnTo>
+                <a:lnTo>
+                  <a:pt x="556" y="1339"/>
+                </a:lnTo>
+                <a:lnTo>
+                  <a:pt x="552" y="1377"/>
+                </a:lnTo>
+                <a:lnTo>
+                  <a:pt x="545" y="1410"/>
+                </a:lnTo>
+                <a:lnTo>
+                  <a:pt x="535" y="1439"/>
+                </a:lnTo>
+                <a:lnTo>
+                  <a:pt x="525" y="1465"/>
+                </a:lnTo>
+                <a:lnTo>
+                  <a:pt x="515" y="1488"/>
+                </a:lnTo>
+                <a:lnTo>
+                  <a:pt x="503" y="1512"/>
+                </a:lnTo>
+                <a:lnTo>
+                  <a:pt x="491" y="1536"/>
+                </a:lnTo>
+                <a:lnTo>
+                  <a:pt x="479" y="1559"/>
+                </a:lnTo>
+                <a:lnTo>
+                  <a:pt x="469" y="1585"/>
+                </a:lnTo>
+                <a:lnTo>
+                  <a:pt x="460" y="1614"/>
+                </a:lnTo>
+                <a:lnTo>
+                  <a:pt x="453" y="1647"/>
+                </a:lnTo>
+                <a:lnTo>
+                  <a:pt x="448" y="1685"/>
+                </a:lnTo>
+                <a:lnTo>
+                  <a:pt x="447" y="1728"/>
+                </a:lnTo>
+                <a:lnTo>
+                  <a:pt x="448" y="1771"/>
+                </a:lnTo>
+                <a:lnTo>
+                  <a:pt x="453" y="1809"/>
+                </a:lnTo>
+                <a:lnTo>
+                  <a:pt x="460" y="1842"/>
+                </a:lnTo>
+                <a:lnTo>
+                  <a:pt x="469" y="1871"/>
+                </a:lnTo>
+                <a:lnTo>
+                  <a:pt x="479" y="1897"/>
+                </a:lnTo>
+                <a:lnTo>
+                  <a:pt x="491" y="1920"/>
+                </a:lnTo>
+                <a:lnTo>
+                  <a:pt x="503" y="1944"/>
+                </a:lnTo>
+                <a:lnTo>
+                  <a:pt x="515" y="1968"/>
+                </a:lnTo>
+                <a:lnTo>
+                  <a:pt x="525" y="1991"/>
+                </a:lnTo>
+                <a:lnTo>
+                  <a:pt x="535" y="2017"/>
+                </a:lnTo>
+                <a:lnTo>
+                  <a:pt x="545" y="2046"/>
+                </a:lnTo>
+                <a:lnTo>
+                  <a:pt x="552" y="2079"/>
+                </a:lnTo>
+                <a:lnTo>
+                  <a:pt x="556" y="2117"/>
+                </a:lnTo>
+                <a:lnTo>
+                  <a:pt x="558" y="2159"/>
+                </a:lnTo>
+                <a:lnTo>
+                  <a:pt x="556" y="2203"/>
+                </a:lnTo>
+                <a:lnTo>
+                  <a:pt x="552" y="2241"/>
+                </a:lnTo>
+                <a:lnTo>
+                  <a:pt x="545" y="2274"/>
+                </a:lnTo>
+                <a:lnTo>
+                  <a:pt x="535" y="2303"/>
+                </a:lnTo>
+                <a:lnTo>
+                  <a:pt x="525" y="2329"/>
+                </a:lnTo>
+                <a:lnTo>
+                  <a:pt x="515" y="2352"/>
+                </a:lnTo>
+                <a:lnTo>
+                  <a:pt x="503" y="2376"/>
+                </a:lnTo>
+                <a:lnTo>
+                  <a:pt x="491" y="2400"/>
+                </a:lnTo>
+                <a:lnTo>
+                  <a:pt x="479" y="2423"/>
+                </a:lnTo>
+                <a:lnTo>
+                  <a:pt x="469" y="2449"/>
+                </a:lnTo>
+                <a:lnTo>
+                  <a:pt x="460" y="2478"/>
+                </a:lnTo>
+                <a:lnTo>
+                  <a:pt x="453" y="2511"/>
+                </a:lnTo>
+                <a:lnTo>
+                  <a:pt x="448" y="2549"/>
+                </a:lnTo>
+                <a:lnTo>
+                  <a:pt x="447" y="2592"/>
+                </a:lnTo>
+                <a:lnTo>
+                  <a:pt x="448" y="2635"/>
+                </a:lnTo>
+                <a:lnTo>
+                  <a:pt x="453" y="2673"/>
+                </a:lnTo>
+                <a:lnTo>
+                  <a:pt x="460" y="2706"/>
+                </a:lnTo>
+                <a:lnTo>
+                  <a:pt x="469" y="2735"/>
+                </a:lnTo>
+                <a:lnTo>
+                  <a:pt x="479" y="2761"/>
+                </a:lnTo>
+                <a:lnTo>
+                  <a:pt x="491" y="2784"/>
+                </a:lnTo>
+                <a:lnTo>
+                  <a:pt x="515" y="2832"/>
+                </a:lnTo>
+                <a:lnTo>
+                  <a:pt x="525" y="2855"/>
+                </a:lnTo>
+                <a:lnTo>
+                  <a:pt x="535" y="2881"/>
+                </a:lnTo>
+                <a:lnTo>
+                  <a:pt x="545" y="2910"/>
+                </a:lnTo>
+                <a:lnTo>
+                  <a:pt x="552" y="2943"/>
+                </a:lnTo>
+                <a:lnTo>
+                  <a:pt x="556" y="2981"/>
+                </a:lnTo>
+                <a:lnTo>
+                  <a:pt x="558" y="3024"/>
+                </a:lnTo>
+                <a:lnTo>
+                  <a:pt x="556" y="3067"/>
+                </a:lnTo>
+                <a:lnTo>
+                  <a:pt x="552" y="3105"/>
+                </a:lnTo>
+                <a:lnTo>
+                  <a:pt x="545" y="3138"/>
+                </a:lnTo>
+                <a:lnTo>
+                  <a:pt x="535" y="3167"/>
+                </a:lnTo>
+                <a:lnTo>
+                  <a:pt x="525" y="3193"/>
+                </a:lnTo>
+                <a:lnTo>
+                  <a:pt x="515" y="3216"/>
+                </a:lnTo>
+                <a:lnTo>
+                  <a:pt x="503" y="3240"/>
+                </a:lnTo>
+                <a:lnTo>
+                  <a:pt x="491" y="3264"/>
+                </a:lnTo>
+                <a:lnTo>
+                  <a:pt x="479" y="3287"/>
+                </a:lnTo>
+                <a:lnTo>
+                  <a:pt x="469" y="3313"/>
+                </a:lnTo>
+                <a:lnTo>
+                  <a:pt x="460" y="3342"/>
+                </a:lnTo>
+                <a:lnTo>
+                  <a:pt x="453" y="3375"/>
+                </a:lnTo>
+                <a:lnTo>
+                  <a:pt x="448" y="3413"/>
+                </a:lnTo>
+                <a:lnTo>
+                  <a:pt x="447" y="3456"/>
+                </a:lnTo>
+                <a:lnTo>
+                  <a:pt x="448" y="3499"/>
+                </a:lnTo>
+                <a:lnTo>
+                  <a:pt x="453" y="3537"/>
+                </a:lnTo>
+                <a:lnTo>
+                  <a:pt x="460" y="3570"/>
+                </a:lnTo>
+                <a:lnTo>
+                  <a:pt x="469" y="3599"/>
+                </a:lnTo>
+                <a:lnTo>
+                  <a:pt x="479" y="3625"/>
+                </a:lnTo>
+                <a:lnTo>
+                  <a:pt x="491" y="3648"/>
+                </a:lnTo>
+                <a:lnTo>
+                  <a:pt x="503" y="3672"/>
+                </a:lnTo>
+                <a:lnTo>
+                  <a:pt x="515" y="3696"/>
+                </a:lnTo>
+                <a:lnTo>
+                  <a:pt x="525" y="3719"/>
+                </a:lnTo>
+                <a:lnTo>
+                  <a:pt x="535" y="3745"/>
+                </a:lnTo>
+                <a:lnTo>
+                  <a:pt x="545" y="3774"/>
+                </a:lnTo>
+                <a:lnTo>
+                  <a:pt x="552" y="3807"/>
+                </a:lnTo>
+                <a:lnTo>
+                  <a:pt x="556" y="3845"/>
+                </a:lnTo>
+                <a:lnTo>
+                  <a:pt x="558" y="3888"/>
+                </a:lnTo>
+                <a:lnTo>
+                  <a:pt x="556" y="3931"/>
+                </a:lnTo>
+                <a:lnTo>
+                  <a:pt x="552" y="3969"/>
+                </a:lnTo>
+                <a:lnTo>
+                  <a:pt x="545" y="4002"/>
+                </a:lnTo>
+                <a:lnTo>
+                  <a:pt x="535" y="4031"/>
+                </a:lnTo>
+                <a:lnTo>
+                  <a:pt x="525" y="4057"/>
+                </a:lnTo>
+                <a:lnTo>
+                  <a:pt x="515" y="4080"/>
+                </a:lnTo>
+                <a:lnTo>
+                  <a:pt x="503" y="4104"/>
+                </a:lnTo>
+                <a:lnTo>
+                  <a:pt x="491" y="4128"/>
+                </a:lnTo>
+                <a:lnTo>
+                  <a:pt x="479" y="4151"/>
+                </a:lnTo>
+                <a:lnTo>
+                  <a:pt x="469" y="4177"/>
+                </a:lnTo>
+                <a:lnTo>
+                  <a:pt x="460" y="4206"/>
+                </a:lnTo>
+                <a:lnTo>
+                  <a:pt x="453" y="4239"/>
+                </a:lnTo>
+                <a:lnTo>
+                  <a:pt x="448" y="4277"/>
+                </a:lnTo>
+                <a:lnTo>
+                  <a:pt x="447" y="4320"/>
+                </a:lnTo>
+                <a:lnTo>
+                  <a:pt x="0" y="4320"/>
+                </a:lnTo>
+                <a:lnTo>
+                  <a:pt x="0" y="0"/>
+                </a:lnTo>
+                <a:close/>
+              </a:path>
+            </a:pathLst>
+          </a:custGeom>
+          <a:solidFill>
+            <a:schemeClr val="tx2"/>
+          </a:solidFill>
+          <a:ln w="0">
+            <a:noFill/>
+            <a:prstDash val="solid"/>
+            <a:round/>
+            <a:headEnd/>
+            <a:tailEnd/>
+          </a:ln>
+        </p:spPr>
+      </p:sp>
+      <p:sp>
+        <p:nvSpPr>
+          <p:cNvPr id="19" name="Rectangle 9">
+            <a:extLst>
+              <a:ext uri="{FF2B5EF4-FFF2-40B4-BE49-F238E27FC236}">
+                <a16:creationId xmlns:a16="http://schemas.microsoft.com/office/drawing/2014/main" id="{68157995-9098-42A2-8E36-8BA9015D759A}"/>
+              </a:ext>
+              <a:ext uri="{C183D7F6-B498-43B3-948B-1728B52AA6E4}">
+                <adec:decorative xmlns:adec="http://schemas.microsoft.com/office/drawing/2017/decorative" val="1"/>
+              </a:ext>
+            </a:extLst>
+          </p:cNvPr>
+          <p:cNvSpPr>
+            <a:spLocks noGrp="1" noRot="1" noChangeAspect="1" noMove="1" noResize="1" noEditPoints="1" noAdjustHandles="1" noChangeArrowheads="1" noChangeShapeType="1" noTextEdit="1"/>
+          </p:cNvSpPr>
+          <p:nvPr>
+            <p:extLst>
+              <p:ext uri="{386F3935-93C4-4BCD-93E2-E3B085C9AB24}">
+                <p16:designElem xmlns:p16="http://schemas.microsoft.com/office/powerpoint/2015/main" val="1"/>
+              </p:ext>
+            </p:extLst>
+          </p:nvPr>
+        </p:nvSpPr>
+        <p:spPr>
+          <a:xfrm>
+            <a:off x="8931402" y="0"/>
+            <a:ext cx="212598" cy="5143500"/>
+          </a:xfrm>
+          <a:prstGeom prst="rect">
+            <a:avLst/>
+          </a:prstGeom>
+          <a:solidFill>
+            <a:schemeClr val="accent1"/>
+          </a:solidFill>
+          <a:ln>
+            <a:noFill/>
+          </a:ln>
+        </p:spPr>
+        <p:style>
+          <a:lnRef idx="2">
+            <a:schemeClr val="accent1">
+              <a:shade val="50000"/>
+            </a:schemeClr>
+          </a:lnRef>
+          <a:fillRef idx="1">
+            <a:schemeClr val="accent1"/>
+          </a:fillRef>
+          <a:effectRef idx="0">
+            <a:schemeClr val="accent1"/>
+          </a:effectRef>
+          <a:fontRef idx="minor">
+            <a:schemeClr val="lt1"/>
+          </a:fontRef>
+        </p:style>
+      </p:sp>
+      <p:sp useBgFill="1">
+        <p:nvSpPr>
+          <p:cNvPr id="20" name="Rectangle 11">
+            <a:extLst>
+              <a:ext uri="{FF2B5EF4-FFF2-40B4-BE49-F238E27FC236}">
+                <a16:creationId xmlns:a16="http://schemas.microsoft.com/office/drawing/2014/main" id="{A98AD482-27A4-454E-8A3A-84F73CBDA7E4}"/>
+              </a:ext>
+              <a:ext uri="{C183D7F6-B498-43B3-948B-1728B52AA6E4}">
+                <adec:decorative xmlns:adec="http://schemas.microsoft.com/office/drawing/2017/decorative" val="1"/>
+              </a:ext>
+            </a:extLst>
+          </p:cNvPr>
+          <p:cNvSpPr>
+            <a:spLocks noGrp="1" noRot="1" noChangeAspect="1" noMove="1" noResize="1" noEditPoints="1" noAdjustHandles="1" noChangeArrowheads="1" noChangeShapeType="1" noTextEdit="1"/>
+          </p:cNvSpPr>
+          <p:nvPr>
+            <p:extLst>
+              <p:ext uri="{386F3935-93C4-4BCD-93E2-E3B085C9AB24}">
+                <p16:designElem xmlns:p16="http://schemas.microsoft.com/office/powerpoint/2015/main" val="1"/>
+              </p:ext>
+            </p:extLst>
+          </p:nvPr>
+        </p:nvSpPr>
+        <p:spPr>
+          <a:xfrm>
+            <a:off x="0" y="0"/>
+            <a:ext cx="9144000" cy="5143500"/>
+          </a:xfrm>
+          <a:prstGeom prst="rect">
+            <a:avLst/>
+          </a:prstGeom>
+          <a:ln>
+            <a:noFill/>
+          </a:ln>
+        </p:spPr>
+        <p:style>
+          <a:lnRef idx="2">
+            <a:schemeClr val="accent1">
+              <a:shade val="50000"/>
+            </a:schemeClr>
+          </a:lnRef>
+          <a:fillRef idx="1">
+            <a:schemeClr val="accent1"/>
+          </a:fillRef>
+          <a:effectRef idx="0">
+            <a:schemeClr val="accent1"/>
+          </a:effectRef>
+          <a:fontRef idx="minor">
+            <a:schemeClr val="lt1"/>
+          </a:fontRef>
+        </p:style>
+        <p:txBody>
+          <a:bodyPr rtlCol="0" anchor="ctr"/>
+          <a:lstStyle/>
+          <a:p>
+            <a:pPr algn="ctr"/>
+            <a:endParaRPr lang="en-US"/>
+          </a:p>
+        </p:txBody>
+      </p:sp>
+      <p:sp>
+        <p:nvSpPr>
+          <p:cNvPr id="21" name="Rectangle 13">
+            <a:extLst>
+              <a:ext uri="{FF2B5EF4-FFF2-40B4-BE49-F238E27FC236}">
+                <a16:creationId xmlns:a16="http://schemas.microsoft.com/office/drawing/2014/main" id="{322422E2-F15A-43AE-98F1-7210710B0EB8}"/>
+              </a:ext>
+              <a:ext uri="{C183D7F6-B498-43B3-948B-1728B52AA6E4}">
+                <adec:decorative xmlns:adec="http://schemas.microsoft.com/office/drawing/2017/decorative" val="1"/>
+              </a:ext>
+            </a:extLst>
+          </p:cNvPr>
+          <p:cNvSpPr>
+            <a:spLocks noGrp="1" noRot="1" noChangeAspect="1" noMove="1" noResize="1" noEditPoints="1" noAdjustHandles="1" noChangeArrowheads="1" noChangeShapeType="1" noTextEdit="1"/>
+          </p:cNvSpPr>
+          <p:nvPr>
+            <p:extLst>
+              <p:ext uri="{386F3935-93C4-4BCD-93E2-E3B085C9AB24}">
+                <p16:designElem xmlns:p16="http://schemas.microsoft.com/office/powerpoint/2015/main" val="1"/>
+              </p:ext>
+            </p:extLst>
+          </p:nvPr>
+        </p:nvSpPr>
+        <p:spPr>
+          <a:xfrm>
+            <a:off x="0" y="0"/>
+            <a:ext cx="3480257" cy="5143500"/>
+          </a:xfrm>
+          <a:prstGeom prst="rect">
+            <a:avLst/>
+          </a:prstGeom>
+          <a:solidFill>
+            <a:schemeClr val="accent1"/>
+          </a:solidFill>
+          <a:ln>
+            <a:noFill/>
+          </a:ln>
+        </p:spPr>
+        <p:style>
+          <a:lnRef idx="2">
+            <a:schemeClr val="accent1">
+              <a:shade val="50000"/>
+            </a:schemeClr>
+          </a:lnRef>
+          <a:fillRef idx="1">
+            <a:schemeClr val="accent1"/>
+          </a:fillRef>
+          <a:effectRef idx="0">
+            <a:schemeClr val="accent1"/>
+          </a:effectRef>
+          <a:fontRef idx="minor">
+            <a:schemeClr val="lt1"/>
+          </a:fontRef>
+        </p:style>
+        <p:txBody>
+          <a:bodyPr rtlCol="0" anchor="ctr"/>
+          <a:lstStyle/>
+          <a:p>
+            <a:pPr algn="ctr"/>
+            <a:endParaRPr lang="en-US"/>
+          </a:p>
+        </p:txBody>
+      </p:sp>
+      <p:sp>
+        <p:nvSpPr>
+          <p:cNvPr id="2" name="Title 1">
+            <a:extLst>
+              <a:ext uri="{FF2B5EF4-FFF2-40B4-BE49-F238E27FC236}">
+                <a16:creationId xmlns:a16="http://schemas.microsoft.com/office/drawing/2014/main" id="{062A4410-C967-9E42-9F98-2AD52D3C3F2C}"/>
+              </a:ext>
+            </a:extLst>
+          </p:cNvPr>
+          <p:cNvSpPr>
+            <a:spLocks noGrp="1"/>
+          </p:cNvSpPr>
+          <p:nvPr>
+            <p:ph type="title"/>
+          </p:nvPr>
+        </p:nvSpPr>
+        <p:spPr>
+          <a:xfrm>
+            <a:off x="938757" y="808783"/>
+            <a:ext cx="2399866" cy="3525933"/>
+          </a:xfrm>
+        </p:spPr>
+        <p:txBody>
+          <a:bodyPr vert="horz" lIns="91440" tIns="45720" rIns="91440" bIns="45720" rtlCol="0" anchor="ctr">
+            <a:normAutofit/>
+          </a:bodyPr>
+          <a:lstStyle/>
+          <a:p>
+            <a:pPr defTabSz="914400">
+              <a:spcBef>
+                <a:spcPct val="0"/>
+              </a:spcBef>
+            </a:pPr>
+            <a:r>
+              <a:rPr lang="en-US" sz="2800" dirty="0"/>
+              <a:t>Enhanced Entity Relationship</a:t>
+            </a:r>
+            <a:r>
+              <a:rPr lang="zh-CN" altLang="en-US" sz="2700" spc="200" dirty="0"/>
+              <a:t> </a:t>
+            </a:r>
+            <a:r>
+              <a:rPr lang="en-US" altLang="zh-CN" sz="2700" spc="200" dirty="0"/>
+              <a:t>diagram</a:t>
+            </a:r>
+            <a:endParaRPr lang="en-US" sz="2700" spc="200" dirty="0"/>
+          </a:p>
+        </p:txBody>
+      </p:sp>
+      <p:sp>
+        <p:nvSpPr>
+          <p:cNvPr id="22" name="Freeform 6">
+            <a:extLst>
+              <a:ext uri="{FF2B5EF4-FFF2-40B4-BE49-F238E27FC236}">
+                <a16:creationId xmlns:a16="http://schemas.microsoft.com/office/drawing/2014/main" id="{BDC8164B-5FC0-4CBD-B7AE-0CB8780FFCB3}"/>
+              </a:ext>
+              <a:ext uri="{C183D7F6-B498-43B3-948B-1728B52AA6E4}">
+                <adec:decorative xmlns:adec="http://schemas.microsoft.com/office/drawing/2017/decorative" val="1"/>
+              </a:ext>
+            </a:extLst>
+          </p:cNvPr>
+          <p:cNvSpPr>
+            <a:spLocks noGrp="1" noRot="1" noChangeAspect="1" noMove="1" noResize="1" noEditPoints="1" noAdjustHandles="1" noChangeArrowheads="1" noChangeShapeType="1" noTextEdit="1"/>
+          </p:cNvSpPr>
+          <p:nvPr>
+            <p:extLst>
+              <p:ext uri="{386F3935-93C4-4BCD-93E2-E3B085C9AB24}">
+                <p16:designElem xmlns:p16="http://schemas.microsoft.com/office/powerpoint/2015/main" val="1"/>
+              </p:ext>
+            </p:extLst>
+          </p:nvPr>
+        </p:nvSpPr>
+        <p:spPr bwMode="auto">
+          <a:xfrm>
+            <a:off x="0" y="0"/>
+            <a:ext cx="664368" cy="5143500"/>
+          </a:xfrm>
+          <a:custGeom>
+            <a:avLst/>
+            <a:gdLst/>
+            <a:ahLst/>
+            <a:cxnLst/>
+            <a:rect l="0" t="0" r="r" b="b"/>
+            <a:pathLst>
+              <a:path w="558" h="4320">
+                <a:moveTo>
+                  <a:pt x="0" y="0"/>
+                </a:moveTo>
+                <a:lnTo>
+                  <a:pt x="447" y="0"/>
+                </a:lnTo>
+                <a:lnTo>
+                  <a:pt x="448" y="43"/>
+                </a:lnTo>
+                <a:lnTo>
+                  <a:pt x="453" y="81"/>
+                </a:lnTo>
+                <a:lnTo>
+                  <a:pt x="460" y="114"/>
+                </a:lnTo>
+                <a:lnTo>
+                  <a:pt x="469" y="143"/>
+                </a:lnTo>
+                <a:lnTo>
+                  <a:pt x="479" y="169"/>
+                </a:lnTo>
+                <a:lnTo>
+                  <a:pt x="491" y="192"/>
+                </a:lnTo>
+                <a:lnTo>
+                  <a:pt x="503" y="216"/>
+                </a:lnTo>
+                <a:lnTo>
+                  <a:pt x="515" y="240"/>
+                </a:lnTo>
+                <a:lnTo>
+                  <a:pt x="525" y="263"/>
+                </a:lnTo>
+                <a:lnTo>
+                  <a:pt x="535" y="289"/>
+                </a:lnTo>
+                <a:lnTo>
+                  <a:pt x="545" y="318"/>
+                </a:lnTo>
+                <a:lnTo>
+                  <a:pt x="552" y="351"/>
+                </a:lnTo>
+                <a:lnTo>
+                  <a:pt x="556" y="389"/>
+                </a:lnTo>
+                <a:lnTo>
+                  <a:pt x="558" y="432"/>
+                </a:lnTo>
+                <a:lnTo>
+                  <a:pt x="556" y="475"/>
+                </a:lnTo>
+                <a:lnTo>
+                  <a:pt x="552" y="513"/>
+                </a:lnTo>
+                <a:lnTo>
+                  <a:pt x="545" y="546"/>
+                </a:lnTo>
+                <a:lnTo>
+                  <a:pt x="535" y="575"/>
+                </a:lnTo>
+                <a:lnTo>
+                  <a:pt x="525" y="601"/>
+                </a:lnTo>
+                <a:lnTo>
+                  <a:pt x="515" y="624"/>
+                </a:lnTo>
+                <a:lnTo>
+                  <a:pt x="503" y="648"/>
+                </a:lnTo>
+                <a:lnTo>
+                  <a:pt x="491" y="672"/>
+                </a:lnTo>
+                <a:lnTo>
+                  <a:pt x="479" y="695"/>
+                </a:lnTo>
+                <a:lnTo>
+                  <a:pt x="469" y="721"/>
+                </a:lnTo>
+                <a:lnTo>
+                  <a:pt x="460" y="750"/>
+                </a:lnTo>
+                <a:lnTo>
+                  <a:pt x="453" y="783"/>
+                </a:lnTo>
+                <a:lnTo>
+                  <a:pt x="448" y="821"/>
+                </a:lnTo>
+                <a:lnTo>
+                  <a:pt x="447" y="864"/>
+                </a:lnTo>
+                <a:lnTo>
+                  <a:pt x="448" y="907"/>
+                </a:lnTo>
+                <a:lnTo>
+                  <a:pt x="453" y="945"/>
+                </a:lnTo>
+                <a:lnTo>
+                  <a:pt x="460" y="978"/>
+                </a:lnTo>
+                <a:lnTo>
+                  <a:pt x="469" y="1007"/>
+                </a:lnTo>
+                <a:lnTo>
+                  <a:pt x="479" y="1033"/>
+                </a:lnTo>
+                <a:lnTo>
+                  <a:pt x="491" y="1056"/>
+                </a:lnTo>
+                <a:lnTo>
+                  <a:pt x="503" y="1080"/>
+                </a:lnTo>
+                <a:lnTo>
+                  <a:pt x="515" y="1104"/>
+                </a:lnTo>
+                <a:lnTo>
+                  <a:pt x="525" y="1127"/>
+                </a:lnTo>
+                <a:lnTo>
+                  <a:pt x="535" y="1153"/>
+                </a:lnTo>
+                <a:lnTo>
+                  <a:pt x="545" y="1182"/>
+                </a:lnTo>
+                <a:lnTo>
+                  <a:pt x="552" y="1215"/>
+                </a:lnTo>
+                <a:lnTo>
+                  <a:pt x="556" y="1253"/>
+                </a:lnTo>
+                <a:lnTo>
+                  <a:pt x="558" y="1296"/>
+                </a:lnTo>
+                <a:lnTo>
+                  <a:pt x="556" y="1339"/>
+                </a:lnTo>
+                <a:lnTo>
+                  <a:pt x="552" y="1377"/>
+                </a:lnTo>
+                <a:lnTo>
+                  <a:pt x="545" y="1410"/>
+                </a:lnTo>
+                <a:lnTo>
+                  <a:pt x="535" y="1439"/>
+                </a:lnTo>
+                <a:lnTo>
+                  <a:pt x="525" y="1465"/>
+                </a:lnTo>
+                <a:lnTo>
+                  <a:pt x="515" y="1488"/>
+                </a:lnTo>
+                <a:lnTo>
+                  <a:pt x="503" y="1512"/>
+                </a:lnTo>
+                <a:lnTo>
+                  <a:pt x="491" y="1536"/>
+                </a:lnTo>
+                <a:lnTo>
+                  <a:pt x="479" y="1559"/>
+                </a:lnTo>
+                <a:lnTo>
+                  <a:pt x="469" y="1585"/>
+                </a:lnTo>
+                <a:lnTo>
+                  <a:pt x="460" y="1614"/>
+                </a:lnTo>
+                <a:lnTo>
+                  <a:pt x="453" y="1647"/>
+                </a:lnTo>
+                <a:lnTo>
+                  <a:pt x="448" y="1685"/>
+                </a:lnTo>
+                <a:lnTo>
+                  <a:pt x="447" y="1728"/>
+                </a:lnTo>
+                <a:lnTo>
+                  <a:pt x="448" y="1771"/>
+                </a:lnTo>
+                <a:lnTo>
+                  <a:pt x="453" y="1809"/>
+                </a:lnTo>
+                <a:lnTo>
+                  <a:pt x="460" y="1842"/>
+                </a:lnTo>
+                <a:lnTo>
+                  <a:pt x="469" y="1871"/>
+                </a:lnTo>
+                <a:lnTo>
+                  <a:pt x="479" y="1897"/>
+                </a:lnTo>
+                <a:lnTo>
+                  <a:pt x="491" y="1920"/>
+                </a:lnTo>
+                <a:lnTo>
+                  <a:pt x="503" y="1944"/>
+                </a:lnTo>
+                <a:lnTo>
+                  <a:pt x="515" y="1968"/>
+                </a:lnTo>
+                <a:lnTo>
+                  <a:pt x="525" y="1991"/>
+                </a:lnTo>
+                <a:lnTo>
+                  <a:pt x="535" y="2017"/>
+                </a:lnTo>
+                <a:lnTo>
+                  <a:pt x="545" y="2046"/>
+                </a:lnTo>
+                <a:lnTo>
+                  <a:pt x="552" y="2079"/>
+                </a:lnTo>
+                <a:lnTo>
+                  <a:pt x="556" y="2117"/>
+                </a:lnTo>
+                <a:lnTo>
+                  <a:pt x="558" y="2159"/>
+                </a:lnTo>
+                <a:lnTo>
+                  <a:pt x="556" y="2203"/>
+                </a:lnTo>
+                <a:lnTo>
+                  <a:pt x="552" y="2241"/>
+                </a:lnTo>
+                <a:lnTo>
+                  <a:pt x="545" y="2274"/>
+                </a:lnTo>
+                <a:lnTo>
+                  <a:pt x="535" y="2303"/>
+                </a:lnTo>
+                <a:lnTo>
+                  <a:pt x="525" y="2329"/>
+                </a:lnTo>
+                <a:lnTo>
+                  <a:pt x="515" y="2352"/>
+                </a:lnTo>
+                <a:lnTo>
+                  <a:pt x="503" y="2376"/>
+                </a:lnTo>
+                <a:lnTo>
+                  <a:pt x="491" y="2400"/>
+                </a:lnTo>
+                <a:lnTo>
+                  <a:pt x="479" y="2423"/>
+                </a:lnTo>
+                <a:lnTo>
+                  <a:pt x="469" y="2449"/>
+                </a:lnTo>
+                <a:lnTo>
+                  <a:pt x="460" y="2478"/>
+                </a:lnTo>
+                <a:lnTo>
+                  <a:pt x="453" y="2511"/>
+                </a:lnTo>
+                <a:lnTo>
+                  <a:pt x="448" y="2549"/>
+                </a:lnTo>
+                <a:lnTo>
+                  <a:pt x="447" y="2592"/>
+                </a:lnTo>
+                <a:lnTo>
+                  <a:pt x="448" y="2635"/>
+                </a:lnTo>
+                <a:lnTo>
+                  <a:pt x="453" y="2673"/>
+                </a:lnTo>
+                <a:lnTo>
+                  <a:pt x="460" y="2706"/>
+                </a:lnTo>
+                <a:lnTo>
+                  <a:pt x="469" y="2735"/>
+                </a:lnTo>
+                <a:lnTo>
+                  <a:pt x="479" y="2761"/>
+                </a:lnTo>
+                <a:lnTo>
+                  <a:pt x="491" y="2784"/>
+                </a:lnTo>
+                <a:lnTo>
+                  <a:pt x="515" y="2832"/>
+                </a:lnTo>
+                <a:lnTo>
+                  <a:pt x="525" y="2855"/>
+                </a:lnTo>
+                <a:lnTo>
+                  <a:pt x="535" y="2881"/>
+                </a:lnTo>
+                <a:lnTo>
+                  <a:pt x="545" y="2910"/>
+                </a:lnTo>
+                <a:lnTo>
+                  <a:pt x="552" y="2943"/>
+                </a:lnTo>
+                <a:lnTo>
+                  <a:pt x="556" y="2981"/>
+                </a:lnTo>
+                <a:lnTo>
+                  <a:pt x="558" y="3024"/>
+                </a:lnTo>
+                <a:lnTo>
+                  <a:pt x="556" y="3067"/>
+                </a:lnTo>
+                <a:lnTo>
+                  <a:pt x="552" y="3105"/>
+                </a:lnTo>
+                <a:lnTo>
+                  <a:pt x="545" y="3138"/>
+                </a:lnTo>
+                <a:lnTo>
+                  <a:pt x="535" y="3167"/>
+                </a:lnTo>
+                <a:lnTo>
+                  <a:pt x="525" y="3193"/>
+                </a:lnTo>
+                <a:lnTo>
+                  <a:pt x="515" y="3216"/>
+                </a:lnTo>
+                <a:lnTo>
+                  <a:pt x="503" y="3240"/>
+                </a:lnTo>
+                <a:lnTo>
+                  <a:pt x="491" y="3264"/>
+                </a:lnTo>
+                <a:lnTo>
+                  <a:pt x="479" y="3287"/>
+                </a:lnTo>
+                <a:lnTo>
+                  <a:pt x="469" y="3313"/>
+                </a:lnTo>
+                <a:lnTo>
+                  <a:pt x="460" y="3342"/>
+                </a:lnTo>
+                <a:lnTo>
+                  <a:pt x="453" y="3375"/>
+                </a:lnTo>
+                <a:lnTo>
+                  <a:pt x="448" y="3413"/>
+                </a:lnTo>
+                <a:lnTo>
+                  <a:pt x="447" y="3456"/>
+                </a:lnTo>
+                <a:lnTo>
+                  <a:pt x="448" y="3499"/>
+                </a:lnTo>
+                <a:lnTo>
+                  <a:pt x="453" y="3537"/>
+                </a:lnTo>
+                <a:lnTo>
+                  <a:pt x="460" y="3570"/>
+                </a:lnTo>
+                <a:lnTo>
+                  <a:pt x="469" y="3599"/>
+                </a:lnTo>
+                <a:lnTo>
+                  <a:pt x="479" y="3625"/>
+                </a:lnTo>
+                <a:lnTo>
+                  <a:pt x="491" y="3648"/>
+                </a:lnTo>
+                <a:lnTo>
+                  <a:pt x="503" y="3672"/>
+                </a:lnTo>
+                <a:lnTo>
+                  <a:pt x="515" y="3696"/>
+                </a:lnTo>
+                <a:lnTo>
+                  <a:pt x="525" y="3719"/>
+                </a:lnTo>
+                <a:lnTo>
+                  <a:pt x="535" y="3745"/>
+                </a:lnTo>
+                <a:lnTo>
+                  <a:pt x="545" y="3774"/>
+                </a:lnTo>
+                <a:lnTo>
+                  <a:pt x="552" y="3807"/>
+                </a:lnTo>
+                <a:lnTo>
+                  <a:pt x="556" y="3845"/>
+                </a:lnTo>
+                <a:lnTo>
+                  <a:pt x="558" y="3888"/>
+                </a:lnTo>
+                <a:lnTo>
+                  <a:pt x="556" y="3931"/>
+                </a:lnTo>
+                <a:lnTo>
+                  <a:pt x="552" y="3969"/>
+                </a:lnTo>
+                <a:lnTo>
+                  <a:pt x="545" y="4002"/>
+                </a:lnTo>
+                <a:lnTo>
+                  <a:pt x="535" y="4031"/>
+                </a:lnTo>
+                <a:lnTo>
+                  <a:pt x="525" y="4057"/>
+                </a:lnTo>
+                <a:lnTo>
+                  <a:pt x="515" y="4080"/>
+                </a:lnTo>
+                <a:lnTo>
+                  <a:pt x="503" y="4104"/>
+                </a:lnTo>
+                <a:lnTo>
+                  <a:pt x="491" y="4128"/>
+                </a:lnTo>
+                <a:lnTo>
+                  <a:pt x="479" y="4151"/>
+                </a:lnTo>
+                <a:lnTo>
+                  <a:pt x="469" y="4177"/>
+                </a:lnTo>
+                <a:lnTo>
+                  <a:pt x="460" y="4206"/>
+                </a:lnTo>
+                <a:lnTo>
+                  <a:pt x="453" y="4239"/>
+                </a:lnTo>
+                <a:lnTo>
+                  <a:pt x="448" y="4277"/>
+                </a:lnTo>
+                <a:lnTo>
+                  <a:pt x="447" y="4320"/>
+                </a:lnTo>
+                <a:lnTo>
+                  <a:pt x="0" y="4320"/>
+                </a:lnTo>
+                <a:lnTo>
+                  <a:pt x="0" y="0"/>
+                </a:lnTo>
+                <a:close/>
+              </a:path>
+            </a:pathLst>
+          </a:custGeom>
+          <a:solidFill>
+            <a:schemeClr val="accent1">
+              <a:lumMod val="75000"/>
+              <a:alpha val="70000"/>
+            </a:schemeClr>
+          </a:solidFill>
+          <a:ln w="0">
+            <a:noFill/>
+            <a:prstDash val="solid"/>
+            <a:round/>
+            <a:headEnd/>
+            <a:tailEnd/>
+          </a:ln>
+        </p:spPr>
+      </p:sp>
+    </p:spTree>
+    <p:extLst>
+      <p:ext uri="{BB962C8B-B14F-4D97-AF65-F5344CB8AC3E}">
+        <p14:creationId xmlns:p14="http://schemas.microsoft.com/office/powerpoint/2010/main" val="1626525605"/>
+      </p:ext>
+    </p:extLst>
+  </p:cSld>
+  <p:clrMapOvr>
+    <a:masterClrMapping/>
+  </p:clrMapOvr>
+</p:sld>
+</file>
+
 <file path=ppt/theme/theme1.xml><?xml version="1.0" encoding="utf-8"?>
 <a:theme xmlns:a="http://schemas.openxmlformats.org/drawingml/2006/main" name="Badge">
   <a:themeElements>

--- a/DEPA Final Project PPT.pptx
+++ b/DEPA Final Project PPT.pptx
@@ -2963,7 +2963,7 @@
 <dgm:dataModel xmlns:dgm="http://schemas.openxmlformats.org/drawingml/2006/diagram" xmlns:a="http://schemas.openxmlformats.org/drawingml/2006/main">
   <dgm:ptLst>
     <dgm:pt modelId="{A1FB074A-F213-4825-9763-5CBF4C064198}" type="doc">
-      <dgm:prSet loTypeId="urn:microsoft.com/office/officeart/2005/8/layout/vList2" loCatId="list" qsTypeId="urn:microsoft.com/office/officeart/2005/8/quickstyle/simple1" qsCatId="simple" csTypeId="urn:microsoft.com/office/officeart/2005/8/colors/colorful2" csCatId="colorful"/>
+      <dgm:prSet loTypeId="urn:microsoft.com/office/officeart/2005/8/layout/vList2" loCatId="list" qsTypeId="urn:microsoft.com/office/officeart/2005/8/quickstyle/simple1" qsCatId="simple" csTypeId="urn:microsoft.com/office/officeart/2005/8/colors/colorful2" csCatId="colorful" phldr="1"/>
       <dgm:spPr/>
       <dgm:t>
         <a:bodyPr/>
@@ -3018,17 +3018,18 @@
         <a:lstStyle/>
         <a:p>
           <a:r>
-            <a:rPr lang="en-US" dirty="0"/>
-            <a:t>We use </a:t>
+            <a:rPr lang="en-US" b="0" i="0" u="none" dirty="0"/>
+            <a:t>We used </a:t>
           </a:r>
           <a:r>
-            <a:rPr lang="en-US" dirty="0" err="1"/>
+            <a:rPr lang="en-US" b="0" i="0" u="none" dirty="0" err="1"/>
             <a:t>MySQLWorkbench</a:t>
           </a:r>
           <a:r>
-            <a:rPr lang="en-US" dirty="0"/>
-            <a:t> to create our dimensional table. Sports and weather tables are based on Date (primary key), census and crime tables are based on CCA (primary key). Date and CCA both link to the fact table as foreign key. </a:t>
+            <a:rPr lang="en-US" b="0" i="0" u="none" dirty="0"/>
+            <a:t> to create our dimensional table. Sports and weather tables are indexed by Date (primary key), Census and Crime tables are indexed by Chicago Community Areas(CCA) (primary key). Date and CCA are both linked to the fact table as foreign key. </a:t>
           </a:r>
+          <a:endParaRPr lang="en-US" dirty="0"/>
         </a:p>
       </dgm:t>
     </dgm:pt>
@@ -3099,9 +3100,10 @@
         <a:lstStyle/>
         <a:p>
           <a:r>
-            <a:rPr lang="en-US"/>
-            <a:t>Date columns were originally text data type, and we transform the text data type to Date data type.</a:t>
+            <a:rPr lang="en-US" b="0" i="0" u="none" dirty="0"/>
+            <a:t>All data are transformed into a rows and columns format with appropriate data type.</a:t>
           </a:r>
+          <a:endParaRPr lang="en-US" dirty="0"/>
         </a:p>
       </dgm:t>
     </dgm:pt>
@@ -3135,10 +3137,10 @@
         <a:lstStyle/>
         <a:p>
           <a:r>
-            <a:rPr lang="en-US" b="1"/>
-            <a:t>Matching Rules</a:t>
+            <a:rPr lang="en-US" b="1" dirty="0"/>
+            <a:t>Data Mapping</a:t>
           </a:r>
-          <a:endParaRPr lang="en-US"/>
+          <a:endParaRPr lang="en-US" dirty="0"/>
         </a:p>
       </dgm:t>
     </dgm:pt>
@@ -3172,9 +3174,18 @@
         <a:lstStyle/>
         <a:p>
           <a:r>
-            <a:rPr lang="en-US"/>
-            <a:t>We have one main dataset (fact table) and four supporting datasets (dim tables). Our rule is to link 4 supporting datasets to the main dataset with either DATE or CCA.</a:t>
+            <a:rPr lang="en-US" b="0" i="0" u="none" dirty="0"/>
+            <a:t>We have one main dataset (fact table with ridership measures) and four supporting datasets (dim tables). A </a:t>
           </a:r>
+          <a:r>
+            <a:rPr lang="en-US" b="0" i="1" u="none" dirty="0"/>
+            <a:t>star type dimensional model </a:t>
+          </a:r>
+          <a:r>
+            <a:rPr lang="en-US" b="0" i="0" u="none" dirty="0"/>
+            <a:t>is adapted by linking 4 dimensional datasets to the main fact dataset using either DATE or CCA. Note: Ridership By Hours of A day is an independent analytical entity that  provides additional business insights on ridership.</a:t>
+          </a:r>
+          <a:endParaRPr lang="en-US" dirty="0"/>
         </a:p>
       </dgm:t>
     </dgm:pt>
@@ -3200,7 +3211,7 @@
         </a:p>
       </dgm:t>
     </dgm:pt>
-    <dgm:pt modelId="{8307A4B5-0E65-47D0-B61C-635C8816680C}">
+    <dgm:pt modelId="{09402982-2286-3C49-A5F9-4C67CBBFA080}">
       <dgm:prSet/>
       <dgm:spPr/>
       <dgm:t>
@@ -3208,14 +3219,14 @@
         <a:lstStyle/>
         <a:p>
           <a:r>
-            <a:rPr lang="en-US" b="1"/>
-            <a:t>Number of Attributes</a:t>
+            <a:rPr lang="en-US" b="0" i="0" u="none" dirty="0"/>
+            <a:t>Main dataset ridership measures are aggregated and grouped by CCA,  date and time.</a:t>
           </a:r>
-          <a:endParaRPr lang="en-US"/>
+          <a:endParaRPr lang="en-US" dirty="0"/>
         </a:p>
       </dgm:t>
     </dgm:pt>
-    <dgm:pt modelId="{6A92715A-0F55-4ECD-AA71-90CBA5FB289D}" type="parTrans" cxnId="{E9A8F87F-9994-4735-89B8-604FF0DB2024}">
+    <dgm:pt modelId="{8629C563-6E76-A644-A6DC-E31FB79758AE}" type="parTrans" cxnId="{F90DD803-1AF9-F84B-AE6A-88B302BEC314}">
       <dgm:prSet/>
       <dgm:spPr/>
       <dgm:t>
@@ -3226,7 +3237,7 @@
         </a:p>
       </dgm:t>
     </dgm:pt>
-    <dgm:pt modelId="{37BEDEB4-28DE-474F-9B55-8A3C76A3A8EE}" type="sibTrans" cxnId="{E9A8F87F-9994-4735-89B8-604FF0DB2024}">
+    <dgm:pt modelId="{15B92BC1-7D8B-E148-88DE-2456F3766141}" type="sibTrans" cxnId="{F90DD803-1AF9-F84B-AE6A-88B302BEC314}">
       <dgm:prSet/>
       <dgm:spPr/>
       <dgm:t>
@@ -3237,7 +3248,7 @@
         </a:p>
       </dgm:t>
     </dgm:pt>
-    <dgm:pt modelId="{3C100108-C8EB-4E53-A0BE-DE08E758935A}">
+    <dgm:pt modelId="{5C20026A-B53E-D244-83DD-9B3A78BF76D3}">
       <dgm:prSet/>
       <dgm:spPr/>
       <dgm:t>
@@ -3245,13 +3256,14 @@
         <a:lstStyle/>
         <a:p>
           <a:r>
-            <a:rPr lang="en-US"/>
-            <a:t>Tsa_cca_date: 7</a:t>
+            <a:rPr lang="en-US" b="0" i="0" u="none" dirty="0"/>
+            <a:t>Sports schedule datasets, and weather datasets are aggregated and grouped by date.</a:t>
           </a:r>
+          <a:endParaRPr lang="en-US" dirty="0"/>
         </a:p>
       </dgm:t>
     </dgm:pt>
-    <dgm:pt modelId="{32D82465-E777-454C-9CDE-13FA2382E5A3}" type="parTrans" cxnId="{C25AD63D-365C-454A-9EEB-F780149EACB1}">
+    <dgm:pt modelId="{9395115F-110A-384C-9DE6-3159F8F4435D}" type="parTrans" cxnId="{99F3CDB6-242D-FE4D-AE85-F4C50670720C}">
       <dgm:prSet/>
       <dgm:spPr/>
       <dgm:t>
@@ -3262,7 +3274,7 @@
         </a:p>
       </dgm:t>
     </dgm:pt>
-    <dgm:pt modelId="{C41647DC-380E-4648-AFE9-1C8EF1D60F12}" type="sibTrans" cxnId="{C25AD63D-365C-454A-9EEB-F780149EACB1}">
+    <dgm:pt modelId="{CED321D2-2575-BC40-96F1-2C4A491B6EEA}" type="sibTrans" cxnId="{99F3CDB6-242D-FE4D-AE85-F4C50670720C}">
       <dgm:prSet/>
       <dgm:spPr/>
       <dgm:t>
@@ -3273,7 +3285,7 @@
         </a:p>
       </dgm:t>
     </dgm:pt>
-    <dgm:pt modelId="{5043B660-15FD-475F-9BE2-830FF3553241}">
+    <dgm:pt modelId="{8062CD71-3D13-F743-8E54-E3630BE5A1F3}">
       <dgm:prSet/>
       <dgm:spPr/>
       <dgm:t>
@@ -3281,13 +3293,14 @@
         <a:lstStyle/>
         <a:p>
           <a:r>
-            <a:rPr lang="en-US"/>
-            <a:t>Census: 12 </a:t>
+            <a:rPr lang="en-US" b="0" i="0" u="none" dirty="0"/>
+            <a:t>Census and Crime datasets are  aggregated and grouped by CCA.</a:t>
           </a:r>
+          <a:endParaRPr lang="en-US" dirty="0"/>
         </a:p>
       </dgm:t>
     </dgm:pt>
-    <dgm:pt modelId="{2B767ED3-0F3C-4BDF-8212-87555AF7D673}" type="parTrans" cxnId="{8C5EDCF9-5DDE-4683-B632-FE6B65CE0EF6}">
+    <dgm:pt modelId="{825B7211-676C-9C4F-8EB8-0D823E391A00}" type="parTrans" cxnId="{80A08084-0561-3342-8431-4D87C83134CF}">
       <dgm:prSet/>
       <dgm:spPr/>
       <dgm:t>
@@ -3298,7 +3311,7 @@
         </a:p>
       </dgm:t>
     </dgm:pt>
-    <dgm:pt modelId="{3F9B827E-78AA-4233-AAFD-48D8A5944F29}" type="sibTrans" cxnId="{8C5EDCF9-5DDE-4683-B632-FE6B65CE0EF6}">
+    <dgm:pt modelId="{99AFFE3B-30D5-F245-977D-3FC309267110}" type="sibTrans" cxnId="{80A08084-0561-3342-8431-4D87C83134CF}">
       <dgm:prSet/>
       <dgm:spPr/>
       <dgm:t>
@@ -3309,7 +3322,7 @@
         </a:p>
       </dgm:t>
     </dgm:pt>
-    <dgm:pt modelId="{B04AA371-A6C4-4F2C-97F7-D433C5D83172}">
+    <dgm:pt modelId="{ADFAFD49-A123-1F42-8526-DD17C40D9F5A}">
       <dgm:prSet/>
       <dgm:spPr/>
       <dgm:t>
@@ -3317,13 +3330,14 @@
         <a:lstStyle/>
         <a:p>
           <a:r>
-            <a:rPr lang="en-US"/>
-            <a:t>Crime: 2 </a:t>
+            <a:rPr lang="en-US" b="0" i="0" u="none" dirty="0"/>
+            <a:t>CCA Geographic boundaries data are transformed to meet tableau virtualization requirement</a:t>
           </a:r>
+          <a:endParaRPr lang="en-US" dirty="0"/>
         </a:p>
       </dgm:t>
     </dgm:pt>
-    <dgm:pt modelId="{50E96A8B-8149-49C0-8A35-8EC79F064F96}" type="parTrans" cxnId="{738848E2-BEF6-482A-9B63-8272C3C072F1}">
+    <dgm:pt modelId="{03E53832-A548-0E44-829F-41ED0A4B0711}" type="parTrans" cxnId="{A450CC5B-82AF-D141-AAD7-78106D5A9232}">
       <dgm:prSet/>
       <dgm:spPr/>
       <dgm:t>
@@ -3334,79 +3348,7 @@
         </a:p>
       </dgm:t>
     </dgm:pt>
-    <dgm:pt modelId="{F678B77E-D5C7-43C7-84C0-47F98F29F438}" type="sibTrans" cxnId="{738848E2-BEF6-482A-9B63-8272C3C072F1}">
-      <dgm:prSet/>
-      <dgm:spPr/>
-      <dgm:t>
-        <a:bodyPr/>
-        <a:lstStyle/>
-        <a:p>
-          <a:endParaRPr lang="en-US"/>
-        </a:p>
-      </dgm:t>
-    </dgm:pt>
-    <dgm:pt modelId="{1B5A22C0-0A03-4556-A657-78EE270B5D2A}">
-      <dgm:prSet/>
-      <dgm:spPr/>
-      <dgm:t>
-        <a:bodyPr/>
-        <a:lstStyle/>
-        <a:p>
-          <a:r>
-            <a:rPr lang="en-US"/>
-            <a:t>Weather: 4</a:t>
-          </a:r>
-        </a:p>
-      </dgm:t>
-    </dgm:pt>
-    <dgm:pt modelId="{428005B0-BEDE-4B41-9F41-A6CDA9742D33}" type="parTrans" cxnId="{12ADA974-DB3A-473C-A78D-3C7F19BECE35}">
-      <dgm:prSet/>
-      <dgm:spPr/>
-      <dgm:t>
-        <a:bodyPr/>
-        <a:lstStyle/>
-        <a:p>
-          <a:endParaRPr lang="en-US"/>
-        </a:p>
-      </dgm:t>
-    </dgm:pt>
-    <dgm:pt modelId="{0E22DBDC-EBAC-4359-860E-7634DB5FFD1B}" type="sibTrans" cxnId="{12ADA974-DB3A-473C-A78D-3C7F19BECE35}">
-      <dgm:prSet/>
-      <dgm:spPr/>
-      <dgm:t>
-        <a:bodyPr/>
-        <a:lstStyle/>
-        <a:p>
-          <a:endParaRPr lang="en-US"/>
-        </a:p>
-      </dgm:t>
-    </dgm:pt>
-    <dgm:pt modelId="{BE32E373-CCC7-45A8-8DC5-BEF0F1A37D4D}">
-      <dgm:prSet/>
-      <dgm:spPr/>
-      <dgm:t>
-        <a:bodyPr/>
-        <a:lstStyle/>
-        <a:p>
-          <a:r>
-            <a:rPr lang="en-US"/>
-            <a:t>Sports: 5</a:t>
-          </a:r>
-        </a:p>
-      </dgm:t>
-    </dgm:pt>
-    <dgm:pt modelId="{01EC059A-4675-4047-A899-705E31869B7F}" type="parTrans" cxnId="{A10916F3-3C9A-4B63-9747-F51BC1176B03}">
-      <dgm:prSet/>
-      <dgm:spPr/>
-      <dgm:t>
-        <a:bodyPr/>
-        <a:lstStyle/>
-        <a:p>
-          <a:endParaRPr lang="en-US"/>
-        </a:p>
-      </dgm:t>
-    </dgm:pt>
-    <dgm:pt modelId="{0E76AED9-F834-4D0B-8EDA-1B821DB57A5C}" type="sibTrans" cxnId="{A10916F3-3C9A-4B63-9747-F51BC1176B03}">
+    <dgm:pt modelId="{205F8164-8F09-DD42-83BB-19CB5F61DBD9}" type="sibTrans" cxnId="{A450CC5B-82AF-D141-AAD7-78106D5A9232}">
       <dgm:prSet/>
       <dgm:spPr/>
       <dgm:t>
@@ -3427,7 +3369,7 @@
       <dgm:spPr/>
     </dgm:pt>
     <dgm:pt modelId="{66BA4F46-BC5C-B141-8741-4B79C5F081CE}" type="pres">
-      <dgm:prSet presAssocID="{4C2E3562-8106-48D5-A130-733B9582CD70}" presName="parentText" presStyleLbl="node1" presStyleIdx="0" presStyleCnt="4">
+      <dgm:prSet presAssocID="{4C2E3562-8106-48D5-A130-733B9582CD70}" presName="parentText" presStyleLbl="node1" presStyleIdx="0" presStyleCnt="3">
         <dgm:presLayoutVars>
           <dgm:chMax val="0"/>
           <dgm:bulletEnabled val="1"/>
@@ -3436,7 +3378,7 @@
       <dgm:spPr/>
     </dgm:pt>
     <dgm:pt modelId="{F6E5F9D8-A891-AD4E-A1E9-5AE67C936FDA}" type="pres">
-      <dgm:prSet presAssocID="{4C2E3562-8106-48D5-A130-733B9582CD70}" presName="childText" presStyleLbl="revTx" presStyleIdx="0" presStyleCnt="4">
+      <dgm:prSet presAssocID="{4C2E3562-8106-48D5-A130-733B9582CD70}" presName="childText" presStyleLbl="revTx" presStyleIdx="0" presStyleCnt="3">
         <dgm:presLayoutVars>
           <dgm:bulletEnabled val="1"/>
         </dgm:presLayoutVars>
@@ -3444,7 +3386,7 @@
       <dgm:spPr/>
     </dgm:pt>
     <dgm:pt modelId="{467F66CF-5437-264F-9856-0BA42B6870CD}" type="pres">
-      <dgm:prSet presAssocID="{FFF185A9-C05D-4BF2-9D3F-5E6F22E8DA0C}" presName="parentText" presStyleLbl="node1" presStyleIdx="1" presStyleCnt="4">
+      <dgm:prSet presAssocID="{FFF185A9-C05D-4BF2-9D3F-5E6F22E8DA0C}" presName="parentText" presStyleLbl="node1" presStyleIdx="1" presStyleCnt="3">
         <dgm:presLayoutVars>
           <dgm:chMax val="0"/>
           <dgm:bulletEnabled val="1"/>
@@ -3453,7 +3395,7 @@
       <dgm:spPr/>
     </dgm:pt>
     <dgm:pt modelId="{52AC06F6-62C5-B945-9DA8-D80125D2D178}" type="pres">
-      <dgm:prSet presAssocID="{FFF185A9-C05D-4BF2-9D3F-5E6F22E8DA0C}" presName="childText" presStyleLbl="revTx" presStyleIdx="1" presStyleCnt="4">
+      <dgm:prSet presAssocID="{FFF185A9-C05D-4BF2-9D3F-5E6F22E8DA0C}" presName="childText" presStyleLbl="revTx" presStyleIdx="1" presStyleCnt="3">
         <dgm:presLayoutVars>
           <dgm:bulletEnabled val="1"/>
         </dgm:presLayoutVars>
@@ -3461,7 +3403,7 @@
       <dgm:spPr/>
     </dgm:pt>
     <dgm:pt modelId="{A2026110-568D-9641-9577-E53604CB886B}" type="pres">
-      <dgm:prSet presAssocID="{B12D9210-0C23-4E2A-AC90-34DB6E2C66D8}" presName="parentText" presStyleLbl="node1" presStyleIdx="2" presStyleCnt="4">
+      <dgm:prSet presAssocID="{B12D9210-0C23-4E2A-AC90-34DB6E2C66D8}" presName="parentText" presStyleLbl="node1" presStyleIdx="2" presStyleCnt="3">
         <dgm:presLayoutVars>
           <dgm:chMax val="0"/>
           <dgm:bulletEnabled val="1"/>
@@ -3470,24 +3412,7 @@
       <dgm:spPr/>
     </dgm:pt>
     <dgm:pt modelId="{F39F3EB7-6FEA-D246-8762-6F9C581FEC22}" type="pres">
-      <dgm:prSet presAssocID="{B12D9210-0C23-4E2A-AC90-34DB6E2C66D8}" presName="childText" presStyleLbl="revTx" presStyleIdx="2" presStyleCnt="4">
-        <dgm:presLayoutVars>
-          <dgm:bulletEnabled val="1"/>
-        </dgm:presLayoutVars>
-      </dgm:prSet>
-      <dgm:spPr/>
-    </dgm:pt>
-    <dgm:pt modelId="{D71633A1-AD04-434F-8DFF-0E13EE043B5A}" type="pres">
-      <dgm:prSet presAssocID="{8307A4B5-0E65-47D0-B61C-635C8816680C}" presName="parentText" presStyleLbl="node1" presStyleIdx="3" presStyleCnt="4">
-        <dgm:presLayoutVars>
-          <dgm:chMax val="0"/>
-          <dgm:bulletEnabled val="1"/>
-        </dgm:presLayoutVars>
-      </dgm:prSet>
-      <dgm:spPr/>
-    </dgm:pt>
-    <dgm:pt modelId="{B3560950-3CAF-9E4F-850E-EB7C720C2300}" type="pres">
-      <dgm:prSet presAssocID="{8307A4B5-0E65-47D0-B61C-635C8816680C}" presName="childText" presStyleLbl="revTx" presStyleIdx="3" presStyleCnt="4">
+      <dgm:prSet presAssocID="{B12D9210-0C23-4E2A-AC90-34DB6E2C66D8}" presName="childText" presStyleLbl="revTx" presStyleIdx="2" presStyleCnt="3" custScaleY="118000">
         <dgm:presLayoutVars>
           <dgm:bulletEnabled val="1"/>
         </dgm:presLayoutVars>
@@ -3496,39 +3421,33 @@
     </dgm:pt>
   </dgm:ptLst>
   <dgm:cxnLst>
+    <dgm:cxn modelId="{F90DD803-1AF9-F84B-AE6A-88B302BEC314}" srcId="{FFF185A9-C05D-4BF2-9D3F-5E6F22E8DA0C}" destId="{09402982-2286-3C49-A5F9-4C67CBBFA080}" srcOrd="1" destOrd="0" parTransId="{8629C563-6E76-A644-A6DC-E31FB79758AE}" sibTransId="{15B92BC1-7D8B-E148-88DE-2456F3766141}"/>
+    <dgm:cxn modelId="{CEE73704-8834-0845-8462-F231DA45B883}" type="presOf" srcId="{ADFAFD49-A123-1F42-8526-DD17C40D9F5A}" destId="{52AC06F6-62C5-B945-9DA8-D80125D2D178}" srcOrd="0" destOrd="4" presId="urn:microsoft.com/office/officeart/2005/8/layout/vList2"/>
     <dgm:cxn modelId="{DB6CF82B-DBBD-E84E-9F53-C9E90330885C}" type="presOf" srcId="{B12D9210-0C23-4E2A-AC90-34DB6E2C66D8}" destId="{A2026110-568D-9641-9577-E53604CB886B}" srcOrd="0" destOrd="0" presId="urn:microsoft.com/office/officeart/2005/8/layout/vList2"/>
-    <dgm:cxn modelId="{C25AD63D-365C-454A-9EEB-F780149EACB1}" srcId="{8307A4B5-0E65-47D0-B61C-635C8816680C}" destId="{3C100108-C8EB-4E53-A0BE-DE08E758935A}" srcOrd="0" destOrd="0" parTransId="{32D82465-E777-454C-9CDE-13FA2382E5A3}" sibTransId="{C41647DC-380E-4648-AFE9-1C8EF1D60F12}"/>
+    <dgm:cxn modelId="{FE5CEC39-02EF-424C-AC43-5BC4A10EB691}" type="presOf" srcId="{09402982-2286-3C49-A5F9-4C67CBBFA080}" destId="{52AC06F6-62C5-B945-9DA8-D80125D2D178}" srcOrd="0" destOrd="1" presId="urn:microsoft.com/office/officeart/2005/8/layout/vList2"/>
     <dgm:cxn modelId="{3902C541-A06C-49D2-8417-851D66750457}" srcId="{A1FB074A-F213-4825-9763-5CBF4C064198}" destId="{4C2E3562-8106-48D5-A130-733B9582CD70}" srcOrd="0" destOrd="0" parTransId="{40ABD2A2-CA60-4217-90CC-556AAB374FDD}" sibTransId="{31AEE53E-4702-4D64-B39F-FC53DB18C6B2}"/>
     <dgm:cxn modelId="{AB28B543-2B44-4A06-A63E-39B78C7F4900}" srcId="{4C2E3562-8106-48D5-A130-733B9582CD70}" destId="{4B25DB0C-7D4C-4FD9-877C-75C460C50CA6}" srcOrd="0" destOrd="0" parTransId="{86540D6C-F443-4FD6-A4A0-B4FE735C0054}" sibTransId="{53E38D68-F785-4CB8-9A3B-CBC5E57BD370}"/>
-    <dgm:cxn modelId="{AF7A9845-7E2E-BA41-9BF1-9F45A347C057}" type="presOf" srcId="{5043B660-15FD-475F-9BE2-830FF3553241}" destId="{B3560950-3CAF-9E4F-850E-EB7C720C2300}" srcOrd="0" destOrd="1" presId="urn:microsoft.com/office/officeart/2005/8/layout/vList2"/>
-    <dgm:cxn modelId="{9AD9A046-4F75-4E43-9342-D4CB19BF2DA0}" type="presOf" srcId="{1B5A22C0-0A03-4556-A657-78EE270B5D2A}" destId="{B3560950-3CAF-9E4F-850E-EB7C720C2300}" srcOrd="0" destOrd="3" presId="urn:microsoft.com/office/officeart/2005/8/layout/vList2"/>
     <dgm:cxn modelId="{A38B6A48-EA41-D54A-A2EF-380683C35D3D}" type="presOf" srcId="{3E832529-23E8-41BA-96E3-E220AE1A2C44}" destId="{52AC06F6-62C5-B945-9DA8-D80125D2D178}" srcOrd="0" destOrd="0" presId="urn:microsoft.com/office/officeart/2005/8/layout/vList2"/>
+    <dgm:cxn modelId="{FF90554A-5A6D-154C-AAD6-6D40251DCE4F}" type="presOf" srcId="{8062CD71-3D13-F743-8E54-E3630BE5A1F3}" destId="{52AC06F6-62C5-B945-9DA8-D80125D2D178}" srcOrd="0" destOrd="3" presId="urn:microsoft.com/office/officeart/2005/8/layout/vList2"/>
     <dgm:cxn modelId="{DC4F0A4B-55CA-A646-A602-0E7CBB1C9938}" type="presOf" srcId="{4C2E3562-8106-48D5-A130-733B9582CD70}" destId="{66BA4F46-BC5C-B141-8741-4B79C5F081CE}" srcOrd="0" destOrd="0" presId="urn:microsoft.com/office/officeart/2005/8/layout/vList2"/>
+    <dgm:cxn modelId="{A450CC5B-82AF-D141-AAD7-78106D5A9232}" srcId="{FFF185A9-C05D-4BF2-9D3F-5E6F22E8DA0C}" destId="{ADFAFD49-A123-1F42-8526-DD17C40D9F5A}" srcOrd="4" destOrd="0" parTransId="{03E53832-A548-0E44-829F-41ED0A4B0711}" sibTransId="{205F8164-8F09-DD42-83BB-19CB5F61DBD9}"/>
     <dgm:cxn modelId="{FF69855F-685B-4258-B14B-AC3835E0C7B5}" srcId="{A1FB074A-F213-4825-9763-5CBF4C064198}" destId="{B12D9210-0C23-4E2A-AC90-34DB6E2C66D8}" srcOrd="2" destOrd="0" parTransId="{4FEE624A-82B7-4DD4-AE94-08CDC1C753DA}" sibTransId="{C886712C-811B-47C7-8EA1-556C1022AAD1}"/>
     <dgm:cxn modelId="{D39FFB61-6876-1C46-9E96-0A442F873D34}" type="presOf" srcId="{4B25DB0C-7D4C-4FD9-877C-75C460C50CA6}" destId="{F6E5F9D8-A891-AD4E-A1E9-5AE67C936FDA}" srcOrd="0" destOrd="0" presId="urn:microsoft.com/office/officeart/2005/8/layout/vList2"/>
-    <dgm:cxn modelId="{12ADA974-DB3A-473C-A78D-3C7F19BECE35}" srcId="{8307A4B5-0E65-47D0-B61C-635C8816680C}" destId="{1B5A22C0-0A03-4556-A657-78EE270B5D2A}" srcOrd="3" destOrd="0" parTransId="{428005B0-BEDE-4B41-9F41-A6CDA9742D33}" sibTransId="{0E22DBDC-EBAC-4359-860E-7634DB5FFD1B}"/>
     <dgm:cxn modelId="{6BC4A578-E283-4BEA-97DE-0FEBBE9287A2}" srcId="{FFF185A9-C05D-4BF2-9D3F-5E6F22E8DA0C}" destId="{3E832529-23E8-41BA-96E3-E220AE1A2C44}" srcOrd="0" destOrd="0" parTransId="{8CF9AA0A-84E8-4852-9624-6B7969BA162B}" sibTransId="{1632860E-6370-4C02-A81C-F9EF64763B7F}"/>
     <dgm:cxn modelId="{38CEF07A-5F23-6B47-801F-095D7FF745F8}" type="presOf" srcId="{A423E2D8-DF48-4EF9-B3EA-AE969D08E7C5}" destId="{F39F3EB7-6FEA-D246-8762-6F9C581FEC22}" srcOrd="0" destOrd="0" presId="urn:microsoft.com/office/officeart/2005/8/layout/vList2"/>
-    <dgm:cxn modelId="{E9A8F87F-9994-4735-89B8-604FF0DB2024}" srcId="{A1FB074A-F213-4825-9763-5CBF4C064198}" destId="{8307A4B5-0E65-47D0-B61C-635C8816680C}" srcOrd="3" destOrd="0" parTransId="{6A92715A-0F55-4ECD-AA71-90CBA5FB289D}" sibTransId="{37BEDEB4-28DE-474F-9B55-8A3C76A3A8EE}"/>
-    <dgm:cxn modelId="{4162C485-BC9D-564B-8852-34112F749D97}" type="presOf" srcId="{B04AA371-A6C4-4F2C-97F7-D433C5D83172}" destId="{B3560950-3CAF-9E4F-850E-EB7C720C2300}" srcOrd="0" destOrd="2" presId="urn:microsoft.com/office/officeart/2005/8/layout/vList2"/>
-    <dgm:cxn modelId="{7B5AD39D-3D12-BA4B-B817-627171C566E5}" type="presOf" srcId="{3C100108-C8EB-4E53-A0BE-DE08E758935A}" destId="{B3560950-3CAF-9E4F-850E-EB7C720C2300}" srcOrd="0" destOrd="0" presId="urn:microsoft.com/office/officeart/2005/8/layout/vList2"/>
+    <dgm:cxn modelId="{80A08084-0561-3342-8431-4D87C83134CF}" srcId="{FFF185A9-C05D-4BF2-9D3F-5E6F22E8DA0C}" destId="{8062CD71-3D13-F743-8E54-E3630BE5A1F3}" srcOrd="3" destOrd="0" parTransId="{825B7211-676C-9C4F-8EB8-0D823E391A00}" sibTransId="{99AFFE3B-30D5-F245-977D-3FC309267110}"/>
     <dgm:cxn modelId="{939374B4-080B-6F48-BF3A-9775AD6AB556}" type="presOf" srcId="{A1FB074A-F213-4825-9763-5CBF4C064198}" destId="{8893838B-5BB9-0F41-996C-53A876952E4C}" srcOrd="0" destOrd="0" presId="urn:microsoft.com/office/officeart/2005/8/layout/vList2"/>
+    <dgm:cxn modelId="{99F3CDB6-242D-FE4D-AE85-F4C50670720C}" srcId="{FFF185A9-C05D-4BF2-9D3F-5E6F22E8DA0C}" destId="{5C20026A-B53E-D244-83DD-9B3A78BF76D3}" srcOrd="2" destOrd="0" parTransId="{9395115F-110A-384C-9DE6-3159F8F4435D}" sibTransId="{CED321D2-2575-BC40-96F1-2C4A491B6EEA}"/>
     <dgm:cxn modelId="{D6269CB8-9F5A-48E6-9D5B-36EAD56669FD}" srcId="{B12D9210-0C23-4E2A-AC90-34DB6E2C66D8}" destId="{A423E2D8-DF48-4EF9-B3EA-AE969D08E7C5}" srcOrd="0" destOrd="0" parTransId="{897B0950-12E2-4C4D-90C2-A767F68D9FB2}" sibTransId="{DD5B4E5B-474C-49AE-AE21-0EB12C3F0DB9}"/>
     <dgm:cxn modelId="{43FADEB8-14E2-425D-9F4B-E82F830C733F}" srcId="{A1FB074A-F213-4825-9763-5CBF4C064198}" destId="{FFF185A9-C05D-4BF2-9D3F-5E6F22E8DA0C}" srcOrd="1" destOrd="0" parTransId="{94700F62-2623-436B-8530-FF727875D1FE}" sibTransId="{2CC70B58-533A-4091-B05F-60B05374A48E}"/>
+    <dgm:cxn modelId="{D3E883D1-5AA9-144A-A369-2F5CDBCC1215}" type="presOf" srcId="{5C20026A-B53E-D244-83DD-9B3A78BF76D3}" destId="{52AC06F6-62C5-B945-9DA8-D80125D2D178}" srcOrd="0" destOrd="2" presId="urn:microsoft.com/office/officeart/2005/8/layout/vList2"/>
     <dgm:cxn modelId="{C2A4BAD2-1CB1-9243-B696-F0AF72835D22}" type="presOf" srcId="{FFF185A9-C05D-4BF2-9D3F-5E6F22E8DA0C}" destId="{467F66CF-5437-264F-9856-0BA42B6870CD}" srcOrd="0" destOrd="0" presId="urn:microsoft.com/office/officeart/2005/8/layout/vList2"/>
-    <dgm:cxn modelId="{307F7DD4-4C09-6F47-AFBC-B576BD5CD842}" type="presOf" srcId="{8307A4B5-0E65-47D0-B61C-635C8816680C}" destId="{D71633A1-AD04-434F-8DFF-0E13EE043B5A}" srcOrd="0" destOrd="0" presId="urn:microsoft.com/office/officeart/2005/8/layout/vList2"/>
-    <dgm:cxn modelId="{738848E2-BEF6-482A-9B63-8272C3C072F1}" srcId="{8307A4B5-0E65-47D0-B61C-635C8816680C}" destId="{B04AA371-A6C4-4F2C-97F7-D433C5D83172}" srcOrd="2" destOrd="0" parTransId="{50E96A8B-8149-49C0-8A35-8EC79F064F96}" sibTransId="{F678B77E-D5C7-43C7-84C0-47F98F29F438}"/>
-    <dgm:cxn modelId="{B27B62EA-D24A-2A4F-A769-AD031F1E7212}" type="presOf" srcId="{BE32E373-CCC7-45A8-8DC5-BEF0F1A37D4D}" destId="{B3560950-3CAF-9E4F-850E-EB7C720C2300}" srcOrd="0" destOrd="4" presId="urn:microsoft.com/office/officeart/2005/8/layout/vList2"/>
-    <dgm:cxn modelId="{A10916F3-3C9A-4B63-9747-F51BC1176B03}" srcId="{8307A4B5-0E65-47D0-B61C-635C8816680C}" destId="{BE32E373-CCC7-45A8-8DC5-BEF0F1A37D4D}" srcOrd="4" destOrd="0" parTransId="{01EC059A-4675-4047-A899-705E31869B7F}" sibTransId="{0E76AED9-F834-4D0B-8EDA-1B821DB57A5C}"/>
-    <dgm:cxn modelId="{8C5EDCF9-5DDE-4683-B632-FE6B65CE0EF6}" srcId="{8307A4B5-0E65-47D0-B61C-635C8816680C}" destId="{5043B660-15FD-475F-9BE2-830FF3553241}" srcOrd="1" destOrd="0" parTransId="{2B767ED3-0F3C-4BDF-8212-87555AF7D673}" sibTransId="{3F9B827E-78AA-4233-AAFD-48D8A5944F29}"/>
     <dgm:cxn modelId="{D783F39A-8EDE-9149-BE62-97642933C5F2}" type="presParOf" srcId="{8893838B-5BB9-0F41-996C-53A876952E4C}" destId="{66BA4F46-BC5C-B141-8741-4B79C5F081CE}" srcOrd="0" destOrd="0" presId="urn:microsoft.com/office/officeart/2005/8/layout/vList2"/>
     <dgm:cxn modelId="{67C87159-7BFE-684C-813E-07DEEFF1D3D8}" type="presParOf" srcId="{8893838B-5BB9-0F41-996C-53A876952E4C}" destId="{F6E5F9D8-A891-AD4E-A1E9-5AE67C936FDA}" srcOrd="1" destOrd="0" presId="urn:microsoft.com/office/officeart/2005/8/layout/vList2"/>
     <dgm:cxn modelId="{A6E20049-A462-7148-8458-F84E76262241}" type="presParOf" srcId="{8893838B-5BB9-0F41-996C-53A876952E4C}" destId="{467F66CF-5437-264F-9856-0BA42B6870CD}" srcOrd="2" destOrd="0" presId="urn:microsoft.com/office/officeart/2005/8/layout/vList2"/>
     <dgm:cxn modelId="{EF491A9E-1CC6-3D44-A3A8-DB3AC52BC9D7}" type="presParOf" srcId="{8893838B-5BB9-0F41-996C-53A876952E4C}" destId="{52AC06F6-62C5-B945-9DA8-D80125D2D178}" srcOrd="3" destOrd="0" presId="urn:microsoft.com/office/officeart/2005/8/layout/vList2"/>
     <dgm:cxn modelId="{3583D4D9-0E77-F844-94E1-E7A4B1218101}" type="presParOf" srcId="{8893838B-5BB9-0F41-996C-53A876952E4C}" destId="{A2026110-568D-9641-9577-E53604CB886B}" srcOrd="4" destOrd="0" presId="urn:microsoft.com/office/officeart/2005/8/layout/vList2"/>
     <dgm:cxn modelId="{D01258F2-A5F2-B340-9EF9-5825B90402B7}" type="presParOf" srcId="{8893838B-5BB9-0F41-996C-53A876952E4C}" destId="{F39F3EB7-6FEA-D246-8762-6F9C581FEC22}" srcOrd="5" destOrd="0" presId="urn:microsoft.com/office/officeart/2005/8/layout/vList2"/>
-    <dgm:cxn modelId="{67FBD8D6-D1F6-A944-B613-554777E06894}" type="presParOf" srcId="{8893838B-5BB9-0F41-996C-53A876952E4C}" destId="{D71633A1-AD04-434F-8DFF-0E13EE043B5A}" srcOrd="6" destOrd="0" presId="urn:microsoft.com/office/officeart/2005/8/layout/vList2"/>
-    <dgm:cxn modelId="{A3C4D7D8-F7BF-444A-BA5A-3530E21F1282}" type="presParOf" srcId="{8893838B-5BB9-0F41-996C-53A876952E4C}" destId="{B3560950-3CAF-9E4F-850E-EB7C720C2300}" srcOrd="7" destOrd="0" presId="urn:microsoft.com/office/officeart/2005/8/layout/vList2"/>
   </dgm:cxnLst>
   <dgm:bg/>
   <dgm:whole/>
@@ -4590,8 +4509,8 @@
       </dsp:nvSpPr>
       <dsp:spPr>
         <a:xfrm>
-          <a:off x="0" y="510"/>
-          <a:ext cx="4729162" cy="1193983"/>
+          <a:off x="0" y="2168"/>
+          <a:ext cx="4729162" cy="1215332"/>
         </a:xfrm>
         <a:prstGeom prst="roundRect">
           <a:avLst>
@@ -4626,8 +4545,8 @@
       </dsp:nvSpPr>
       <dsp:spPr>
         <a:xfrm>
-          <a:off x="361180" y="269156"/>
-          <a:ext cx="656690" cy="656690"/>
+          <a:off x="367638" y="275618"/>
+          <a:ext cx="669086" cy="668433"/>
         </a:xfrm>
         <a:prstGeom prst="rect">
           <a:avLst/>
@@ -4675,8 +4594,8 @@
       </dsp:nvSpPr>
       <dsp:spPr>
         <a:xfrm>
-          <a:off x="1379051" y="510"/>
-          <a:ext cx="3350110" cy="1193983"/>
+          <a:off x="1404363" y="2168"/>
+          <a:ext cx="3194988" cy="1216520"/>
         </a:xfrm>
         <a:prstGeom prst="rect">
           <a:avLst/>
@@ -4700,7 +4619,7 @@
         <a:fontRef idx="minor"/>
       </dsp:style>
       <dsp:txBody>
-        <a:bodyPr spcFirstLastPara="0" vert="horz" wrap="square" lIns="126363" tIns="126363" rIns="126363" bIns="126363" numCol="1" spcCol="1270" anchor="ctr" anchorCtr="0">
+        <a:bodyPr spcFirstLastPara="0" vert="horz" wrap="square" lIns="128748" tIns="128748" rIns="128748" bIns="128748" numCol="1" spcCol="1270" anchor="ctr" anchorCtr="0">
           <a:noAutofit/>
         </a:bodyPr>
         <a:lstStyle/>
@@ -4724,8 +4643,8 @@
         </a:p>
       </dsp:txBody>
       <dsp:txXfrm>
-        <a:off x="1379051" y="510"/>
-        <a:ext cx="3350110" cy="1193983"/>
+        <a:off x="1404363" y="2168"/>
+        <a:ext cx="3194988" cy="1216520"/>
       </dsp:txXfrm>
     </dsp:sp>
     <dsp:sp modelId="{A0E72587-C195-42ED-A8C2-669070406AC6}">
@@ -4735,8 +4654,8 @@
       </dsp:nvSpPr>
       <dsp:spPr>
         <a:xfrm>
-          <a:off x="0" y="1492989"/>
-          <a:ext cx="4729162" cy="1193983"/>
+          <a:off x="0" y="1481721"/>
+          <a:ext cx="4729162" cy="1215332"/>
         </a:xfrm>
         <a:prstGeom prst="roundRect">
           <a:avLst>
@@ -4773,8 +4692,8 @@
       </dsp:nvSpPr>
       <dsp:spPr>
         <a:xfrm>
-          <a:off x="361180" y="1761636"/>
-          <a:ext cx="656690" cy="656690"/>
+          <a:off x="367638" y="1755170"/>
+          <a:ext cx="669086" cy="668433"/>
         </a:xfrm>
         <a:prstGeom prst="rect">
           <a:avLst/>
@@ -4822,8 +4741,8 @@
       </dsp:nvSpPr>
       <dsp:spPr>
         <a:xfrm>
-          <a:off x="1379051" y="1492989"/>
-          <a:ext cx="3350110" cy="1193983"/>
+          <a:off x="1404363" y="1481721"/>
+          <a:ext cx="3194988" cy="1216520"/>
         </a:xfrm>
         <a:prstGeom prst="rect">
           <a:avLst/>
@@ -4847,7 +4766,7 @@
         <a:fontRef idx="minor"/>
       </dsp:style>
       <dsp:txBody>
-        <a:bodyPr spcFirstLastPara="0" vert="horz" wrap="square" lIns="126363" tIns="126363" rIns="126363" bIns="126363" numCol="1" spcCol="1270" anchor="ctr" anchorCtr="0">
+        <a:bodyPr spcFirstLastPara="0" vert="horz" wrap="square" lIns="128748" tIns="128748" rIns="128748" bIns="128748" numCol="1" spcCol="1270" anchor="ctr" anchorCtr="0">
           <a:noAutofit/>
         </a:bodyPr>
         <a:lstStyle/>
@@ -4871,8 +4790,8 @@
         </a:p>
       </dsp:txBody>
       <dsp:txXfrm>
-        <a:off x="1379051" y="1492989"/>
-        <a:ext cx="3350110" cy="1193983"/>
+        <a:off x="1404363" y="1481721"/>
+        <a:ext cx="3194988" cy="1216520"/>
       </dsp:txXfrm>
     </dsp:sp>
     <dsp:sp modelId="{5B0D0FB0-930A-4D1B-AF2B-209E8E766872}">
@@ -4882,8 +4801,8 @@
       </dsp:nvSpPr>
       <dsp:spPr>
         <a:xfrm>
-          <a:off x="0" y="2985469"/>
-          <a:ext cx="4729162" cy="1193983"/>
+          <a:off x="0" y="2961273"/>
+          <a:ext cx="4729162" cy="1215332"/>
         </a:xfrm>
         <a:prstGeom prst="roundRect">
           <a:avLst>
@@ -4920,8 +4839,8 @@
       </dsp:nvSpPr>
       <dsp:spPr>
         <a:xfrm>
-          <a:off x="361180" y="3254115"/>
-          <a:ext cx="656690" cy="656690"/>
+          <a:off x="367638" y="3234723"/>
+          <a:ext cx="669086" cy="668433"/>
         </a:xfrm>
         <a:prstGeom prst="rect">
           <a:avLst/>
@@ -4969,8 +4888,8 @@
       </dsp:nvSpPr>
       <dsp:spPr>
         <a:xfrm>
-          <a:off x="1379051" y="2985469"/>
-          <a:ext cx="3350110" cy="1193983"/>
+          <a:off x="1404363" y="2961273"/>
+          <a:ext cx="3194988" cy="1216520"/>
         </a:xfrm>
         <a:prstGeom prst="rect">
           <a:avLst/>
@@ -4994,7 +4913,7 @@
         <a:fontRef idx="minor"/>
       </dsp:style>
       <dsp:txBody>
-        <a:bodyPr spcFirstLastPara="0" vert="horz" wrap="square" lIns="126363" tIns="126363" rIns="126363" bIns="126363" numCol="1" spcCol="1270" anchor="ctr" anchorCtr="0">
+        <a:bodyPr spcFirstLastPara="0" vert="horz" wrap="square" lIns="128748" tIns="128748" rIns="128748" bIns="128748" numCol="1" spcCol="1270" anchor="ctr" anchorCtr="0">
           <a:noAutofit/>
         </a:bodyPr>
         <a:lstStyle/>
@@ -5018,8 +4937,8 @@
         </a:p>
       </dsp:txBody>
       <dsp:txXfrm>
-        <a:off x="1379051" y="2985469"/>
-        <a:ext cx="3350110" cy="1193983"/>
+        <a:off x="1404363" y="2961273"/>
+        <a:ext cx="3194988" cy="1216520"/>
       </dsp:txXfrm>
     </dsp:sp>
   </dsp:spTree>
@@ -5041,8 +4960,8 @@
       </dsp:nvSpPr>
       <dsp:spPr>
         <a:xfrm>
-          <a:off x="0" y="50269"/>
-          <a:ext cx="7471595" cy="374400"/>
+          <a:off x="0" y="99225"/>
+          <a:ext cx="7471595" cy="397800"/>
         </a:xfrm>
         <a:prstGeom prst="roundRect">
           <a:avLst/>
@@ -5083,12 +5002,12 @@
         </a:fontRef>
       </dsp:style>
       <dsp:txBody>
-        <a:bodyPr spcFirstLastPara="0" vert="horz" wrap="square" lIns="60960" tIns="60960" rIns="60960" bIns="60960" numCol="1" spcCol="1270" anchor="ctr" anchorCtr="0">
+        <a:bodyPr spcFirstLastPara="0" vert="horz" wrap="square" lIns="64770" tIns="64770" rIns="64770" bIns="64770" numCol="1" spcCol="1270" anchor="ctr" anchorCtr="0">
           <a:noAutofit/>
         </a:bodyPr>
         <a:lstStyle/>
         <a:p>
-          <a:pPr marL="0" lvl="0" indent="0" algn="l" defTabSz="711200">
+          <a:pPr marL="0" lvl="0" indent="0" algn="l" defTabSz="755650">
             <a:lnSpc>
               <a:spcPct val="90000"/>
             </a:lnSpc>
@@ -5101,15 +5020,15 @@
             <a:buNone/>
           </a:pPr>
           <a:r>
-            <a:rPr lang="en-US" sz="1600" b="1" kern="1200" dirty="0"/>
+            <a:rPr lang="en-US" sz="1700" b="1" kern="1200" dirty="0"/>
             <a:t>Compiling Data into Tables</a:t>
           </a:r>
-          <a:endParaRPr lang="en-US" sz="1600" kern="1200" dirty="0"/>
+          <a:endParaRPr lang="en-US" sz="1700" kern="1200" dirty="0"/>
         </a:p>
       </dsp:txBody>
       <dsp:txXfrm>
-        <a:off x="18277" y="68546"/>
-        <a:ext cx="7435041" cy="337846"/>
+        <a:off x="19419" y="118644"/>
+        <a:ext cx="7432757" cy="358962"/>
       </dsp:txXfrm>
     </dsp:sp>
     <dsp:sp modelId="{F6E5F9D8-A891-AD4E-A1E9-5AE67C936FDA}">
@@ -5119,8 +5038,8 @@
       </dsp:nvSpPr>
       <dsp:spPr>
         <a:xfrm>
-          <a:off x="0" y="424669"/>
-          <a:ext cx="7471595" cy="521640"/>
+          <a:off x="0" y="497025"/>
+          <a:ext cx="7471595" cy="563040"/>
         </a:xfrm>
         <a:prstGeom prst="rect">
           <a:avLst/>
@@ -5144,12 +5063,12 @@
         <a:fontRef idx="minor"/>
       </dsp:style>
       <dsp:txBody>
-        <a:bodyPr spcFirstLastPara="0" vert="horz" wrap="square" lIns="237223" tIns="20320" rIns="113792" bIns="20320" numCol="1" spcCol="1270" anchor="t" anchorCtr="0">
+        <a:bodyPr spcFirstLastPara="0" vert="horz" wrap="square" lIns="237223" tIns="21590" rIns="120904" bIns="21590" numCol="1" spcCol="1270" anchor="t" anchorCtr="0">
           <a:noAutofit/>
         </a:bodyPr>
         <a:lstStyle/>
         <a:p>
-          <a:pPr marL="114300" lvl="1" indent="-114300" algn="l" defTabSz="533400">
+          <a:pPr marL="114300" lvl="1" indent="-114300" algn="l" defTabSz="577850">
             <a:lnSpc>
               <a:spcPct val="90000"/>
             </a:lnSpc>
@@ -5162,22 +5081,23 @@
             <a:buChar char="•"/>
           </a:pPr>
           <a:r>
-            <a:rPr lang="en-US" sz="1200" kern="1200" dirty="0"/>
-            <a:t>We use </a:t>
+            <a:rPr lang="en-US" sz="1300" b="0" i="0" u="none" kern="1200" dirty="0"/>
+            <a:t>We used </a:t>
           </a:r>
           <a:r>
-            <a:rPr lang="en-US" sz="1200" kern="1200" dirty="0" err="1"/>
+            <a:rPr lang="en-US" sz="1300" b="0" i="0" u="none" kern="1200" dirty="0" err="1"/>
             <a:t>MySQLWorkbench</a:t>
           </a:r>
           <a:r>
-            <a:rPr lang="en-US" sz="1200" kern="1200" dirty="0"/>
-            <a:t> to create our dimensional table. Sports and weather tables are based on Date (primary key), census and crime tables are based on CCA (primary key). Date and CCA both link to the fact table as foreign key. </a:t>
+            <a:rPr lang="en-US" sz="1300" b="0" i="0" u="none" kern="1200" dirty="0"/>
+            <a:t> to create our dimensional table. Sports and weather tables are indexed by Date (primary key), Census and Crime tables are indexed by Chicago Community Areas(CCA) (primary key). Date and CCA are both linked to the fact table as foreign key. </a:t>
           </a:r>
+          <a:endParaRPr lang="en-US" sz="1300" kern="1200" dirty="0"/>
         </a:p>
       </dsp:txBody>
       <dsp:txXfrm>
-        <a:off x="0" y="424669"/>
-        <a:ext cx="7471595" cy="521640"/>
+        <a:off x="0" y="497025"/>
+        <a:ext cx="7471595" cy="563040"/>
       </dsp:txXfrm>
     </dsp:sp>
     <dsp:sp modelId="{467F66CF-5437-264F-9856-0BA42B6870CD}">
@@ -5187,17 +5107,17 @@
       </dsp:nvSpPr>
       <dsp:spPr>
         <a:xfrm>
-          <a:off x="0" y="946309"/>
-          <a:ext cx="7471595" cy="374400"/>
+          <a:off x="0" y="1060065"/>
+          <a:ext cx="7471595" cy="397800"/>
         </a:xfrm>
         <a:prstGeom prst="roundRect">
           <a:avLst/>
         </a:prstGeom>
         <a:solidFill>
           <a:schemeClr val="accent2">
-            <a:hueOff val="-2829507"/>
-            <a:satOff val="-5301"/>
-            <a:lumOff val="9019"/>
+            <a:hueOff val="-4244261"/>
+            <a:satOff val="-7952"/>
+            <a:lumOff val="13529"/>
             <a:alphaOff val="0"/>
           </a:schemeClr>
         </a:solidFill>
@@ -5229,12 +5149,12 @@
         </a:fontRef>
       </dsp:style>
       <dsp:txBody>
-        <a:bodyPr spcFirstLastPara="0" vert="horz" wrap="square" lIns="60960" tIns="60960" rIns="60960" bIns="60960" numCol="1" spcCol="1270" anchor="ctr" anchorCtr="0">
+        <a:bodyPr spcFirstLastPara="0" vert="horz" wrap="square" lIns="64770" tIns="64770" rIns="64770" bIns="64770" numCol="1" spcCol="1270" anchor="ctr" anchorCtr="0">
           <a:noAutofit/>
         </a:bodyPr>
         <a:lstStyle/>
         <a:p>
-          <a:pPr marL="0" lvl="0" indent="0" algn="l" defTabSz="711200">
+          <a:pPr marL="0" lvl="0" indent="0" algn="l" defTabSz="755650">
             <a:lnSpc>
               <a:spcPct val="90000"/>
             </a:lnSpc>
@@ -5247,15 +5167,15 @@
             <a:buNone/>
           </a:pPr>
           <a:r>
-            <a:rPr lang="en-US" sz="1600" b="1" kern="1200"/>
+            <a:rPr lang="en-US" sz="1700" b="1" kern="1200"/>
             <a:t>Data Transformations</a:t>
           </a:r>
-          <a:endParaRPr lang="en-US" sz="1600" kern="1200"/>
+          <a:endParaRPr lang="en-US" sz="1700" kern="1200"/>
         </a:p>
       </dsp:txBody>
       <dsp:txXfrm>
-        <a:off x="18277" y="964586"/>
-        <a:ext cx="7435041" cy="337846"/>
+        <a:off x="19419" y="1079484"/>
+        <a:ext cx="7432757" cy="358962"/>
       </dsp:txXfrm>
     </dsp:sp>
     <dsp:sp modelId="{52AC06F6-62C5-B945-9DA8-D80125D2D178}">
@@ -5265,8 +5185,8 @@
       </dsp:nvSpPr>
       <dsp:spPr>
         <a:xfrm>
-          <a:off x="0" y="1320709"/>
-          <a:ext cx="7471595" cy="264960"/>
+          <a:off x="0" y="1457865"/>
+          <a:ext cx="7471595" cy="1073295"/>
         </a:xfrm>
         <a:prstGeom prst="rect">
           <a:avLst/>
@@ -5290,12 +5210,12 @@
         <a:fontRef idx="minor"/>
       </dsp:style>
       <dsp:txBody>
-        <a:bodyPr spcFirstLastPara="0" vert="horz" wrap="square" lIns="237223" tIns="20320" rIns="113792" bIns="20320" numCol="1" spcCol="1270" anchor="t" anchorCtr="0">
+        <a:bodyPr spcFirstLastPara="0" vert="horz" wrap="square" lIns="237223" tIns="21590" rIns="120904" bIns="21590" numCol="1" spcCol="1270" anchor="t" anchorCtr="0">
           <a:noAutofit/>
         </a:bodyPr>
         <a:lstStyle/>
         <a:p>
-          <a:pPr marL="114300" lvl="1" indent="-114300" algn="l" defTabSz="533400">
+          <a:pPr marL="114300" lvl="1" indent="-114300" algn="l" defTabSz="577850">
             <a:lnSpc>
               <a:spcPct val="90000"/>
             </a:lnSpc>
@@ -5308,132 +5228,13 @@
             <a:buChar char="•"/>
           </a:pPr>
           <a:r>
-            <a:rPr lang="en-US" sz="1200" kern="1200"/>
-            <a:t>Date columns were originally text data type, and we transform the text data type to Date data type.</a:t>
+            <a:rPr lang="en-US" sz="1300" b="0" i="0" u="none" kern="1200" dirty="0"/>
+            <a:t>All data are transformed into a rows and columns format with appropriate data type.</a:t>
           </a:r>
+          <a:endParaRPr lang="en-US" sz="1300" kern="1200" dirty="0"/>
         </a:p>
-      </dsp:txBody>
-      <dsp:txXfrm>
-        <a:off x="0" y="1320709"/>
-        <a:ext cx="7471595" cy="264960"/>
-      </dsp:txXfrm>
-    </dsp:sp>
-    <dsp:sp modelId="{A2026110-568D-9641-9577-E53604CB886B}">
-      <dsp:nvSpPr>
-        <dsp:cNvPr id="0" name=""/>
-        <dsp:cNvSpPr/>
-      </dsp:nvSpPr>
-      <dsp:spPr>
-        <a:xfrm>
-          <a:off x="0" y="1585669"/>
-          <a:ext cx="7471595" cy="374400"/>
-        </a:xfrm>
-        <a:prstGeom prst="roundRect">
-          <a:avLst/>
-        </a:prstGeom>
-        <a:solidFill>
-          <a:schemeClr val="accent2">
-            <a:hueOff val="-5659015"/>
-            <a:satOff val="-10602"/>
-            <a:lumOff val="18039"/>
-            <a:alphaOff val="0"/>
-          </a:schemeClr>
-        </a:solidFill>
-        <a:ln w="12700" cap="flat" cmpd="sng" algn="in">
-          <a:solidFill>
-            <a:schemeClr val="lt1">
-              <a:hueOff val="0"/>
-              <a:satOff val="0"/>
-              <a:lumOff val="0"/>
-              <a:alphaOff val="0"/>
-            </a:schemeClr>
-          </a:solidFill>
-          <a:prstDash val="solid"/>
-        </a:ln>
-        <a:effectLst/>
-      </dsp:spPr>
-      <dsp:style>
-        <a:lnRef idx="2">
-          <a:scrgbClr r="0" g="0" b="0"/>
-        </a:lnRef>
-        <a:fillRef idx="1">
-          <a:scrgbClr r="0" g="0" b="0"/>
-        </a:fillRef>
-        <a:effectRef idx="0">
-          <a:scrgbClr r="0" g="0" b="0"/>
-        </a:effectRef>
-        <a:fontRef idx="minor">
-          <a:schemeClr val="lt1"/>
-        </a:fontRef>
-      </dsp:style>
-      <dsp:txBody>
-        <a:bodyPr spcFirstLastPara="0" vert="horz" wrap="square" lIns="60960" tIns="60960" rIns="60960" bIns="60960" numCol="1" spcCol="1270" anchor="ctr" anchorCtr="0">
-          <a:noAutofit/>
-        </a:bodyPr>
-        <a:lstStyle/>
         <a:p>
-          <a:pPr marL="0" lvl="0" indent="0" algn="l" defTabSz="711200">
-            <a:lnSpc>
-              <a:spcPct val="90000"/>
-            </a:lnSpc>
-            <a:spcBef>
-              <a:spcPct val="0"/>
-            </a:spcBef>
-            <a:spcAft>
-              <a:spcPct val="35000"/>
-            </a:spcAft>
-            <a:buNone/>
-          </a:pPr>
-          <a:r>
-            <a:rPr lang="en-US" sz="1600" b="1" kern="1200"/>
-            <a:t>Matching Rules</a:t>
-          </a:r>
-          <a:endParaRPr lang="en-US" sz="1600" kern="1200"/>
-        </a:p>
-      </dsp:txBody>
-      <dsp:txXfrm>
-        <a:off x="18277" y="1603946"/>
-        <a:ext cx="7435041" cy="337846"/>
-      </dsp:txXfrm>
-    </dsp:sp>
-    <dsp:sp modelId="{F39F3EB7-6FEA-D246-8762-6F9C581FEC22}">
-      <dsp:nvSpPr>
-        <dsp:cNvPr id="0" name=""/>
-        <dsp:cNvSpPr/>
-      </dsp:nvSpPr>
-      <dsp:spPr>
-        <a:xfrm>
-          <a:off x="0" y="1960069"/>
-          <a:ext cx="7471595" cy="364320"/>
-        </a:xfrm>
-        <a:prstGeom prst="rect">
-          <a:avLst/>
-        </a:prstGeom>
-        <a:noFill/>
-        <a:ln>
-          <a:noFill/>
-        </a:ln>
-        <a:effectLst/>
-      </dsp:spPr>
-      <dsp:style>
-        <a:lnRef idx="0">
-          <a:scrgbClr r="0" g="0" b="0"/>
-        </a:lnRef>
-        <a:fillRef idx="0">
-          <a:scrgbClr r="0" g="0" b="0"/>
-        </a:fillRef>
-        <a:effectRef idx="0">
-          <a:scrgbClr r="0" g="0" b="0"/>
-        </a:effectRef>
-        <a:fontRef idx="minor"/>
-      </dsp:style>
-      <dsp:txBody>
-        <a:bodyPr spcFirstLastPara="0" vert="horz" wrap="square" lIns="237223" tIns="20320" rIns="113792" bIns="20320" numCol="1" spcCol="1270" anchor="t" anchorCtr="0">
-          <a:noAutofit/>
-        </a:bodyPr>
-        <a:lstStyle/>
-        <a:p>
-          <a:pPr marL="114300" lvl="1" indent="-114300" algn="l" defTabSz="533400">
+          <a:pPr marL="114300" lvl="1" indent="-114300" algn="l" defTabSz="577850">
             <a:lnSpc>
               <a:spcPct val="90000"/>
             </a:lnSpc>
@@ -5446,25 +5247,83 @@
             <a:buChar char="•"/>
           </a:pPr>
           <a:r>
-            <a:rPr lang="en-US" sz="1200" kern="1200"/>
-            <a:t>We have one main dataset (fact table) and four supporting datasets (dim tables). Our rule is to link 4 supporting datasets to the main dataset with either DATE or CCA.</a:t>
+            <a:rPr lang="en-US" sz="1300" b="0" i="0" u="none" kern="1200" dirty="0"/>
+            <a:t>Main dataset ridership measures are aggregated and grouped by CCA,  date and time.</a:t>
           </a:r>
+          <a:endParaRPr lang="en-US" sz="1300" kern="1200" dirty="0"/>
+        </a:p>
+        <a:p>
+          <a:pPr marL="114300" lvl="1" indent="-114300" algn="l" defTabSz="577850">
+            <a:lnSpc>
+              <a:spcPct val="90000"/>
+            </a:lnSpc>
+            <a:spcBef>
+              <a:spcPct val="0"/>
+            </a:spcBef>
+            <a:spcAft>
+              <a:spcPct val="20000"/>
+            </a:spcAft>
+            <a:buChar char="•"/>
+          </a:pPr>
+          <a:r>
+            <a:rPr lang="en-US" sz="1300" b="0" i="0" u="none" kern="1200" dirty="0"/>
+            <a:t>Sports schedule datasets, and weather datasets are aggregated and grouped by date.</a:t>
+          </a:r>
+          <a:endParaRPr lang="en-US" sz="1300" kern="1200" dirty="0"/>
+        </a:p>
+        <a:p>
+          <a:pPr marL="114300" lvl="1" indent="-114300" algn="l" defTabSz="577850">
+            <a:lnSpc>
+              <a:spcPct val="90000"/>
+            </a:lnSpc>
+            <a:spcBef>
+              <a:spcPct val="0"/>
+            </a:spcBef>
+            <a:spcAft>
+              <a:spcPct val="20000"/>
+            </a:spcAft>
+            <a:buChar char="•"/>
+          </a:pPr>
+          <a:r>
+            <a:rPr lang="en-US" sz="1300" b="0" i="0" u="none" kern="1200" dirty="0"/>
+            <a:t>Census and Crime datasets are  aggregated and grouped by CCA.</a:t>
+          </a:r>
+          <a:endParaRPr lang="en-US" sz="1300" kern="1200" dirty="0"/>
+        </a:p>
+        <a:p>
+          <a:pPr marL="114300" lvl="1" indent="-114300" algn="l" defTabSz="577850">
+            <a:lnSpc>
+              <a:spcPct val="90000"/>
+            </a:lnSpc>
+            <a:spcBef>
+              <a:spcPct val="0"/>
+            </a:spcBef>
+            <a:spcAft>
+              <a:spcPct val="20000"/>
+            </a:spcAft>
+            <a:buChar char="•"/>
+          </a:pPr>
+          <a:r>
+            <a:rPr lang="en-US" sz="1300" b="0" i="0" u="none" kern="1200" dirty="0"/>
+            <a:t>CCA Geographic boundaries data are transformed to meet tableau virtualization requirement</a:t>
+          </a:r>
+          <a:endParaRPr lang="en-US" sz="1300" kern="1200" dirty="0"/>
         </a:p>
       </dsp:txBody>
       <dsp:txXfrm>
-        <a:off x="0" y="1960069"/>
-        <a:ext cx="7471595" cy="364320"/>
+        <a:off x="0" y="1457865"/>
+        <a:ext cx="7471595" cy="1073295"/>
       </dsp:txXfrm>
     </dsp:sp>
-    <dsp:sp modelId="{D71633A1-AD04-434F-8DFF-0E13EE043B5A}">
+    <dsp:sp modelId="{A2026110-568D-9641-9577-E53604CB886B}">
       <dsp:nvSpPr>
         <dsp:cNvPr id="0" name=""/>
         <dsp:cNvSpPr/>
       </dsp:nvSpPr>
       <dsp:spPr>
         <a:xfrm>
-          <a:off x="0" y="2324389"/>
-          <a:ext cx="7471595" cy="374400"/>
+          <a:off x="0" y="2531160"/>
+          <a:ext cx="7471595" cy="397800"/>
         </a:xfrm>
         <a:prstGeom prst="roundRect">
           <a:avLst/>
@@ -5505,12 +5364,12 @@
         </a:fontRef>
       </dsp:style>
       <dsp:txBody>
-        <a:bodyPr spcFirstLastPara="0" vert="horz" wrap="square" lIns="60960" tIns="60960" rIns="60960" bIns="60960" numCol="1" spcCol="1270" anchor="ctr" anchorCtr="0">
+        <a:bodyPr spcFirstLastPara="0" vert="horz" wrap="square" lIns="64770" tIns="64770" rIns="64770" bIns="64770" numCol="1" spcCol="1270" anchor="ctr" anchorCtr="0">
           <a:noAutofit/>
         </a:bodyPr>
         <a:lstStyle/>
         <a:p>
-          <a:pPr marL="0" lvl="0" indent="0" algn="l" defTabSz="711200">
+          <a:pPr marL="0" lvl="0" indent="0" algn="l" defTabSz="755650">
             <a:lnSpc>
               <a:spcPct val="90000"/>
             </a:lnSpc>
@@ -5523,26 +5382,26 @@
             <a:buNone/>
           </a:pPr>
           <a:r>
-            <a:rPr lang="en-US" sz="1600" b="1" kern="1200"/>
-            <a:t>Number of Attributes</a:t>
+            <a:rPr lang="en-US" sz="1700" b="1" kern="1200" dirty="0"/>
+            <a:t>Data Mapping</a:t>
           </a:r>
-          <a:endParaRPr lang="en-US" sz="1600" kern="1200"/>
+          <a:endParaRPr lang="en-US" sz="1700" kern="1200" dirty="0"/>
         </a:p>
       </dsp:txBody>
       <dsp:txXfrm>
-        <a:off x="18277" y="2342666"/>
-        <a:ext cx="7435041" cy="337846"/>
+        <a:off x="19419" y="2550579"/>
+        <a:ext cx="7432757" cy="358962"/>
       </dsp:txXfrm>
     </dsp:sp>
-    <dsp:sp modelId="{B3560950-3CAF-9E4F-850E-EB7C720C2300}">
+    <dsp:sp modelId="{F39F3EB7-6FEA-D246-8762-6F9C581FEC22}">
       <dsp:nvSpPr>
         <dsp:cNvPr id="0" name=""/>
         <dsp:cNvSpPr/>
       </dsp:nvSpPr>
       <dsp:spPr>
         <a:xfrm>
-          <a:off x="0" y="2698790"/>
-          <a:ext cx="7471595" cy="993600"/>
+          <a:off x="0" y="2928960"/>
+          <a:ext cx="7471595" cy="872008"/>
         </a:xfrm>
         <a:prstGeom prst="rect">
           <a:avLst/>
@@ -5566,12 +5425,12 @@
         <a:fontRef idx="minor"/>
       </dsp:style>
       <dsp:txBody>
-        <a:bodyPr spcFirstLastPara="0" vert="horz" wrap="square" lIns="237223" tIns="20320" rIns="113792" bIns="20320" numCol="1" spcCol="1270" anchor="t" anchorCtr="0">
+        <a:bodyPr spcFirstLastPara="0" vert="horz" wrap="square" lIns="237223" tIns="21590" rIns="120904" bIns="21590" numCol="1" spcCol="1270" anchor="t" anchorCtr="0">
           <a:noAutofit/>
         </a:bodyPr>
         <a:lstStyle/>
         <a:p>
-          <a:pPr marL="114300" lvl="1" indent="-114300" algn="l" defTabSz="533400">
+          <a:pPr marL="114300" lvl="1" indent="-114300" algn="l" defTabSz="577850">
             <a:lnSpc>
               <a:spcPct val="90000"/>
             </a:lnSpc>
@@ -5584,86 +5443,23 @@
             <a:buChar char="•"/>
           </a:pPr>
           <a:r>
-            <a:rPr lang="en-US" sz="1200" kern="1200"/>
-            <a:t>Tsa_cca_date: 7</a:t>
+            <a:rPr lang="en-US" sz="1300" b="0" i="0" u="none" kern="1200" dirty="0"/>
+            <a:t>We have one main dataset (fact table with ridership measures) and four supporting datasets (dim tables). A </a:t>
           </a:r>
-        </a:p>
-        <a:p>
-          <a:pPr marL="114300" lvl="1" indent="-114300" algn="l" defTabSz="533400">
-            <a:lnSpc>
-              <a:spcPct val="90000"/>
-            </a:lnSpc>
-            <a:spcBef>
-              <a:spcPct val="0"/>
-            </a:spcBef>
-            <a:spcAft>
-              <a:spcPct val="20000"/>
-            </a:spcAft>
-            <a:buChar char="•"/>
-          </a:pPr>
           <a:r>
-            <a:rPr lang="en-US" sz="1200" kern="1200"/>
-            <a:t>Census: 12 </a:t>
+            <a:rPr lang="en-US" sz="1300" b="0" i="1" u="none" kern="1200" dirty="0"/>
+            <a:t>star type dimensional model </a:t>
           </a:r>
-        </a:p>
-        <a:p>
-          <a:pPr marL="114300" lvl="1" indent="-114300" algn="l" defTabSz="533400">
-            <a:lnSpc>
-              <a:spcPct val="90000"/>
-            </a:lnSpc>
-            <a:spcBef>
-              <a:spcPct val="0"/>
-            </a:spcBef>
-            <a:spcAft>
-              <a:spcPct val="20000"/>
-            </a:spcAft>
-            <a:buChar char="•"/>
-          </a:pPr>
           <a:r>
-            <a:rPr lang="en-US" sz="1200" kern="1200"/>
-            <a:t>Crime: 2 </a:t>
+            <a:rPr lang="en-US" sz="1300" b="0" i="0" u="none" kern="1200" dirty="0"/>
+            <a:t>is adapted by linking 4 dimensional datasets to the main fact dataset using either DATE or CCA. Note: Ridership By Hours of A day is an independent analytical entity that  provides additional business insights on ridership.</a:t>
           </a:r>
-        </a:p>
-        <a:p>
-          <a:pPr marL="114300" lvl="1" indent="-114300" algn="l" defTabSz="533400">
-            <a:lnSpc>
-              <a:spcPct val="90000"/>
-            </a:lnSpc>
-            <a:spcBef>
-              <a:spcPct val="0"/>
-            </a:spcBef>
-            <a:spcAft>
-              <a:spcPct val="20000"/>
-            </a:spcAft>
-            <a:buChar char="•"/>
-          </a:pPr>
-          <a:r>
-            <a:rPr lang="en-US" sz="1200" kern="1200"/>
-            <a:t>Weather: 4</a:t>
-          </a:r>
-        </a:p>
-        <a:p>
-          <a:pPr marL="114300" lvl="1" indent="-114300" algn="l" defTabSz="533400">
-            <a:lnSpc>
-              <a:spcPct val="90000"/>
-            </a:lnSpc>
-            <a:spcBef>
-              <a:spcPct val="0"/>
-            </a:spcBef>
-            <a:spcAft>
-              <a:spcPct val="20000"/>
-            </a:spcAft>
-            <a:buChar char="•"/>
-          </a:pPr>
-          <a:r>
-            <a:rPr lang="en-US" sz="1200" kern="1200"/>
-            <a:t>Sports: 5</a:t>
-          </a:r>
+          <a:endParaRPr lang="en-US" sz="1300" kern="1200" dirty="0"/>
         </a:p>
       </dsp:txBody>
       <dsp:txXfrm>
-        <a:off x="0" y="2698790"/>
-        <a:ext cx="7471595" cy="993600"/>
+        <a:off x="0" y="2928960"/>
+        <a:ext cx="7471595" cy="872008"/>
       </dsp:txXfrm>
     </dsp:sp>
   </dsp:spTree>
@@ -28195,7 +27991,7 @@
         </p:nvSpPr>
         <p:spPr>
           <a:xfrm>
-            <a:off x="708460" y="136680"/>
+            <a:off x="708460" y="212513"/>
             <a:ext cx="8520600" cy="628864"/>
           </a:xfrm>
         </p:spPr>
@@ -28210,657 +28006,2454 @@
           </a:p>
         </p:txBody>
       </p:sp>
-      <p:pic>
-        <p:nvPicPr>
-          <p:cNvPr id="14" name="Picture 13">
+      <p:graphicFrame>
+        <p:nvGraphicFramePr>
+          <p:cNvPr id="3" name="Table 2">
             <a:extLst>
               <a:ext uri="{FF2B5EF4-FFF2-40B4-BE49-F238E27FC236}">
-                <a16:creationId xmlns:a16="http://schemas.microsoft.com/office/drawing/2014/main" id="{B7BE391F-0913-5F4A-8F8D-5D855393C73D}"/>
+                <a16:creationId xmlns:a16="http://schemas.microsoft.com/office/drawing/2014/main" id="{358A8E07-143E-B64E-B162-3FCB1310D6B1}"/>
               </a:ext>
             </a:extLst>
           </p:cNvPr>
-          <p:cNvPicPr>
-            <a:picLocks noChangeAspect="1"/>
-          </p:cNvPicPr>
+          <p:cNvGraphicFramePr>
+            <a:graphicFrameLocks noGrp="1"/>
+          </p:cNvGraphicFramePr>
+          <p:nvPr>
+            <p:extLst>
+              <p:ext uri="{D42A27DB-BD31-4B8C-83A1-F6EECF244321}">
+                <p14:modId xmlns:p14="http://schemas.microsoft.com/office/powerpoint/2010/main" val="2345308857"/>
+              </p:ext>
+            </p:extLst>
+          </p:nvPr>
+        </p:nvGraphicFramePr>
+        <p:xfrm>
+          <a:off x="805388" y="1005674"/>
+          <a:ext cx="7181615" cy="4117970"/>
+        </p:xfrm>
+        <a:graphic>
+          <a:graphicData uri="http://schemas.openxmlformats.org/drawingml/2006/table">
+            <a:tbl>
+              <a:tblPr/>
+              <a:tblGrid>
+                <a:gridCol w="1807183">
+                  <a:extLst>
+                    <a:ext uri="{9D8B030D-6E8A-4147-A177-3AD203B41FA5}">
+                      <a16:colId xmlns:a16="http://schemas.microsoft.com/office/drawing/2014/main" val="4153906537"/>
+                    </a:ext>
+                  </a:extLst>
+                </a:gridCol>
+                <a:gridCol w="1856792">
+                  <a:extLst>
+                    <a:ext uri="{9D8B030D-6E8A-4147-A177-3AD203B41FA5}">
+                      <a16:colId xmlns:a16="http://schemas.microsoft.com/office/drawing/2014/main" val="3104755441"/>
+                    </a:ext>
+                  </a:extLst>
+                </a:gridCol>
+                <a:gridCol w="2083045">
+                  <a:extLst>
+                    <a:ext uri="{9D8B030D-6E8A-4147-A177-3AD203B41FA5}">
+                      <a16:colId xmlns:a16="http://schemas.microsoft.com/office/drawing/2014/main" val="863915073"/>
+                    </a:ext>
+                  </a:extLst>
+                </a:gridCol>
+                <a:gridCol w="1434595">
+                  <a:extLst>
+                    <a:ext uri="{9D8B030D-6E8A-4147-A177-3AD203B41FA5}">
+                      <a16:colId xmlns:a16="http://schemas.microsoft.com/office/drawing/2014/main" val="2159891656"/>
+                    </a:ext>
+                  </a:extLst>
+                </a:gridCol>
+              </a:tblGrid>
+              <a:tr h="542172">
+                <a:tc>
+                  <a:txBody>
+                    <a:bodyPr/>
+                    <a:lstStyle/>
+                    <a:p>
+                      <a:pPr marL="0" algn="l" defTabSz="685800" rtl="0" eaLnBrk="1" fontAlgn="t" latinLnBrk="0" hangingPunct="1">
+                        <a:spcBef>
+                          <a:spcPts val="0"/>
+                        </a:spcBef>
+                        <a:spcAft>
+                          <a:spcPts val="0"/>
+                        </a:spcAft>
+                      </a:pPr>
+                      <a:r>
+                        <a:rPr lang="en-US" sz="1000" b="1" i="0" u="none" strike="noStrike" kern="1200" dirty="0">
+                          <a:solidFill>
+                            <a:srgbClr val="000000"/>
+                          </a:solidFill>
+                          <a:effectLst/>
+                          <a:latin typeface="Gill Sans" panose="020B0502020104020203" pitchFamily="34" charset="-79"/>
+                          <a:ea typeface="+mn-ea"/>
+                          <a:cs typeface="Gill Sans" panose="020B0502020104020203" pitchFamily="34" charset="-79"/>
+                        </a:rPr>
+                        <a:t>Data Source</a:t>
+                      </a:r>
+                    </a:p>
+                  </a:txBody>
+                  <a:tcPr marL="54655" marR="54655" marT="54655" marB="54655">
+                    <a:lnL w="12697" cap="flat" cmpd="sng" algn="ctr">
+                      <a:solidFill>
+                        <a:srgbClr val="45818E"/>
+                      </a:solidFill>
+                      <a:prstDash val="solid"/>
+                      <a:round/>
+                      <a:headEnd type="none" w="med" len="med"/>
+                      <a:tailEnd type="none" w="med" len="med"/>
+                    </a:lnL>
+                    <a:lnR w="12697" cap="flat" cmpd="sng" algn="ctr">
+                      <a:solidFill>
+                        <a:srgbClr val="45818E"/>
+                      </a:solidFill>
+                      <a:prstDash val="solid"/>
+                      <a:round/>
+                      <a:headEnd type="none" w="med" len="med"/>
+                      <a:tailEnd type="none" w="med" len="med"/>
+                    </a:lnR>
+                    <a:lnT w="12697" cap="flat" cmpd="sng" algn="ctr">
+                      <a:solidFill>
+                        <a:srgbClr val="45818E"/>
+                      </a:solidFill>
+                      <a:prstDash val="solid"/>
+                      <a:round/>
+                      <a:headEnd type="none" w="med" len="med"/>
+                      <a:tailEnd type="none" w="med" len="med"/>
+                    </a:lnT>
+                    <a:lnB w="12697" cap="flat" cmpd="sng" algn="ctr">
+                      <a:solidFill>
+                        <a:srgbClr val="45818E"/>
+                      </a:solidFill>
+                      <a:prstDash val="solid"/>
+                      <a:round/>
+                      <a:headEnd type="none" w="med" len="med"/>
+                      <a:tailEnd type="none" w="med" len="med"/>
+                    </a:lnB>
+                    <a:solidFill>
+                      <a:schemeClr val="bg1"/>
+                    </a:solidFill>
+                  </a:tcPr>
+                </a:tc>
+                <a:tc>
+                  <a:txBody>
+                    <a:bodyPr/>
+                    <a:lstStyle/>
+                    <a:p>
+                      <a:pPr marL="0" algn="l" defTabSz="685800" rtl="0" eaLnBrk="1" fontAlgn="t" latinLnBrk="0" hangingPunct="1">
+                        <a:spcBef>
+                          <a:spcPts val="0"/>
+                        </a:spcBef>
+                        <a:spcAft>
+                          <a:spcPts val="0"/>
+                        </a:spcAft>
+                      </a:pPr>
+                      <a:r>
+                        <a:rPr lang="en-US" sz="1000" b="1" i="0" u="none" strike="noStrike" kern="1200" dirty="0">
+                          <a:solidFill>
+                            <a:srgbClr val="000000"/>
+                          </a:solidFill>
+                          <a:effectLst/>
+                          <a:latin typeface="Gill Sans" panose="020B0502020104020203" pitchFamily="34" charset="-79"/>
+                          <a:ea typeface="+mn-ea"/>
+                          <a:cs typeface="Gill Sans" panose="020B0502020104020203" pitchFamily="34" charset="-79"/>
+                        </a:rPr>
+                        <a:t>Format and Size</a:t>
+                      </a:r>
+                    </a:p>
+                  </a:txBody>
+                  <a:tcPr marL="54655" marR="54655" marT="54655" marB="54655">
+                    <a:lnL w="12697" cap="flat" cmpd="sng" algn="ctr">
+                      <a:solidFill>
+                        <a:srgbClr val="45818E"/>
+                      </a:solidFill>
+                      <a:prstDash val="solid"/>
+                      <a:round/>
+                      <a:headEnd type="none" w="med" len="med"/>
+                      <a:tailEnd type="none" w="med" len="med"/>
+                    </a:lnL>
+                    <a:lnR w="12697" cap="flat" cmpd="sng" algn="ctr">
+                      <a:solidFill>
+                        <a:srgbClr val="62B4C6"/>
+                      </a:solidFill>
+                      <a:prstDash val="solid"/>
+                      <a:round/>
+                      <a:headEnd type="none" w="med" len="med"/>
+                      <a:tailEnd type="none" w="med" len="med"/>
+                    </a:lnR>
+                    <a:lnT w="12697" cap="flat" cmpd="sng" algn="ctr">
+                      <a:solidFill>
+                        <a:srgbClr val="62B4C6"/>
+                      </a:solidFill>
+                      <a:prstDash val="solid"/>
+                      <a:round/>
+                      <a:headEnd type="none" w="med" len="med"/>
+                      <a:tailEnd type="none" w="med" len="med"/>
+                    </a:lnT>
+                    <a:lnB w="12697" cap="flat" cmpd="sng" algn="ctr">
+                      <a:solidFill>
+                        <a:srgbClr val="62B4C6"/>
+                      </a:solidFill>
+                      <a:prstDash val="solid"/>
+                      <a:round/>
+                      <a:headEnd type="none" w="med" len="med"/>
+                      <a:tailEnd type="none" w="med" len="med"/>
+                    </a:lnB>
+                    <a:solidFill>
+                      <a:schemeClr val="bg1"/>
+                    </a:solidFill>
+                  </a:tcPr>
+                </a:tc>
+                <a:tc>
+                  <a:txBody>
+                    <a:bodyPr/>
+                    <a:lstStyle/>
+                    <a:p>
+                      <a:pPr algn="l" rtl="0" fontAlgn="t">
+                        <a:spcBef>
+                          <a:spcPts val="0"/>
+                        </a:spcBef>
+                        <a:spcAft>
+                          <a:spcPts val="0"/>
+                        </a:spcAft>
+                      </a:pPr>
+                      <a:r>
+                        <a:rPr lang="en-US" sz="1000" b="1" i="0" u="none" strike="noStrike" dirty="0">
+                          <a:solidFill>
+                            <a:srgbClr val="000000"/>
+                          </a:solidFill>
+                          <a:effectLst/>
+                          <a:latin typeface="Gill Sans" panose="020B0502020104020203" pitchFamily="34" charset="-79"/>
+                          <a:cs typeface="Gill Sans" panose="020B0502020104020203" pitchFamily="34" charset="-79"/>
+                        </a:rPr>
+                        <a:t>Processed Data That Meet Analytical Needs</a:t>
+                      </a:r>
+                      <a:endParaRPr lang="en-US" sz="1000" dirty="0">
+                        <a:effectLst/>
+                      </a:endParaRPr>
+                    </a:p>
+                  </a:txBody>
+                  <a:tcPr marL="54655" marR="54655" marT="54655" marB="54655">
+                    <a:lnL w="12697" cap="flat" cmpd="sng" algn="ctr">
+                      <a:solidFill>
+                        <a:srgbClr val="62B4C6"/>
+                      </a:solidFill>
+                      <a:prstDash val="solid"/>
+                      <a:round/>
+                      <a:headEnd type="none" w="med" len="med"/>
+                      <a:tailEnd type="none" w="med" len="med"/>
+                    </a:lnL>
+                    <a:lnR w="12697" cap="flat" cmpd="sng" algn="ctr">
+                      <a:solidFill>
+                        <a:srgbClr val="62B4C6"/>
+                      </a:solidFill>
+                      <a:prstDash val="solid"/>
+                      <a:round/>
+                      <a:headEnd type="none" w="med" len="med"/>
+                      <a:tailEnd type="none" w="med" len="med"/>
+                    </a:lnR>
+                    <a:lnT w="12697" cap="flat" cmpd="sng" algn="ctr">
+                      <a:solidFill>
+                        <a:srgbClr val="62B4C6"/>
+                      </a:solidFill>
+                      <a:prstDash val="solid"/>
+                      <a:round/>
+                      <a:headEnd type="none" w="med" len="med"/>
+                      <a:tailEnd type="none" w="med" len="med"/>
+                    </a:lnT>
+                    <a:lnB w="12697" cap="flat" cmpd="sng" algn="ctr">
+                      <a:solidFill>
+                        <a:srgbClr val="62B4C6"/>
+                      </a:solidFill>
+                      <a:prstDash val="solid"/>
+                      <a:round/>
+                      <a:headEnd type="none" w="med" len="med"/>
+                      <a:tailEnd type="none" w="med" len="med"/>
+                    </a:lnB>
+                    <a:solidFill>
+                      <a:schemeClr val="bg1"/>
+                    </a:solidFill>
+                  </a:tcPr>
+                </a:tc>
+                <a:tc>
+                  <a:txBody>
+                    <a:bodyPr/>
+                    <a:lstStyle/>
+                    <a:p>
+                      <a:pPr algn="l" rtl="0" fontAlgn="t">
+                        <a:spcBef>
+                          <a:spcPts val="0"/>
+                        </a:spcBef>
+                        <a:spcAft>
+                          <a:spcPts val="0"/>
+                        </a:spcAft>
+                      </a:pPr>
+                      <a:r>
+                        <a:rPr lang="en-US" sz="1000" b="1" i="0" u="none" strike="noStrike" dirty="0">
+                          <a:solidFill>
+                            <a:srgbClr val="000000"/>
+                          </a:solidFill>
+                          <a:effectLst/>
+                          <a:latin typeface="Gill Sans" panose="020B0502020104020203" pitchFamily="34" charset="-79"/>
+                          <a:cs typeface="Gill Sans" panose="020B0502020104020203" pitchFamily="34" charset="-79"/>
+                        </a:rPr>
+                        <a:t>Platform and Tools Used</a:t>
+                      </a:r>
+                      <a:br>
+                        <a:rPr lang="en-US" sz="1000" dirty="0">
+                          <a:effectLst/>
+                        </a:rPr>
+                      </a:br>
+                      <a:endParaRPr lang="en-US" sz="1000" dirty="0">
+                        <a:effectLst/>
+                      </a:endParaRPr>
+                    </a:p>
+                  </a:txBody>
+                  <a:tcPr marL="54655" marR="54655" marT="54655" marB="54655">
+                    <a:lnL w="12697" cap="flat" cmpd="sng" algn="ctr">
+                      <a:solidFill>
+                        <a:srgbClr val="62B4C6"/>
+                      </a:solidFill>
+                      <a:prstDash val="solid"/>
+                      <a:round/>
+                      <a:headEnd type="none" w="med" len="med"/>
+                      <a:tailEnd type="none" w="med" len="med"/>
+                    </a:lnL>
+                    <a:lnR w="12697" cap="flat" cmpd="sng" algn="ctr">
+                      <a:solidFill>
+                        <a:srgbClr val="62B4C6"/>
+                      </a:solidFill>
+                      <a:prstDash val="solid"/>
+                      <a:round/>
+                      <a:headEnd type="none" w="med" len="med"/>
+                      <a:tailEnd type="none" w="med" len="med"/>
+                    </a:lnR>
+                    <a:lnT w="12697" cap="flat" cmpd="sng" algn="ctr">
+                      <a:solidFill>
+                        <a:srgbClr val="62B4C6"/>
+                      </a:solidFill>
+                      <a:prstDash val="solid"/>
+                      <a:round/>
+                      <a:headEnd type="none" w="med" len="med"/>
+                      <a:tailEnd type="none" w="med" len="med"/>
+                    </a:lnT>
+                    <a:lnB w="12697" cap="flat" cmpd="sng" algn="ctr">
+                      <a:solidFill>
+                        <a:srgbClr val="62B4C6"/>
+                      </a:solidFill>
+                      <a:prstDash val="solid"/>
+                      <a:round/>
+                      <a:headEnd type="none" w="med" len="med"/>
+                      <a:tailEnd type="none" w="med" len="med"/>
+                    </a:lnB>
+                    <a:solidFill>
+                      <a:schemeClr val="bg1"/>
+                    </a:solidFill>
+                  </a:tcPr>
+                </a:tc>
+                <a:extLst>
+                  <a:ext uri="{0D108BD9-81ED-4DB2-BD59-A6C34878D82A}">
+                    <a16:rowId xmlns:a16="http://schemas.microsoft.com/office/drawing/2014/main" val="2492824239"/>
+                  </a:ext>
+                </a:extLst>
+              </a:tr>
+              <a:tr h="381535">
+                <a:tc>
+                  <a:txBody>
+                    <a:bodyPr/>
+                    <a:lstStyle/>
+                    <a:p>
+                      <a:pPr algn="l" rtl="0" fontAlgn="ctr">
+                        <a:spcBef>
+                          <a:spcPts val="0"/>
+                        </a:spcBef>
+                        <a:spcAft>
+                          <a:spcPts val="0"/>
+                        </a:spcAft>
+                      </a:pPr>
+                      <a:r>
+                        <a:rPr lang="en-US" sz="1000" b="0" i="0" u="none" strike="noStrike" dirty="0">
+                          <a:solidFill>
+                            <a:srgbClr val="000000"/>
+                          </a:solidFill>
+                          <a:effectLst/>
+                          <a:latin typeface="Gill Sans MT" panose="020B0502020104020203" pitchFamily="34" charset="77"/>
+                        </a:rPr>
+                        <a:t>Chicago Data Portal: Transportation Network Providers</a:t>
+                      </a:r>
+                      <a:endParaRPr lang="en-US" sz="1000" dirty="0">
+                        <a:effectLst/>
+                      </a:endParaRPr>
+                    </a:p>
+                  </a:txBody>
+                  <a:tcPr marL="54655" marR="54655" marT="54655" marB="54655" anchor="ctr">
+                    <a:lnL w="12697" cap="flat" cmpd="sng" algn="ctr">
+                      <a:solidFill>
+                        <a:srgbClr val="62B4C6"/>
+                      </a:solidFill>
+                      <a:prstDash val="solid"/>
+                      <a:round/>
+                      <a:headEnd type="none" w="med" len="med"/>
+                      <a:tailEnd type="none" w="med" len="med"/>
+                    </a:lnL>
+                    <a:lnR w="12697" cap="flat" cmpd="sng" algn="ctr">
+                      <a:solidFill>
+                        <a:srgbClr val="62B4C6"/>
+                      </a:solidFill>
+                      <a:prstDash val="solid"/>
+                      <a:round/>
+                      <a:headEnd type="none" w="med" len="med"/>
+                      <a:tailEnd type="none" w="med" len="med"/>
+                    </a:lnR>
+                    <a:lnT w="12697" cap="flat" cmpd="sng" algn="ctr">
+                      <a:solidFill>
+                        <a:srgbClr val="45818E"/>
+                      </a:solidFill>
+                      <a:prstDash val="solid"/>
+                      <a:round/>
+                      <a:headEnd type="none" w="med" len="med"/>
+                      <a:tailEnd type="none" w="med" len="med"/>
+                    </a:lnT>
+                    <a:lnB w="12697" cap="flat" cmpd="sng" algn="ctr">
+                      <a:solidFill>
+                        <a:srgbClr val="62B4C6"/>
+                      </a:solidFill>
+                      <a:prstDash val="solid"/>
+                      <a:round/>
+                      <a:headEnd type="none" w="med" len="med"/>
+                      <a:tailEnd type="none" w="med" len="med"/>
+                    </a:lnB>
+                    <a:solidFill>
+                      <a:schemeClr val="bg1"/>
+                    </a:solidFill>
+                  </a:tcPr>
+                </a:tc>
+                <a:tc>
+                  <a:txBody>
+                    <a:bodyPr/>
+                    <a:lstStyle/>
+                    <a:p>
+                      <a:pPr algn="l" rtl="0" fontAlgn="t">
+                        <a:spcBef>
+                          <a:spcPts val="0"/>
+                        </a:spcBef>
+                        <a:spcAft>
+                          <a:spcPts val="0"/>
+                        </a:spcAft>
+                      </a:pPr>
+                      <a:r>
+                        <a:rPr lang="en-US" sz="1000" b="0" i="0" u="none" strike="noStrike" dirty="0">
+                          <a:solidFill>
+                            <a:srgbClr val="000000"/>
+                          </a:solidFill>
+                          <a:effectLst/>
+                          <a:latin typeface="Gill Sans" panose="020B0502020104020203" pitchFamily="34" charset="-79"/>
+                          <a:cs typeface="Gill Sans" panose="020B0502020104020203" pitchFamily="34" charset="-79"/>
+                        </a:rPr>
+                        <a:t>50 GB </a:t>
+                      </a:r>
+                    </a:p>
+                    <a:p>
+                      <a:pPr algn="l" rtl="0" fontAlgn="t">
+                        <a:spcBef>
+                          <a:spcPts val="0"/>
+                        </a:spcBef>
+                        <a:spcAft>
+                          <a:spcPts val="0"/>
+                        </a:spcAft>
+                      </a:pPr>
+                      <a:r>
+                        <a:rPr lang="en-US" sz="1000" b="0" i="0" u="none" strike="noStrike" dirty="0">
+                          <a:solidFill>
+                            <a:srgbClr val="000000"/>
+                          </a:solidFill>
+                          <a:effectLst/>
+                          <a:latin typeface="Gill Sans" panose="020B0502020104020203" pitchFamily="34" charset="-79"/>
+                          <a:cs typeface="Gill Sans" panose="020B0502020104020203" pitchFamily="34" charset="-79"/>
+                        </a:rPr>
+                        <a:t>(129 Million Rows, 21 Columns)</a:t>
+                      </a:r>
+                      <a:endParaRPr lang="en-US" sz="1000" dirty="0">
+                        <a:effectLst/>
+                      </a:endParaRPr>
+                    </a:p>
+                    <a:p>
+                      <a:pPr algn="l" rtl="0" fontAlgn="t">
+                        <a:spcBef>
+                          <a:spcPts val="0"/>
+                        </a:spcBef>
+                        <a:spcAft>
+                          <a:spcPts val="0"/>
+                        </a:spcAft>
+                      </a:pPr>
+                      <a:r>
+                        <a:rPr lang="en-US" sz="1000" b="0" i="0" u="none" strike="noStrike" dirty="0">
+                          <a:solidFill>
+                            <a:srgbClr val="000000"/>
+                          </a:solidFill>
+                          <a:effectLst/>
+                          <a:latin typeface="Gill Sans" panose="020B0502020104020203" pitchFamily="34" charset="-79"/>
+                          <a:cs typeface="Gill Sans" panose="020B0502020104020203" pitchFamily="34" charset="-79"/>
+                        </a:rPr>
+                        <a:t>Structured CSV File</a:t>
+                      </a:r>
+                      <a:br>
+                        <a:rPr lang="en-US" sz="1000" dirty="0">
+                          <a:effectLst/>
+                        </a:rPr>
+                      </a:br>
+                      <a:endParaRPr lang="en-US" sz="1000" dirty="0">
+                        <a:effectLst/>
+                      </a:endParaRPr>
+                    </a:p>
+                  </a:txBody>
+                  <a:tcPr marL="54655" marR="54655" marT="54655" marB="54655">
+                    <a:lnL w="12697" cap="flat" cmpd="sng" algn="ctr">
+                      <a:solidFill>
+                        <a:srgbClr val="62B4C6"/>
+                      </a:solidFill>
+                      <a:prstDash val="solid"/>
+                      <a:round/>
+                      <a:headEnd type="none" w="med" len="med"/>
+                      <a:tailEnd type="none" w="med" len="med"/>
+                    </a:lnL>
+                    <a:lnR w="12697" cap="flat" cmpd="sng" algn="ctr">
+                      <a:solidFill>
+                        <a:srgbClr val="62B4C6"/>
+                      </a:solidFill>
+                      <a:prstDash val="solid"/>
+                      <a:round/>
+                      <a:headEnd type="none" w="med" len="med"/>
+                      <a:tailEnd type="none" w="med" len="med"/>
+                    </a:lnR>
+                    <a:lnT w="12697" cap="flat" cmpd="sng" algn="ctr">
+                      <a:solidFill>
+                        <a:srgbClr val="62B4C6"/>
+                      </a:solidFill>
+                      <a:prstDash val="solid"/>
+                      <a:round/>
+                      <a:headEnd type="none" w="med" len="med"/>
+                      <a:tailEnd type="none" w="med" len="med"/>
+                    </a:lnT>
+                    <a:lnB w="12697" cap="flat" cmpd="sng" algn="ctr">
+                      <a:solidFill>
+                        <a:srgbClr val="62B4C6"/>
+                      </a:solidFill>
+                      <a:prstDash val="solid"/>
+                      <a:round/>
+                      <a:headEnd type="none" w="med" len="med"/>
+                      <a:tailEnd type="none" w="med" len="med"/>
+                    </a:lnB>
+                    <a:solidFill>
+                      <a:schemeClr val="bg1"/>
+                    </a:solidFill>
+                  </a:tcPr>
+                </a:tc>
+                <a:tc>
+                  <a:txBody>
+                    <a:bodyPr/>
+                    <a:lstStyle/>
+                    <a:p>
+                      <a:pPr algn="l" rtl="0" fontAlgn="ctr">
+                        <a:spcBef>
+                          <a:spcPts val="0"/>
+                        </a:spcBef>
+                        <a:spcAft>
+                          <a:spcPts val="0"/>
+                        </a:spcAft>
+                      </a:pPr>
+                      <a:r>
+                        <a:rPr lang="en-US" sz="1000" b="0" i="0" u="none" strike="noStrike" dirty="0">
+                          <a:solidFill>
+                            <a:srgbClr val="000000"/>
+                          </a:solidFill>
+                          <a:effectLst/>
+                          <a:latin typeface="Gill Sans MT" panose="020B0502020104020203" pitchFamily="34" charset="77"/>
+                        </a:rPr>
+                        <a:t>Ridership, Avg Traveled Distance, Avg Tips and Number of Pooled trips Group by CCA, Date and Time </a:t>
+                      </a:r>
+                      <a:endParaRPr lang="en-US" sz="1000" dirty="0">
+                        <a:effectLst/>
+                      </a:endParaRPr>
+                    </a:p>
+                  </a:txBody>
+                  <a:tcPr marL="54655" marR="54655" marT="54655" marB="54655" anchor="ctr">
+                    <a:lnL w="12697" cap="flat" cmpd="sng" algn="ctr">
+                      <a:solidFill>
+                        <a:srgbClr val="62B4C6"/>
+                      </a:solidFill>
+                      <a:prstDash val="solid"/>
+                      <a:round/>
+                      <a:headEnd type="none" w="med" len="med"/>
+                      <a:tailEnd type="none" w="med" len="med"/>
+                    </a:lnL>
+                    <a:lnR w="12697" cap="flat" cmpd="sng" algn="ctr">
+                      <a:solidFill>
+                        <a:srgbClr val="62B4C6"/>
+                      </a:solidFill>
+                      <a:prstDash val="solid"/>
+                      <a:round/>
+                      <a:headEnd type="none" w="med" len="med"/>
+                      <a:tailEnd type="none" w="med" len="med"/>
+                    </a:lnR>
+                    <a:lnT w="12697" cap="flat" cmpd="sng" algn="ctr">
+                      <a:solidFill>
+                        <a:srgbClr val="62B4C6"/>
+                      </a:solidFill>
+                      <a:prstDash val="solid"/>
+                      <a:round/>
+                      <a:headEnd type="none" w="med" len="med"/>
+                      <a:tailEnd type="none" w="med" len="med"/>
+                    </a:lnT>
+                    <a:lnB w="12697" cap="flat" cmpd="sng" algn="ctr">
+                      <a:solidFill>
+                        <a:srgbClr val="62B4C6"/>
+                      </a:solidFill>
+                      <a:prstDash val="solid"/>
+                      <a:round/>
+                      <a:headEnd type="none" w="med" len="med"/>
+                      <a:tailEnd type="none" w="med" len="med"/>
+                    </a:lnB>
+                    <a:solidFill>
+                      <a:schemeClr val="bg1"/>
+                    </a:solidFill>
+                  </a:tcPr>
+                </a:tc>
+                <a:tc>
+                  <a:txBody>
+                    <a:bodyPr/>
+                    <a:lstStyle/>
+                    <a:p>
+                      <a:pPr algn="l" rtl="0" fontAlgn="ctr">
+                        <a:spcBef>
+                          <a:spcPts val="0"/>
+                        </a:spcBef>
+                        <a:spcAft>
+                          <a:spcPts val="0"/>
+                        </a:spcAft>
+                      </a:pPr>
+                      <a:r>
+                        <a:rPr lang="en-US" sz="1000" b="0" i="0" u="none" strike="noStrike" dirty="0">
+                          <a:solidFill>
+                            <a:srgbClr val="000000"/>
+                          </a:solidFill>
+                          <a:effectLst/>
+                          <a:latin typeface="Gill Sans MT" panose="020B0502020104020203" pitchFamily="34" charset="77"/>
+                        </a:rPr>
+                        <a:t>Python, </a:t>
+                      </a:r>
+                      <a:r>
+                        <a:rPr lang="en-US" sz="1000" b="0" i="0" u="none" strike="noStrike" dirty="0" err="1">
+                          <a:solidFill>
+                            <a:srgbClr val="000000"/>
+                          </a:solidFill>
+                          <a:effectLst/>
+                          <a:latin typeface="Gill Sans MT" panose="020B0502020104020203" pitchFamily="34" charset="77"/>
+                        </a:rPr>
+                        <a:t>mySQL</a:t>
+                      </a:r>
+                      <a:r>
+                        <a:rPr lang="en-US" sz="1000" b="0" i="0" u="none" strike="noStrike" dirty="0">
+                          <a:solidFill>
+                            <a:srgbClr val="000000"/>
+                          </a:solidFill>
+                          <a:effectLst/>
+                          <a:latin typeface="Gill Sans MT" panose="020B0502020104020203" pitchFamily="34" charset="77"/>
+                        </a:rPr>
+                        <a:t> GCP and RCC</a:t>
+                      </a:r>
+                      <a:endParaRPr lang="en-US" sz="1000" dirty="0">
+                        <a:effectLst/>
+                      </a:endParaRPr>
+                    </a:p>
+                  </a:txBody>
+                  <a:tcPr marL="54655" marR="54655" marT="54655" marB="54655" anchor="ctr">
+                    <a:lnL w="12697" cap="flat" cmpd="sng" algn="ctr">
+                      <a:solidFill>
+                        <a:srgbClr val="62B4C6"/>
+                      </a:solidFill>
+                      <a:prstDash val="solid"/>
+                      <a:round/>
+                      <a:headEnd type="none" w="med" len="med"/>
+                      <a:tailEnd type="none" w="med" len="med"/>
+                    </a:lnL>
+                    <a:lnR w="12697" cap="flat" cmpd="sng" algn="ctr">
+                      <a:solidFill>
+                        <a:srgbClr val="62B4C6"/>
+                      </a:solidFill>
+                      <a:prstDash val="solid"/>
+                      <a:round/>
+                      <a:headEnd type="none" w="med" len="med"/>
+                      <a:tailEnd type="none" w="med" len="med"/>
+                    </a:lnR>
+                    <a:lnT w="12697" cap="flat" cmpd="sng" algn="ctr">
+                      <a:solidFill>
+                        <a:srgbClr val="62B4C6"/>
+                      </a:solidFill>
+                      <a:prstDash val="solid"/>
+                      <a:round/>
+                      <a:headEnd type="none" w="med" len="med"/>
+                      <a:tailEnd type="none" w="med" len="med"/>
+                    </a:lnT>
+                    <a:lnB w="12697" cap="flat" cmpd="sng" algn="ctr">
+                      <a:solidFill>
+                        <a:srgbClr val="62B4C6"/>
+                      </a:solidFill>
+                      <a:prstDash val="solid"/>
+                      <a:round/>
+                      <a:headEnd type="none" w="med" len="med"/>
+                      <a:tailEnd type="none" w="med" len="med"/>
+                    </a:lnB>
+                    <a:solidFill>
+                      <a:schemeClr val="bg1"/>
+                    </a:solidFill>
+                  </a:tcPr>
+                </a:tc>
+                <a:extLst>
+                  <a:ext uri="{0D108BD9-81ED-4DB2-BD59-A6C34878D82A}">
+                    <a16:rowId xmlns:a16="http://schemas.microsoft.com/office/drawing/2014/main" val="3668869758"/>
+                  </a:ext>
+                </a:extLst>
+              </a:tr>
+              <a:tr h="551089">
+                <a:tc>
+                  <a:txBody>
+                    <a:bodyPr/>
+                    <a:lstStyle/>
+                    <a:p>
+                      <a:pPr algn="l" rtl="0" fontAlgn="ctr">
+                        <a:spcBef>
+                          <a:spcPts val="0"/>
+                        </a:spcBef>
+                        <a:spcAft>
+                          <a:spcPts val="0"/>
+                        </a:spcAft>
+                      </a:pPr>
+                      <a:r>
+                        <a:rPr lang="en-US" sz="1000" b="0" i="0" u="none" strike="noStrike" dirty="0">
+                          <a:solidFill>
+                            <a:srgbClr val="000000"/>
+                          </a:solidFill>
+                          <a:effectLst/>
+                          <a:latin typeface="Gill Sans MT" panose="020B0502020104020203" pitchFamily="34" charset="77"/>
+                        </a:rPr>
+                        <a:t>Chicago Data Portal: Boundaries - Chicago Community Areas (CCA)</a:t>
+                      </a:r>
+                      <a:endParaRPr lang="en-US" sz="1000" dirty="0">
+                        <a:effectLst/>
+                      </a:endParaRPr>
+                    </a:p>
+                  </a:txBody>
+                  <a:tcPr marL="54655" marR="54655" marT="54655" marB="54655" anchor="ctr">
+                    <a:lnL w="12697" cap="flat" cmpd="sng" algn="ctr">
+                      <a:solidFill>
+                        <a:srgbClr val="62B4C6"/>
+                      </a:solidFill>
+                      <a:prstDash val="solid"/>
+                      <a:round/>
+                      <a:headEnd type="none" w="med" len="med"/>
+                      <a:tailEnd type="none" w="med" len="med"/>
+                    </a:lnL>
+                    <a:lnR w="12697" cap="flat" cmpd="sng" algn="ctr">
+                      <a:solidFill>
+                        <a:srgbClr val="62B4C6"/>
+                      </a:solidFill>
+                      <a:prstDash val="solid"/>
+                      <a:round/>
+                      <a:headEnd type="none" w="med" len="med"/>
+                      <a:tailEnd type="none" w="med" len="med"/>
+                    </a:lnR>
+                    <a:lnT w="12697" cap="flat" cmpd="sng" algn="ctr">
+                      <a:solidFill>
+                        <a:srgbClr val="62B4C6"/>
+                      </a:solidFill>
+                      <a:prstDash val="solid"/>
+                      <a:round/>
+                      <a:headEnd type="none" w="med" len="med"/>
+                      <a:tailEnd type="none" w="med" len="med"/>
+                    </a:lnT>
+                    <a:lnB w="12697" cap="flat" cmpd="sng" algn="ctr">
+                      <a:solidFill>
+                        <a:srgbClr val="62B4C6"/>
+                      </a:solidFill>
+                      <a:prstDash val="solid"/>
+                      <a:round/>
+                      <a:headEnd type="none" w="med" len="med"/>
+                      <a:tailEnd type="none" w="med" len="med"/>
+                    </a:lnB>
+                    <a:solidFill>
+                      <a:schemeClr val="bg1"/>
+                    </a:solidFill>
+                  </a:tcPr>
+                </a:tc>
+                <a:tc>
+                  <a:txBody>
+                    <a:bodyPr/>
+                    <a:lstStyle/>
+                    <a:p>
+                      <a:pPr algn="l" rtl="0" fontAlgn="ctr">
+                        <a:spcBef>
+                          <a:spcPts val="0"/>
+                        </a:spcBef>
+                        <a:spcAft>
+                          <a:spcPts val="0"/>
+                        </a:spcAft>
+                      </a:pPr>
+                      <a:r>
+                        <a:rPr lang="en-US" sz="1000" b="0" i="0" u="none" strike="noStrike" dirty="0">
+                          <a:solidFill>
+                            <a:srgbClr val="000000"/>
+                          </a:solidFill>
+                          <a:effectLst/>
+                          <a:latin typeface="Gill Sans" panose="020B0502020104020203" pitchFamily="34" charset="-79"/>
+                          <a:cs typeface="Gill Sans" panose="020B0502020104020203" pitchFamily="34" charset="-79"/>
+                        </a:rPr>
+                        <a:t>1.92 MB</a:t>
+                      </a:r>
+                    </a:p>
+                    <a:p>
+                      <a:pPr marL="0" marR="0" lvl="0" indent="0" algn="l" defTabSz="685800" rtl="0" eaLnBrk="1" fontAlgn="ctr" latinLnBrk="0" hangingPunct="1">
+                        <a:lnSpc>
+                          <a:spcPct val="100000"/>
+                        </a:lnSpc>
+                        <a:spcBef>
+                          <a:spcPts val="0"/>
+                        </a:spcBef>
+                        <a:spcAft>
+                          <a:spcPts val="0"/>
+                        </a:spcAft>
+                        <a:buClrTx/>
+                        <a:buSzTx/>
+                        <a:buFontTx/>
+                        <a:buNone/>
+                        <a:tabLst/>
+                        <a:defRPr/>
+                      </a:pPr>
+                      <a:r>
+                        <a:rPr lang="en-US" sz="1000" b="0" i="0" u="none" strike="noStrike" dirty="0">
+                          <a:solidFill>
+                            <a:srgbClr val="000000"/>
+                          </a:solidFill>
+                          <a:effectLst/>
+                          <a:latin typeface="Gill Sans" panose="020B0502020104020203" pitchFamily="34" charset="-79"/>
+                          <a:cs typeface="Gill Sans" panose="020B0502020104020203" pitchFamily="34" charset="-79"/>
+                        </a:rPr>
+                        <a:t>Structured CSV File</a:t>
+                      </a:r>
+                      <a:endParaRPr lang="en-US" sz="1000" dirty="0">
+                        <a:effectLst/>
+                      </a:endParaRPr>
+                    </a:p>
+                  </a:txBody>
+                  <a:tcPr marL="54655" marR="54655" marT="54655" marB="54655" anchor="ctr">
+                    <a:lnL w="12697" cap="flat" cmpd="sng" algn="ctr">
+                      <a:solidFill>
+                        <a:srgbClr val="62B4C6"/>
+                      </a:solidFill>
+                      <a:prstDash val="solid"/>
+                      <a:round/>
+                      <a:headEnd type="none" w="med" len="med"/>
+                      <a:tailEnd type="none" w="med" len="med"/>
+                    </a:lnL>
+                    <a:lnR w="12697" cap="flat" cmpd="sng" algn="ctr">
+                      <a:solidFill>
+                        <a:srgbClr val="62B4C6"/>
+                      </a:solidFill>
+                      <a:prstDash val="solid"/>
+                      <a:round/>
+                      <a:headEnd type="none" w="med" len="med"/>
+                      <a:tailEnd type="none" w="med" len="med"/>
+                    </a:lnR>
+                    <a:lnT w="12697" cap="flat" cmpd="sng" algn="ctr">
+                      <a:solidFill>
+                        <a:srgbClr val="62B4C6"/>
+                      </a:solidFill>
+                      <a:prstDash val="solid"/>
+                      <a:round/>
+                      <a:headEnd type="none" w="med" len="med"/>
+                      <a:tailEnd type="none" w="med" len="med"/>
+                    </a:lnT>
+                    <a:lnB w="12697" cap="flat" cmpd="sng" algn="ctr">
+                      <a:solidFill>
+                        <a:srgbClr val="62B4C6"/>
+                      </a:solidFill>
+                      <a:prstDash val="solid"/>
+                      <a:round/>
+                      <a:headEnd type="none" w="med" len="med"/>
+                      <a:tailEnd type="none" w="med" len="med"/>
+                    </a:lnB>
+                    <a:solidFill>
+                      <a:schemeClr val="bg1"/>
+                    </a:solidFill>
+                  </a:tcPr>
+                </a:tc>
+                <a:tc>
+                  <a:txBody>
+                    <a:bodyPr/>
+                    <a:lstStyle/>
+                    <a:p>
+                      <a:pPr algn="l" rtl="0" fontAlgn="t">
+                        <a:spcBef>
+                          <a:spcPts val="0"/>
+                        </a:spcBef>
+                        <a:spcAft>
+                          <a:spcPts val="0"/>
+                        </a:spcAft>
+                      </a:pPr>
+                      <a:r>
+                        <a:rPr lang="en-US" sz="1000" b="0" i="0" u="none" strike="noStrike" dirty="0">
+                          <a:solidFill>
+                            <a:srgbClr val="000000"/>
+                          </a:solidFill>
+                          <a:effectLst/>
+                          <a:latin typeface="Gill Sans MT" panose="020B0502020104020203" pitchFamily="34" charset="77"/>
+                        </a:rPr>
+                        <a:t>MULTIPOLYGON Data by CCA For Tableau</a:t>
+                      </a:r>
+                      <a:endParaRPr lang="en-US" sz="1000" dirty="0">
+                        <a:effectLst/>
+                      </a:endParaRPr>
+                    </a:p>
+                  </a:txBody>
+                  <a:tcPr marL="54655" marR="54655" marT="54655" marB="54655">
+                    <a:lnL w="12697" cap="flat" cmpd="sng" algn="ctr">
+                      <a:solidFill>
+                        <a:srgbClr val="62B4C6"/>
+                      </a:solidFill>
+                      <a:prstDash val="solid"/>
+                      <a:round/>
+                      <a:headEnd type="none" w="med" len="med"/>
+                      <a:tailEnd type="none" w="med" len="med"/>
+                    </a:lnL>
+                    <a:lnR w="12697" cap="flat" cmpd="sng" algn="ctr">
+                      <a:solidFill>
+                        <a:srgbClr val="62B4C6"/>
+                      </a:solidFill>
+                      <a:prstDash val="solid"/>
+                      <a:round/>
+                      <a:headEnd type="none" w="med" len="med"/>
+                      <a:tailEnd type="none" w="med" len="med"/>
+                    </a:lnR>
+                    <a:lnT w="12697" cap="flat" cmpd="sng" algn="ctr">
+                      <a:solidFill>
+                        <a:srgbClr val="62B4C6"/>
+                      </a:solidFill>
+                      <a:prstDash val="solid"/>
+                      <a:round/>
+                      <a:headEnd type="none" w="med" len="med"/>
+                      <a:tailEnd type="none" w="med" len="med"/>
+                    </a:lnT>
+                    <a:lnB w="12697" cap="flat" cmpd="sng" algn="ctr">
+                      <a:solidFill>
+                        <a:srgbClr val="62B4C6"/>
+                      </a:solidFill>
+                      <a:prstDash val="solid"/>
+                      <a:round/>
+                      <a:headEnd type="none" w="med" len="med"/>
+                      <a:tailEnd type="none" w="med" len="med"/>
+                    </a:lnB>
+                    <a:solidFill>
+                      <a:schemeClr val="bg1"/>
+                    </a:solidFill>
+                  </a:tcPr>
+                </a:tc>
+                <a:tc>
+                  <a:txBody>
+                    <a:bodyPr/>
+                    <a:lstStyle/>
+                    <a:p>
+                      <a:pPr algn="l" rtl="0" fontAlgn="t">
+                        <a:spcBef>
+                          <a:spcPts val="0"/>
+                        </a:spcBef>
+                        <a:spcAft>
+                          <a:spcPts val="0"/>
+                        </a:spcAft>
+                      </a:pPr>
+                      <a:r>
+                        <a:rPr lang="en-US" sz="1000" b="0" i="0" u="none" strike="noStrike" dirty="0">
+                          <a:solidFill>
+                            <a:srgbClr val="000000"/>
+                          </a:solidFill>
+                          <a:effectLst/>
+                          <a:latin typeface="Gill Sans MT" panose="020B0502020104020203" pitchFamily="34" charset="77"/>
+                        </a:rPr>
+                        <a:t>Python and Excel</a:t>
+                      </a:r>
+                      <a:endParaRPr lang="en-US" sz="1000" dirty="0">
+                        <a:effectLst/>
+                      </a:endParaRPr>
+                    </a:p>
+                  </a:txBody>
+                  <a:tcPr marL="54655" marR="54655" marT="54655" marB="54655">
+                    <a:lnL w="12697" cap="flat" cmpd="sng" algn="ctr">
+                      <a:solidFill>
+                        <a:srgbClr val="62B4C6"/>
+                      </a:solidFill>
+                      <a:prstDash val="solid"/>
+                      <a:round/>
+                      <a:headEnd type="none" w="med" len="med"/>
+                      <a:tailEnd type="none" w="med" len="med"/>
+                    </a:lnL>
+                    <a:lnR w="12697" cap="flat" cmpd="sng" algn="ctr">
+                      <a:solidFill>
+                        <a:srgbClr val="62B4C6"/>
+                      </a:solidFill>
+                      <a:prstDash val="solid"/>
+                      <a:round/>
+                      <a:headEnd type="none" w="med" len="med"/>
+                      <a:tailEnd type="none" w="med" len="med"/>
+                    </a:lnR>
+                    <a:lnT w="12697" cap="flat" cmpd="sng" algn="ctr">
+                      <a:solidFill>
+                        <a:srgbClr val="62B4C6"/>
+                      </a:solidFill>
+                      <a:prstDash val="solid"/>
+                      <a:round/>
+                      <a:headEnd type="none" w="med" len="med"/>
+                      <a:tailEnd type="none" w="med" len="med"/>
+                    </a:lnT>
+                    <a:lnB w="12697" cap="flat" cmpd="sng" algn="ctr">
+                      <a:solidFill>
+                        <a:srgbClr val="62B4C6"/>
+                      </a:solidFill>
+                      <a:prstDash val="solid"/>
+                      <a:round/>
+                      <a:headEnd type="none" w="med" len="med"/>
+                      <a:tailEnd type="none" w="med" len="med"/>
+                    </a:lnB>
+                    <a:solidFill>
+                      <a:schemeClr val="bg1"/>
+                    </a:solidFill>
+                  </a:tcPr>
+                </a:tc>
+                <a:extLst>
+                  <a:ext uri="{0D108BD9-81ED-4DB2-BD59-A6C34878D82A}">
+                    <a16:rowId xmlns:a16="http://schemas.microsoft.com/office/drawing/2014/main" val="2598191882"/>
+                  </a:ext>
+                </a:extLst>
+              </a:tr>
+              <a:tr h="542172">
+                <a:tc>
+                  <a:txBody>
+                    <a:bodyPr/>
+                    <a:lstStyle/>
+                    <a:p>
+                      <a:pPr algn="l" rtl="0" fontAlgn="ctr">
+                        <a:spcBef>
+                          <a:spcPts val="0"/>
+                        </a:spcBef>
+                        <a:spcAft>
+                          <a:spcPts val="0"/>
+                        </a:spcAft>
+                      </a:pPr>
+                      <a:r>
+                        <a:rPr lang="en-US" sz="1000" b="0" i="0" u="none" strike="noStrike" dirty="0">
+                          <a:solidFill>
+                            <a:srgbClr val="000000"/>
+                          </a:solidFill>
+                          <a:effectLst/>
+                          <a:latin typeface="Gill Sans MT" panose="020B0502020104020203" pitchFamily="34" charset="77"/>
+                        </a:rPr>
+                        <a:t>Chicago Data Portal: Crimes</a:t>
+                      </a:r>
+                      <a:endParaRPr lang="en-US" sz="1000" dirty="0">
+                        <a:effectLst/>
+                      </a:endParaRPr>
+                    </a:p>
+                  </a:txBody>
+                  <a:tcPr marL="54655" marR="54655" marT="54655" marB="54655" anchor="ctr">
+                    <a:lnL w="12697" cap="flat" cmpd="sng" algn="ctr">
+                      <a:solidFill>
+                        <a:srgbClr val="62B4C6"/>
+                      </a:solidFill>
+                      <a:prstDash val="solid"/>
+                      <a:round/>
+                      <a:headEnd type="none" w="med" len="med"/>
+                      <a:tailEnd type="none" w="med" len="med"/>
+                    </a:lnL>
+                    <a:lnR w="12697" cap="flat" cmpd="sng" algn="ctr">
+                      <a:solidFill>
+                        <a:srgbClr val="62B4C6"/>
+                      </a:solidFill>
+                      <a:prstDash val="solid"/>
+                      <a:round/>
+                      <a:headEnd type="none" w="med" len="med"/>
+                      <a:tailEnd type="none" w="med" len="med"/>
+                    </a:lnR>
+                    <a:lnT w="12697" cap="flat" cmpd="sng" algn="ctr">
+                      <a:solidFill>
+                        <a:srgbClr val="62B4C6"/>
+                      </a:solidFill>
+                      <a:prstDash val="solid"/>
+                      <a:round/>
+                      <a:headEnd type="none" w="med" len="med"/>
+                      <a:tailEnd type="none" w="med" len="med"/>
+                    </a:lnT>
+                    <a:lnB w="12697" cap="flat" cmpd="sng" algn="ctr">
+                      <a:solidFill>
+                        <a:srgbClr val="62B4C6"/>
+                      </a:solidFill>
+                      <a:prstDash val="solid"/>
+                      <a:round/>
+                      <a:headEnd type="none" w="med" len="med"/>
+                      <a:tailEnd type="none" w="med" len="med"/>
+                    </a:lnB>
+                    <a:solidFill>
+                      <a:schemeClr val="bg1"/>
+                    </a:solidFill>
+                  </a:tcPr>
+                </a:tc>
+                <a:tc>
+                  <a:txBody>
+                    <a:bodyPr/>
+                    <a:lstStyle/>
+                    <a:p>
+                      <a:pPr algn="l" rtl="0" fontAlgn="ctr">
+                        <a:spcBef>
+                          <a:spcPts val="0"/>
+                        </a:spcBef>
+                        <a:spcAft>
+                          <a:spcPts val="0"/>
+                        </a:spcAft>
+                      </a:pPr>
+                      <a:r>
+                        <a:rPr lang="en-US" sz="1000" b="0" i="0" u="none" strike="noStrike" dirty="0">
+                          <a:solidFill>
+                            <a:srgbClr val="000000"/>
+                          </a:solidFill>
+                          <a:effectLst/>
+                          <a:latin typeface="Gill Sans" panose="020B0502020104020203" pitchFamily="34" charset="-79"/>
+                          <a:cs typeface="Gill Sans" panose="020B0502020104020203" pitchFamily="34" charset="-79"/>
+                        </a:rPr>
+                        <a:t>12 GB</a:t>
+                      </a:r>
+                    </a:p>
+                    <a:p>
+                      <a:pPr algn="l" rtl="0" fontAlgn="ctr">
+                        <a:spcBef>
+                          <a:spcPts val="0"/>
+                        </a:spcBef>
+                        <a:spcAft>
+                          <a:spcPts val="0"/>
+                        </a:spcAft>
+                      </a:pPr>
+                      <a:r>
+                        <a:rPr lang="en-US" sz="1000" b="0" i="0" u="none" strike="noStrike" dirty="0">
+                          <a:solidFill>
+                            <a:srgbClr val="000000"/>
+                          </a:solidFill>
+                          <a:effectLst/>
+                          <a:latin typeface="Gill Sans" panose="020B0502020104020203" pitchFamily="34" charset="-79"/>
+                          <a:cs typeface="Gill Sans" panose="020B0502020104020203" pitchFamily="34" charset="-79"/>
+                        </a:rPr>
+                        <a:t>(7.12 Million Rows, 22 Columns) </a:t>
+                      </a:r>
+                      <a:endParaRPr lang="en-US" sz="1000" dirty="0">
+                        <a:effectLst/>
+                      </a:endParaRPr>
+                    </a:p>
+                    <a:p>
+                      <a:pPr marL="0" marR="0" lvl="0" indent="0" algn="l" defTabSz="685800" rtl="0" eaLnBrk="1" fontAlgn="ctr" latinLnBrk="0" hangingPunct="1">
+                        <a:lnSpc>
+                          <a:spcPct val="100000"/>
+                        </a:lnSpc>
+                        <a:spcBef>
+                          <a:spcPts val="0"/>
+                        </a:spcBef>
+                        <a:spcAft>
+                          <a:spcPts val="0"/>
+                        </a:spcAft>
+                        <a:buClrTx/>
+                        <a:buSzTx/>
+                        <a:buFontTx/>
+                        <a:buNone/>
+                        <a:tabLst/>
+                        <a:defRPr/>
+                      </a:pPr>
+                      <a:r>
+                        <a:rPr lang="en-US" sz="1000" b="0" i="0" u="none" strike="noStrike" dirty="0">
+                          <a:solidFill>
+                            <a:srgbClr val="000000"/>
+                          </a:solidFill>
+                          <a:effectLst/>
+                          <a:latin typeface="Gill Sans" panose="020B0502020104020203" pitchFamily="34" charset="-79"/>
+                          <a:cs typeface="Gill Sans" panose="020B0502020104020203" pitchFamily="34" charset="-79"/>
+                        </a:rPr>
+                        <a:t>Structured CSV File</a:t>
+                      </a:r>
+                      <a:endParaRPr lang="en-US" sz="1000" dirty="0">
+                        <a:effectLst/>
+                      </a:endParaRPr>
+                    </a:p>
+                  </a:txBody>
+                  <a:tcPr marL="54655" marR="54655" marT="54655" marB="54655" anchor="ctr">
+                    <a:lnL w="12697" cap="flat" cmpd="sng" algn="ctr">
+                      <a:solidFill>
+                        <a:srgbClr val="62B4C6"/>
+                      </a:solidFill>
+                      <a:prstDash val="solid"/>
+                      <a:round/>
+                      <a:headEnd type="none" w="med" len="med"/>
+                      <a:tailEnd type="none" w="med" len="med"/>
+                    </a:lnL>
+                    <a:lnR w="12697" cap="flat" cmpd="sng" algn="ctr">
+                      <a:solidFill>
+                        <a:srgbClr val="62B4C6"/>
+                      </a:solidFill>
+                      <a:prstDash val="solid"/>
+                      <a:round/>
+                      <a:headEnd type="none" w="med" len="med"/>
+                      <a:tailEnd type="none" w="med" len="med"/>
+                    </a:lnR>
+                    <a:lnT w="12697" cap="flat" cmpd="sng" algn="ctr">
+                      <a:solidFill>
+                        <a:srgbClr val="62B4C6"/>
+                      </a:solidFill>
+                      <a:prstDash val="solid"/>
+                      <a:round/>
+                      <a:headEnd type="none" w="med" len="med"/>
+                      <a:tailEnd type="none" w="med" len="med"/>
+                    </a:lnT>
+                    <a:lnB w="12697" cap="flat" cmpd="sng" algn="ctr">
+                      <a:solidFill>
+                        <a:srgbClr val="62B4C6"/>
+                      </a:solidFill>
+                      <a:prstDash val="solid"/>
+                      <a:round/>
+                      <a:headEnd type="none" w="med" len="med"/>
+                      <a:tailEnd type="none" w="med" len="med"/>
+                    </a:lnB>
+                    <a:solidFill>
+                      <a:schemeClr val="bg1"/>
+                    </a:solidFill>
+                  </a:tcPr>
+                </a:tc>
+                <a:tc>
+                  <a:txBody>
+                    <a:bodyPr/>
+                    <a:lstStyle/>
+                    <a:p>
+                      <a:pPr algn="l" rtl="0" fontAlgn="t">
+                        <a:spcBef>
+                          <a:spcPts val="0"/>
+                        </a:spcBef>
+                        <a:spcAft>
+                          <a:spcPts val="0"/>
+                        </a:spcAft>
+                      </a:pPr>
+                      <a:r>
+                        <a:rPr lang="en-US" sz="1000" b="0" i="0" u="none" strike="noStrike" dirty="0">
+                          <a:solidFill>
+                            <a:srgbClr val="000000"/>
+                          </a:solidFill>
+                          <a:effectLst/>
+                          <a:latin typeface="Gill Sans MT" panose="020B0502020104020203" pitchFamily="34" charset="77"/>
+                        </a:rPr>
+                        <a:t>Total Number of Crimes By CCA</a:t>
+                      </a:r>
+                      <a:endParaRPr lang="en-US" sz="1000" dirty="0">
+                        <a:effectLst/>
+                      </a:endParaRPr>
+                    </a:p>
+                  </a:txBody>
+                  <a:tcPr marL="54655" marR="54655" marT="54655" marB="54655">
+                    <a:lnL w="12697" cap="flat" cmpd="sng" algn="ctr">
+                      <a:solidFill>
+                        <a:srgbClr val="62B4C6"/>
+                      </a:solidFill>
+                      <a:prstDash val="solid"/>
+                      <a:round/>
+                      <a:headEnd type="none" w="med" len="med"/>
+                      <a:tailEnd type="none" w="med" len="med"/>
+                    </a:lnL>
+                    <a:lnR w="12697" cap="flat" cmpd="sng" algn="ctr">
+                      <a:solidFill>
+                        <a:srgbClr val="62B4C6"/>
+                      </a:solidFill>
+                      <a:prstDash val="solid"/>
+                      <a:round/>
+                      <a:headEnd type="none" w="med" len="med"/>
+                      <a:tailEnd type="none" w="med" len="med"/>
+                    </a:lnR>
+                    <a:lnT w="12697" cap="flat" cmpd="sng" algn="ctr">
+                      <a:solidFill>
+                        <a:srgbClr val="62B4C6"/>
+                      </a:solidFill>
+                      <a:prstDash val="solid"/>
+                      <a:round/>
+                      <a:headEnd type="none" w="med" len="med"/>
+                      <a:tailEnd type="none" w="med" len="med"/>
+                    </a:lnT>
+                    <a:lnB w="12697" cap="flat" cmpd="sng" algn="ctr">
+                      <a:solidFill>
+                        <a:srgbClr val="62B4C6"/>
+                      </a:solidFill>
+                      <a:prstDash val="solid"/>
+                      <a:round/>
+                      <a:headEnd type="none" w="med" len="med"/>
+                      <a:tailEnd type="none" w="med" len="med"/>
+                    </a:lnB>
+                    <a:solidFill>
+                      <a:schemeClr val="bg1"/>
+                    </a:solidFill>
+                  </a:tcPr>
+                </a:tc>
+                <a:tc>
+                  <a:txBody>
+                    <a:bodyPr/>
+                    <a:lstStyle/>
+                    <a:p>
+                      <a:pPr algn="l" rtl="0" fontAlgn="t">
+                        <a:spcBef>
+                          <a:spcPts val="0"/>
+                        </a:spcBef>
+                        <a:spcAft>
+                          <a:spcPts val="0"/>
+                        </a:spcAft>
+                      </a:pPr>
+                      <a:r>
+                        <a:rPr lang="en-US" sz="1000" b="0" i="0" u="none" strike="noStrike" dirty="0">
+                          <a:solidFill>
+                            <a:srgbClr val="000000"/>
+                          </a:solidFill>
+                          <a:effectLst/>
+                          <a:latin typeface="Gill Sans MT" panose="020B0502020104020203" pitchFamily="34" charset="77"/>
+                        </a:rPr>
+                        <a:t>Python, </a:t>
+                      </a:r>
+                      <a:r>
+                        <a:rPr lang="en-US" sz="1000" b="0" i="0" u="none" strike="noStrike" dirty="0" err="1">
+                          <a:solidFill>
+                            <a:srgbClr val="000000"/>
+                          </a:solidFill>
+                          <a:effectLst/>
+                          <a:latin typeface="Gill Sans MT" panose="020B0502020104020203" pitchFamily="34" charset="77"/>
+                        </a:rPr>
+                        <a:t>mySQL</a:t>
+                      </a:r>
+                      <a:r>
+                        <a:rPr lang="zh-CN" altLang="en-US" sz="1000" b="0" i="0" u="none" strike="noStrike" dirty="0">
+                          <a:solidFill>
+                            <a:srgbClr val="000000"/>
+                          </a:solidFill>
+                          <a:effectLst/>
+                          <a:latin typeface="Gill Sans MT" panose="020B0502020104020203" pitchFamily="34" charset="77"/>
+                        </a:rPr>
+                        <a:t> </a:t>
+                      </a:r>
+                      <a:r>
+                        <a:rPr lang="en-US" sz="1000" b="0" i="0" u="none" strike="noStrike" dirty="0">
+                          <a:solidFill>
+                            <a:srgbClr val="000000"/>
+                          </a:solidFill>
+                          <a:effectLst/>
+                          <a:latin typeface="Gill Sans MT" panose="020B0502020104020203" pitchFamily="34" charset="77"/>
+                        </a:rPr>
+                        <a:t>GCP and RCC</a:t>
+                      </a:r>
+                      <a:endParaRPr lang="en-US" sz="1000" dirty="0">
+                        <a:effectLst/>
+                      </a:endParaRPr>
+                    </a:p>
+                  </a:txBody>
+                  <a:tcPr marL="54655" marR="54655" marT="54655" marB="54655">
+                    <a:lnL w="12697" cap="flat" cmpd="sng" algn="ctr">
+                      <a:solidFill>
+                        <a:srgbClr val="62B4C6"/>
+                      </a:solidFill>
+                      <a:prstDash val="solid"/>
+                      <a:round/>
+                      <a:headEnd type="none" w="med" len="med"/>
+                      <a:tailEnd type="none" w="med" len="med"/>
+                    </a:lnL>
+                    <a:lnR w="12697" cap="flat" cmpd="sng" algn="ctr">
+                      <a:solidFill>
+                        <a:srgbClr val="62B4C6"/>
+                      </a:solidFill>
+                      <a:prstDash val="solid"/>
+                      <a:round/>
+                      <a:headEnd type="none" w="med" len="med"/>
+                      <a:tailEnd type="none" w="med" len="med"/>
+                    </a:lnR>
+                    <a:lnT w="12697" cap="flat" cmpd="sng" algn="ctr">
+                      <a:solidFill>
+                        <a:srgbClr val="62B4C6"/>
+                      </a:solidFill>
+                      <a:prstDash val="solid"/>
+                      <a:round/>
+                      <a:headEnd type="none" w="med" len="med"/>
+                      <a:tailEnd type="none" w="med" len="med"/>
+                    </a:lnT>
+                    <a:lnB w="12697" cap="flat" cmpd="sng" algn="ctr">
+                      <a:solidFill>
+                        <a:srgbClr val="62B4C6"/>
+                      </a:solidFill>
+                      <a:prstDash val="solid"/>
+                      <a:round/>
+                      <a:headEnd type="none" w="med" len="med"/>
+                      <a:tailEnd type="none" w="med" len="med"/>
+                    </a:lnB>
+                    <a:solidFill>
+                      <a:schemeClr val="bg1"/>
+                    </a:solidFill>
+                  </a:tcPr>
+                </a:tc>
+                <a:extLst>
+                  <a:ext uri="{0D108BD9-81ED-4DB2-BD59-A6C34878D82A}">
+                    <a16:rowId xmlns:a16="http://schemas.microsoft.com/office/drawing/2014/main" val="901094158"/>
+                  </a:ext>
+                </a:extLst>
+              </a:tr>
+              <a:tr h="396319">
+                <a:tc>
+                  <a:txBody>
+                    <a:bodyPr/>
+                    <a:lstStyle/>
+                    <a:p>
+                      <a:pPr algn="l" rtl="0" fontAlgn="ctr">
+                        <a:spcBef>
+                          <a:spcPts val="0"/>
+                        </a:spcBef>
+                        <a:spcAft>
+                          <a:spcPts val="0"/>
+                        </a:spcAft>
+                      </a:pPr>
+                      <a:r>
+                        <a:rPr lang="en-US" sz="1000" b="0" i="0" u="none" strike="noStrike" dirty="0">
+                          <a:solidFill>
+                            <a:srgbClr val="000000"/>
+                          </a:solidFill>
+                          <a:effectLst/>
+                          <a:latin typeface="Gill Sans MT" panose="020B0502020104020203" pitchFamily="34" charset="77"/>
+                        </a:rPr>
+                        <a:t>ESPN</a:t>
+                      </a:r>
+                      <a:endParaRPr lang="en-US" sz="1000" dirty="0">
+                        <a:effectLst/>
+                      </a:endParaRPr>
+                    </a:p>
+                  </a:txBody>
+                  <a:tcPr marL="54655" marR="54655" marT="54655" marB="54655" anchor="ctr">
+                    <a:lnL w="12697" cap="flat" cmpd="sng" algn="ctr">
+                      <a:solidFill>
+                        <a:srgbClr val="62B4C6"/>
+                      </a:solidFill>
+                      <a:prstDash val="solid"/>
+                      <a:round/>
+                      <a:headEnd type="none" w="med" len="med"/>
+                      <a:tailEnd type="none" w="med" len="med"/>
+                    </a:lnL>
+                    <a:lnR w="12697" cap="flat" cmpd="sng" algn="ctr">
+                      <a:solidFill>
+                        <a:srgbClr val="62B4C6"/>
+                      </a:solidFill>
+                      <a:prstDash val="solid"/>
+                      <a:round/>
+                      <a:headEnd type="none" w="med" len="med"/>
+                      <a:tailEnd type="none" w="med" len="med"/>
+                    </a:lnR>
+                    <a:lnT w="12697" cap="flat" cmpd="sng" algn="ctr">
+                      <a:solidFill>
+                        <a:srgbClr val="62B4C6"/>
+                      </a:solidFill>
+                      <a:prstDash val="solid"/>
+                      <a:round/>
+                      <a:headEnd type="none" w="med" len="med"/>
+                      <a:tailEnd type="none" w="med" len="med"/>
+                    </a:lnT>
+                    <a:lnB w="12697" cap="flat" cmpd="sng" algn="ctr">
+                      <a:solidFill>
+                        <a:srgbClr val="62B4C6"/>
+                      </a:solidFill>
+                      <a:prstDash val="solid"/>
+                      <a:round/>
+                      <a:headEnd type="none" w="med" len="med"/>
+                      <a:tailEnd type="none" w="med" len="med"/>
+                    </a:lnB>
+                    <a:solidFill>
+                      <a:schemeClr val="bg1"/>
+                    </a:solidFill>
+                  </a:tcPr>
+                </a:tc>
+                <a:tc>
+                  <a:txBody>
+                    <a:bodyPr/>
+                    <a:lstStyle/>
+                    <a:p>
+                      <a:pPr algn="l" rtl="0" fontAlgn="ctr">
+                        <a:spcBef>
+                          <a:spcPts val="0"/>
+                        </a:spcBef>
+                        <a:spcAft>
+                          <a:spcPts val="0"/>
+                        </a:spcAft>
+                      </a:pPr>
+                      <a:r>
+                        <a:rPr lang="en-US" sz="1000" b="0" i="0" u="none" strike="noStrike" dirty="0">
+                          <a:solidFill>
+                            <a:srgbClr val="000000"/>
+                          </a:solidFill>
+                          <a:effectLst/>
+                          <a:latin typeface="Gill Sans" panose="020B0502020104020203" pitchFamily="34" charset="-79"/>
+                          <a:cs typeface="Gill Sans" panose="020B0502020104020203" pitchFamily="34" charset="-79"/>
+                        </a:rPr>
+                        <a:t>2 MB</a:t>
+                      </a:r>
+                    </a:p>
+                    <a:p>
+                      <a:pPr algn="l" rtl="0" fontAlgn="ctr">
+                        <a:spcBef>
+                          <a:spcPts val="0"/>
+                        </a:spcBef>
+                        <a:spcAft>
+                          <a:spcPts val="0"/>
+                        </a:spcAft>
+                      </a:pPr>
+                      <a:r>
+                        <a:rPr lang="en-US" sz="1000" b="0" i="0" u="none" strike="noStrike" dirty="0">
+                          <a:solidFill>
+                            <a:srgbClr val="000000"/>
+                          </a:solidFill>
+                          <a:effectLst/>
+                          <a:latin typeface="Gill Sans" panose="020B0502020104020203" pitchFamily="34" charset="-79"/>
+                          <a:cs typeface="Gill Sans" panose="020B0502020104020203" pitchFamily="34" charset="-79"/>
+                        </a:rPr>
+                        <a:t>Unstructured Data:</a:t>
+                      </a:r>
+                    </a:p>
+                    <a:p>
+                      <a:pPr algn="l" rtl="0" fontAlgn="ctr">
+                        <a:spcBef>
+                          <a:spcPts val="0"/>
+                        </a:spcBef>
+                        <a:spcAft>
+                          <a:spcPts val="0"/>
+                        </a:spcAft>
+                      </a:pPr>
+                      <a:r>
+                        <a:rPr lang="en-US" sz="1000" b="0" i="0" u="none" strike="noStrike" dirty="0">
+                          <a:solidFill>
+                            <a:srgbClr val="000000"/>
+                          </a:solidFill>
+                          <a:effectLst/>
+                          <a:latin typeface="Gill Sans" panose="020B0502020104020203" pitchFamily="34" charset="-79"/>
+                          <a:cs typeface="Gill Sans" panose="020B0502020104020203" pitchFamily="34" charset="-79"/>
+                        </a:rPr>
+                        <a:t>From Web Scraping</a:t>
+                      </a:r>
+                      <a:endParaRPr lang="en-US" sz="1000" dirty="0">
+                        <a:effectLst/>
+                      </a:endParaRPr>
+                    </a:p>
+                  </a:txBody>
+                  <a:tcPr marL="54655" marR="54655" marT="54655" marB="54655" anchor="ctr">
+                    <a:lnL w="12697" cap="flat" cmpd="sng" algn="ctr">
+                      <a:solidFill>
+                        <a:srgbClr val="62B4C6"/>
+                      </a:solidFill>
+                      <a:prstDash val="solid"/>
+                      <a:round/>
+                      <a:headEnd type="none" w="med" len="med"/>
+                      <a:tailEnd type="none" w="med" len="med"/>
+                    </a:lnL>
+                    <a:lnR w="12697" cap="flat" cmpd="sng" algn="ctr">
+                      <a:solidFill>
+                        <a:srgbClr val="62B4C6"/>
+                      </a:solidFill>
+                      <a:prstDash val="solid"/>
+                      <a:round/>
+                      <a:headEnd type="none" w="med" len="med"/>
+                      <a:tailEnd type="none" w="med" len="med"/>
+                    </a:lnR>
+                    <a:lnT w="12697" cap="flat" cmpd="sng" algn="ctr">
+                      <a:solidFill>
+                        <a:srgbClr val="62B4C6"/>
+                      </a:solidFill>
+                      <a:prstDash val="solid"/>
+                      <a:round/>
+                      <a:headEnd type="none" w="med" len="med"/>
+                      <a:tailEnd type="none" w="med" len="med"/>
+                    </a:lnT>
+                    <a:lnB w="12697" cap="flat" cmpd="sng" algn="ctr">
+                      <a:solidFill>
+                        <a:srgbClr val="62B4C6"/>
+                      </a:solidFill>
+                      <a:prstDash val="solid"/>
+                      <a:round/>
+                      <a:headEnd type="none" w="med" len="med"/>
+                      <a:tailEnd type="none" w="med" len="med"/>
+                    </a:lnB>
+                    <a:solidFill>
+                      <a:schemeClr val="bg1"/>
+                    </a:solidFill>
+                  </a:tcPr>
+                </a:tc>
+                <a:tc>
+                  <a:txBody>
+                    <a:bodyPr/>
+                    <a:lstStyle/>
+                    <a:p>
+                      <a:pPr algn="l" rtl="0" fontAlgn="t">
+                        <a:spcBef>
+                          <a:spcPts val="0"/>
+                        </a:spcBef>
+                        <a:spcAft>
+                          <a:spcPts val="0"/>
+                        </a:spcAft>
+                      </a:pPr>
+                      <a:r>
+                        <a:rPr lang="en-US" sz="1000" b="0" i="0" u="none" strike="noStrike" dirty="0">
+                          <a:solidFill>
+                            <a:srgbClr val="000000"/>
+                          </a:solidFill>
+                          <a:effectLst/>
+                          <a:latin typeface="Gill Sans MT" panose="020B0502020104020203" pitchFamily="34" charset="77"/>
+                        </a:rPr>
+                        <a:t>Only the Home game dates and location </a:t>
+                      </a:r>
+                      <a:endParaRPr lang="en-US" sz="1000" dirty="0">
+                        <a:effectLst/>
+                      </a:endParaRPr>
+                    </a:p>
+                  </a:txBody>
+                  <a:tcPr marL="54655" marR="54655" marT="54655" marB="54655">
+                    <a:lnL w="12697" cap="flat" cmpd="sng" algn="ctr">
+                      <a:solidFill>
+                        <a:srgbClr val="62B4C6"/>
+                      </a:solidFill>
+                      <a:prstDash val="solid"/>
+                      <a:round/>
+                      <a:headEnd type="none" w="med" len="med"/>
+                      <a:tailEnd type="none" w="med" len="med"/>
+                    </a:lnL>
+                    <a:lnR w="12697" cap="flat" cmpd="sng" algn="ctr">
+                      <a:solidFill>
+                        <a:srgbClr val="62B4C6"/>
+                      </a:solidFill>
+                      <a:prstDash val="solid"/>
+                      <a:round/>
+                      <a:headEnd type="none" w="med" len="med"/>
+                      <a:tailEnd type="none" w="med" len="med"/>
+                    </a:lnR>
+                    <a:lnT w="12697" cap="flat" cmpd="sng" algn="ctr">
+                      <a:solidFill>
+                        <a:srgbClr val="62B4C6"/>
+                      </a:solidFill>
+                      <a:prstDash val="solid"/>
+                      <a:round/>
+                      <a:headEnd type="none" w="med" len="med"/>
+                      <a:tailEnd type="none" w="med" len="med"/>
+                    </a:lnT>
+                    <a:lnB w="12697" cap="flat" cmpd="sng" algn="ctr">
+                      <a:solidFill>
+                        <a:srgbClr val="62B4C6"/>
+                      </a:solidFill>
+                      <a:prstDash val="solid"/>
+                      <a:round/>
+                      <a:headEnd type="none" w="med" len="med"/>
+                      <a:tailEnd type="none" w="med" len="med"/>
+                    </a:lnB>
+                    <a:solidFill>
+                      <a:schemeClr val="bg1"/>
+                    </a:solidFill>
+                  </a:tcPr>
+                </a:tc>
+                <a:tc>
+                  <a:txBody>
+                    <a:bodyPr/>
+                    <a:lstStyle/>
+                    <a:p>
+                      <a:pPr algn="l" rtl="0" fontAlgn="t">
+                        <a:spcBef>
+                          <a:spcPts val="0"/>
+                        </a:spcBef>
+                        <a:spcAft>
+                          <a:spcPts val="0"/>
+                        </a:spcAft>
+                      </a:pPr>
+                      <a:r>
+                        <a:rPr lang="en-US" sz="1000" b="0" i="0" u="none" strike="noStrike" dirty="0">
+                          <a:solidFill>
+                            <a:srgbClr val="000000"/>
+                          </a:solidFill>
+                          <a:effectLst/>
+                          <a:latin typeface="Gill Sans MT" panose="020B0502020104020203" pitchFamily="34" charset="77"/>
+                        </a:rPr>
+                        <a:t>Python and Excel</a:t>
+                      </a:r>
+                      <a:endParaRPr lang="en-US" sz="1000" dirty="0">
+                        <a:effectLst/>
+                      </a:endParaRPr>
+                    </a:p>
+                  </a:txBody>
+                  <a:tcPr marL="54655" marR="54655" marT="54655" marB="54655">
+                    <a:lnL w="12697" cap="flat" cmpd="sng" algn="ctr">
+                      <a:solidFill>
+                        <a:srgbClr val="62B4C6"/>
+                      </a:solidFill>
+                      <a:prstDash val="solid"/>
+                      <a:round/>
+                      <a:headEnd type="none" w="med" len="med"/>
+                      <a:tailEnd type="none" w="med" len="med"/>
+                    </a:lnL>
+                    <a:lnR w="12697" cap="flat" cmpd="sng" algn="ctr">
+                      <a:solidFill>
+                        <a:srgbClr val="62B4C6"/>
+                      </a:solidFill>
+                      <a:prstDash val="solid"/>
+                      <a:round/>
+                      <a:headEnd type="none" w="med" len="med"/>
+                      <a:tailEnd type="none" w="med" len="med"/>
+                    </a:lnR>
+                    <a:lnT w="12697" cap="flat" cmpd="sng" algn="ctr">
+                      <a:solidFill>
+                        <a:srgbClr val="62B4C6"/>
+                      </a:solidFill>
+                      <a:prstDash val="solid"/>
+                      <a:round/>
+                      <a:headEnd type="none" w="med" len="med"/>
+                      <a:tailEnd type="none" w="med" len="med"/>
+                    </a:lnT>
+                    <a:lnB w="12697" cap="flat" cmpd="sng" algn="ctr">
+                      <a:solidFill>
+                        <a:srgbClr val="62B4C6"/>
+                      </a:solidFill>
+                      <a:prstDash val="solid"/>
+                      <a:round/>
+                      <a:headEnd type="none" w="med" len="med"/>
+                      <a:tailEnd type="none" w="med" len="med"/>
+                    </a:lnB>
+                    <a:solidFill>
+                      <a:schemeClr val="bg1"/>
+                    </a:solidFill>
+                  </a:tcPr>
+                </a:tc>
+                <a:extLst>
+                  <a:ext uri="{0D108BD9-81ED-4DB2-BD59-A6C34878D82A}">
+                    <a16:rowId xmlns:a16="http://schemas.microsoft.com/office/drawing/2014/main" val="1797326425"/>
+                  </a:ext>
+                </a:extLst>
+              </a:tr>
+              <a:tr h="542172">
+                <a:tc>
+                  <a:txBody>
+                    <a:bodyPr/>
+                    <a:lstStyle/>
+                    <a:p>
+                      <a:pPr algn="l" rtl="0" fontAlgn="ctr">
+                        <a:spcBef>
+                          <a:spcPts val="0"/>
+                        </a:spcBef>
+                        <a:spcAft>
+                          <a:spcPts val="0"/>
+                        </a:spcAft>
+                      </a:pPr>
+                      <a:r>
+                        <a:rPr lang="en-US" sz="1000" b="0" i="0" u="none" strike="noStrike" dirty="0">
+                          <a:solidFill>
+                            <a:srgbClr val="000000"/>
+                          </a:solidFill>
+                          <a:effectLst/>
+                          <a:latin typeface="Gill Sans MT" panose="020B0502020104020203" pitchFamily="34" charset="77"/>
+                        </a:rPr>
+                        <a:t>National Centers for Environmental Information</a:t>
+                      </a:r>
+                      <a:endParaRPr lang="en-US" sz="1000" dirty="0">
+                        <a:effectLst/>
+                      </a:endParaRPr>
+                    </a:p>
+                  </a:txBody>
+                  <a:tcPr marL="54655" marR="54655" marT="54655" marB="54655" anchor="ctr">
+                    <a:lnL w="12697" cap="flat" cmpd="sng" algn="ctr">
+                      <a:solidFill>
+                        <a:srgbClr val="62B4C6"/>
+                      </a:solidFill>
+                      <a:prstDash val="solid"/>
+                      <a:round/>
+                      <a:headEnd type="none" w="med" len="med"/>
+                      <a:tailEnd type="none" w="med" len="med"/>
+                    </a:lnL>
+                    <a:lnR w="12697" cap="flat" cmpd="sng" algn="ctr">
+                      <a:solidFill>
+                        <a:srgbClr val="62B4C6"/>
+                      </a:solidFill>
+                      <a:prstDash val="solid"/>
+                      <a:round/>
+                      <a:headEnd type="none" w="med" len="med"/>
+                      <a:tailEnd type="none" w="med" len="med"/>
+                    </a:lnR>
+                    <a:lnT w="12697" cap="flat" cmpd="sng" algn="ctr">
+                      <a:solidFill>
+                        <a:srgbClr val="62B4C6"/>
+                      </a:solidFill>
+                      <a:prstDash val="solid"/>
+                      <a:round/>
+                      <a:headEnd type="none" w="med" len="med"/>
+                      <a:tailEnd type="none" w="med" len="med"/>
+                    </a:lnT>
+                    <a:lnB w="12697" cap="flat" cmpd="sng" algn="ctr">
+                      <a:solidFill>
+                        <a:srgbClr val="62B4C6"/>
+                      </a:solidFill>
+                      <a:prstDash val="solid"/>
+                      <a:round/>
+                      <a:headEnd type="none" w="med" len="med"/>
+                      <a:tailEnd type="none" w="med" len="med"/>
+                    </a:lnB>
+                    <a:solidFill>
+                      <a:schemeClr val="bg1"/>
+                    </a:solidFill>
+                  </a:tcPr>
+                </a:tc>
+                <a:tc>
+                  <a:txBody>
+                    <a:bodyPr/>
+                    <a:lstStyle/>
+                    <a:p>
+                      <a:pPr algn="l" rtl="0" fontAlgn="ctr">
+                        <a:spcBef>
+                          <a:spcPts val="0"/>
+                        </a:spcBef>
+                        <a:spcAft>
+                          <a:spcPts val="0"/>
+                        </a:spcAft>
+                      </a:pPr>
+                      <a:r>
+                        <a:rPr lang="en-US" sz="1000" b="0" i="0" u="none" strike="noStrike" dirty="0">
+                          <a:solidFill>
+                            <a:srgbClr val="000000"/>
+                          </a:solidFill>
+                          <a:effectLst/>
+                          <a:latin typeface="Gill Sans" panose="020B0502020104020203" pitchFamily="34" charset="-79"/>
+                          <a:cs typeface="Gill Sans" panose="020B0502020104020203" pitchFamily="34" charset="-79"/>
+                        </a:rPr>
+                        <a:t>5.5 MB</a:t>
+                      </a:r>
+                    </a:p>
+                    <a:p>
+                      <a:pPr marL="0" marR="0" lvl="0" indent="0" algn="l" defTabSz="685800" rtl="0" eaLnBrk="1" fontAlgn="ctr" latinLnBrk="0" hangingPunct="1">
+                        <a:lnSpc>
+                          <a:spcPct val="100000"/>
+                        </a:lnSpc>
+                        <a:spcBef>
+                          <a:spcPts val="0"/>
+                        </a:spcBef>
+                        <a:spcAft>
+                          <a:spcPts val="0"/>
+                        </a:spcAft>
+                        <a:buClrTx/>
+                        <a:buSzTx/>
+                        <a:buFontTx/>
+                        <a:buNone/>
+                        <a:tabLst/>
+                        <a:defRPr/>
+                      </a:pPr>
+                      <a:r>
+                        <a:rPr lang="en-US" sz="1000" b="0" i="0" u="none" strike="noStrike" dirty="0">
+                          <a:solidFill>
+                            <a:srgbClr val="000000"/>
+                          </a:solidFill>
+                          <a:effectLst/>
+                          <a:latin typeface="Gill Sans" panose="020B0502020104020203" pitchFamily="34" charset="-79"/>
+                          <a:cs typeface="Gill Sans" panose="020B0502020104020203" pitchFamily="34" charset="-79"/>
+                        </a:rPr>
+                        <a:t>Structured CSV File</a:t>
+                      </a:r>
+                      <a:endParaRPr lang="en-US" sz="1000" dirty="0">
+                        <a:effectLst/>
+                      </a:endParaRPr>
+                    </a:p>
+                  </a:txBody>
+                  <a:tcPr marL="54655" marR="54655" marT="54655" marB="54655" anchor="ctr">
+                    <a:lnL w="12697" cap="flat" cmpd="sng" algn="ctr">
+                      <a:solidFill>
+                        <a:srgbClr val="62B4C6"/>
+                      </a:solidFill>
+                      <a:prstDash val="solid"/>
+                      <a:round/>
+                      <a:headEnd type="none" w="med" len="med"/>
+                      <a:tailEnd type="none" w="med" len="med"/>
+                    </a:lnL>
+                    <a:lnR w="12697" cap="flat" cmpd="sng" algn="ctr">
+                      <a:solidFill>
+                        <a:srgbClr val="62B4C6"/>
+                      </a:solidFill>
+                      <a:prstDash val="solid"/>
+                      <a:round/>
+                      <a:headEnd type="none" w="med" len="med"/>
+                      <a:tailEnd type="none" w="med" len="med"/>
+                    </a:lnR>
+                    <a:lnT w="12697" cap="flat" cmpd="sng" algn="ctr">
+                      <a:solidFill>
+                        <a:srgbClr val="62B4C6"/>
+                      </a:solidFill>
+                      <a:prstDash val="solid"/>
+                      <a:round/>
+                      <a:headEnd type="none" w="med" len="med"/>
+                      <a:tailEnd type="none" w="med" len="med"/>
+                    </a:lnT>
+                    <a:lnB w="12697" cap="flat" cmpd="sng" algn="ctr">
+                      <a:solidFill>
+                        <a:srgbClr val="62B4C6"/>
+                      </a:solidFill>
+                      <a:prstDash val="solid"/>
+                      <a:round/>
+                      <a:headEnd type="none" w="med" len="med"/>
+                      <a:tailEnd type="none" w="med" len="med"/>
+                    </a:lnB>
+                    <a:solidFill>
+                      <a:schemeClr val="bg1"/>
+                    </a:solidFill>
+                  </a:tcPr>
+                </a:tc>
+                <a:tc>
+                  <a:txBody>
+                    <a:bodyPr/>
+                    <a:lstStyle/>
+                    <a:p>
+                      <a:pPr algn="l" rtl="0" fontAlgn="t">
+                        <a:spcBef>
+                          <a:spcPts val="0"/>
+                        </a:spcBef>
+                        <a:spcAft>
+                          <a:spcPts val="0"/>
+                        </a:spcAft>
+                      </a:pPr>
+                      <a:r>
+                        <a:rPr lang="en-US" sz="1000" b="0" i="0" u="none" strike="noStrike" dirty="0">
+                          <a:solidFill>
+                            <a:srgbClr val="000000"/>
+                          </a:solidFill>
+                          <a:effectLst/>
+                          <a:latin typeface="Gill Sans MT" panose="020B0502020104020203" pitchFamily="34" charset="77"/>
+                        </a:rPr>
+                        <a:t>Avg daily temp, total daily precipitation and avg daily wind speed by date.</a:t>
+                      </a:r>
+                      <a:endParaRPr lang="en-US" sz="1000" dirty="0">
+                        <a:effectLst/>
+                      </a:endParaRPr>
+                    </a:p>
+                  </a:txBody>
+                  <a:tcPr marL="54655" marR="54655" marT="54655" marB="54655">
+                    <a:lnL w="12697" cap="flat" cmpd="sng" algn="ctr">
+                      <a:solidFill>
+                        <a:srgbClr val="62B4C6"/>
+                      </a:solidFill>
+                      <a:prstDash val="solid"/>
+                      <a:round/>
+                      <a:headEnd type="none" w="med" len="med"/>
+                      <a:tailEnd type="none" w="med" len="med"/>
+                    </a:lnL>
+                    <a:lnR w="12697" cap="flat" cmpd="sng" algn="ctr">
+                      <a:solidFill>
+                        <a:srgbClr val="62B4C6"/>
+                      </a:solidFill>
+                      <a:prstDash val="solid"/>
+                      <a:round/>
+                      <a:headEnd type="none" w="med" len="med"/>
+                      <a:tailEnd type="none" w="med" len="med"/>
+                    </a:lnR>
+                    <a:lnT w="12697" cap="flat" cmpd="sng" algn="ctr">
+                      <a:solidFill>
+                        <a:srgbClr val="62B4C6"/>
+                      </a:solidFill>
+                      <a:prstDash val="solid"/>
+                      <a:round/>
+                      <a:headEnd type="none" w="med" len="med"/>
+                      <a:tailEnd type="none" w="med" len="med"/>
+                    </a:lnT>
+                    <a:lnB w="12697" cap="flat" cmpd="sng" algn="ctr">
+                      <a:solidFill>
+                        <a:srgbClr val="62B4C6"/>
+                      </a:solidFill>
+                      <a:prstDash val="solid"/>
+                      <a:round/>
+                      <a:headEnd type="none" w="med" len="med"/>
+                      <a:tailEnd type="none" w="med" len="med"/>
+                    </a:lnB>
+                    <a:solidFill>
+                      <a:schemeClr val="bg1"/>
+                    </a:solidFill>
+                  </a:tcPr>
+                </a:tc>
+                <a:tc>
+                  <a:txBody>
+                    <a:bodyPr/>
+                    <a:lstStyle/>
+                    <a:p>
+                      <a:pPr algn="l" rtl="0" fontAlgn="t">
+                        <a:spcBef>
+                          <a:spcPts val="0"/>
+                        </a:spcBef>
+                        <a:spcAft>
+                          <a:spcPts val="0"/>
+                        </a:spcAft>
+                      </a:pPr>
+                      <a:r>
+                        <a:rPr lang="en-US" sz="1000" b="0" i="0" u="none" strike="noStrike" dirty="0">
+                          <a:solidFill>
+                            <a:srgbClr val="000000"/>
+                          </a:solidFill>
+                          <a:effectLst/>
+                          <a:latin typeface="Gill Sans MT" panose="020B0502020104020203" pitchFamily="34" charset="77"/>
+                        </a:rPr>
+                        <a:t>Python and Excel</a:t>
+                      </a:r>
+                      <a:endParaRPr lang="en-US" sz="1000" dirty="0">
+                        <a:effectLst/>
+                      </a:endParaRPr>
+                    </a:p>
+                  </a:txBody>
+                  <a:tcPr marL="54655" marR="54655" marT="54655" marB="54655">
+                    <a:lnL w="12697" cap="flat" cmpd="sng" algn="ctr">
+                      <a:solidFill>
+                        <a:srgbClr val="62B4C6"/>
+                      </a:solidFill>
+                      <a:prstDash val="solid"/>
+                      <a:round/>
+                      <a:headEnd type="none" w="med" len="med"/>
+                      <a:tailEnd type="none" w="med" len="med"/>
+                    </a:lnL>
+                    <a:lnR w="12697" cap="flat" cmpd="sng" algn="ctr">
+                      <a:solidFill>
+                        <a:srgbClr val="62B4C6"/>
+                      </a:solidFill>
+                      <a:prstDash val="solid"/>
+                      <a:round/>
+                      <a:headEnd type="none" w="med" len="med"/>
+                      <a:tailEnd type="none" w="med" len="med"/>
+                    </a:lnR>
+                    <a:lnT w="12697" cap="flat" cmpd="sng" algn="ctr">
+                      <a:solidFill>
+                        <a:srgbClr val="62B4C6"/>
+                      </a:solidFill>
+                      <a:prstDash val="solid"/>
+                      <a:round/>
+                      <a:headEnd type="none" w="med" len="med"/>
+                      <a:tailEnd type="none" w="med" len="med"/>
+                    </a:lnT>
+                    <a:lnB w="12697" cap="flat" cmpd="sng" algn="ctr">
+                      <a:solidFill>
+                        <a:srgbClr val="62B4C6"/>
+                      </a:solidFill>
+                      <a:prstDash val="solid"/>
+                      <a:round/>
+                      <a:headEnd type="none" w="med" len="med"/>
+                      <a:tailEnd type="none" w="med" len="med"/>
+                    </a:lnB>
+                    <a:solidFill>
+                      <a:schemeClr val="bg1"/>
+                    </a:solidFill>
+                  </a:tcPr>
+                </a:tc>
+                <a:extLst>
+                  <a:ext uri="{0D108BD9-81ED-4DB2-BD59-A6C34878D82A}">
+                    <a16:rowId xmlns:a16="http://schemas.microsoft.com/office/drawing/2014/main" val="513257282"/>
+                  </a:ext>
+                </a:extLst>
+              </a:tr>
+              <a:tr h="563677">
+                <a:tc>
+                  <a:txBody>
+                    <a:bodyPr/>
+                    <a:lstStyle/>
+                    <a:p>
+                      <a:pPr algn="l" rtl="0" fontAlgn="ctr">
+                        <a:spcBef>
+                          <a:spcPts val="0"/>
+                        </a:spcBef>
+                        <a:spcAft>
+                          <a:spcPts val="0"/>
+                        </a:spcAft>
+                      </a:pPr>
+                      <a:r>
+                        <a:rPr lang="en-US" sz="1000" b="0" i="0" u="none" strike="noStrike" dirty="0">
+                          <a:solidFill>
+                            <a:srgbClr val="000000"/>
+                          </a:solidFill>
+                          <a:effectLst/>
+                          <a:latin typeface="Gill Sans MT" panose="020B0502020104020203" pitchFamily="34" charset="77"/>
+                        </a:rPr>
+                        <a:t>Wikipedia: Community Areas in Chicago</a:t>
+                      </a:r>
+                      <a:endParaRPr lang="en-US" sz="1000" dirty="0">
+                        <a:effectLst/>
+                      </a:endParaRPr>
+                    </a:p>
+                  </a:txBody>
+                  <a:tcPr marL="54655" marR="54655" marT="54655" marB="54655" anchor="ctr">
+                    <a:lnL w="12697" cap="flat" cmpd="sng" algn="ctr">
+                      <a:solidFill>
+                        <a:srgbClr val="62B4C6"/>
+                      </a:solidFill>
+                      <a:prstDash val="solid"/>
+                      <a:round/>
+                      <a:headEnd type="none" w="med" len="med"/>
+                      <a:tailEnd type="none" w="med" len="med"/>
+                    </a:lnL>
+                    <a:lnR w="12697" cap="flat" cmpd="sng" algn="ctr">
+                      <a:solidFill>
+                        <a:srgbClr val="62B4C6"/>
+                      </a:solidFill>
+                      <a:prstDash val="solid"/>
+                      <a:round/>
+                      <a:headEnd type="none" w="med" len="med"/>
+                      <a:tailEnd type="none" w="med" len="med"/>
+                    </a:lnR>
+                    <a:lnT w="12697" cap="flat" cmpd="sng" algn="ctr">
+                      <a:solidFill>
+                        <a:srgbClr val="62B4C6"/>
+                      </a:solidFill>
+                      <a:prstDash val="solid"/>
+                      <a:round/>
+                      <a:headEnd type="none" w="med" len="med"/>
+                      <a:tailEnd type="none" w="med" len="med"/>
+                    </a:lnT>
+                    <a:lnB w="12697" cap="flat" cmpd="sng" algn="ctr">
+                      <a:solidFill>
+                        <a:srgbClr val="62B4C6"/>
+                      </a:solidFill>
+                      <a:prstDash val="solid"/>
+                      <a:round/>
+                      <a:headEnd type="none" w="med" len="med"/>
+                      <a:tailEnd type="none" w="med" len="med"/>
+                    </a:lnB>
+                    <a:solidFill>
+                      <a:schemeClr val="bg1"/>
+                    </a:solidFill>
+                  </a:tcPr>
+                </a:tc>
+                <a:tc>
+                  <a:txBody>
+                    <a:bodyPr/>
+                    <a:lstStyle/>
+                    <a:p>
+                      <a:pPr algn="l" rtl="0" fontAlgn="ctr">
+                        <a:spcBef>
+                          <a:spcPts val="0"/>
+                        </a:spcBef>
+                        <a:spcAft>
+                          <a:spcPts val="0"/>
+                        </a:spcAft>
+                      </a:pPr>
+                      <a:r>
+                        <a:rPr lang="en-US" sz="1000" b="0" i="0" u="none" strike="noStrike" dirty="0">
+                          <a:solidFill>
+                            <a:srgbClr val="000000"/>
+                          </a:solidFill>
+                          <a:effectLst/>
+                          <a:latin typeface="Gill Sans" panose="020B0502020104020203" pitchFamily="34" charset="-79"/>
+                          <a:cs typeface="Gill Sans" panose="020B0502020104020203" pitchFamily="34" charset="-79"/>
+                        </a:rPr>
+                        <a:t>0.1 MB</a:t>
+                      </a:r>
+                    </a:p>
+                    <a:p>
+                      <a:pPr algn="l" rtl="0" fontAlgn="ctr">
+                        <a:spcBef>
+                          <a:spcPts val="0"/>
+                        </a:spcBef>
+                        <a:spcAft>
+                          <a:spcPts val="0"/>
+                        </a:spcAft>
+                      </a:pPr>
+                      <a:r>
+                        <a:rPr lang="en-US" sz="1000" b="0" i="0" u="none" strike="noStrike" dirty="0">
+                          <a:solidFill>
+                            <a:srgbClr val="000000"/>
+                          </a:solidFill>
+                          <a:effectLst/>
+                          <a:latin typeface="Gill Sans" panose="020B0502020104020203" pitchFamily="34" charset="-79"/>
+                          <a:cs typeface="Gill Sans" panose="020B0502020104020203" pitchFamily="34" charset="-79"/>
+                        </a:rPr>
+                        <a:t>Unstructured Data:</a:t>
+                      </a:r>
+                      <a:endParaRPr lang="en-US" sz="1000" dirty="0">
+                        <a:effectLst/>
+                      </a:endParaRPr>
+                    </a:p>
+                    <a:p>
+                      <a:pPr algn="l" rtl="0" fontAlgn="ctr">
+                        <a:spcBef>
+                          <a:spcPts val="0"/>
+                        </a:spcBef>
+                        <a:spcAft>
+                          <a:spcPts val="0"/>
+                        </a:spcAft>
+                      </a:pPr>
+                      <a:r>
+                        <a:rPr lang="en-US" sz="1000" b="0" i="0" u="none" strike="noStrike" dirty="0">
+                          <a:solidFill>
+                            <a:srgbClr val="000000"/>
+                          </a:solidFill>
+                          <a:effectLst/>
+                          <a:latin typeface="Gill Sans" panose="020B0502020104020203" pitchFamily="34" charset="-79"/>
+                          <a:cs typeface="Gill Sans" panose="020B0502020104020203" pitchFamily="34" charset="-79"/>
+                        </a:rPr>
+                        <a:t>From Web Scraping</a:t>
+                      </a:r>
+                      <a:endParaRPr lang="en-US" sz="1000" dirty="0">
+                        <a:effectLst/>
+                      </a:endParaRPr>
+                    </a:p>
+                  </a:txBody>
+                  <a:tcPr marL="54655" marR="54655" marT="54655" marB="54655" anchor="ctr">
+                    <a:lnL w="12697" cap="flat" cmpd="sng" algn="ctr">
+                      <a:solidFill>
+                        <a:srgbClr val="62B4C6"/>
+                      </a:solidFill>
+                      <a:prstDash val="solid"/>
+                      <a:round/>
+                      <a:headEnd type="none" w="med" len="med"/>
+                      <a:tailEnd type="none" w="med" len="med"/>
+                    </a:lnL>
+                    <a:lnR w="12697" cap="flat" cmpd="sng" algn="ctr">
+                      <a:solidFill>
+                        <a:srgbClr val="62B4C6"/>
+                      </a:solidFill>
+                      <a:prstDash val="solid"/>
+                      <a:round/>
+                      <a:headEnd type="none" w="med" len="med"/>
+                      <a:tailEnd type="none" w="med" len="med"/>
+                    </a:lnR>
+                    <a:lnT w="12697" cap="flat" cmpd="sng" algn="ctr">
+                      <a:solidFill>
+                        <a:srgbClr val="62B4C6"/>
+                      </a:solidFill>
+                      <a:prstDash val="solid"/>
+                      <a:round/>
+                      <a:headEnd type="none" w="med" len="med"/>
+                      <a:tailEnd type="none" w="med" len="med"/>
+                    </a:lnT>
+                    <a:lnB w="12697" cap="flat" cmpd="sng" algn="ctr">
+                      <a:solidFill>
+                        <a:srgbClr val="62B4C6"/>
+                      </a:solidFill>
+                      <a:prstDash val="solid"/>
+                      <a:round/>
+                      <a:headEnd type="none" w="med" len="med"/>
+                      <a:tailEnd type="none" w="med" len="med"/>
+                    </a:lnB>
+                    <a:solidFill>
+                      <a:schemeClr val="bg1"/>
+                    </a:solidFill>
+                  </a:tcPr>
+                </a:tc>
+                <a:tc>
+                  <a:txBody>
+                    <a:bodyPr/>
+                    <a:lstStyle/>
+                    <a:p>
+                      <a:pPr algn="l" rtl="0" fontAlgn="t">
+                        <a:spcBef>
+                          <a:spcPts val="0"/>
+                        </a:spcBef>
+                        <a:spcAft>
+                          <a:spcPts val="0"/>
+                        </a:spcAft>
+                      </a:pPr>
+                      <a:r>
+                        <a:rPr lang="en-US" sz="1000" b="0" i="0" u="none" strike="noStrike" dirty="0">
+                          <a:solidFill>
+                            <a:srgbClr val="000000"/>
+                          </a:solidFill>
+                          <a:effectLst/>
+                          <a:latin typeface="Gill Sans MT" panose="020B0502020104020203" pitchFamily="34" charset="77"/>
+                        </a:rPr>
+                        <a:t>Chicago community area code</a:t>
+                      </a:r>
+                      <a:endParaRPr lang="en-US" sz="1000" dirty="0">
+                        <a:effectLst/>
+                      </a:endParaRPr>
+                    </a:p>
+                  </a:txBody>
+                  <a:tcPr marL="54655" marR="54655" marT="54655" marB="54655">
+                    <a:lnL w="12697" cap="flat" cmpd="sng" algn="ctr">
+                      <a:solidFill>
+                        <a:srgbClr val="62B4C6"/>
+                      </a:solidFill>
+                      <a:prstDash val="solid"/>
+                      <a:round/>
+                      <a:headEnd type="none" w="med" len="med"/>
+                      <a:tailEnd type="none" w="med" len="med"/>
+                    </a:lnL>
+                    <a:lnR w="12697" cap="flat" cmpd="sng" algn="ctr">
+                      <a:solidFill>
+                        <a:srgbClr val="62B4C6"/>
+                      </a:solidFill>
+                      <a:prstDash val="solid"/>
+                      <a:round/>
+                      <a:headEnd type="none" w="med" len="med"/>
+                      <a:tailEnd type="none" w="med" len="med"/>
+                    </a:lnR>
+                    <a:lnT w="12697" cap="flat" cmpd="sng" algn="ctr">
+                      <a:solidFill>
+                        <a:srgbClr val="62B4C6"/>
+                      </a:solidFill>
+                      <a:prstDash val="solid"/>
+                      <a:round/>
+                      <a:headEnd type="none" w="med" len="med"/>
+                      <a:tailEnd type="none" w="med" len="med"/>
+                    </a:lnT>
+                    <a:lnB w="12697" cap="flat" cmpd="sng" algn="ctr">
+                      <a:solidFill>
+                        <a:srgbClr val="62B4C6"/>
+                      </a:solidFill>
+                      <a:prstDash val="solid"/>
+                      <a:round/>
+                      <a:headEnd type="none" w="med" len="med"/>
+                      <a:tailEnd type="none" w="med" len="med"/>
+                    </a:lnB>
+                    <a:solidFill>
+                      <a:schemeClr val="bg1"/>
+                    </a:solidFill>
+                  </a:tcPr>
+                </a:tc>
+                <a:tc>
+                  <a:txBody>
+                    <a:bodyPr/>
+                    <a:lstStyle/>
+                    <a:p>
+                      <a:pPr algn="l" rtl="0" fontAlgn="t">
+                        <a:spcBef>
+                          <a:spcPts val="0"/>
+                        </a:spcBef>
+                        <a:spcAft>
+                          <a:spcPts val="0"/>
+                        </a:spcAft>
+                      </a:pPr>
+                      <a:r>
+                        <a:rPr lang="en-US" sz="1000" b="0" i="0" u="none" strike="noStrike" dirty="0">
+                          <a:solidFill>
+                            <a:srgbClr val="000000"/>
+                          </a:solidFill>
+                          <a:effectLst/>
+                          <a:latin typeface="Gill Sans MT" panose="020B0502020104020203" pitchFamily="34" charset="77"/>
+                        </a:rPr>
+                        <a:t>Python and Excel</a:t>
+                      </a:r>
+                      <a:endParaRPr lang="en-US" sz="1000" dirty="0">
+                        <a:effectLst/>
+                      </a:endParaRPr>
+                    </a:p>
+                  </a:txBody>
+                  <a:tcPr marL="54655" marR="54655" marT="54655" marB="54655">
+                    <a:lnL w="12697" cap="flat" cmpd="sng" algn="ctr">
+                      <a:solidFill>
+                        <a:srgbClr val="62B4C6"/>
+                      </a:solidFill>
+                      <a:prstDash val="solid"/>
+                      <a:round/>
+                      <a:headEnd type="none" w="med" len="med"/>
+                      <a:tailEnd type="none" w="med" len="med"/>
+                    </a:lnL>
+                    <a:lnR w="12697" cap="flat" cmpd="sng" algn="ctr">
+                      <a:solidFill>
+                        <a:srgbClr val="62B4C6"/>
+                      </a:solidFill>
+                      <a:prstDash val="solid"/>
+                      <a:round/>
+                      <a:headEnd type="none" w="med" len="med"/>
+                      <a:tailEnd type="none" w="med" len="med"/>
+                    </a:lnR>
+                    <a:lnT w="12697" cap="flat" cmpd="sng" algn="ctr">
+                      <a:solidFill>
+                        <a:srgbClr val="62B4C6"/>
+                      </a:solidFill>
+                      <a:prstDash val="solid"/>
+                      <a:round/>
+                      <a:headEnd type="none" w="med" len="med"/>
+                      <a:tailEnd type="none" w="med" len="med"/>
+                    </a:lnT>
+                    <a:lnB w="12697" cap="flat" cmpd="sng" algn="ctr">
+                      <a:solidFill>
+                        <a:srgbClr val="62B4C6"/>
+                      </a:solidFill>
+                      <a:prstDash val="solid"/>
+                      <a:round/>
+                      <a:headEnd type="none" w="med" len="med"/>
+                      <a:tailEnd type="none" w="med" len="med"/>
+                    </a:lnB>
+                    <a:solidFill>
+                      <a:schemeClr val="bg1"/>
+                    </a:solidFill>
+                  </a:tcPr>
+                </a:tc>
+                <a:extLst>
+                  <a:ext uri="{0D108BD9-81ED-4DB2-BD59-A6C34878D82A}">
+                    <a16:rowId xmlns:a16="http://schemas.microsoft.com/office/drawing/2014/main" val="1561547194"/>
+                  </a:ext>
+                </a:extLst>
+              </a:tr>
+            </a:tbl>
+          </a:graphicData>
+        </a:graphic>
+      </p:graphicFrame>
+      <p:sp>
+        <p:nvSpPr>
+          <p:cNvPr id="4" name="Rectangle 1">
+            <a:extLst>
+              <a:ext uri="{FF2B5EF4-FFF2-40B4-BE49-F238E27FC236}">
+                <a16:creationId xmlns:a16="http://schemas.microsoft.com/office/drawing/2014/main" id="{7660FDC9-E7D0-3F4A-8EA6-41A8E0450365}"/>
+              </a:ext>
+            </a:extLst>
+          </p:cNvPr>
+          <p:cNvSpPr>
+            <a:spLocks noChangeArrowheads="1"/>
+          </p:cNvSpPr>
           <p:nvPr/>
-        </p:nvPicPr>
-        <p:blipFill>
-          <a:blip r:embed="rId2"/>
-          <a:stretch>
-            <a:fillRect/>
-          </a:stretch>
-        </p:blipFill>
-        <p:spPr>
+        </p:nvSpPr>
+        <p:spPr bwMode="auto">
           <a:xfrm>
-            <a:off x="3475433" y="2464028"/>
-            <a:ext cx="2696481" cy="873389"/>
+            <a:off x="2484438" y="1709738"/>
+            <a:ext cx="9144000" cy="457200"/>
           </a:xfrm>
           <a:prstGeom prst="rect">
             <a:avLst/>
           </a:prstGeom>
-          <a:effectLst>
-            <a:outerShdw blurRad="50800" dist="38100" dir="2700000" algn="tl" rotWithShape="0">
-              <a:prstClr val="black">
-                <a:alpha val="40000"/>
-              </a:prstClr>
-            </a:outerShdw>
-          </a:effectLst>
+          <a:noFill/>
+          <a:ln>
+            <a:noFill/>
+          </a:ln>
+          <a:effectLst/>
+          <a:extLst>
+            <a:ext uri="{909E8E84-426E-40DD-AFC4-6F175D3DCCD1}">
+              <a14:hiddenFill xmlns:a14="http://schemas.microsoft.com/office/drawing/2010/main">
+                <a:solidFill>
+                  <a:schemeClr val="accent1"/>
+                </a:solidFill>
+              </a14:hiddenFill>
+            </a:ext>
+            <a:ext uri="{91240B29-F687-4F45-9708-019B960494DF}">
+              <a14:hiddenLine xmlns:a14="http://schemas.microsoft.com/office/drawing/2010/main" w="9525">
+                <a:solidFill>
+                  <a:schemeClr val="tx1"/>
+                </a:solidFill>
+                <a:miter lim="800000"/>
+                <a:headEnd/>
+                <a:tailEnd/>
+              </a14:hiddenLine>
+            </a:ext>
+            <a:ext uri="{AF507438-7753-43E0-B8FC-AC1667EBCBE1}">
+              <a14:hiddenEffects xmlns:a14="http://schemas.microsoft.com/office/drawing/2010/main">
+                <a:effectLst>
+                  <a:outerShdw dist="35921" dir="2700000" algn="ctr" rotWithShape="0">
+                    <a:schemeClr val="bg2"/>
+                  </a:outerShdw>
+                </a:effectLst>
+              </a14:hiddenEffects>
+            </a:ext>
+          </a:extLst>
         </p:spPr>
-      </p:pic>
-      <p:sp>
-        <p:nvSpPr>
-          <p:cNvPr id="15" name="Rectangle 14">
-            <a:extLst>
-              <a:ext uri="{FF2B5EF4-FFF2-40B4-BE49-F238E27FC236}">
-                <a16:creationId xmlns:a16="http://schemas.microsoft.com/office/drawing/2014/main" id="{0843121F-76BB-2443-A82A-F592DC61A630}"/>
-              </a:ext>
-            </a:extLst>
-          </p:cNvPr>
-          <p:cNvSpPr/>
-          <p:nvPr/>
-        </p:nvSpPr>
-        <p:spPr>
-          <a:xfrm>
-            <a:off x="6744538" y="2177070"/>
-            <a:ext cx="2108201" cy="2677656"/>
-          </a:xfrm>
-          <a:prstGeom prst="rect">
-            <a:avLst/>
-          </a:prstGeom>
-          <a:ln/>
-        </p:spPr>
-        <p:style>
-          <a:lnRef idx="1">
-            <a:schemeClr val="accent1"/>
-          </a:lnRef>
-          <a:fillRef idx="3">
-            <a:schemeClr val="accent1"/>
-          </a:fillRef>
-          <a:effectRef idx="2">
-            <a:schemeClr val="accent1"/>
-          </a:effectRef>
-          <a:fontRef idx="minor">
-            <a:schemeClr val="lt1"/>
-          </a:fontRef>
-        </p:style>
         <p:txBody>
-          <a:bodyPr wrap="square">
+          <a:bodyPr vert="horz" wrap="none" lIns="91440" tIns="45720" rIns="91440" bIns="45720" numCol="1" anchor="ctr" anchorCtr="0" compatLnSpc="1">
+            <a:prstTxWarp prst="textNoShape">
+              <a:avLst/>
+            </a:prstTxWarp>
             <a:spAutoFit/>
           </a:bodyPr>
           <a:lstStyle/>
           <a:p>
-            <a:r>
-              <a:rPr lang="en-US" sz="1400" dirty="0">
-                <a:solidFill>
-                  <a:schemeClr val="bg1"/>
-                </a:solidFill>
-              </a:rPr>
-              <a:t>Platform Considerations:</a:t>
-            </a:r>
-          </a:p>
-          <a:p>
-            <a:r>
-              <a:rPr lang="en-US" sz="1400" dirty="0">
-                <a:solidFill>
-                  <a:schemeClr val="bg1"/>
-                </a:solidFill>
-              </a:rPr>
-              <a:t>RCC is </a:t>
-            </a:r>
-          </a:p>
-          <a:p>
-            <a:endParaRPr lang="en-US" sz="1400" dirty="0">
-              <a:solidFill>
-                <a:schemeClr val="bg1"/>
-              </a:solidFill>
-            </a:endParaRPr>
-          </a:p>
-          <a:p>
-            <a:endParaRPr lang="en-US" sz="1400" dirty="0">
-              <a:solidFill>
-                <a:schemeClr val="bg1"/>
-              </a:solidFill>
-            </a:endParaRPr>
-          </a:p>
-          <a:p>
-            <a:endParaRPr lang="en-US" sz="1400" dirty="0">
-              <a:solidFill>
-                <a:schemeClr val="bg1"/>
-              </a:solidFill>
-            </a:endParaRPr>
-          </a:p>
-          <a:p>
-            <a:endParaRPr lang="en-US" sz="1400" dirty="0">
-              <a:solidFill>
-                <a:schemeClr val="bg1"/>
-              </a:solidFill>
-            </a:endParaRPr>
-          </a:p>
-          <a:p>
-            <a:endParaRPr lang="en-US" sz="1400" dirty="0">
-              <a:solidFill>
-                <a:schemeClr val="bg1"/>
-              </a:solidFill>
-            </a:endParaRPr>
-          </a:p>
-          <a:p>
-            <a:endParaRPr lang="en-US" sz="1400" dirty="0">
-              <a:solidFill>
-                <a:schemeClr val="bg1"/>
-              </a:solidFill>
-            </a:endParaRPr>
-          </a:p>
-          <a:p>
-            <a:endParaRPr lang="en-US" sz="1400" dirty="0">
-              <a:solidFill>
-                <a:schemeClr val="bg1"/>
-              </a:solidFill>
-            </a:endParaRPr>
-          </a:p>
-          <a:p>
-            <a:endParaRPr lang="en-US" sz="1400" dirty="0">
-              <a:solidFill>
-                <a:schemeClr val="bg1"/>
-              </a:solidFill>
-            </a:endParaRPr>
-          </a:p>
-          <a:p>
-            <a:br>
-              <a:rPr lang="en-US" sz="1400" dirty="0">
-                <a:solidFill>
-                  <a:schemeClr val="bg1"/>
-                </a:solidFill>
-              </a:rPr>
-            </a:br>
-            <a:endParaRPr lang="en-US" sz="1400" dirty="0">
-              <a:solidFill>
-                <a:schemeClr val="bg1"/>
-              </a:solidFill>
-            </a:endParaRPr>
-          </a:p>
-        </p:txBody>
-      </p:sp>
-      <p:pic>
-        <p:nvPicPr>
-          <p:cNvPr id="20" name="Picture 19">
-            <a:extLst>
-              <a:ext uri="{FF2B5EF4-FFF2-40B4-BE49-F238E27FC236}">
-                <a16:creationId xmlns:a16="http://schemas.microsoft.com/office/drawing/2014/main" id="{617A0862-281F-3246-A0EA-9418C117B8C0}"/>
-              </a:ext>
-            </a:extLst>
-          </p:cNvPr>
-          <p:cNvPicPr>
-            <a:picLocks noChangeAspect="1"/>
-          </p:cNvPicPr>
-          <p:nvPr/>
-        </p:nvPicPr>
-        <p:blipFill rotWithShape="1">
-          <a:blip r:embed="rId3"/>
-          <a:srcRect t="-2461" r="19364"/>
-          <a:stretch/>
-        </p:blipFill>
-        <p:spPr>
-          <a:xfrm>
-            <a:off x="851715" y="933851"/>
-            <a:ext cx="2463734" cy="959944"/>
-          </a:xfrm>
-          <a:prstGeom prst="rect">
-            <a:avLst/>
-          </a:prstGeom>
-          <a:effectLst>
-            <a:outerShdw blurRad="50800" dist="38100" dir="2700000" algn="tl" rotWithShape="0">
-              <a:prstClr val="black">
-                <a:alpha val="40000"/>
-              </a:prstClr>
-            </a:outerShdw>
-          </a:effectLst>
-        </p:spPr>
-      </p:pic>
-      <p:pic>
-        <p:nvPicPr>
-          <p:cNvPr id="21" name="Picture 20">
-            <a:extLst>
-              <a:ext uri="{FF2B5EF4-FFF2-40B4-BE49-F238E27FC236}">
-                <a16:creationId xmlns:a16="http://schemas.microsoft.com/office/drawing/2014/main" id="{C10D0F57-69EB-5545-95CC-E32273D67E27}"/>
-              </a:ext>
-            </a:extLst>
-          </p:cNvPr>
-          <p:cNvPicPr>
-            <a:picLocks noChangeAspect="1"/>
-          </p:cNvPicPr>
-          <p:nvPr/>
-        </p:nvPicPr>
-        <p:blipFill rotWithShape="1">
-          <a:blip r:embed="rId4"/>
-          <a:srcRect t="343" r="22757" b="36062"/>
-          <a:stretch/>
-        </p:blipFill>
-        <p:spPr>
-          <a:xfrm>
-            <a:off x="841574" y="3515898"/>
-            <a:ext cx="2431496" cy="1356372"/>
-          </a:xfrm>
-          <a:prstGeom prst="rect">
-            <a:avLst/>
-          </a:prstGeom>
-          <a:effectLst>
-            <a:outerShdw blurRad="50800" dist="38100" dir="2700000" algn="tl" rotWithShape="0">
-              <a:prstClr val="black">
-                <a:alpha val="40000"/>
-              </a:prstClr>
-            </a:outerShdw>
-          </a:effectLst>
-        </p:spPr>
-      </p:pic>
-      <p:pic>
-        <p:nvPicPr>
-          <p:cNvPr id="24" name="Picture 23">
-            <a:extLst>
-              <a:ext uri="{FF2B5EF4-FFF2-40B4-BE49-F238E27FC236}">
-                <a16:creationId xmlns:a16="http://schemas.microsoft.com/office/drawing/2014/main" id="{DAD349FA-283E-3E40-81F6-D6B6FDBB6BAF}"/>
-              </a:ext>
-            </a:extLst>
-          </p:cNvPr>
-          <p:cNvPicPr>
-            <a:picLocks noChangeAspect="1"/>
-          </p:cNvPicPr>
-          <p:nvPr/>
-        </p:nvPicPr>
-        <p:blipFill rotWithShape="1">
-          <a:blip r:embed="rId5"/>
-          <a:srcRect l="22602" t="37362" r="1928"/>
-          <a:stretch/>
-        </p:blipFill>
-        <p:spPr>
-          <a:xfrm>
-            <a:off x="3475434" y="1757399"/>
-            <a:ext cx="2693127" cy="628864"/>
-          </a:xfrm>
-          <a:prstGeom prst="rect">
-            <a:avLst/>
-          </a:prstGeom>
-          <a:effectLst>
-            <a:outerShdw blurRad="50800" dist="38100" dir="2700000" algn="tl" rotWithShape="0">
-              <a:prstClr val="black">
-                <a:alpha val="40000"/>
-              </a:prstClr>
-            </a:outerShdw>
-          </a:effectLst>
-        </p:spPr>
-      </p:pic>
-      <p:sp>
-        <p:nvSpPr>
-          <p:cNvPr id="25" name="Rectangle 24">
-            <a:extLst>
-              <a:ext uri="{FF2B5EF4-FFF2-40B4-BE49-F238E27FC236}">
-                <a16:creationId xmlns:a16="http://schemas.microsoft.com/office/drawing/2014/main" id="{D4B47B0C-C0B0-164A-92A2-58AF365F72D0}"/>
-              </a:ext>
-            </a:extLst>
-          </p:cNvPr>
-          <p:cNvSpPr/>
-          <p:nvPr/>
-        </p:nvSpPr>
-        <p:spPr>
-          <a:xfrm>
-            <a:off x="3475434" y="974816"/>
-            <a:ext cx="2693127" cy="738664"/>
-          </a:xfrm>
-          <a:prstGeom prst="rect">
-            <a:avLst/>
-          </a:prstGeom>
-          <a:ln/>
-        </p:spPr>
-        <p:style>
-          <a:lnRef idx="1">
-            <a:schemeClr val="accent1"/>
-          </a:lnRef>
-          <a:fillRef idx="3">
-            <a:schemeClr val="accent1"/>
-          </a:fillRef>
-          <a:effectRef idx="2">
-            <a:schemeClr val="accent1"/>
-          </a:effectRef>
-          <a:fontRef idx="minor">
-            <a:schemeClr val="lt1"/>
-          </a:fontRef>
-        </p:style>
-        <p:txBody>
-          <a:bodyPr wrap="square">
-            <a:spAutoFit/>
-          </a:bodyPr>
-          <a:lstStyle/>
-          <a:p>
-            <a:r>
-              <a:rPr lang="en-US" sz="1400" dirty="0">
-                <a:solidFill>
-                  <a:schemeClr val="bg1"/>
-                </a:solidFill>
-              </a:rPr>
-              <a:t>Structured Data:</a:t>
-            </a:r>
-          </a:p>
-          <a:p>
-            <a:r>
-              <a:rPr lang="en-US" sz="1400" dirty="0">
-                <a:solidFill>
-                  <a:schemeClr val="bg1"/>
-                </a:solidFill>
-              </a:rPr>
-              <a:t>◀︎ x GB/ x Rows</a:t>
-            </a:r>
-          </a:p>
-          <a:p>
-            <a:r>
-              <a:rPr lang="en" sz="1400" dirty="0">
-                <a:solidFill>
-                  <a:schemeClr val="bg1"/>
-                </a:solidFill>
-              </a:rPr>
-              <a:t>▼ x GB/ 129 Million Rows</a:t>
-            </a:r>
-          </a:p>
-        </p:txBody>
-      </p:sp>
-      <p:pic>
-        <p:nvPicPr>
-          <p:cNvPr id="32" name="Picture 31">
-            <a:extLst>
-              <a:ext uri="{FF2B5EF4-FFF2-40B4-BE49-F238E27FC236}">
-                <a16:creationId xmlns:a16="http://schemas.microsoft.com/office/drawing/2014/main" id="{04C1B7A0-311E-0142-9E5B-6F653CC53C5B}"/>
-              </a:ext>
-            </a:extLst>
-          </p:cNvPr>
-          <p:cNvPicPr>
-            <a:picLocks noChangeAspect="1"/>
-          </p:cNvPicPr>
-          <p:nvPr/>
-        </p:nvPicPr>
-        <p:blipFill rotWithShape="1">
-          <a:blip r:embed="rId6"/>
-          <a:srcRect r="43359" b="54761"/>
-          <a:stretch/>
-        </p:blipFill>
-        <p:spPr>
-          <a:xfrm>
-            <a:off x="3475433" y="4087964"/>
-            <a:ext cx="2687027" cy="784305"/>
-          </a:xfrm>
-          <a:prstGeom prst="rect">
-            <a:avLst/>
-          </a:prstGeom>
-          <a:effectLst>
-            <a:outerShdw blurRad="50800" dist="38100" dir="2700000" algn="tl" rotWithShape="0">
-              <a:prstClr val="black">
-                <a:alpha val="40000"/>
-              </a:prstClr>
-            </a:outerShdw>
-          </a:effectLst>
-        </p:spPr>
-      </p:pic>
-      <p:sp>
-        <p:nvSpPr>
-          <p:cNvPr id="33" name="Rectangle 32">
-            <a:extLst>
-              <a:ext uri="{FF2B5EF4-FFF2-40B4-BE49-F238E27FC236}">
-                <a16:creationId xmlns:a16="http://schemas.microsoft.com/office/drawing/2014/main" id="{3CA4687F-3D57-0842-B642-B993D1ADB541}"/>
-              </a:ext>
-            </a:extLst>
-          </p:cNvPr>
-          <p:cNvSpPr/>
-          <p:nvPr/>
-        </p:nvSpPr>
-        <p:spPr>
-          <a:xfrm>
-            <a:off x="3475434" y="3434158"/>
-            <a:ext cx="2687027" cy="523220"/>
-          </a:xfrm>
-          <a:prstGeom prst="rect">
-            <a:avLst/>
-          </a:prstGeom>
-          <a:ln/>
-        </p:spPr>
-        <p:style>
-          <a:lnRef idx="1">
-            <a:schemeClr val="accent1"/>
-          </a:lnRef>
-          <a:fillRef idx="3">
-            <a:schemeClr val="accent1"/>
-          </a:fillRef>
-          <a:effectRef idx="2">
-            <a:schemeClr val="accent1"/>
-          </a:effectRef>
-          <a:fontRef idx="minor">
-            <a:schemeClr val="lt1"/>
-          </a:fontRef>
-        </p:style>
-        <p:txBody>
-          <a:bodyPr wrap="square">
-            <a:spAutoFit/>
-          </a:bodyPr>
-          <a:lstStyle/>
-          <a:p>
-            <a:r>
-              <a:rPr lang="en-US" sz="1400" dirty="0">
-                <a:solidFill>
-                  <a:schemeClr val="bg1"/>
-                </a:solidFill>
-              </a:rPr>
-              <a:t>Unstructured Data:</a:t>
-            </a:r>
-          </a:p>
-          <a:p>
-            <a:r>
-              <a:rPr lang="en" sz="1400" dirty="0">
-                <a:solidFill>
-                  <a:schemeClr val="bg1"/>
-                </a:solidFill>
-              </a:rPr>
-              <a:t>▼ </a:t>
-            </a:r>
-            <a:r>
-              <a:rPr lang="en-US" sz="1400" dirty="0">
-                <a:solidFill>
-                  <a:schemeClr val="bg1"/>
-                </a:solidFill>
-              </a:rPr>
-              <a:t>From Web Scraping </a:t>
-            </a:r>
-          </a:p>
-        </p:txBody>
-      </p:sp>
-      <p:pic>
-        <p:nvPicPr>
-          <p:cNvPr id="35" name="Picture 34">
-            <a:extLst>
-              <a:ext uri="{FF2B5EF4-FFF2-40B4-BE49-F238E27FC236}">
-                <a16:creationId xmlns:a16="http://schemas.microsoft.com/office/drawing/2014/main" id="{676D3B27-3272-2A42-82AF-C042C3C1A233}"/>
-              </a:ext>
-            </a:extLst>
-          </p:cNvPr>
-          <p:cNvPicPr>
-            <a:picLocks noChangeAspect="1"/>
-          </p:cNvPicPr>
-          <p:nvPr/>
-        </p:nvPicPr>
-        <p:blipFill>
-          <a:blip r:embed="rId7"/>
-          <a:stretch>
-            <a:fillRect/>
-          </a:stretch>
-        </p:blipFill>
-        <p:spPr>
-          <a:xfrm>
-            <a:off x="6744538" y="514907"/>
-            <a:ext cx="2108200" cy="1270000"/>
-          </a:xfrm>
-          <a:prstGeom prst="rect">
-            <a:avLst/>
-          </a:prstGeom>
-        </p:spPr>
-      </p:pic>
-      <p:sp>
-        <p:nvSpPr>
-          <p:cNvPr id="36" name="Rectangle 35">
-            <a:extLst>
-              <a:ext uri="{FF2B5EF4-FFF2-40B4-BE49-F238E27FC236}">
-                <a16:creationId xmlns:a16="http://schemas.microsoft.com/office/drawing/2014/main" id="{BDD0368B-FED3-1046-B2CB-589133376F96}"/>
-              </a:ext>
-            </a:extLst>
-          </p:cNvPr>
-          <p:cNvSpPr/>
-          <p:nvPr/>
-        </p:nvSpPr>
-        <p:spPr>
-          <a:xfrm>
-            <a:off x="851716" y="2430182"/>
-            <a:ext cx="2463734" cy="954107"/>
-          </a:xfrm>
-          <a:prstGeom prst="rect">
-            <a:avLst/>
-          </a:prstGeom>
-          <a:ln/>
-        </p:spPr>
-        <p:style>
-          <a:lnRef idx="1">
-            <a:schemeClr val="accent1"/>
-          </a:lnRef>
-          <a:fillRef idx="3">
-            <a:schemeClr val="accent1"/>
-          </a:fillRef>
-          <a:effectRef idx="2">
-            <a:schemeClr val="accent1"/>
-          </a:effectRef>
-          <a:fontRef idx="minor">
-            <a:schemeClr val="lt1"/>
-          </a:fontRef>
-        </p:style>
-        <p:txBody>
-          <a:bodyPr wrap="square">
-            <a:spAutoFit/>
-          </a:bodyPr>
-          <a:lstStyle/>
-          <a:p>
-            <a:r>
-              <a:rPr lang="en-US" sz="1400" dirty="0">
-                <a:solidFill>
-                  <a:schemeClr val="bg1"/>
-                </a:solidFill>
-              </a:rPr>
-              <a:t>Structured Data:</a:t>
-            </a:r>
-          </a:p>
-          <a:p>
-            <a:r>
-              <a:rPr lang="en-US" sz="1400" dirty="0">
-                <a:solidFill>
-                  <a:schemeClr val="bg1"/>
-                </a:solidFill>
-              </a:rPr>
-              <a:t>▲x GB/ 7.12 Million Rows</a:t>
-            </a:r>
-          </a:p>
-          <a:p>
-            <a:r>
-              <a:rPr lang="en" sz="1400" dirty="0">
-                <a:solidFill>
-                  <a:schemeClr val="bg1"/>
-                </a:solidFill>
-              </a:rPr>
-              <a:t>►x GB</a:t>
-            </a:r>
-          </a:p>
-          <a:p>
-            <a:r>
-              <a:rPr lang="en" sz="1400" dirty="0">
-                <a:solidFill>
-                  <a:schemeClr val="bg1"/>
-                </a:solidFill>
-              </a:rPr>
-              <a:t>▼x GB</a:t>
-            </a:r>
-          </a:p>
-        </p:txBody>
-      </p:sp>
-      <p:pic>
-        <p:nvPicPr>
-          <p:cNvPr id="37" name="Picture 36">
-            <a:extLst>
-              <a:ext uri="{FF2B5EF4-FFF2-40B4-BE49-F238E27FC236}">
-                <a16:creationId xmlns:a16="http://schemas.microsoft.com/office/drawing/2014/main" id="{551E54E8-55FA-C848-8C7A-1FC75A633973}"/>
-              </a:ext>
-            </a:extLst>
-          </p:cNvPr>
-          <p:cNvPicPr>
-            <a:picLocks noChangeAspect="1"/>
-          </p:cNvPicPr>
-          <p:nvPr/>
-        </p:nvPicPr>
-        <p:blipFill rotWithShape="1">
-          <a:blip r:embed="rId8"/>
-          <a:srcRect l="8543" t="28961" r="4057" b="7747"/>
-          <a:stretch/>
-        </p:blipFill>
-        <p:spPr>
-          <a:xfrm>
-            <a:off x="851716" y="1979568"/>
-            <a:ext cx="2463733" cy="319005"/>
-          </a:xfrm>
-          <a:prstGeom prst="rect">
-            <a:avLst/>
-          </a:prstGeom>
-          <a:effectLst>
-            <a:outerShdw blurRad="50800" dist="38100" dir="2700000" algn="tl" rotWithShape="0">
-              <a:prstClr val="black">
-                <a:alpha val="40000"/>
-              </a:prstClr>
-            </a:outerShdw>
-          </a:effectLst>
-        </p:spPr>
-      </p:pic>
-      <p:sp>
-        <p:nvSpPr>
-          <p:cNvPr id="42" name="Right Brace 41">
-            <a:extLst>
-              <a:ext uri="{FF2B5EF4-FFF2-40B4-BE49-F238E27FC236}">
-                <a16:creationId xmlns:a16="http://schemas.microsoft.com/office/drawing/2014/main" id="{635B7F76-EB1E-474D-9F74-379F14E18086}"/>
-              </a:ext>
-            </a:extLst>
-          </p:cNvPr>
-          <p:cNvSpPr/>
-          <p:nvPr/>
-        </p:nvSpPr>
-        <p:spPr>
-          <a:xfrm>
-            <a:off x="6269753" y="1078479"/>
-            <a:ext cx="287079" cy="3708415"/>
-          </a:xfrm>
-          <a:prstGeom prst="rightBrace">
-            <a:avLst>
-              <a:gd name="adj1" fmla="val 0"/>
-              <a:gd name="adj2" fmla="val 50000"/>
-            </a:avLst>
-          </a:prstGeom>
-          <a:ln w="28575"/>
-        </p:spPr>
-        <p:style>
-          <a:lnRef idx="1">
-            <a:schemeClr val="accent1"/>
-          </a:lnRef>
-          <a:fillRef idx="0">
-            <a:schemeClr val="accent1"/>
-          </a:fillRef>
-          <a:effectRef idx="0">
-            <a:schemeClr val="accent1"/>
-          </a:effectRef>
-          <a:fontRef idx="minor">
-            <a:schemeClr val="tx1"/>
-          </a:fontRef>
-        </p:style>
-        <p:txBody>
-          <a:bodyPr rtlCol="0" anchor="ctr"/>
-          <a:lstStyle/>
-          <a:p>
-            <a:pPr algn="ctr"/>
             <a:endParaRPr lang="en-US"/>
           </a:p>
         </p:txBody>
@@ -29632,7 +31225,7 @@
               </a:spcBef>
             </a:pPr>
             <a:r>
-              <a:rPr lang="en-US" sz="5100" spc="200"/>
+              <a:rPr lang="en-US" sz="4000" spc="200" dirty="0"/>
               <a:t>DATA MODELING</a:t>
             </a:r>
           </a:p>
@@ -30187,14 +31780,14 @@
           <p:nvPr>
             <p:extLst>
               <p:ext uri="{D42A27DB-BD31-4B8C-83A1-F6EECF244321}">
-                <p14:modId xmlns:p14="http://schemas.microsoft.com/office/powerpoint/2010/main" val="532680146"/>
+                <p14:modId xmlns:p14="http://schemas.microsoft.com/office/powerpoint/2010/main" val="1655812262"/>
               </p:ext>
             </p:extLst>
           </p:nvPr>
         </p:nvGraphicFramePr>
         <p:xfrm>
-          <a:off x="938758" y="1254642"/>
-          <a:ext cx="7471595" cy="3742660"/>
+          <a:off x="938758" y="1166327"/>
+          <a:ext cx="7471595" cy="3900195"/>
         </p:xfrm>
         <a:graphic>
           <a:graphicData uri="http://schemas.openxmlformats.org/drawingml/2006/diagram">
@@ -32816,6 +34409,81 @@
           </a:extLst>
         </p:spPr>
       </p:pic>
+      <p:sp>
+        <p:nvSpPr>
+          <p:cNvPr id="3" name="Rectangle 2">
+            <a:extLst>
+              <a:ext uri="{FF2B5EF4-FFF2-40B4-BE49-F238E27FC236}">
+                <a16:creationId xmlns:a16="http://schemas.microsoft.com/office/drawing/2014/main" id="{0049A03D-1422-BB43-9AE6-B2EE54863F3A}"/>
+              </a:ext>
+            </a:extLst>
+          </p:cNvPr>
+          <p:cNvSpPr/>
+          <p:nvPr/>
+        </p:nvSpPr>
+        <p:spPr>
+          <a:xfrm>
+            <a:off x="3603230" y="4597858"/>
+            <a:ext cx="3200400" cy="461665"/>
+          </a:xfrm>
+          <a:prstGeom prst="rect">
+            <a:avLst/>
+          </a:prstGeom>
+        </p:spPr>
+        <p:style>
+          <a:lnRef idx="2">
+            <a:schemeClr val="accent1"/>
+          </a:lnRef>
+          <a:fillRef idx="1">
+            <a:schemeClr val="lt1"/>
+          </a:fillRef>
+          <a:effectRef idx="0">
+            <a:schemeClr val="accent1"/>
+          </a:effectRef>
+          <a:fontRef idx="minor">
+            <a:schemeClr val="dk1"/>
+          </a:fontRef>
+        </p:style>
+        <p:txBody>
+          <a:bodyPr wrap="square">
+            <a:spAutoFit/>
+          </a:bodyPr>
+          <a:lstStyle/>
+          <a:p>
+            <a:r>
+              <a:rPr lang="en-US" sz="1200" dirty="0">
+                <a:solidFill>
+                  <a:srgbClr val="000000"/>
+                </a:solidFill>
+                <a:latin typeface="Gill Sans" panose="020B0502020104020203" pitchFamily="34" charset="-79"/>
+                <a:cs typeface="Gill Sans" panose="020B0502020104020203" pitchFamily="34" charset="-79"/>
+              </a:rPr>
+              <a:t>Notes: </a:t>
+            </a:r>
+            <a:r>
+              <a:rPr lang="en-US" sz="1200" dirty="0" err="1">
+                <a:solidFill>
+                  <a:srgbClr val="000000"/>
+                </a:solidFill>
+                <a:latin typeface="Gill Sans" panose="020B0502020104020203" pitchFamily="34" charset="-79"/>
+                <a:cs typeface="Gill Sans" panose="020B0502020104020203" pitchFamily="34" charset="-79"/>
+              </a:rPr>
+              <a:t>dim_tsp_time</a:t>
+            </a:r>
+            <a:r>
+              <a:rPr lang="en-US" sz="1200" dirty="0">
+                <a:solidFill>
+                  <a:srgbClr val="000000"/>
+                </a:solidFill>
+                <a:latin typeface="Gill Sans" panose="020B0502020104020203" pitchFamily="34" charset="-79"/>
+                <a:cs typeface="Gill Sans" panose="020B0502020104020203" pitchFamily="34" charset="-79"/>
+              </a:rPr>
+              <a:t> table is an independent table to analyze the ridership within a day.</a:t>
+            </a:r>
+            <a:endParaRPr lang="en-US" sz="1200" dirty="0"/>
+          </a:p>
+        </p:txBody>
+      </p:sp>
     </p:spTree>
     <p:extLst>
       <p:ext uri="{BB962C8B-B14F-4D97-AF65-F5344CB8AC3E}">

--- a/DEPA Final Project PPT.pptx
+++ b/DEPA Final Project PPT.pptx
@@ -2643,7 +2643,7 @@
         <a:p>
           <a:r>
             <a:rPr lang="en-US" dirty="0"/>
-            <a:t>Our goal is to optimize vehicle allocation according to ridership demand and give business insights and recommendations to TNP companies(also called rider sharing companies like Uber, Lyft and Via). </a:t>
+            <a:t>Our goal is to optimize vehicle allocation according to ridership demand and give business insights and recommendations to TNP companies (also called rider sharing companies like Uber, Lyft and Via). </a:t>
           </a:r>
         </a:p>
       </dgm:t>
@@ -2678,9 +2678,10 @@
         <a:lstStyle/>
         <a:p>
           <a:r>
-            <a:rPr lang="en-US" dirty="0"/>
-            <a:t>We are going to use data regarding weather, major events, public safety, and census to analyze user behavior and to give precise recommendations. </a:t>
+            <a:rPr lang="en-US" b="0" i="0" u="none" dirty="0"/>
+            <a:t>We use data regarding weather, major sport events, public safety, and census to analyze customer behavior and to give precise recommendations. </a:t>
           </a:r>
+          <a:endParaRPr lang="en-US" dirty="0"/>
         </a:p>
       </dgm:t>
     </dgm:pt>
@@ -2714,9 +2715,10 @@
         <a:lstStyle/>
         <a:p>
           <a:r>
-            <a:rPr lang="en-US" dirty="0"/>
-            <a:t>We will create a relational database system that can efficiently load, store, and extract data from different sources for analysis. </a:t>
+            <a:rPr lang="en-US" b="0" i="0" u="none" dirty="0"/>
+            <a:t>We create a relational database system that can efficiently load, store, and extract data from different sources for analysis. </a:t>
           </a:r>
+          <a:endParaRPr lang="en-US" dirty="0"/>
         </a:p>
       </dgm:t>
     </dgm:pt>
@@ -4509,8 +4511,8 @@
       </dsp:nvSpPr>
       <dsp:spPr>
         <a:xfrm>
-          <a:off x="0" y="2168"/>
-          <a:ext cx="4729162" cy="1215332"/>
+          <a:off x="0" y="510"/>
+          <a:ext cx="4729162" cy="1193983"/>
         </a:xfrm>
         <a:prstGeom prst="roundRect">
           <a:avLst>
@@ -4545,8 +4547,8 @@
       </dsp:nvSpPr>
       <dsp:spPr>
         <a:xfrm>
-          <a:off x="367638" y="275618"/>
-          <a:ext cx="669086" cy="668433"/>
+          <a:off x="361180" y="269156"/>
+          <a:ext cx="656690" cy="656690"/>
         </a:xfrm>
         <a:prstGeom prst="rect">
           <a:avLst/>
@@ -4594,8 +4596,8 @@
       </dsp:nvSpPr>
       <dsp:spPr>
         <a:xfrm>
-          <a:off x="1404363" y="2168"/>
-          <a:ext cx="3194988" cy="1216520"/>
+          <a:off x="1379051" y="510"/>
+          <a:ext cx="3350110" cy="1193983"/>
         </a:xfrm>
         <a:prstGeom prst="rect">
           <a:avLst/>
@@ -4619,7 +4621,7 @@
         <a:fontRef idx="minor"/>
       </dsp:style>
       <dsp:txBody>
-        <a:bodyPr spcFirstLastPara="0" vert="horz" wrap="square" lIns="128748" tIns="128748" rIns="128748" bIns="128748" numCol="1" spcCol="1270" anchor="ctr" anchorCtr="0">
+        <a:bodyPr spcFirstLastPara="0" vert="horz" wrap="square" lIns="126363" tIns="126363" rIns="126363" bIns="126363" numCol="1" spcCol="1270" anchor="ctr" anchorCtr="0">
           <a:noAutofit/>
         </a:bodyPr>
         <a:lstStyle/>
@@ -4638,13 +4640,13 @@
           </a:pPr>
           <a:r>
             <a:rPr lang="en-US" sz="1400" kern="1200" dirty="0"/>
-            <a:t>Our goal is to optimize vehicle allocation according to ridership demand and give business insights and recommendations to TNP companies(also called rider sharing companies like Uber, Lyft and Via). </a:t>
+            <a:t>Our goal is to optimize vehicle allocation according to ridership demand and give business insights and recommendations to TNP companies (also called rider sharing companies like Uber, Lyft and Via). </a:t>
           </a:r>
         </a:p>
       </dsp:txBody>
       <dsp:txXfrm>
-        <a:off x="1404363" y="2168"/>
-        <a:ext cx="3194988" cy="1216520"/>
+        <a:off x="1379051" y="510"/>
+        <a:ext cx="3350110" cy="1193983"/>
       </dsp:txXfrm>
     </dsp:sp>
     <dsp:sp modelId="{A0E72587-C195-42ED-A8C2-669070406AC6}">
@@ -4654,8 +4656,8 @@
       </dsp:nvSpPr>
       <dsp:spPr>
         <a:xfrm>
-          <a:off x="0" y="1481721"/>
-          <a:ext cx="4729162" cy="1215332"/>
+          <a:off x="0" y="1492989"/>
+          <a:ext cx="4729162" cy="1193983"/>
         </a:xfrm>
         <a:prstGeom prst="roundRect">
           <a:avLst>
@@ -4692,8 +4694,8 @@
       </dsp:nvSpPr>
       <dsp:spPr>
         <a:xfrm>
-          <a:off x="367638" y="1755170"/>
-          <a:ext cx="669086" cy="668433"/>
+          <a:off x="361180" y="1761636"/>
+          <a:ext cx="656690" cy="656690"/>
         </a:xfrm>
         <a:prstGeom prst="rect">
           <a:avLst/>
@@ -4741,8 +4743,8 @@
       </dsp:nvSpPr>
       <dsp:spPr>
         <a:xfrm>
-          <a:off x="1404363" y="1481721"/>
-          <a:ext cx="3194988" cy="1216520"/>
+          <a:off x="1379051" y="1492989"/>
+          <a:ext cx="3350110" cy="1193983"/>
         </a:xfrm>
         <a:prstGeom prst="rect">
           <a:avLst/>
@@ -4766,7 +4768,7 @@
         <a:fontRef idx="minor"/>
       </dsp:style>
       <dsp:txBody>
-        <a:bodyPr spcFirstLastPara="0" vert="horz" wrap="square" lIns="128748" tIns="128748" rIns="128748" bIns="128748" numCol="1" spcCol="1270" anchor="ctr" anchorCtr="0">
+        <a:bodyPr spcFirstLastPara="0" vert="horz" wrap="square" lIns="126363" tIns="126363" rIns="126363" bIns="126363" numCol="1" spcCol="1270" anchor="ctr" anchorCtr="0">
           <a:noAutofit/>
         </a:bodyPr>
         <a:lstStyle/>
@@ -4784,14 +4786,15 @@
             <a:buNone/>
           </a:pPr>
           <a:r>
-            <a:rPr lang="en-US" sz="1400" kern="1200" dirty="0"/>
-            <a:t>We are going to use data regarding weather, major events, public safety, and census to analyze user behavior and to give precise recommendations. </a:t>
+            <a:rPr lang="en-US" sz="1400" b="0" i="0" u="none" kern="1200" dirty="0"/>
+            <a:t>We use data regarding weather, major sport events, public safety, and census to analyze customer behavior and to give precise recommendations. </a:t>
           </a:r>
+          <a:endParaRPr lang="en-US" sz="1400" kern="1200" dirty="0"/>
         </a:p>
       </dsp:txBody>
       <dsp:txXfrm>
-        <a:off x="1404363" y="1481721"/>
-        <a:ext cx="3194988" cy="1216520"/>
+        <a:off x="1379051" y="1492989"/>
+        <a:ext cx="3350110" cy="1193983"/>
       </dsp:txXfrm>
     </dsp:sp>
     <dsp:sp modelId="{5B0D0FB0-930A-4D1B-AF2B-209E8E766872}">
@@ -4801,8 +4804,8 @@
       </dsp:nvSpPr>
       <dsp:spPr>
         <a:xfrm>
-          <a:off x="0" y="2961273"/>
-          <a:ext cx="4729162" cy="1215332"/>
+          <a:off x="0" y="2985469"/>
+          <a:ext cx="4729162" cy="1193983"/>
         </a:xfrm>
         <a:prstGeom prst="roundRect">
           <a:avLst>
@@ -4839,8 +4842,8 @@
       </dsp:nvSpPr>
       <dsp:spPr>
         <a:xfrm>
-          <a:off x="367638" y="3234723"/>
-          <a:ext cx="669086" cy="668433"/>
+          <a:off x="361180" y="3254115"/>
+          <a:ext cx="656690" cy="656690"/>
         </a:xfrm>
         <a:prstGeom prst="rect">
           <a:avLst/>
@@ -4888,8 +4891,8 @@
       </dsp:nvSpPr>
       <dsp:spPr>
         <a:xfrm>
-          <a:off x="1404363" y="2961273"/>
-          <a:ext cx="3194988" cy="1216520"/>
+          <a:off x="1379051" y="2985469"/>
+          <a:ext cx="3350110" cy="1193983"/>
         </a:xfrm>
         <a:prstGeom prst="rect">
           <a:avLst/>
@@ -4913,7 +4916,7 @@
         <a:fontRef idx="minor"/>
       </dsp:style>
       <dsp:txBody>
-        <a:bodyPr spcFirstLastPara="0" vert="horz" wrap="square" lIns="128748" tIns="128748" rIns="128748" bIns="128748" numCol="1" spcCol="1270" anchor="ctr" anchorCtr="0">
+        <a:bodyPr spcFirstLastPara="0" vert="horz" wrap="square" lIns="126363" tIns="126363" rIns="126363" bIns="126363" numCol="1" spcCol="1270" anchor="ctr" anchorCtr="0">
           <a:noAutofit/>
         </a:bodyPr>
         <a:lstStyle/>
@@ -4931,14 +4934,15 @@
             <a:buNone/>
           </a:pPr>
           <a:r>
-            <a:rPr lang="en-US" sz="1400" kern="1200" dirty="0"/>
-            <a:t>We will create a relational database system that can efficiently load, store, and extract data from different sources for analysis. </a:t>
+            <a:rPr lang="en-US" sz="1400" b="0" i="0" u="none" kern="1200" dirty="0"/>
+            <a:t>We create a relational database system that can efficiently load, store, and extract data from different sources for analysis. </a:t>
           </a:r>
+          <a:endParaRPr lang="en-US" sz="1400" kern="1200" dirty="0"/>
         </a:p>
       </dsp:txBody>
       <dsp:txXfrm>
-        <a:off x="1404363" y="2961273"/>
-        <a:ext cx="3194988" cy="1216520"/>
+        <a:off x="1379051" y="2985469"/>
+        <a:ext cx="3350110" cy="1193983"/>
       </dsp:txXfrm>
     </dsp:sp>
   </dsp:spTree>
@@ -23076,7 +23080,7 @@
           <p:nvPr>
             <p:extLst>
               <p:ext uri="{D42A27DB-BD31-4B8C-83A1-F6EECF244321}">
-                <p14:modId xmlns:p14="http://schemas.microsoft.com/office/powerpoint/2010/main" val="1923745472"/>
+                <p14:modId xmlns:p14="http://schemas.microsoft.com/office/powerpoint/2010/main" val="2709258913"/>
               </p:ext>
             </p:extLst>
           </p:nvPr>
@@ -23165,14 +23169,14 @@
           <p:nvPr>
             <p:extLst>
               <p:ext uri="{D42A27DB-BD31-4B8C-83A1-F6EECF244321}">
-                <p14:modId xmlns:p14="http://schemas.microsoft.com/office/powerpoint/2010/main" val="2390257126"/>
+                <p14:modId xmlns:p14="http://schemas.microsoft.com/office/powerpoint/2010/main" val="824402579"/>
               </p:ext>
             </p:extLst>
           </p:nvPr>
         </p:nvGraphicFramePr>
         <p:xfrm>
           <a:off x="758268" y="1380413"/>
-          <a:ext cx="8066756" cy="3141352"/>
+          <a:ext cx="8066756" cy="3405576"/>
         </p:xfrm>
         <a:graphic>
           <a:graphicData uri="http://schemas.openxmlformats.org/drawingml/2006/table">
@@ -23374,8 +23378,16 @@
                         <a:defRPr/>
                       </a:pPr>
                       <a:r>
-                        <a:rPr lang="en" sz="1400" dirty="0"/>
-                        <a:t>Understand customer behavior better</a:t>
+                        <a:rPr lang="en-US" sz="1350" b="0" i="0" u="none" strike="noStrike" kern="1200" dirty="0">
+                          <a:solidFill>
+                            <a:schemeClr val="dk1"/>
+                          </a:solidFill>
+                          <a:effectLst/>
+                          <a:latin typeface="+mn-lt"/>
+                          <a:ea typeface="+mn-ea"/>
+                          <a:cs typeface="+mn-cs"/>
+                        </a:rPr>
+                        <a:t>To better understand customer behavior </a:t>
                       </a:r>
                     </a:p>
                     <a:p>
@@ -23397,8 +23409,16 @@
                         <a:defRPr/>
                       </a:pPr>
                       <a:r>
-                        <a:rPr lang="en" sz="1400" dirty="0"/>
-                        <a:t>Optimize vehicle allocation</a:t>
+                        <a:rPr lang="en-US" sz="1350" b="0" i="0" u="none" strike="noStrike" kern="1200" dirty="0">
+                          <a:solidFill>
+                            <a:schemeClr val="dk1"/>
+                          </a:solidFill>
+                          <a:effectLst/>
+                          <a:latin typeface="+mn-lt"/>
+                          <a:ea typeface="+mn-ea"/>
+                          <a:cs typeface="+mn-cs"/>
+                        </a:rPr>
+                        <a:t>Vehicle allocation Optimization</a:t>
                       </a:r>
                     </a:p>
                     <a:p>
@@ -23420,9 +23440,37 @@
                         <a:defRPr/>
                       </a:pPr>
                       <a:r>
-                        <a:rPr lang="en" sz="1400" dirty="0"/>
+                        <a:rPr lang="en-US" sz="1350" b="0" i="0" u="none" strike="noStrike" kern="1200" dirty="0">
+                          <a:solidFill>
+                            <a:schemeClr val="dk1"/>
+                          </a:solidFill>
+                          <a:effectLst/>
+                          <a:latin typeface="+mn-lt"/>
+                          <a:ea typeface="+mn-ea"/>
+                          <a:cs typeface="+mn-cs"/>
+                        </a:rPr>
                         <a:t>Improve customer service management</a:t>
                       </a:r>
+                    </a:p>
+                    <a:p>
+                      <a:pPr marL="412750" marR="0" lvl="0" indent="-285750" algn="l" defTabSz="685800" rtl="0" eaLnBrk="1" fontAlgn="auto" latinLnBrk="0" hangingPunct="1">
+                        <a:lnSpc>
+                          <a:spcPct val="150000"/>
+                        </a:lnSpc>
+                        <a:spcBef>
+                          <a:spcPts val="0"/>
+                        </a:spcBef>
+                        <a:spcAft>
+                          <a:spcPts val="0"/>
+                        </a:spcAft>
+                        <a:buClrTx/>
+                        <a:buSzPts val="1600"/>
+                        <a:buFont typeface="Wingdings" pitchFamily="2" charset="2"/>
+                        <a:buChar char="v"/>
+                        <a:tabLst/>
+                        <a:defRPr/>
+                      </a:pPr>
+                      <a:endParaRPr lang="en" sz="1400" dirty="0"/>
                     </a:p>
                   </a:txBody>
                   <a:tcPr marL="91425" marR="91425" marT="91425" marB="91425"/>
@@ -23432,23 +23480,22 @@
                     <a:bodyPr/>
                     <a:lstStyle/>
                     <a:p>
-                      <a:pPr marL="0" lvl="0" indent="0" algn="l" rtl="0">
-                        <a:lnSpc>
-                          <a:spcPct val="150000"/>
-                        </a:lnSpc>
-                        <a:spcBef>
-                          <a:spcPts val="0"/>
-                        </a:spcBef>
-                        <a:spcAft>
-                          <a:spcPts val="0"/>
-                        </a:spcAft>
-                        <a:buNone/>
-                      </a:pPr>
+                      <a:pPr rtl="0"/>
                       <a:r>
-                        <a:rPr lang="en" sz="1400" dirty="0"/>
-                        <a:t>Understand how different factors impact ridership</a:t>
+                        <a:rPr lang="en-US" sz="1350" b="0" i="0" u="none" strike="noStrike" kern="1200" dirty="0">
+                          <a:solidFill>
+                            <a:schemeClr val="dk1"/>
+                          </a:solidFill>
+                          <a:effectLst/>
+                          <a:latin typeface="+mn-lt"/>
+                          <a:ea typeface="+mn-ea"/>
+                          <a:cs typeface="+mn-cs"/>
+                        </a:rPr>
+                        <a:t>Understand how different factors impact ridership and customer behavior</a:t>
                       </a:r>
-                      <a:endParaRPr sz="1400" dirty="0"/>
+                      <a:endParaRPr lang="en-US" sz="1400" b="0" dirty="0">
+                        <a:effectLst/>
+                      </a:endParaRPr>
                     </a:p>
                   </a:txBody>
                   <a:tcPr marL="91425" marR="91425" marT="91425" marB="91425" anchor="ctr"/>
@@ -23623,8 +23670,16 @@
                         <a:buNone/>
                       </a:pPr>
                       <a:r>
-                        <a:rPr lang="en" sz="1400" dirty="0"/>
-                        <a:t>Satisfy customer experience with better vehicle allocation and customer service</a:t>
+                        <a:rPr lang="en-US" sz="1350" b="0" i="0" u="none" strike="noStrike" kern="1200" dirty="0">
+                          <a:solidFill>
+                            <a:schemeClr val="dk1"/>
+                          </a:solidFill>
+                          <a:effectLst/>
+                          <a:latin typeface="+mn-lt"/>
+                          <a:ea typeface="+mn-ea"/>
+                          <a:cs typeface="+mn-cs"/>
+                        </a:rPr>
+                        <a:t>Improvement of service experience with better vehicle allocation and customer service</a:t>
                       </a:r>
                       <a:endParaRPr sz="1400" dirty="0"/>
                     </a:p>
@@ -28021,42 +28076,44 @@
           <p:nvPr>
             <p:extLst>
               <p:ext uri="{D42A27DB-BD31-4B8C-83A1-F6EECF244321}">
-                <p14:modId xmlns:p14="http://schemas.microsoft.com/office/powerpoint/2010/main" val="2345308857"/>
+                <p14:modId xmlns:p14="http://schemas.microsoft.com/office/powerpoint/2010/main" val="2681204364"/>
               </p:ext>
             </p:extLst>
           </p:nvPr>
         </p:nvGraphicFramePr>
         <p:xfrm>
-          <a:off x="805388" y="1005674"/>
-          <a:ext cx="7181615" cy="4117970"/>
+          <a:off x="794579" y="937457"/>
+          <a:ext cx="7554841" cy="4078211"/>
         </p:xfrm>
         <a:graphic>
           <a:graphicData uri="http://schemas.openxmlformats.org/drawingml/2006/table">
             <a:tbl>
-              <a:tblPr/>
+              <a:tblPr firstRow="1">
+                <a:tableStyleId>{3B4B98B0-60AC-42C2-AFA5-B58CD77FA1E5}</a:tableStyleId>
+              </a:tblPr>
               <a:tblGrid>
-                <a:gridCol w="1807183">
+                <a:gridCol w="1901102">
                   <a:extLst>
                     <a:ext uri="{9D8B030D-6E8A-4147-A177-3AD203B41FA5}">
                       <a16:colId xmlns:a16="http://schemas.microsoft.com/office/drawing/2014/main" val="4153906537"/>
                     </a:ext>
                   </a:extLst>
                 </a:gridCol>
-                <a:gridCol w="1856792">
+                <a:gridCol w="1953289">
                   <a:extLst>
                     <a:ext uri="{9D8B030D-6E8A-4147-A177-3AD203B41FA5}">
                       <a16:colId xmlns:a16="http://schemas.microsoft.com/office/drawing/2014/main" val="3104755441"/>
                     </a:ext>
                   </a:extLst>
                 </a:gridCol>
-                <a:gridCol w="2083045">
+                <a:gridCol w="2191300">
                   <a:extLst>
                     <a:ext uri="{9D8B030D-6E8A-4147-A177-3AD203B41FA5}">
                       <a16:colId xmlns:a16="http://schemas.microsoft.com/office/drawing/2014/main" val="863915073"/>
                     </a:ext>
                   </a:extLst>
                 </a:gridCol>
-                <a:gridCol w="1434595">
+                <a:gridCol w="1509150">
                   <a:extLst>
                     <a:ext uri="{9D8B030D-6E8A-4147-A177-3AD203B41FA5}">
                       <a16:colId xmlns:a16="http://schemas.microsoft.com/office/drawing/2014/main" val="2159891656"/>
@@ -28079,59 +28136,59 @@
                         </a:spcAft>
                       </a:pPr>
                       <a:r>
-                        <a:rPr lang="en-US" sz="1000" b="1" i="0" u="none" strike="noStrike" kern="1200" dirty="0">
-                          <a:solidFill>
-                            <a:srgbClr val="000000"/>
-                          </a:solidFill>
+                        <a:rPr lang="en-US" sz="1000" u="none" strike="noStrike" kern="1200" dirty="0">
                           <a:effectLst/>
-                          <a:latin typeface="Gill Sans" panose="020B0502020104020203" pitchFamily="34" charset="-79"/>
-                          <a:ea typeface="+mn-ea"/>
-                          <a:cs typeface="Gill Sans" panose="020B0502020104020203" pitchFamily="34" charset="-79"/>
                         </a:rPr>
                         <a:t>Data Source</a:t>
                       </a:r>
+                      <a:endParaRPr lang="en-US" sz="1000" b="1" i="0" u="none" strike="noStrike" kern="1200" dirty="0">
+                        <a:solidFill>
+                          <a:srgbClr val="000000"/>
+                        </a:solidFill>
+                        <a:effectLst/>
+                        <a:latin typeface="Gill Sans" panose="020B0502020104020203" pitchFamily="34" charset="-79"/>
+                        <a:ea typeface="+mn-ea"/>
+                        <a:cs typeface="Gill Sans" panose="020B0502020104020203" pitchFamily="34" charset="-79"/>
+                      </a:endParaRPr>
                     </a:p>
                   </a:txBody>
                   <a:tcPr marL="54655" marR="54655" marT="54655" marB="54655">
-                    <a:lnL w="12697" cap="flat" cmpd="sng" algn="ctr">
+                    <a:lnL w="12700" cap="flat" cmpd="sng" algn="ctr">
                       <a:solidFill>
-                        <a:srgbClr val="45818E"/>
+                        <a:schemeClr val="accent1"/>
                       </a:solidFill>
                       <a:prstDash val="solid"/>
                       <a:round/>
                       <a:headEnd type="none" w="med" len="med"/>
                       <a:tailEnd type="none" w="med" len="med"/>
                     </a:lnL>
-                    <a:lnR w="12697" cap="flat" cmpd="sng" algn="ctr">
+                    <a:lnR w="12700" cap="flat" cmpd="sng" algn="ctr">
                       <a:solidFill>
-                        <a:srgbClr val="45818E"/>
+                        <a:schemeClr val="accent1"/>
                       </a:solidFill>
                       <a:prstDash val="solid"/>
                       <a:round/>
                       <a:headEnd type="none" w="med" len="med"/>
                       <a:tailEnd type="none" w="med" len="med"/>
                     </a:lnR>
-                    <a:lnT w="12697" cap="flat" cmpd="sng" algn="ctr">
+                    <a:lnT w="12700" cap="flat" cmpd="sng" algn="ctr">
                       <a:solidFill>
-                        <a:srgbClr val="45818E"/>
+                        <a:schemeClr val="accent1"/>
                       </a:solidFill>
                       <a:prstDash val="solid"/>
                       <a:round/>
                       <a:headEnd type="none" w="med" len="med"/>
                       <a:tailEnd type="none" w="med" len="med"/>
                     </a:lnT>
-                    <a:lnB w="12697" cap="flat" cmpd="sng" algn="ctr">
+                    <a:lnB w="12700" cap="flat" cmpd="sng" algn="ctr">
                       <a:solidFill>
-                        <a:srgbClr val="45818E"/>
+                        <a:schemeClr val="accent1"/>
                       </a:solidFill>
                       <a:prstDash val="solid"/>
                       <a:round/>
                       <a:headEnd type="none" w="med" len="med"/>
                       <a:tailEnd type="none" w="med" len="med"/>
                     </a:lnB>
-                    <a:solidFill>
-                      <a:schemeClr val="bg1"/>
-                    </a:solidFill>
                   </a:tcPr>
                 </a:tc>
                 <a:tc>
@@ -28148,59 +28205,59 @@
                         </a:spcAft>
                       </a:pPr>
                       <a:r>
-                        <a:rPr lang="en-US" sz="1000" b="1" i="0" u="none" strike="noStrike" kern="1200" dirty="0">
-                          <a:solidFill>
-                            <a:srgbClr val="000000"/>
-                          </a:solidFill>
+                        <a:rPr lang="en-US" sz="1000" u="none" strike="noStrike" kern="1200" dirty="0">
                           <a:effectLst/>
-                          <a:latin typeface="Gill Sans" panose="020B0502020104020203" pitchFamily="34" charset="-79"/>
-                          <a:ea typeface="+mn-ea"/>
-                          <a:cs typeface="Gill Sans" panose="020B0502020104020203" pitchFamily="34" charset="-79"/>
                         </a:rPr>
                         <a:t>Format and Size</a:t>
                       </a:r>
+                      <a:endParaRPr lang="en-US" sz="1000" b="1" i="0" u="none" strike="noStrike" kern="1200" dirty="0">
+                        <a:solidFill>
+                          <a:srgbClr val="000000"/>
+                        </a:solidFill>
+                        <a:effectLst/>
+                        <a:latin typeface="Gill Sans" panose="020B0502020104020203" pitchFamily="34" charset="-79"/>
+                        <a:ea typeface="+mn-ea"/>
+                        <a:cs typeface="Gill Sans" panose="020B0502020104020203" pitchFamily="34" charset="-79"/>
+                      </a:endParaRPr>
                     </a:p>
                   </a:txBody>
                   <a:tcPr marL="54655" marR="54655" marT="54655" marB="54655">
-                    <a:lnL w="12697" cap="flat" cmpd="sng" algn="ctr">
+                    <a:lnL w="12700" cap="flat" cmpd="sng" algn="ctr">
                       <a:solidFill>
-                        <a:srgbClr val="45818E"/>
+                        <a:schemeClr val="accent1"/>
                       </a:solidFill>
                       <a:prstDash val="solid"/>
                       <a:round/>
                       <a:headEnd type="none" w="med" len="med"/>
                       <a:tailEnd type="none" w="med" len="med"/>
                     </a:lnL>
-                    <a:lnR w="12697" cap="flat" cmpd="sng" algn="ctr">
+                    <a:lnR w="12700" cap="flat" cmpd="sng" algn="ctr">
                       <a:solidFill>
-                        <a:srgbClr val="62B4C6"/>
+                        <a:schemeClr val="accent1"/>
                       </a:solidFill>
                       <a:prstDash val="solid"/>
                       <a:round/>
                       <a:headEnd type="none" w="med" len="med"/>
                       <a:tailEnd type="none" w="med" len="med"/>
                     </a:lnR>
-                    <a:lnT w="12697" cap="flat" cmpd="sng" algn="ctr">
+                    <a:lnT w="12700" cap="flat" cmpd="sng" algn="ctr">
                       <a:solidFill>
-                        <a:srgbClr val="62B4C6"/>
+                        <a:schemeClr val="accent1"/>
                       </a:solidFill>
                       <a:prstDash val="solid"/>
                       <a:round/>
                       <a:headEnd type="none" w="med" len="med"/>
                       <a:tailEnd type="none" w="med" len="med"/>
                     </a:lnT>
-                    <a:lnB w="12697" cap="flat" cmpd="sng" algn="ctr">
+                    <a:lnB w="12700" cap="flat" cmpd="sng" algn="ctr">
                       <a:solidFill>
-                        <a:srgbClr val="62B4C6"/>
+                        <a:schemeClr val="accent1"/>
                       </a:solidFill>
                       <a:prstDash val="solid"/>
                       <a:round/>
                       <a:headEnd type="none" w="med" len="med"/>
                       <a:tailEnd type="none" w="med" len="med"/>
                     </a:lnB>
-                    <a:solidFill>
-                      <a:schemeClr val="bg1"/>
-                    </a:solidFill>
                   </a:tcPr>
                 </a:tc>
                 <a:tc>
@@ -28217,13 +28274,8 @@
                         </a:spcAft>
                       </a:pPr>
                       <a:r>
-                        <a:rPr lang="en-US" sz="1000" b="1" i="0" u="none" strike="noStrike" dirty="0">
-                          <a:solidFill>
-                            <a:srgbClr val="000000"/>
-                          </a:solidFill>
+                        <a:rPr lang="en-US" sz="1000" u="none" strike="noStrike" dirty="0">
                           <a:effectLst/>
-                          <a:latin typeface="Gill Sans" panose="020B0502020104020203" pitchFamily="34" charset="-79"/>
-                          <a:cs typeface="Gill Sans" panose="020B0502020104020203" pitchFamily="34" charset="-79"/>
                         </a:rPr>
                         <a:t>Processed Data That Meet Analytical Needs</a:t>
                       </a:r>
@@ -28233,45 +28285,42 @@
                     </a:p>
                   </a:txBody>
                   <a:tcPr marL="54655" marR="54655" marT="54655" marB="54655">
-                    <a:lnL w="12697" cap="flat" cmpd="sng" algn="ctr">
+                    <a:lnL w="12700" cap="flat" cmpd="sng" algn="ctr">
                       <a:solidFill>
-                        <a:srgbClr val="62B4C6"/>
+                        <a:schemeClr val="accent1"/>
                       </a:solidFill>
                       <a:prstDash val="solid"/>
                       <a:round/>
                       <a:headEnd type="none" w="med" len="med"/>
                       <a:tailEnd type="none" w="med" len="med"/>
                     </a:lnL>
-                    <a:lnR w="12697" cap="flat" cmpd="sng" algn="ctr">
+                    <a:lnR w="12700" cap="flat" cmpd="sng" algn="ctr">
                       <a:solidFill>
-                        <a:srgbClr val="62B4C6"/>
+                        <a:schemeClr val="accent1"/>
                       </a:solidFill>
                       <a:prstDash val="solid"/>
                       <a:round/>
                       <a:headEnd type="none" w="med" len="med"/>
                       <a:tailEnd type="none" w="med" len="med"/>
                     </a:lnR>
-                    <a:lnT w="12697" cap="flat" cmpd="sng" algn="ctr">
+                    <a:lnT w="12700" cap="flat" cmpd="sng" algn="ctr">
                       <a:solidFill>
-                        <a:srgbClr val="62B4C6"/>
+                        <a:schemeClr val="accent1"/>
                       </a:solidFill>
                       <a:prstDash val="solid"/>
                       <a:round/>
                       <a:headEnd type="none" w="med" len="med"/>
                       <a:tailEnd type="none" w="med" len="med"/>
                     </a:lnT>
-                    <a:lnB w="12697" cap="flat" cmpd="sng" algn="ctr">
+                    <a:lnB w="12700" cap="flat" cmpd="sng" algn="ctr">
                       <a:solidFill>
-                        <a:srgbClr val="62B4C6"/>
+                        <a:schemeClr val="accent1"/>
                       </a:solidFill>
                       <a:prstDash val="solid"/>
                       <a:round/>
                       <a:headEnd type="none" w="med" len="med"/>
                       <a:tailEnd type="none" w="med" len="med"/>
                     </a:lnB>
-                    <a:solidFill>
-                      <a:schemeClr val="bg1"/>
-                    </a:solidFill>
                   </a:tcPr>
                 </a:tc>
                 <a:tc>
@@ -28288,13 +28337,8 @@
                         </a:spcAft>
                       </a:pPr>
                       <a:r>
-                        <a:rPr lang="en-US" sz="1000" b="1" i="0" u="none" strike="noStrike" dirty="0">
-                          <a:solidFill>
-                            <a:srgbClr val="000000"/>
-                          </a:solidFill>
+                        <a:rPr lang="en-US" sz="1000" u="none" strike="noStrike" dirty="0">
                           <a:effectLst/>
-                          <a:latin typeface="Gill Sans" panose="020B0502020104020203" pitchFamily="34" charset="-79"/>
-                          <a:cs typeface="Gill Sans" panose="020B0502020104020203" pitchFamily="34" charset="-79"/>
                         </a:rPr>
                         <a:t>Platform and Tools Used</a:t>
                       </a:r>
@@ -28309,45 +28353,42 @@
                     </a:p>
                   </a:txBody>
                   <a:tcPr marL="54655" marR="54655" marT="54655" marB="54655">
-                    <a:lnL w="12697" cap="flat" cmpd="sng" algn="ctr">
+                    <a:lnL w="12700" cap="flat" cmpd="sng" algn="ctr">
                       <a:solidFill>
-                        <a:srgbClr val="62B4C6"/>
+                        <a:schemeClr val="accent1"/>
                       </a:solidFill>
                       <a:prstDash val="solid"/>
                       <a:round/>
                       <a:headEnd type="none" w="med" len="med"/>
                       <a:tailEnd type="none" w="med" len="med"/>
                     </a:lnL>
-                    <a:lnR w="12697" cap="flat" cmpd="sng" algn="ctr">
+                    <a:lnR w="12700" cap="flat" cmpd="sng" algn="ctr">
                       <a:solidFill>
-                        <a:srgbClr val="62B4C6"/>
+                        <a:schemeClr val="accent1"/>
                       </a:solidFill>
                       <a:prstDash val="solid"/>
                       <a:round/>
                       <a:headEnd type="none" w="med" len="med"/>
                       <a:tailEnd type="none" w="med" len="med"/>
                     </a:lnR>
-                    <a:lnT w="12697" cap="flat" cmpd="sng" algn="ctr">
+                    <a:lnT w="12700" cap="flat" cmpd="sng" algn="ctr">
                       <a:solidFill>
-                        <a:srgbClr val="62B4C6"/>
+                        <a:schemeClr val="accent1"/>
                       </a:solidFill>
                       <a:prstDash val="solid"/>
                       <a:round/>
                       <a:headEnd type="none" w="med" len="med"/>
                       <a:tailEnd type="none" w="med" len="med"/>
                     </a:lnT>
-                    <a:lnB w="12697" cap="flat" cmpd="sng" algn="ctr">
+                    <a:lnB w="12700" cap="flat" cmpd="sng" algn="ctr">
                       <a:solidFill>
-                        <a:srgbClr val="62B4C6"/>
+                        <a:schemeClr val="accent1"/>
                       </a:solidFill>
                       <a:prstDash val="solid"/>
                       <a:round/>
                       <a:headEnd type="none" w="med" len="med"/>
                       <a:tailEnd type="none" w="med" len="med"/>
                     </a:lnB>
-                    <a:solidFill>
-                      <a:schemeClr val="bg1"/>
-                    </a:solidFill>
                   </a:tcPr>
                 </a:tc>
                 <a:extLst>
@@ -28371,12 +28412,8 @@
                         </a:spcAft>
                       </a:pPr>
                       <a:r>
-                        <a:rPr lang="en-US" sz="1000" b="0" i="0" u="none" strike="noStrike" dirty="0">
-                          <a:solidFill>
-                            <a:srgbClr val="000000"/>
-                          </a:solidFill>
+                        <a:rPr lang="en-US" sz="1000" u="none" strike="noStrike" dirty="0">
                           <a:effectLst/>
-                          <a:latin typeface="Gill Sans MT" panose="020B0502020104020203" pitchFamily="34" charset="77"/>
                         </a:rPr>
                         <a:t>Chicago Data Portal: Transportation Network Providers</a:t>
                       </a:r>
@@ -28386,45 +28423,42 @@
                     </a:p>
                   </a:txBody>
                   <a:tcPr marL="54655" marR="54655" marT="54655" marB="54655" anchor="ctr">
-                    <a:lnL w="12697" cap="flat" cmpd="sng" algn="ctr">
+                    <a:lnL w="12700" cap="flat" cmpd="sng" algn="ctr">
                       <a:solidFill>
-                        <a:srgbClr val="62B4C6"/>
+                        <a:schemeClr val="accent1"/>
                       </a:solidFill>
                       <a:prstDash val="solid"/>
                       <a:round/>
                       <a:headEnd type="none" w="med" len="med"/>
                       <a:tailEnd type="none" w="med" len="med"/>
                     </a:lnL>
-                    <a:lnR w="12697" cap="flat" cmpd="sng" algn="ctr">
+                    <a:lnR w="12700" cap="flat" cmpd="sng" algn="ctr">
                       <a:solidFill>
-                        <a:srgbClr val="62B4C6"/>
+                        <a:schemeClr val="accent1"/>
                       </a:solidFill>
                       <a:prstDash val="solid"/>
                       <a:round/>
                       <a:headEnd type="none" w="med" len="med"/>
                       <a:tailEnd type="none" w="med" len="med"/>
                     </a:lnR>
-                    <a:lnT w="12697" cap="flat" cmpd="sng" algn="ctr">
+                    <a:lnT w="12700" cap="flat" cmpd="sng" algn="ctr">
                       <a:solidFill>
-                        <a:srgbClr val="45818E"/>
+                        <a:schemeClr val="accent1"/>
                       </a:solidFill>
                       <a:prstDash val="solid"/>
                       <a:round/>
                       <a:headEnd type="none" w="med" len="med"/>
                       <a:tailEnd type="none" w="med" len="med"/>
                     </a:lnT>
-                    <a:lnB w="12697" cap="flat" cmpd="sng" algn="ctr">
+                    <a:lnB w="12700" cap="flat" cmpd="sng" algn="ctr">
                       <a:solidFill>
-                        <a:srgbClr val="62B4C6"/>
+                        <a:schemeClr val="accent1"/>
                       </a:solidFill>
                       <a:prstDash val="solid"/>
                       <a:round/>
                       <a:headEnd type="none" w="med" len="med"/>
                       <a:tailEnd type="none" w="med" len="med"/>
                     </a:lnB>
-                    <a:solidFill>
-                      <a:schemeClr val="bg1"/>
-                    </a:solidFill>
                   </a:tcPr>
                 </a:tc>
                 <a:tc>
@@ -28441,13 +28475,8 @@
                         </a:spcAft>
                       </a:pPr>
                       <a:r>
-                        <a:rPr lang="en-US" sz="1000" b="0" i="0" u="none" strike="noStrike" dirty="0">
-                          <a:solidFill>
-                            <a:srgbClr val="000000"/>
-                          </a:solidFill>
+                        <a:rPr lang="en-US" sz="1000" u="none" strike="noStrike" dirty="0">
                           <a:effectLst/>
-                          <a:latin typeface="Gill Sans" panose="020B0502020104020203" pitchFamily="34" charset="-79"/>
-                          <a:cs typeface="Gill Sans" panose="020B0502020104020203" pitchFamily="34" charset="-79"/>
                         </a:rPr>
                         <a:t>50 GB </a:t>
                       </a:r>
@@ -28462,13 +28491,8 @@
                         </a:spcAft>
                       </a:pPr>
                       <a:r>
-                        <a:rPr lang="en-US" sz="1000" b="0" i="0" u="none" strike="noStrike" dirty="0">
-                          <a:solidFill>
-                            <a:srgbClr val="000000"/>
-                          </a:solidFill>
+                        <a:rPr lang="en-US" sz="1000" u="none" strike="noStrike" dirty="0">
                           <a:effectLst/>
-                          <a:latin typeface="Gill Sans" panose="020B0502020104020203" pitchFamily="34" charset="-79"/>
-                          <a:cs typeface="Gill Sans" panose="020B0502020104020203" pitchFamily="34" charset="-79"/>
                         </a:rPr>
                         <a:t>(129 Million Rows, 21 Columns)</a:t>
                       </a:r>
@@ -28486,13 +28510,8 @@
                         </a:spcAft>
                       </a:pPr>
                       <a:r>
-                        <a:rPr lang="en-US" sz="1000" b="0" i="0" u="none" strike="noStrike" dirty="0">
-                          <a:solidFill>
-                            <a:srgbClr val="000000"/>
-                          </a:solidFill>
+                        <a:rPr lang="en-US" sz="1000" u="none" strike="noStrike" dirty="0">
                           <a:effectLst/>
-                          <a:latin typeface="Gill Sans" panose="020B0502020104020203" pitchFamily="34" charset="-79"/>
-                          <a:cs typeface="Gill Sans" panose="020B0502020104020203" pitchFamily="34" charset="-79"/>
                         </a:rPr>
                         <a:t>Structured CSV File</a:t>
                       </a:r>
@@ -28507,45 +28526,42 @@
                     </a:p>
                   </a:txBody>
                   <a:tcPr marL="54655" marR="54655" marT="54655" marB="54655">
-                    <a:lnL w="12697" cap="flat" cmpd="sng" algn="ctr">
+                    <a:lnL w="12700" cap="flat" cmpd="sng" algn="ctr">
                       <a:solidFill>
-                        <a:srgbClr val="62B4C6"/>
+                        <a:schemeClr val="accent1"/>
                       </a:solidFill>
                       <a:prstDash val="solid"/>
                       <a:round/>
                       <a:headEnd type="none" w="med" len="med"/>
                       <a:tailEnd type="none" w="med" len="med"/>
                     </a:lnL>
-                    <a:lnR w="12697" cap="flat" cmpd="sng" algn="ctr">
+                    <a:lnR w="12700" cap="flat" cmpd="sng" algn="ctr">
                       <a:solidFill>
-                        <a:srgbClr val="62B4C6"/>
+                        <a:schemeClr val="accent1"/>
                       </a:solidFill>
                       <a:prstDash val="solid"/>
                       <a:round/>
                       <a:headEnd type="none" w="med" len="med"/>
                       <a:tailEnd type="none" w="med" len="med"/>
                     </a:lnR>
-                    <a:lnT w="12697" cap="flat" cmpd="sng" algn="ctr">
+                    <a:lnT w="12700" cap="flat" cmpd="sng" algn="ctr">
                       <a:solidFill>
-                        <a:srgbClr val="62B4C6"/>
+                        <a:schemeClr val="accent1"/>
                       </a:solidFill>
                       <a:prstDash val="solid"/>
                       <a:round/>
                       <a:headEnd type="none" w="med" len="med"/>
                       <a:tailEnd type="none" w="med" len="med"/>
                     </a:lnT>
-                    <a:lnB w="12697" cap="flat" cmpd="sng" algn="ctr">
+                    <a:lnB w="12700" cap="flat" cmpd="sng" algn="ctr">
                       <a:solidFill>
-                        <a:srgbClr val="62B4C6"/>
+                        <a:schemeClr val="accent1"/>
                       </a:solidFill>
                       <a:prstDash val="solid"/>
                       <a:round/>
                       <a:headEnd type="none" w="med" len="med"/>
                       <a:tailEnd type="none" w="med" len="med"/>
                     </a:lnB>
-                    <a:solidFill>
-                      <a:schemeClr val="bg1"/>
-                    </a:solidFill>
                   </a:tcPr>
                 </a:tc>
                 <a:tc>
@@ -28562,12 +28578,8 @@
                         </a:spcAft>
                       </a:pPr>
                       <a:r>
-                        <a:rPr lang="en-US" sz="1000" b="0" i="0" u="none" strike="noStrike" dirty="0">
-                          <a:solidFill>
-                            <a:srgbClr val="000000"/>
-                          </a:solidFill>
+                        <a:rPr lang="en-US" sz="1000" u="none" strike="noStrike" dirty="0">
                           <a:effectLst/>
-                          <a:latin typeface="Gill Sans MT" panose="020B0502020104020203" pitchFamily="34" charset="77"/>
                         </a:rPr>
                         <a:t>Ridership, Avg Traveled Distance, Avg Tips and Number of Pooled trips Group by CCA, Date and Time </a:t>
                       </a:r>
@@ -28577,45 +28589,42 @@
                     </a:p>
                   </a:txBody>
                   <a:tcPr marL="54655" marR="54655" marT="54655" marB="54655" anchor="ctr">
-                    <a:lnL w="12697" cap="flat" cmpd="sng" algn="ctr">
+                    <a:lnL w="12700" cap="flat" cmpd="sng" algn="ctr">
                       <a:solidFill>
-                        <a:srgbClr val="62B4C6"/>
+                        <a:schemeClr val="accent1"/>
                       </a:solidFill>
                       <a:prstDash val="solid"/>
                       <a:round/>
                       <a:headEnd type="none" w="med" len="med"/>
                       <a:tailEnd type="none" w="med" len="med"/>
                     </a:lnL>
-                    <a:lnR w="12697" cap="flat" cmpd="sng" algn="ctr">
+                    <a:lnR w="12700" cap="flat" cmpd="sng" algn="ctr">
                       <a:solidFill>
-                        <a:srgbClr val="62B4C6"/>
+                        <a:schemeClr val="accent1"/>
                       </a:solidFill>
                       <a:prstDash val="solid"/>
                       <a:round/>
                       <a:headEnd type="none" w="med" len="med"/>
                       <a:tailEnd type="none" w="med" len="med"/>
                     </a:lnR>
-                    <a:lnT w="12697" cap="flat" cmpd="sng" algn="ctr">
+                    <a:lnT w="12700" cap="flat" cmpd="sng" algn="ctr">
                       <a:solidFill>
-                        <a:srgbClr val="62B4C6"/>
+                        <a:schemeClr val="accent1"/>
                       </a:solidFill>
                       <a:prstDash val="solid"/>
                       <a:round/>
                       <a:headEnd type="none" w="med" len="med"/>
                       <a:tailEnd type="none" w="med" len="med"/>
                     </a:lnT>
-                    <a:lnB w="12697" cap="flat" cmpd="sng" algn="ctr">
+                    <a:lnB w="12700" cap="flat" cmpd="sng" algn="ctr">
                       <a:solidFill>
-                        <a:srgbClr val="62B4C6"/>
+                        <a:schemeClr val="accent1"/>
                       </a:solidFill>
                       <a:prstDash val="solid"/>
                       <a:round/>
                       <a:headEnd type="none" w="med" len="med"/>
                       <a:tailEnd type="none" w="med" len="med"/>
                     </a:lnB>
-                    <a:solidFill>
-                      <a:schemeClr val="bg1"/>
-                    </a:solidFill>
                   </a:tcPr>
                 </a:tc>
                 <a:tc>
@@ -28632,32 +28641,20 @@
                         </a:spcAft>
                       </a:pPr>
                       <a:r>
-                        <a:rPr lang="en-US" sz="1000" b="0" i="0" u="none" strike="noStrike" dirty="0">
-                          <a:solidFill>
-                            <a:srgbClr val="000000"/>
-                          </a:solidFill>
+                        <a:rPr lang="en-US" sz="1000" u="none" strike="noStrike" dirty="0">
                           <a:effectLst/>
-                          <a:latin typeface="Gill Sans MT" panose="020B0502020104020203" pitchFamily="34" charset="77"/>
                         </a:rPr>
                         <a:t>Python, </a:t>
                       </a:r>
                       <a:r>
-                        <a:rPr lang="en-US" sz="1000" b="0" i="0" u="none" strike="noStrike" dirty="0" err="1">
-                          <a:solidFill>
-                            <a:srgbClr val="000000"/>
-                          </a:solidFill>
+                        <a:rPr lang="en-US" sz="1000" u="none" strike="noStrike" dirty="0" err="1">
                           <a:effectLst/>
-                          <a:latin typeface="Gill Sans MT" panose="020B0502020104020203" pitchFamily="34" charset="77"/>
                         </a:rPr>
                         <a:t>mySQL</a:t>
                       </a:r>
                       <a:r>
-                        <a:rPr lang="en-US" sz="1000" b="0" i="0" u="none" strike="noStrike" dirty="0">
-                          <a:solidFill>
-                            <a:srgbClr val="000000"/>
-                          </a:solidFill>
+                        <a:rPr lang="en-US" sz="1000" u="none" strike="noStrike" dirty="0">
                           <a:effectLst/>
-                          <a:latin typeface="Gill Sans MT" panose="020B0502020104020203" pitchFamily="34" charset="77"/>
                         </a:rPr>
                         <a:t> GCP and RCC</a:t>
                       </a:r>
@@ -28667,45 +28664,42 @@
                     </a:p>
                   </a:txBody>
                   <a:tcPr marL="54655" marR="54655" marT="54655" marB="54655" anchor="ctr">
-                    <a:lnL w="12697" cap="flat" cmpd="sng" algn="ctr">
+                    <a:lnL w="12700" cap="flat" cmpd="sng" algn="ctr">
                       <a:solidFill>
-                        <a:srgbClr val="62B4C6"/>
+                        <a:schemeClr val="accent1"/>
                       </a:solidFill>
                       <a:prstDash val="solid"/>
                       <a:round/>
                       <a:headEnd type="none" w="med" len="med"/>
                       <a:tailEnd type="none" w="med" len="med"/>
                     </a:lnL>
-                    <a:lnR w="12697" cap="flat" cmpd="sng" algn="ctr">
+                    <a:lnR w="12700" cap="flat" cmpd="sng" algn="ctr">
                       <a:solidFill>
-                        <a:srgbClr val="62B4C6"/>
+                        <a:schemeClr val="accent1"/>
                       </a:solidFill>
                       <a:prstDash val="solid"/>
                       <a:round/>
                       <a:headEnd type="none" w="med" len="med"/>
                       <a:tailEnd type="none" w="med" len="med"/>
                     </a:lnR>
-                    <a:lnT w="12697" cap="flat" cmpd="sng" algn="ctr">
+                    <a:lnT w="12700" cap="flat" cmpd="sng" algn="ctr">
                       <a:solidFill>
-                        <a:srgbClr val="62B4C6"/>
+                        <a:schemeClr val="accent1"/>
                       </a:solidFill>
                       <a:prstDash val="solid"/>
                       <a:round/>
                       <a:headEnd type="none" w="med" len="med"/>
                       <a:tailEnd type="none" w="med" len="med"/>
                     </a:lnT>
-                    <a:lnB w="12697" cap="flat" cmpd="sng" algn="ctr">
+                    <a:lnB w="12700" cap="flat" cmpd="sng" algn="ctr">
                       <a:solidFill>
-                        <a:srgbClr val="62B4C6"/>
+                        <a:schemeClr val="accent1"/>
                       </a:solidFill>
                       <a:prstDash val="solid"/>
                       <a:round/>
                       <a:headEnd type="none" w="med" len="med"/>
                       <a:tailEnd type="none" w="med" len="med"/>
                     </a:lnB>
-                    <a:solidFill>
-                      <a:schemeClr val="bg1"/>
-                    </a:solidFill>
                   </a:tcPr>
                 </a:tc>
                 <a:extLst>
@@ -28729,12 +28723,8 @@
                         </a:spcAft>
                       </a:pPr>
                       <a:r>
-                        <a:rPr lang="en-US" sz="1000" b="0" i="0" u="none" strike="noStrike" dirty="0">
-                          <a:solidFill>
-                            <a:srgbClr val="000000"/>
-                          </a:solidFill>
+                        <a:rPr lang="en-US" sz="1000" u="none" strike="noStrike" dirty="0">
                           <a:effectLst/>
-                          <a:latin typeface="Gill Sans MT" panose="020B0502020104020203" pitchFamily="34" charset="77"/>
                         </a:rPr>
                         <a:t>Chicago Data Portal: Boundaries - Chicago Community Areas (CCA)</a:t>
                       </a:r>
@@ -28744,45 +28734,42 @@
                     </a:p>
                   </a:txBody>
                   <a:tcPr marL="54655" marR="54655" marT="54655" marB="54655" anchor="ctr">
-                    <a:lnL w="12697" cap="flat" cmpd="sng" algn="ctr">
+                    <a:lnL w="12700" cap="flat" cmpd="sng" algn="ctr">
                       <a:solidFill>
-                        <a:srgbClr val="62B4C6"/>
+                        <a:schemeClr val="accent1"/>
                       </a:solidFill>
                       <a:prstDash val="solid"/>
                       <a:round/>
                       <a:headEnd type="none" w="med" len="med"/>
                       <a:tailEnd type="none" w="med" len="med"/>
                     </a:lnL>
-                    <a:lnR w="12697" cap="flat" cmpd="sng" algn="ctr">
+                    <a:lnR w="12700" cap="flat" cmpd="sng" algn="ctr">
                       <a:solidFill>
-                        <a:srgbClr val="62B4C6"/>
+                        <a:schemeClr val="accent1"/>
                       </a:solidFill>
                       <a:prstDash val="solid"/>
                       <a:round/>
                       <a:headEnd type="none" w="med" len="med"/>
                       <a:tailEnd type="none" w="med" len="med"/>
                     </a:lnR>
-                    <a:lnT w="12697" cap="flat" cmpd="sng" algn="ctr">
+                    <a:lnT w="12700" cap="flat" cmpd="sng" algn="ctr">
                       <a:solidFill>
-                        <a:srgbClr val="62B4C6"/>
+                        <a:schemeClr val="accent1"/>
                       </a:solidFill>
                       <a:prstDash val="solid"/>
                       <a:round/>
                       <a:headEnd type="none" w="med" len="med"/>
                       <a:tailEnd type="none" w="med" len="med"/>
                     </a:lnT>
-                    <a:lnB w="12697" cap="flat" cmpd="sng" algn="ctr">
+                    <a:lnB w="12700" cap="flat" cmpd="sng" algn="ctr">
                       <a:solidFill>
-                        <a:srgbClr val="62B4C6"/>
+                        <a:schemeClr val="accent1"/>
                       </a:solidFill>
                       <a:prstDash val="solid"/>
                       <a:round/>
                       <a:headEnd type="none" w="med" len="med"/>
                       <a:tailEnd type="none" w="med" len="med"/>
                     </a:lnB>
-                    <a:solidFill>
-                      <a:schemeClr val="bg1"/>
-                    </a:solidFill>
                   </a:tcPr>
                 </a:tc>
                 <a:tc>
@@ -28799,13 +28786,8 @@
                         </a:spcAft>
                       </a:pPr>
                       <a:r>
-                        <a:rPr lang="en-US" sz="1000" b="0" i="0" u="none" strike="noStrike" dirty="0">
-                          <a:solidFill>
-                            <a:srgbClr val="000000"/>
-                          </a:solidFill>
+                        <a:rPr lang="en-US" sz="1000" u="none" strike="noStrike" dirty="0">
                           <a:effectLst/>
-                          <a:latin typeface="Gill Sans" panose="020B0502020104020203" pitchFamily="34" charset="-79"/>
-                          <a:cs typeface="Gill Sans" panose="020B0502020104020203" pitchFamily="34" charset="-79"/>
                         </a:rPr>
                         <a:t>1.92 MB</a:t>
                       </a:r>
@@ -28829,13 +28811,8 @@
                         <a:defRPr/>
                       </a:pPr>
                       <a:r>
-                        <a:rPr lang="en-US" sz="1000" b="0" i="0" u="none" strike="noStrike" dirty="0">
-                          <a:solidFill>
-                            <a:srgbClr val="000000"/>
-                          </a:solidFill>
+                        <a:rPr lang="en-US" sz="1000" u="none" strike="noStrike" dirty="0">
                           <a:effectLst/>
-                          <a:latin typeface="Gill Sans" panose="020B0502020104020203" pitchFamily="34" charset="-79"/>
-                          <a:cs typeface="Gill Sans" panose="020B0502020104020203" pitchFamily="34" charset="-79"/>
                         </a:rPr>
                         <a:t>Structured CSV File</a:t>
                       </a:r>
@@ -28845,45 +28822,42 @@
                     </a:p>
                   </a:txBody>
                   <a:tcPr marL="54655" marR="54655" marT="54655" marB="54655" anchor="ctr">
-                    <a:lnL w="12697" cap="flat" cmpd="sng" algn="ctr">
+                    <a:lnL w="12700" cap="flat" cmpd="sng" algn="ctr">
                       <a:solidFill>
-                        <a:srgbClr val="62B4C6"/>
+                        <a:schemeClr val="accent1"/>
                       </a:solidFill>
                       <a:prstDash val="solid"/>
                       <a:round/>
                       <a:headEnd type="none" w="med" len="med"/>
                       <a:tailEnd type="none" w="med" len="med"/>
                     </a:lnL>
-                    <a:lnR w="12697" cap="flat" cmpd="sng" algn="ctr">
+                    <a:lnR w="12700" cap="flat" cmpd="sng" algn="ctr">
                       <a:solidFill>
-                        <a:srgbClr val="62B4C6"/>
+                        <a:schemeClr val="accent1"/>
                       </a:solidFill>
                       <a:prstDash val="solid"/>
                       <a:round/>
                       <a:headEnd type="none" w="med" len="med"/>
                       <a:tailEnd type="none" w="med" len="med"/>
                     </a:lnR>
-                    <a:lnT w="12697" cap="flat" cmpd="sng" algn="ctr">
+                    <a:lnT w="12700" cap="flat" cmpd="sng" algn="ctr">
                       <a:solidFill>
-                        <a:srgbClr val="62B4C6"/>
+                        <a:schemeClr val="accent1"/>
                       </a:solidFill>
                       <a:prstDash val="solid"/>
                       <a:round/>
                       <a:headEnd type="none" w="med" len="med"/>
                       <a:tailEnd type="none" w="med" len="med"/>
                     </a:lnT>
-                    <a:lnB w="12697" cap="flat" cmpd="sng" algn="ctr">
+                    <a:lnB w="12700" cap="flat" cmpd="sng" algn="ctr">
                       <a:solidFill>
-                        <a:srgbClr val="62B4C6"/>
+                        <a:schemeClr val="accent1"/>
                       </a:solidFill>
                       <a:prstDash val="solid"/>
                       <a:round/>
                       <a:headEnd type="none" w="med" len="med"/>
                       <a:tailEnd type="none" w="med" len="med"/>
                     </a:lnB>
-                    <a:solidFill>
-                      <a:schemeClr val="bg1"/>
-                    </a:solidFill>
                   </a:tcPr>
                 </a:tc>
                 <a:tc>
@@ -28900,12 +28874,8 @@
                         </a:spcAft>
                       </a:pPr>
                       <a:r>
-                        <a:rPr lang="en-US" sz="1000" b="0" i="0" u="none" strike="noStrike" dirty="0">
-                          <a:solidFill>
-                            <a:srgbClr val="000000"/>
-                          </a:solidFill>
+                        <a:rPr lang="en-US" sz="1000" u="none" strike="noStrike" dirty="0">
                           <a:effectLst/>
-                          <a:latin typeface="Gill Sans MT" panose="020B0502020104020203" pitchFamily="34" charset="77"/>
                         </a:rPr>
                         <a:t>MULTIPOLYGON Data by CCA For Tableau</a:t>
                       </a:r>
@@ -28915,45 +28885,42 @@
                     </a:p>
                   </a:txBody>
                   <a:tcPr marL="54655" marR="54655" marT="54655" marB="54655">
-                    <a:lnL w="12697" cap="flat" cmpd="sng" algn="ctr">
+                    <a:lnL w="12700" cap="flat" cmpd="sng" algn="ctr">
                       <a:solidFill>
-                        <a:srgbClr val="62B4C6"/>
+                        <a:schemeClr val="accent1"/>
                       </a:solidFill>
                       <a:prstDash val="solid"/>
                       <a:round/>
                       <a:headEnd type="none" w="med" len="med"/>
                       <a:tailEnd type="none" w="med" len="med"/>
                     </a:lnL>
-                    <a:lnR w="12697" cap="flat" cmpd="sng" algn="ctr">
+                    <a:lnR w="12700" cap="flat" cmpd="sng" algn="ctr">
                       <a:solidFill>
-                        <a:srgbClr val="62B4C6"/>
+                        <a:schemeClr val="accent1"/>
                       </a:solidFill>
                       <a:prstDash val="solid"/>
                       <a:round/>
                       <a:headEnd type="none" w="med" len="med"/>
                       <a:tailEnd type="none" w="med" len="med"/>
                     </a:lnR>
-                    <a:lnT w="12697" cap="flat" cmpd="sng" algn="ctr">
+                    <a:lnT w="12700" cap="flat" cmpd="sng" algn="ctr">
                       <a:solidFill>
-                        <a:srgbClr val="62B4C6"/>
+                        <a:schemeClr val="accent1"/>
                       </a:solidFill>
                       <a:prstDash val="solid"/>
                       <a:round/>
                       <a:headEnd type="none" w="med" len="med"/>
                       <a:tailEnd type="none" w="med" len="med"/>
                     </a:lnT>
-                    <a:lnB w="12697" cap="flat" cmpd="sng" algn="ctr">
+                    <a:lnB w="12700" cap="flat" cmpd="sng" algn="ctr">
                       <a:solidFill>
-                        <a:srgbClr val="62B4C6"/>
+                        <a:schemeClr val="accent1"/>
                       </a:solidFill>
                       <a:prstDash val="solid"/>
                       <a:round/>
                       <a:headEnd type="none" w="med" len="med"/>
                       <a:tailEnd type="none" w="med" len="med"/>
                     </a:lnB>
-                    <a:solidFill>
-                      <a:schemeClr val="bg1"/>
-                    </a:solidFill>
                   </a:tcPr>
                 </a:tc>
                 <a:tc>
@@ -28970,12 +28937,8 @@
                         </a:spcAft>
                       </a:pPr>
                       <a:r>
-                        <a:rPr lang="en-US" sz="1000" b="0" i="0" u="none" strike="noStrike" dirty="0">
-                          <a:solidFill>
-                            <a:srgbClr val="000000"/>
-                          </a:solidFill>
+                        <a:rPr lang="en-US" sz="1000" u="none" strike="noStrike" dirty="0">
                           <a:effectLst/>
-                          <a:latin typeface="Gill Sans MT" panose="020B0502020104020203" pitchFamily="34" charset="77"/>
                         </a:rPr>
                         <a:t>Python and Excel</a:t>
                       </a:r>
@@ -28985,45 +28948,42 @@
                     </a:p>
                   </a:txBody>
                   <a:tcPr marL="54655" marR="54655" marT="54655" marB="54655">
-                    <a:lnL w="12697" cap="flat" cmpd="sng" algn="ctr">
+                    <a:lnL w="12700" cap="flat" cmpd="sng" algn="ctr">
                       <a:solidFill>
-                        <a:srgbClr val="62B4C6"/>
+                        <a:schemeClr val="accent1"/>
                       </a:solidFill>
                       <a:prstDash val="solid"/>
                       <a:round/>
                       <a:headEnd type="none" w="med" len="med"/>
                       <a:tailEnd type="none" w="med" len="med"/>
                     </a:lnL>
-                    <a:lnR w="12697" cap="flat" cmpd="sng" algn="ctr">
+                    <a:lnR w="12700" cap="flat" cmpd="sng" algn="ctr">
                       <a:solidFill>
-                        <a:srgbClr val="62B4C6"/>
+                        <a:schemeClr val="accent1"/>
                       </a:solidFill>
                       <a:prstDash val="solid"/>
                       <a:round/>
                       <a:headEnd type="none" w="med" len="med"/>
                       <a:tailEnd type="none" w="med" len="med"/>
                     </a:lnR>
-                    <a:lnT w="12697" cap="flat" cmpd="sng" algn="ctr">
+                    <a:lnT w="12700" cap="flat" cmpd="sng" algn="ctr">
                       <a:solidFill>
-                        <a:srgbClr val="62B4C6"/>
+                        <a:schemeClr val="accent1"/>
                       </a:solidFill>
                       <a:prstDash val="solid"/>
                       <a:round/>
                       <a:headEnd type="none" w="med" len="med"/>
                       <a:tailEnd type="none" w="med" len="med"/>
                     </a:lnT>
-                    <a:lnB w="12697" cap="flat" cmpd="sng" algn="ctr">
+                    <a:lnB w="12700" cap="flat" cmpd="sng" algn="ctr">
                       <a:solidFill>
-                        <a:srgbClr val="62B4C6"/>
+                        <a:schemeClr val="accent1"/>
                       </a:solidFill>
                       <a:prstDash val="solid"/>
                       <a:round/>
                       <a:headEnd type="none" w="med" len="med"/>
                       <a:tailEnd type="none" w="med" len="med"/>
                     </a:lnB>
-                    <a:solidFill>
-                      <a:schemeClr val="bg1"/>
-                    </a:solidFill>
                   </a:tcPr>
                 </a:tc>
                 <a:extLst>
@@ -29047,12 +29007,8 @@
                         </a:spcAft>
                       </a:pPr>
                       <a:r>
-                        <a:rPr lang="en-US" sz="1000" b="0" i="0" u="none" strike="noStrike" dirty="0">
-                          <a:solidFill>
-                            <a:srgbClr val="000000"/>
-                          </a:solidFill>
+                        <a:rPr lang="en-US" sz="1000" u="none" strike="noStrike" dirty="0">
                           <a:effectLst/>
-                          <a:latin typeface="Gill Sans MT" panose="020B0502020104020203" pitchFamily="34" charset="77"/>
                         </a:rPr>
                         <a:t>Chicago Data Portal: Crimes</a:t>
                       </a:r>
@@ -29062,45 +29018,42 @@
                     </a:p>
                   </a:txBody>
                   <a:tcPr marL="54655" marR="54655" marT="54655" marB="54655" anchor="ctr">
-                    <a:lnL w="12697" cap="flat" cmpd="sng" algn="ctr">
+                    <a:lnL w="12700" cap="flat" cmpd="sng" algn="ctr">
                       <a:solidFill>
-                        <a:srgbClr val="62B4C6"/>
+                        <a:schemeClr val="accent1"/>
                       </a:solidFill>
                       <a:prstDash val="solid"/>
                       <a:round/>
                       <a:headEnd type="none" w="med" len="med"/>
                       <a:tailEnd type="none" w="med" len="med"/>
                     </a:lnL>
-                    <a:lnR w="12697" cap="flat" cmpd="sng" algn="ctr">
+                    <a:lnR w="12700" cap="flat" cmpd="sng" algn="ctr">
                       <a:solidFill>
-                        <a:srgbClr val="62B4C6"/>
+                        <a:schemeClr val="accent1"/>
                       </a:solidFill>
                       <a:prstDash val="solid"/>
                       <a:round/>
                       <a:headEnd type="none" w="med" len="med"/>
                       <a:tailEnd type="none" w="med" len="med"/>
                     </a:lnR>
-                    <a:lnT w="12697" cap="flat" cmpd="sng" algn="ctr">
+                    <a:lnT w="12700" cap="flat" cmpd="sng" algn="ctr">
                       <a:solidFill>
-                        <a:srgbClr val="62B4C6"/>
+                        <a:schemeClr val="accent1"/>
                       </a:solidFill>
                       <a:prstDash val="solid"/>
                       <a:round/>
                       <a:headEnd type="none" w="med" len="med"/>
                       <a:tailEnd type="none" w="med" len="med"/>
                     </a:lnT>
-                    <a:lnB w="12697" cap="flat" cmpd="sng" algn="ctr">
+                    <a:lnB w="12700" cap="flat" cmpd="sng" algn="ctr">
                       <a:solidFill>
-                        <a:srgbClr val="62B4C6"/>
+                        <a:schemeClr val="accent1"/>
                       </a:solidFill>
                       <a:prstDash val="solid"/>
                       <a:round/>
                       <a:headEnd type="none" w="med" len="med"/>
                       <a:tailEnd type="none" w="med" len="med"/>
                     </a:lnB>
-                    <a:solidFill>
-                      <a:schemeClr val="bg1"/>
-                    </a:solidFill>
                   </a:tcPr>
                 </a:tc>
                 <a:tc>
@@ -29117,13 +29070,8 @@
                         </a:spcAft>
                       </a:pPr>
                       <a:r>
-                        <a:rPr lang="en-US" sz="1000" b="0" i="0" u="none" strike="noStrike" dirty="0">
-                          <a:solidFill>
-                            <a:srgbClr val="000000"/>
-                          </a:solidFill>
+                        <a:rPr lang="en-US" sz="1000" u="none" strike="noStrike" dirty="0">
                           <a:effectLst/>
-                          <a:latin typeface="Gill Sans" panose="020B0502020104020203" pitchFamily="34" charset="-79"/>
-                          <a:cs typeface="Gill Sans" panose="020B0502020104020203" pitchFamily="34" charset="-79"/>
                         </a:rPr>
                         <a:t>12 GB</a:t>
                       </a:r>
@@ -29138,13 +29086,8 @@
                         </a:spcAft>
                       </a:pPr>
                       <a:r>
-                        <a:rPr lang="en-US" sz="1000" b="0" i="0" u="none" strike="noStrike" dirty="0">
-                          <a:solidFill>
-                            <a:srgbClr val="000000"/>
-                          </a:solidFill>
+                        <a:rPr lang="en-US" sz="1000" u="none" strike="noStrike" dirty="0">
                           <a:effectLst/>
-                          <a:latin typeface="Gill Sans" panose="020B0502020104020203" pitchFamily="34" charset="-79"/>
-                          <a:cs typeface="Gill Sans" panose="020B0502020104020203" pitchFamily="34" charset="-79"/>
                         </a:rPr>
                         <a:t>(7.12 Million Rows, 22 Columns) </a:t>
                       </a:r>
@@ -29171,13 +29114,8 @@
                         <a:defRPr/>
                       </a:pPr>
                       <a:r>
-                        <a:rPr lang="en-US" sz="1000" b="0" i="0" u="none" strike="noStrike" dirty="0">
-                          <a:solidFill>
-                            <a:srgbClr val="000000"/>
-                          </a:solidFill>
+                        <a:rPr lang="en-US" sz="1000" u="none" strike="noStrike" dirty="0">
                           <a:effectLst/>
-                          <a:latin typeface="Gill Sans" panose="020B0502020104020203" pitchFamily="34" charset="-79"/>
-                          <a:cs typeface="Gill Sans" panose="020B0502020104020203" pitchFamily="34" charset="-79"/>
                         </a:rPr>
                         <a:t>Structured CSV File</a:t>
                       </a:r>
@@ -29187,45 +29125,42 @@
                     </a:p>
                   </a:txBody>
                   <a:tcPr marL="54655" marR="54655" marT="54655" marB="54655" anchor="ctr">
-                    <a:lnL w="12697" cap="flat" cmpd="sng" algn="ctr">
+                    <a:lnL w="12700" cap="flat" cmpd="sng" algn="ctr">
                       <a:solidFill>
-                        <a:srgbClr val="62B4C6"/>
+                        <a:schemeClr val="accent1"/>
                       </a:solidFill>
                       <a:prstDash val="solid"/>
                       <a:round/>
                       <a:headEnd type="none" w="med" len="med"/>
                       <a:tailEnd type="none" w="med" len="med"/>
                     </a:lnL>
-                    <a:lnR w="12697" cap="flat" cmpd="sng" algn="ctr">
+                    <a:lnR w="12700" cap="flat" cmpd="sng" algn="ctr">
                       <a:solidFill>
-                        <a:srgbClr val="62B4C6"/>
+                        <a:schemeClr val="accent1"/>
                       </a:solidFill>
                       <a:prstDash val="solid"/>
                       <a:round/>
                       <a:headEnd type="none" w="med" len="med"/>
                       <a:tailEnd type="none" w="med" len="med"/>
                     </a:lnR>
-                    <a:lnT w="12697" cap="flat" cmpd="sng" algn="ctr">
+                    <a:lnT w="12700" cap="flat" cmpd="sng" algn="ctr">
                       <a:solidFill>
-                        <a:srgbClr val="62B4C6"/>
+                        <a:schemeClr val="accent1"/>
                       </a:solidFill>
                       <a:prstDash val="solid"/>
                       <a:round/>
                       <a:headEnd type="none" w="med" len="med"/>
                       <a:tailEnd type="none" w="med" len="med"/>
                     </a:lnT>
-                    <a:lnB w="12697" cap="flat" cmpd="sng" algn="ctr">
+                    <a:lnB w="12700" cap="flat" cmpd="sng" algn="ctr">
                       <a:solidFill>
-                        <a:srgbClr val="62B4C6"/>
+                        <a:schemeClr val="accent1"/>
                       </a:solidFill>
                       <a:prstDash val="solid"/>
                       <a:round/>
                       <a:headEnd type="none" w="med" len="med"/>
                       <a:tailEnd type="none" w="med" len="med"/>
                     </a:lnB>
-                    <a:solidFill>
-                      <a:schemeClr val="bg1"/>
-                    </a:solidFill>
                   </a:tcPr>
                 </a:tc>
                 <a:tc>
@@ -29242,12 +29177,8 @@
                         </a:spcAft>
                       </a:pPr>
                       <a:r>
-                        <a:rPr lang="en-US" sz="1000" b="0" i="0" u="none" strike="noStrike" dirty="0">
-                          <a:solidFill>
-                            <a:srgbClr val="000000"/>
-                          </a:solidFill>
+                        <a:rPr lang="en-US" sz="1000" u="none" strike="noStrike" dirty="0">
                           <a:effectLst/>
-                          <a:latin typeface="Gill Sans MT" panose="020B0502020104020203" pitchFamily="34" charset="77"/>
                         </a:rPr>
                         <a:t>Total Number of Crimes By CCA</a:t>
                       </a:r>
@@ -29257,45 +29188,42 @@
                     </a:p>
                   </a:txBody>
                   <a:tcPr marL="54655" marR="54655" marT="54655" marB="54655">
-                    <a:lnL w="12697" cap="flat" cmpd="sng" algn="ctr">
+                    <a:lnL w="12700" cap="flat" cmpd="sng" algn="ctr">
                       <a:solidFill>
-                        <a:srgbClr val="62B4C6"/>
+                        <a:schemeClr val="accent1"/>
                       </a:solidFill>
                       <a:prstDash val="solid"/>
                       <a:round/>
                       <a:headEnd type="none" w="med" len="med"/>
                       <a:tailEnd type="none" w="med" len="med"/>
                     </a:lnL>
-                    <a:lnR w="12697" cap="flat" cmpd="sng" algn="ctr">
+                    <a:lnR w="12700" cap="flat" cmpd="sng" algn="ctr">
                       <a:solidFill>
-                        <a:srgbClr val="62B4C6"/>
+                        <a:schemeClr val="accent1"/>
                       </a:solidFill>
                       <a:prstDash val="solid"/>
                       <a:round/>
                       <a:headEnd type="none" w="med" len="med"/>
                       <a:tailEnd type="none" w="med" len="med"/>
                     </a:lnR>
-                    <a:lnT w="12697" cap="flat" cmpd="sng" algn="ctr">
+                    <a:lnT w="12700" cap="flat" cmpd="sng" algn="ctr">
                       <a:solidFill>
-                        <a:srgbClr val="62B4C6"/>
+                        <a:schemeClr val="accent1"/>
                       </a:solidFill>
                       <a:prstDash val="solid"/>
                       <a:round/>
                       <a:headEnd type="none" w="med" len="med"/>
                       <a:tailEnd type="none" w="med" len="med"/>
                     </a:lnT>
-                    <a:lnB w="12697" cap="flat" cmpd="sng" algn="ctr">
+                    <a:lnB w="12700" cap="flat" cmpd="sng" algn="ctr">
                       <a:solidFill>
-                        <a:srgbClr val="62B4C6"/>
+                        <a:schemeClr val="accent1"/>
                       </a:solidFill>
                       <a:prstDash val="solid"/>
                       <a:round/>
                       <a:headEnd type="none" w="med" len="med"/>
                       <a:tailEnd type="none" w="med" len="med"/>
                     </a:lnB>
-                    <a:solidFill>
-                      <a:schemeClr val="bg1"/>
-                    </a:solidFill>
                   </a:tcPr>
                 </a:tc>
                 <a:tc>
@@ -29312,42 +29240,26 @@
                         </a:spcAft>
                       </a:pPr>
                       <a:r>
-                        <a:rPr lang="en-US" sz="1000" b="0" i="0" u="none" strike="noStrike" dirty="0">
-                          <a:solidFill>
-                            <a:srgbClr val="000000"/>
-                          </a:solidFill>
+                        <a:rPr lang="en-US" sz="1000" u="none" strike="noStrike" dirty="0">
                           <a:effectLst/>
-                          <a:latin typeface="Gill Sans MT" panose="020B0502020104020203" pitchFamily="34" charset="77"/>
                         </a:rPr>
                         <a:t>Python, </a:t>
                       </a:r>
                       <a:r>
-                        <a:rPr lang="en-US" sz="1000" b="0" i="0" u="none" strike="noStrike" dirty="0" err="1">
-                          <a:solidFill>
-                            <a:srgbClr val="000000"/>
-                          </a:solidFill>
+                        <a:rPr lang="en-US" sz="1000" u="none" strike="noStrike" dirty="0" err="1">
                           <a:effectLst/>
-                          <a:latin typeface="Gill Sans MT" panose="020B0502020104020203" pitchFamily="34" charset="77"/>
                         </a:rPr>
                         <a:t>mySQL</a:t>
                       </a:r>
                       <a:r>
-                        <a:rPr lang="zh-CN" altLang="en-US" sz="1000" b="0" i="0" u="none" strike="noStrike" dirty="0">
-                          <a:solidFill>
-                            <a:srgbClr val="000000"/>
-                          </a:solidFill>
+                        <a:rPr lang="zh-CN" altLang="en-US" sz="1000" u="none" strike="noStrike" dirty="0">
                           <a:effectLst/>
-                          <a:latin typeface="Gill Sans MT" panose="020B0502020104020203" pitchFamily="34" charset="77"/>
                         </a:rPr>
                         <a:t> </a:t>
                       </a:r>
                       <a:r>
-                        <a:rPr lang="en-US" sz="1000" b="0" i="0" u="none" strike="noStrike" dirty="0">
-                          <a:solidFill>
-                            <a:srgbClr val="000000"/>
-                          </a:solidFill>
+                        <a:rPr lang="en-US" sz="1000" u="none" strike="noStrike" dirty="0">
                           <a:effectLst/>
-                          <a:latin typeface="Gill Sans MT" panose="020B0502020104020203" pitchFamily="34" charset="77"/>
                         </a:rPr>
                         <a:t>GCP and RCC</a:t>
                       </a:r>
@@ -29357,45 +29269,42 @@
                     </a:p>
                   </a:txBody>
                   <a:tcPr marL="54655" marR="54655" marT="54655" marB="54655">
-                    <a:lnL w="12697" cap="flat" cmpd="sng" algn="ctr">
+                    <a:lnL w="12700" cap="flat" cmpd="sng" algn="ctr">
                       <a:solidFill>
-                        <a:srgbClr val="62B4C6"/>
+                        <a:schemeClr val="accent1"/>
                       </a:solidFill>
                       <a:prstDash val="solid"/>
                       <a:round/>
                       <a:headEnd type="none" w="med" len="med"/>
                       <a:tailEnd type="none" w="med" len="med"/>
                     </a:lnL>
-                    <a:lnR w="12697" cap="flat" cmpd="sng" algn="ctr">
+                    <a:lnR w="12700" cap="flat" cmpd="sng" algn="ctr">
                       <a:solidFill>
-                        <a:srgbClr val="62B4C6"/>
+                        <a:schemeClr val="accent1"/>
                       </a:solidFill>
                       <a:prstDash val="solid"/>
                       <a:round/>
                       <a:headEnd type="none" w="med" len="med"/>
                       <a:tailEnd type="none" w="med" len="med"/>
                     </a:lnR>
-                    <a:lnT w="12697" cap="flat" cmpd="sng" algn="ctr">
+                    <a:lnT w="12700" cap="flat" cmpd="sng" algn="ctr">
                       <a:solidFill>
-                        <a:srgbClr val="62B4C6"/>
+                        <a:schemeClr val="accent1"/>
                       </a:solidFill>
                       <a:prstDash val="solid"/>
                       <a:round/>
                       <a:headEnd type="none" w="med" len="med"/>
                       <a:tailEnd type="none" w="med" len="med"/>
                     </a:lnT>
-                    <a:lnB w="12697" cap="flat" cmpd="sng" algn="ctr">
+                    <a:lnB w="12700" cap="flat" cmpd="sng" algn="ctr">
                       <a:solidFill>
-                        <a:srgbClr val="62B4C6"/>
+                        <a:schemeClr val="accent1"/>
                       </a:solidFill>
                       <a:prstDash val="solid"/>
                       <a:round/>
                       <a:headEnd type="none" w="med" len="med"/>
                       <a:tailEnd type="none" w="med" len="med"/>
                     </a:lnB>
-                    <a:solidFill>
-                      <a:schemeClr val="bg1"/>
-                    </a:solidFill>
                   </a:tcPr>
                 </a:tc>
                 <a:extLst>
@@ -29419,12 +29328,8 @@
                         </a:spcAft>
                       </a:pPr>
                       <a:r>
-                        <a:rPr lang="en-US" sz="1000" b="0" i="0" u="none" strike="noStrike" dirty="0">
-                          <a:solidFill>
-                            <a:srgbClr val="000000"/>
-                          </a:solidFill>
+                        <a:rPr lang="en-US" sz="1000" u="none" strike="noStrike" dirty="0">
                           <a:effectLst/>
-                          <a:latin typeface="Gill Sans MT" panose="020B0502020104020203" pitchFamily="34" charset="77"/>
                         </a:rPr>
                         <a:t>ESPN</a:t>
                       </a:r>
@@ -29434,45 +29339,42 @@
                     </a:p>
                   </a:txBody>
                   <a:tcPr marL="54655" marR="54655" marT="54655" marB="54655" anchor="ctr">
-                    <a:lnL w="12697" cap="flat" cmpd="sng" algn="ctr">
+                    <a:lnL w="12700" cap="flat" cmpd="sng" algn="ctr">
                       <a:solidFill>
-                        <a:srgbClr val="62B4C6"/>
+                        <a:schemeClr val="accent1"/>
                       </a:solidFill>
                       <a:prstDash val="solid"/>
                       <a:round/>
                       <a:headEnd type="none" w="med" len="med"/>
                       <a:tailEnd type="none" w="med" len="med"/>
                     </a:lnL>
-                    <a:lnR w="12697" cap="flat" cmpd="sng" algn="ctr">
+                    <a:lnR w="12700" cap="flat" cmpd="sng" algn="ctr">
                       <a:solidFill>
-                        <a:srgbClr val="62B4C6"/>
+                        <a:schemeClr val="accent1"/>
                       </a:solidFill>
                       <a:prstDash val="solid"/>
                       <a:round/>
                       <a:headEnd type="none" w="med" len="med"/>
                       <a:tailEnd type="none" w="med" len="med"/>
                     </a:lnR>
-                    <a:lnT w="12697" cap="flat" cmpd="sng" algn="ctr">
+                    <a:lnT w="12700" cap="flat" cmpd="sng" algn="ctr">
                       <a:solidFill>
-                        <a:srgbClr val="62B4C6"/>
+                        <a:schemeClr val="accent1"/>
                       </a:solidFill>
                       <a:prstDash val="solid"/>
                       <a:round/>
                       <a:headEnd type="none" w="med" len="med"/>
                       <a:tailEnd type="none" w="med" len="med"/>
                     </a:lnT>
-                    <a:lnB w="12697" cap="flat" cmpd="sng" algn="ctr">
+                    <a:lnB w="12700" cap="flat" cmpd="sng" algn="ctr">
                       <a:solidFill>
-                        <a:srgbClr val="62B4C6"/>
+                        <a:schemeClr val="accent1"/>
                       </a:solidFill>
                       <a:prstDash val="solid"/>
                       <a:round/>
                       <a:headEnd type="none" w="med" len="med"/>
                       <a:tailEnd type="none" w="med" len="med"/>
                     </a:lnB>
-                    <a:solidFill>
-                      <a:schemeClr val="bg1"/>
-                    </a:solidFill>
                   </a:tcPr>
                 </a:tc>
                 <a:tc>
@@ -29489,13 +29391,8 @@
                         </a:spcAft>
                       </a:pPr>
                       <a:r>
-                        <a:rPr lang="en-US" sz="1000" b="0" i="0" u="none" strike="noStrike" dirty="0">
-                          <a:solidFill>
-                            <a:srgbClr val="000000"/>
-                          </a:solidFill>
+                        <a:rPr lang="en-US" sz="1000" u="none" strike="noStrike" dirty="0">
                           <a:effectLst/>
-                          <a:latin typeface="Gill Sans" panose="020B0502020104020203" pitchFamily="34" charset="-79"/>
-                          <a:cs typeface="Gill Sans" panose="020B0502020104020203" pitchFamily="34" charset="-79"/>
                         </a:rPr>
                         <a:t>2 MB</a:t>
                       </a:r>
@@ -29510,13 +29407,8 @@
                         </a:spcAft>
                       </a:pPr>
                       <a:r>
-                        <a:rPr lang="en-US" sz="1000" b="0" i="0" u="none" strike="noStrike" dirty="0">
-                          <a:solidFill>
-                            <a:srgbClr val="000000"/>
-                          </a:solidFill>
+                        <a:rPr lang="en-US" sz="1000" u="none" strike="noStrike" dirty="0">
                           <a:effectLst/>
-                          <a:latin typeface="Gill Sans" panose="020B0502020104020203" pitchFamily="34" charset="-79"/>
-                          <a:cs typeface="Gill Sans" panose="020B0502020104020203" pitchFamily="34" charset="-79"/>
                         </a:rPr>
                         <a:t>Unstructured Data:</a:t>
                       </a:r>
@@ -29531,13 +29423,8 @@
                         </a:spcAft>
                       </a:pPr>
                       <a:r>
-                        <a:rPr lang="en-US" sz="1000" b="0" i="0" u="none" strike="noStrike" dirty="0">
-                          <a:solidFill>
-                            <a:srgbClr val="000000"/>
-                          </a:solidFill>
+                        <a:rPr lang="en-US" sz="1000" u="none" strike="noStrike" dirty="0">
                           <a:effectLst/>
-                          <a:latin typeface="Gill Sans" panose="020B0502020104020203" pitchFamily="34" charset="-79"/>
-                          <a:cs typeface="Gill Sans" panose="020B0502020104020203" pitchFamily="34" charset="-79"/>
                         </a:rPr>
                         <a:t>From Web Scraping</a:t>
                       </a:r>
@@ -29547,45 +29434,42 @@
                     </a:p>
                   </a:txBody>
                   <a:tcPr marL="54655" marR="54655" marT="54655" marB="54655" anchor="ctr">
-                    <a:lnL w="12697" cap="flat" cmpd="sng" algn="ctr">
+                    <a:lnL w="12700" cap="flat" cmpd="sng" algn="ctr">
                       <a:solidFill>
-                        <a:srgbClr val="62B4C6"/>
+                        <a:schemeClr val="accent1"/>
                       </a:solidFill>
                       <a:prstDash val="solid"/>
                       <a:round/>
                       <a:headEnd type="none" w="med" len="med"/>
                       <a:tailEnd type="none" w="med" len="med"/>
                     </a:lnL>
-                    <a:lnR w="12697" cap="flat" cmpd="sng" algn="ctr">
+                    <a:lnR w="12700" cap="flat" cmpd="sng" algn="ctr">
                       <a:solidFill>
-                        <a:srgbClr val="62B4C6"/>
+                        <a:schemeClr val="accent1"/>
                       </a:solidFill>
                       <a:prstDash val="solid"/>
                       <a:round/>
                       <a:headEnd type="none" w="med" len="med"/>
                       <a:tailEnd type="none" w="med" len="med"/>
                     </a:lnR>
-                    <a:lnT w="12697" cap="flat" cmpd="sng" algn="ctr">
+                    <a:lnT w="12700" cap="flat" cmpd="sng" algn="ctr">
                       <a:solidFill>
-                        <a:srgbClr val="62B4C6"/>
+                        <a:schemeClr val="accent1"/>
                       </a:solidFill>
                       <a:prstDash val="solid"/>
                       <a:round/>
                       <a:headEnd type="none" w="med" len="med"/>
                       <a:tailEnd type="none" w="med" len="med"/>
                     </a:lnT>
-                    <a:lnB w="12697" cap="flat" cmpd="sng" algn="ctr">
+                    <a:lnB w="12700" cap="flat" cmpd="sng" algn="ctr">
                       <a:solidFill>
-                        <a:srgbClr val="62B4C6"/>
+                        <a:schemeClr val="accent1"/>
                       </a:solidFill>
                       <a:prstDash val="solid"/>
                       <a:round/>
                       <a:headEnd type="none" w="med" len="med"/>
                       <a:tailEnd type="none" w="med" len="med"/>
                     </a:lnB>
-                    <a:solidFill>
-                      <a:schemeClr val="bg1"/>
-                    </a:solidFill>
                   </a:tcPr>
                 </a:tc>
                 <a:tc>
@@ -29602,12 +29486,8 @@
                         </a:spcAft>
                       </a:pPr>
                       <a:r>
-                        <a:rPr lang="en-US" sz="1000" b="0" i="0" u="none" strike="noStrike" dirty="0">
-                          <a:solidFill>
-                            <a:srgbClr val="000000"/>
-                          </a:solidFill>
+                        <a:rPr lang="en-US" sz="1000" u="none" strike="noStrike" dirty="0">
                           <a:effectLst/>
-                          <a:latin typeface="Gill Sans MT" panose="020B0502020104020203" pitchFamily="34" charset="77"/>
                         </a:rPr>
                         <a:t>Only the Home game dates and location </a:t>
                       </a:r>
@@ -29617,45 +29497,42 @@
                     </a:p>
                   </a:txBody>
                   <a:tcPr marL="54655" marR="54655" marT="54655" marB="54655">
-                    <a:lnL w="12697" cap="flat" cmpd="sng" algn="ctr">
+                    <a:lnL w="12700" cap="flat" cmpd="sng" algn="ctr">
                       <a:solidFill>
-                        <a:srgbClr val="62B4C6"/>
+                        <a:schemeClr val="accent1"/>
                       </a:solidFill>
                       <a:prstDash val="solid"/>
                       <a:round/>
                       <a:headEnd type="none" w="med" len="med"/>
                       <a:tailEnd type="none" w="med" len="med"/>
                     </a:lnL>
-                    <a:lnR w="12697" cap="flat" cmpd="sng" algn="ctr">
+                    <a:lnR w="12700" cap="flat" cmpd="sng" algn="ctr">
                       <a:solidFill>
-                        <a:srgbClr val="62B4C6"/>
+                        <a:schemeClr val="accent1"/>
                       </a:solidFill>
                       <a:prstDash val="solid"/>
                       <a:round/>
                       <a:headEnd type="none" w="med" len="med"/>
                       <a:tailEnd type="none" w="med" len="med"/>
                     </a:lnR>
-                    <a:lnT w="12697" cap="flat" cmpd="sng" algn="ctr">
+                    <a:lnT w="12700" cap="flat" cmpd="sng" algn="ctr">
                       <a:solidFill>
-                        <a:srgbClr val="62B4C6"/>
+                        <a:schemeClr val="accent1"/>
                       </a:solidFill>
                       <a:prstDash val="solid"/>
                       <a:round/>
                       <a:headEnd type="none" w="med" len="med"/>
                       <a:tailEnd type="none" w="med" len="med"/>
                     </a:lnT>
-                    <a:lnB w="12697" cap="flat" cmpd="sng" algn="ctr">
+                    <a:lnB w="12700" cap="flat" cmpd="sng" algn="ctr">
                       <a:solidFill>
-                        <a:srgbClr val="62B4C6"/>
+                        <a:schemeClr val="accent1"/>
                       </a:solidFill>
                       <a:prstDash val="solid"/>
                       <a:round/>
                       <a:headEnd type="none" w="med" len="med"/>
                       <a:tailEnd type="none" w="med" len="med"/>
                     </a:lnB>
-                    <a:solidFill>
-                      <a:schemeClr val="bg1"/>
-                    </a:solidFill>
                   </a:tcPr>
                 </a:tc>
                 <a:tc>
@@ -29672,12 +29549,8 @@
                         </a:spcAft>
                       </a:pPr>
                       <a:r>
-                        <a:rPr lang="en-US" sz="1000" b="0" i="0" u="none" strike="noStrike" dirty="0">
-                          <a:solidFill>
-                            <a:srgbClr val="000000"/>
-                          </a:solidFill>
+                        <a:rPr lang="en-US" sz="1000" u="none" strike="noStrike" dirty="0">
                           <a:effectLst/>
-                          <a:latin typeface="Gill Sans MT" panose="020B0502020104020203" pitchFamily="34" charset="77"/>
                         </a:rPr>
                         <a:t>Python and Excel</a:t>
                       </a:r>
@@ -29687,45 +29560,42 @@
                     </a:p>
                   </a:txBody>
                   <a:tcPr marL="54655" marR="54655" marT="54655" marB="54655">
-                    <a:lnL w="12697" cap="flat" cmpd="sng" algn="ctr">
+                    <a:lnL w="12700" cap="flat" cmpd="sng" algn="ctr">
                       <a:solidFill>
-                        <a:srgbClr val="62B4C6"/>
+                        <a:schemeClr val="accent1"/>
                       </a:solidFill>
                       <a:prstDash val="solid"/>
                       <a:round/>
                       <a:headEnd type="none" w="med" len="med"/>
                       <a:tailEnd type="none" w="med" len="med"/>
                     </a:lnL>
-                    <a:lnR w="12697" cap="flat" cmpd="sng" algn="ctr">
+                    <a:lnR w="12700" cap="flat" cmpd="sng" algn="ctr">
                       <a:solidFill>
-                        <a:srgbClr val="62B4C6"/>
+                        <a:schemeClr val="accent1"/>
                       </a:solidFill>
                       <a:prstDash val="solid"/>
                       <a:round/>
                       <a:headEnd type="none" w="med" len="med"/>
                       <a:tailEnd type="none" w="med" len="med"/>
                     </a:lnR>
-                    <a:lnT w="12697" cap="flat" cmpd="sng" algn="ctr">
+                    <a:lnT w="12700" cap="flat" cmpd="sng" algn="ctr">
                       <a:solidFill>
-                        <a:srgbClr val="62B4C6"/>
+                        <a:schemeClr val="accent1"/>
                       </a:solidFill>
                       <a:prstDash val="solid"/>
                       <a:round/>
                       <a:headEnd type="none" w="med" len="med"/>
                       <a:tailEnd type="none" w="med" len="med"/>
                     </a:lnT>
-                    <a:lnB w="12697" cap="flat" cmpd="sng" algn="ctr">
+                    <a:lnB w="12700" cap="flat" cmpd="sng" algn="ctr">
                       <a:solidFill>
-                        <a:srgbClr val="62B4C6"/>
+                        <a:schemeClr val="accent1"/>
                       </a:solidFill>
                       <a:prstDash val="solid"/>
                       <a:round/>
                       <a:headEnd type="none" w="med" len="med"/>
                       <a:tailEnd type="none" w="med" len="med"/>
                     </a:lnB>
-                    <a:solidFill>
-                      <a:schemeClr val="bg1"/>
-                    </a:solidFill>
                   </a:tcPr>
                 </a:tc>
                 <a:extLst>
@@ -29749,12 +29619,8 @@
                         </a:spcAft>
                       </a:pPr>
                       <a:r>
-                        <a:rPr lang="en-US" sz="1000" b="0" i="0" u="none" strike="noStrike" dirty="0">
-                          <a:solidFill>
-                            <a:srgbClr val="000000"/>
-                          </a:solidFill>
+                        <a:rPr lang="en-US" sz="1000" u="none" strike="noStrike" dirty="0">
                           <a:effectLst/>
-                          <a:latin typeface="Gill Sans MT" panose="020B0502020104020203" pitchFamily="34" charset="77"/>
                         </a:rPr>
                         <a:t>National Centers for Environmental Information</a:t>
                       </a:r>
@@ -29764,45 +29630,42 @@
                     </a:p>
                   </a:txBody>
                   <a:tcPr marL="54655" marR="54655" marT="54655" marB="54655" anchor="ctr">
-                    <a:lnL w="12697" cap="flat" cmpd="sng" algn="ctr">
+                    <a:lnL w="12700" cap="flat" cmpd="sng" algn="ctr">
                       <a:solidFill>
-                        <a:srgbClr val="62B4C6"/>
+                        <a:schemeClr val="accent1"/>
                       </a:solidFill>
                       <a:prstDash val="solid"/>
                       <a:round/>
                       <a:headEnd type="none" w="med" len="med"/>
                       <a:tailEnd type="none" w="med" len="med"/>
                     </a:lnL>
-                    <a:lnR w="12697" cap="flat" cmpd="sng" algn="ctr">
+                    <a:lnR w="12700" cap="flat" cmpd="sng" algn="ctr">
                       <a:solidFill>
-                        <a:srgbClr val="62B4C6"/>
+                        <a:schemeClr val="accent1"/>
                       </a:solidFill>
                       <a:prstDash val="solid"/>
                       <a:round/>
                       <a:headEnd type="none" w="med" len="med"/>
                       <a:tailEnd type="none" w="med" len="med"/>
                     </a:lnR>
-                    <a:lnT w="12697" cap="flat" cmpd="sng" algn="ctr">
+                    <a:lnT w="12700" cap="flat" cmpd="sng" algn="ctr">
                       <a:solidFill>
-                        <a:srgbClr val="62B4C6"/>
+                        <a:schemeClr val="accent1"/>
                       </a:solidFill>
                       <a:prstDash val="solid"/>
                       <a:round/>
                       <a:headEnd type="none" w="med" len="med"/>
                       <a:tailEnd type="none" w="med" len="med"/>
                     </a:lnT>
-                    <a:lnB w="12697" cap="flat" cmpd="sng" algn="ctr">
+                    <a:lnB w="12700" cap="flat" cmpd="sng" algn="ctr">
                       <a:solidFill>
-                        <a:srgbClr val="62B4C6"/>
+                        <a:schemeClr val="accent1"/>
                       </a:solidFill>
                       <a:prstDash val="solid"/>
                       <a:round/>
                       <a:headEnd type="none" w="med" len="med"/>
                       <a:tailEnd type="none" w="med" len="med"/>
                     </a:lnB>
-                    <a:solidFill>
-                      <a:schemeClr val="bg1"/>
-                    </a:solidFill>
                   </a:tcPr>
                 </a:tc>
                 <a:tc>
@@ -29819,13 +29682,8 @@
                         </a:spcAft>
                       </a:pPr>
                       <a:r>
-                        <a:rPr lang="en-US" sz="1000" b="0" i="0" u="none" strike="noStrike" dirty="0">
-                          <a:solidFill>
-                            <a:srgbClr val="000000"/>
-                          </a:solidFill>
+                        <a:rPr lang="en-US" sz="1000" u="none" strike="noStrike" dirty="0">
                           <a:effectLst/>
-                          <a:latin typeface="Gill Sans" panose="020B0502020104020203" pitchFamily="34" charset="-79"/>
-                          <a:cs typeface="Gill Sans" panose="020B0502020104020203" pitchFamily="34" charset="-79"/>
                         </a:rPr>
                         <a:t>5.5 MB</a:t>
                       </a:r>
@@ -29849,13 +29707,8 @@
                         <a:defRPr/>
                       </a:pPr>
                       <a:r>
-                        <a:rPr lang="en-US" sz="1000" b="0" i="0" u="none" strike="noStrike" dirty="0">
-                          <a:solidFill>
-                            <a:srgbClr val="000000"/>
-                          </a:solidFill>
+                        <a:rPr lang="en-US" sz="1000" u="none" strike="noStrike" dirty="0">
                           <a:effectLst/>
-                          <a:latin typeface="Gill Sans" panose="020B0502020104020203" pitchFamily="34" charset="-79"/>
-                          <a:cs typeface="Gill Sans" panose="020B0502020104020203" pitchFamily="34" charset="-79"/>
                         </a:rPr>
                         <a:t>Structured CSV File</a:t>
                       </a:r>
@@ -29865,45 +29718,42 @@
                     </a:p>
                   </a:txBody>
                   <a:tcPr marL="54655" marR="54655" marT="54655" marB="54655" anchor="ctr">
-                    <a:lnL w="12697" cap="flat" cmpd="sng" algn="ctr">
+                    <a:lnL w="12700" cap="flat" cmpd="sng" algn="ctr">
                       <a:solidFill>
-                        <a:srgbClr val="62B4C6"/>
+                        <a:schemeClr val="accent1"/>
                       </a:solidFill>
                       <a:prstDash val="solid"/>
                       <a:round/>
                       <a:headEnd type="none" w="med" len="med"/>
                       <a:tailEnd type="none" w="med" len="med"/>
                     </a:lnL>
-                    <a:lnR w="12697" cap="flat" cmpd="sng" algn="ctr">
+                    <a:lnR w="12700" cap="flat" cmpd="sng" algn="ctr">
                       <a:solidFill>
-                        <a:srgbClr val="62B4C6"/>
+                        <a:schemeClr val="accent1"/>
                       </a:solidFill>
                       <a:prstDash val="solid"/>
                       <a:round/>
                       <a:headEnd type="none" w="med" len="med"/>
                       <a:tailEnd type="none" w="med" len="med"/>
                     </a:lnR>
-                    <a:lnT w="12697" cap="flat" cmpd="sng" algn="ctr">
+                    <a:lnT w="12700" cap="flat" cmpd="sng" algn="ctr">
                       <a:solidFill>
-                        <a:srgbClr val="62B4C6"/>
+                        <a:schemeClr val="accent1"/>
                       </a:solidFill>
                       <a:prstDash val="solid"/>
                       <a:round/>
                       <a:headEnd type="none" w="med" len="med"/>
                       <a:tailEnd type="none" w="med" len="med"/>
                     </a:lnT>
-                    <a:lnB w="12697" cap="flat" cmpd="sng" algn="ctr">
+                    <a:lnB w="12700" cap="flat" cmpd="sng" algn="ctr">
                       <a:solidFill>
-                        <a:srgbClr val="62B4C6"/>
+                        <a:schemeClr val="accent1"/>
                       </a:solidFill>
                       <a:prstDash val="solid"/>
                       <a:round/>
                       <a:headEnd type="none" w="med" len="med"/>
                       <a:tailEnd type="none" w="med" len="med"/>
                     </a:lnB>
-                    <a:solidFill>
-                      <a:schemeClr val="bg1"/>
-                    </a:solidFill>
                   </a:tcPr>
                 </a:tc>
                 <a:tc>
@@ -29920,12 +29770,8 @@
                         </a:spcAft>
                       </a:pPr>
                       <a:r>
-                        <a:rPr lang="en-US" sz="1000" b="0" i="0" u="none" strike="noStrike" dirty="0">
-                          <a:solidFill>
-                            <a:srgbClr val="000000"/>
-                          </a:solidFill>
+                        <a:rPr lang="en-US" sz="1000" u="none" strike="noStrike" dirty="0">
                           <a:effectLst/>
-                          <a:latin typeface="Gill Sans MT" panose="020B0502020104020203" pitchFamily="34" charset="77"/>
                         </a:rPr>
                         <a:t>Avg daily temp, total daily precipitation and avg daily wind speed by date.</a:t>
                       </a:r>
@@ -29935,45 +29781,42 @@
                     </a:p>
                   </a:txBody>
                   <a:tcPr marL="54655" marR="54655" marT="54655" marB="54655">
-                    <a:lnL w="12697" cap="flat" cmpd="sng" algn="ctr">
+                    <a:lnL w="12700" cap="flat" cmpd="sng" algn="ctr">
                       <a:solidFill>
-                        <a:srgbClr val="62B4C6"/>
+                        <a:schemeClr val="accent1"/>
                       </a:solidFill>
                       <a:prstDash val="solid"/>
                       <a:round/>
                       <a:headEnd type="none" w="med" len="med"/>
                       <a:tailEnd type="none" w="med" len="med"/>
                     </a:lnL>
-                    <a:lnR w="12697" cap="flat" cmpd="sng" algn="ctr">
+                    <a:lnR w="12700" cap="flat" cmpd="sng" algn="ctr">
                       <a:solidFill>
-                        <a:srgbClr val="62B4C6"/>
+                        <a:schemeClr val="accent1"/>
                       </a:solidFill>
                       <a:prstDash val="solid"/>
                       <a:round/>
                       <a:headEnd type="none" w="med" len="med"/>
                       <a:tailEnd type="none" w="med" len="med"/>
                     </a:lnR>
-                    <a:lnT w="12697" cap="flat" cmpd="sng" algn="ctr">
+                    <a:lnT w="12700" cap="flat" cmpd="sng" algn="ctr">
                       <a:solidFill>
-                        <a:srgbClr val="62B4C6"/>
+                        <a:schemeClr val="accent1"/>
                       </a:solidFill>
                       <a:prstDash val="solid"/>
                       <a:round/>
                       <a:headEnd type="none" w="med" len="med"/>
                       <a:tailEnd type="none" w="med" len="med"/>
                     </a:lnT>
-                    <a:lnB w="12697" cap="flat" cmpd="sng" algn="ctr">
+                    <a:lnB w="12700" cap="flat" cmpd="sng" algn="ctr">
                       <a:solidFill>
-                        <a:srgbClr val="62B4C6"/>
+                        <a:schemeClr val="accent1"/>
                       </a:solidFill>
                       <a:prstDash val="solid"/>
                       <a:round/>
                       <a:headEnd type="none" w="med" len="med"/>
                       <a:tailEnd type="none" w="med" len="med"/>
                     </a:lnB>
-                    <a:solidFill>
-                      <a:schemeClr val="bg1"/>
-                    </a:solidFill>
                   </a:tcPr>
                 </a:tc>
                 <a:tc>
@@ -29990,12 +29833,8 @@
                         </a:spcAft>
                       </a:pPr>
                       <a:r>
-                        <a:rPr lang="en-US" sz="1000" b="0" i="0" u="none" strike="noStrike" dirty="0">
-                          <a:solidFill>
-                            <a:srgbClr val="000000"/>
-                          </a:solidFill>
+                        <a:rPr lang="en-US" sz="1000" u="none" strike="noStrike" dirty="0">
                           <a:effectLst/>
-                          <a:latin typeface="Gill Sans MT" panose="020B0502020104020203" pitchFamily="34" charset="77"/>
                         </a:rPr>
                         <a:t>Python and Excel</a:t>
                       </a:r>
@@ -30005,45 +29844,42 @@
                     </a:p>
                   </a:txBody>
                   <a:tcPr marL="54655" marR="54655" marT="54655" marB="54655">
-                    <a:lnL w="12697" cap="flat" cmpd="sng" algn="ctr">
+                    <a:lnL w="12700" cap="flat" cmpd="sng" algn="ctr">
                       <a:solidFill>
-                        <a:srgbClr val="62B4C6"/>
+                        <a:schemeClr val="accent1"/>
                       </a:solidFill>
                       <a:prstDash val="solid"/>
                       <a:round/>
                       <a:headEnd type="none" w="med" len="med"/>
                       <a:tailEnd type="none" w="med" len="med"/>
                     </a:lnL>
-                    <a:lnR w="12697" cap="flat" cmpd="sng" algn="ctr">
+                    <a:lnR w="12700" cap="flat" cmpd="sng" algn="ctr">
                       <a:solidFill>
-                        <a:srgbClr val="62B4C6"/>
+                        <a:schemeClr val="accent1"/>
                       </a:solidFill>
                       <a:prstDash val="solid"/>
                       <a:round/>
                       <a:headEnd type="none" w="med" len="med"/>
                       <a:tailEnd type="none" w="med" len="med"/>
                     </a:lnR>
-                    <a:lnT w="12697" cap="flat" cmpd="sng" algn="ctr">
+                    <a:lnT w="12700" cap="flat" cmpd="sng" algn="ctr">
                       <a:solidFill>
-                        <a:srgbClr val="62B4C6"/>
+                        <a:schemeClr val="accent1"/>
                       </a:solidFill>
                       <a:prstDash val="solid"/>
                       <a:round/>
                       <a:headEnd type="none" w="med" len="med"/>
                       <a:tailEnd type="none" w="med" len="med"/>
                     </a:lnT>
-                    <a:lnB w="12697" cap="flat" cmpd="sng" algn="ctr">
+                    <a:lnB w="12700" cap="flat" cmpd="sng" algn="ctr">
                       <a:solidFill>
-                        <a:srgbClr val="62B4C6"/>
+                        <a:schemeClr val="accent1"/>
                       </a:solidFill>
                       <a:prstDash val="solid"/>
                       <a:round/>
                       <a:headEnd type="none" w="med" len="med"/>
                       <a:tailEnd type="none" w="med" len="med"/>
                     </a:lnB>
-                    <a:solidFill>
-                      <a:schemeClr val="bg1"/>
-                    </a:solidFill>
                   </a:tcPr>
                 </a:tc>
                 <a:extLst>
@@ -30067,12 +29903,8 @@
                         </a:spcAft>
                       </a:pPr>
                       <a:r>
-                        <a:rPr lang="en-US" sz="1000" b="0" i="0" u="none" strike="noStrike" dirty="0">
-                          <a:solidFill>
-                            <a:srgbClr val="000000"/>
-                          </a:solidFill>
+                        <a:rPr lang="en-US" sz="1000" u="none" strike="noStrike" dirty="0">
                           <a:effectLst/>
-                          <a:latin typeface="Gill Sans MT" panose="020B0502020104020203" pitchFamily="34" charset="77"/>
                         </a:rPr>
                         <a:t>Wikipedia: Community Areas in Chicago</a:t>
                       </a:r>
@@ -30082,45 +29914,42 @@
                     </a:p>
                   </a:txBody>
                   <a:tcPr marL="54655" marR="54655" marT="54655" marB="54655" anchor="ctr">
-                    <a:lnL w="12697" cap="flat" cmpd="sng" algn="ctr">
+                    <a:lnL w="12700" cap="flat" cmpd="sng" algn="ctr">
                       <a:solidFill>
-                        <a:srgbClr val="62B4C6"/>
+                        <a:schemeClr val="accent1"/>
                       </a:solidFill>
                       <a:prstDash val="solid"/>
                       <a:round/>
                       <a:headEnd type="none" w="med" len="med"/>
                       <a:tailEnd type="none" w="med" len="med"/>
                     </a:lnL>
-                    <a:lnR w="12697" cap="flat" cmpd="sng" algn="ctr">
+                    <a:lnR w="12700" cap="flat" cmpd="sng" algn="ctr">
                       <a:solidFill>
-                        <a:srgbClr val="62B4C6"/>
+                        <a:schemeClr val="accent1"/>
                       </a:solidFill>
                       <a:prstDash val="solid"/>
                       <a:round/>
                       <a:headEnd type="none" w="med" len="med"/>
                       <a:tailEnd type="none" w="med" len="med"/>
                     </a:lnR>
-                    <a:lnT w="12697" cap="flat" cmpd="sng" algn="ctr">
+                    <a:lnT w="12700" cap="flat" cmpd="sng" algn="ctr">
                       <a:solidFill>
-                        <a:srgbClr val="62B4C6"/>
+                        <a:schemeClr val="accent1"/>
                       </a:solidFill>
                       <a:prstDash val="solid"/>
                       <a:round/>
                       <a:headEnd type="none" w="med" len="med"/>
                       <a:tailEnd type="none" w="med" len="med"/>
                     </a:lnT>
-                    <a:lnB w="12697" cap="flat" cmpd="sng" algn="ctr">
+                    <a:lnB w="12700" cap="flat" cmpd="sng" algn="ctr">
                       <a:solidFill>
-                        <a:srgbClr val="62B4C6"/>
+                        <a:schemeClr val="accent1"/>
                       </a:solidFill>
                       <a:prstDash val="solid"/>
                       <a:round/>
                       <a:headEnd type="none" w="med" len="med"/>
                       <a:tailEnd type="none" w="med" len="med"/>
                     </a:lnB>
-                    <a:solidFill>
-                      <a:schemeClr val="bg1"/>
-                    </a:solidFill>
                   </a:tcPr>
                 </a:tc>
                 <a:tc>
@@ -30137,13 +29966,8 @@
                         </a:spcAft>
                       </a:pPr>
                       <a:r>
-                        <a:rPr lang="en-US" sz="1000" b="0" i="0" u="none" strike="noStrike" dirty="0">
-                          <a:solidFill>
-                            <a:srgbClr val="000000"/>
-                          </a:solidFill>
+                        <a:rPr lang="en-US" sz="1000" u="none" strike="noStrike" dirty="0">
                           <a:effectLst/>
-                          <a:latin typeface="Gill Sans" panose="020B0502020104020203" pitchFamily="34" charset="-79"/>
-                          <a:cs typeface="Gill Sans" panose="020B0502020104020203" pitchFamily="34" charset="-79"/>
                         </a:rPr>
                         <a:t>0.1 MB</a:t>
                       </a:r>
@@ -30158,13 +29982,8 @@
                         </a:spcAft>
                       </a:pPr>
                       <a:r>
-                        <a:rPr lang="en-US" sz="1000" b="0" i="0" u="none" strike="noStrike" dirty="0">
-                          <a:solidFill>
-                            <a:srgbClr val="000000"/>
-                          </a:solidFill>
+                        <a:rPr lang="en-US" sz="1000" u="none" strike="noStrike" dirty="0">
                           <a:effectLst/>
-                          <a:latin typeface="Gill Sans" panose="020B0502020104020203" pitchFamily="34" charset="-79"/>
-                          <a:cs typeface="Gill Sans" panose="020B0502020104020203" pitchFamily="34" charset="-79"/>
                         </a:rPr>
                         <a:t>Unstructured Data:</a:t>
                       </a:r>
@@ -30182,13 +30001,8 @@
                         </a:spcAft>
                       </a:pPr>
                       <a:r>
-                        <a:rPr lang="en-US" sz="1000" b="0" i="0" u="none" strike="noStrike" dirty="0">
-                          <a:solidFill>
-                            <a:srgbClr val="000000"/>
-                          </a:solidFill>
+                        <a:rPr lang="en-US" sz="1000" u="none" strike="noStrike" dirty="0">
                           <a:effectLst/>
-                          <a:latin typeface="Gill Sans" panose="020B0502020104020203" pitchFamily="34" charset="-79"/>
-                          <a:cs typeface="Gill Sans" panose="020B0502020104020203" pitchFamily="34" charset="-79"/>
                         </a:rPr>
                         <a:t>From Web Scraping</a:t>
                       </a:r>
@@ -30198,45 +30012,42 @@
                     </a:p>
                   </a:txBody>
                   <a:tcPr marL="54655" marR="54655" marT="54655" marB="54655" anchor="ctr">
-                    <a:lnL w="12697" cap="flat" cmpd="sng" algn="ctr">
+                    <a:lnL w="12700" cap="flat" cmpd="sng" algn="ctr">
                       <a:solidFill>
-                        <a:srgbClr val="62B4C6"/>
+                        <a:schemeClr val="accent1"/>
                       </a:solidFill>
                       <a:prstDash val="solid"/>
                       <a:round/>
                       <a:headEnd type="none" w="med" len="med"/>
                       <a:tailEnd type="none" w="med" len="med"/>
                     </a:lnL>
-                    <a:lnR w="12697" cap="flat" cmpd="sng" algn="ctr">
+                    <a:lnR w="12700" cap="flat" cmpd="sng" algn="ctr">
                       <a:solidFill>
-                        <a:srgbClr val="62B4C6"/>
+                        <a:schemeClr val="accent1"/>
                       </a:solidFill>
                       <a:prstDash val="solid"/>
                       <a:round/>
                       <a:headEnd type="none" w="med" len="med"/>
                       <a:tailEnd type="none" w="med" len="med"/>
                     </a:lnR>
-                    <a:lnT w="12697" cap="flat" cmpd="sng" algn="ctr">
+                    <a:lnT w="12700" cap="flat" cmpd="sng" algn="ctr">
                       <a:solidFill>
-                        <a:srgbClr val="62B4C6"/>
+                        <a:schemeClr val="accent1"/>
                       </a:solidFill>
                       <a:prstDash val="solid"/>
                       <a:round/>
                       <a:headEnd type="none" w="med" len="med"/>
                       <a:tailEnd type="none" w="med" len="med"/>
                     </a:lnT>
-                    <a:lnB w="12697" cap="flat" cmpd="sng" algn="ctr">
+                    <a:lnB w="12700" cap="flat" cmpd="sng" algn="ctr">
                       <a:solidFill>
-                        <a:srgbClr val="62B4C6"/>
+                        <a:schemeClr val="accent1"/>
                       </a:solidFill>
                       <a:prstDash val="solid"/>
                       <a:round/>
                       <a:headEnd type="none" w="med" len="med"/>
                       <a:tailEnd type="none" w="med" len="med"/>
                     </a:lnB>
-                    <a:solidFill>
-                      <a:schemeClr val="bg1"/>
-                    </a:solidFill>
                   </a:tcPr>
                 </a:tc>
                 <a:tc>
@@ -30253,12 +30064,8 @@
                         </a:spcAft>
                       </a:pPr>
                       <a:r>
-                        <a:rPr lang="en-US" sz="1000" b="0" i="0" u="none" strike="noStrike" dirty="0">
-                          <a:solidFill>
-                            <a:srgbClr val="000000"/>
-                          </a:solidFill>
+                        <a:rPr lang="en-US" sz="1000" u="none" strike="noStrike" dirty="0">
                           <a:effectLst/>
-                          <a:latin typeface="Gill Sans MT" panose="020B0502020104020203" pitchFamily="34" charset="77"/>
                         </a:rPr>
                         <a:t>Chicago community area code</a:t>
                       </a:r>
@@ -30268,45 +30075,42 @@
                     </a:p>
                   </a:txBody>
                   <a:tcPr marL="54655" marR="54655" marT="54655" marB="54655">
-                    <a:lnL w="12697" cap="flat" cmpd="sng" algn="ctr">
+                    <a:lnL w="12700" cap="flat" cmpd="sng" algn="ctr">
                       <a:solidFill>
-                        <a:srgbClr val="62B4C6"/>
+                        <a:schemeClr val="accent1"/>
                       </a:solidFill>
                       <a:prstDash val="solid"/>
                       <a:round/>
                       <a:headEnd type="none" w="med" len="med"/>
                       <a:tailEnd type="none" w="med" len="med"/>
                     </a:lnL>
-                    <a:lnR w="12697" cap="flat" cmpd="sng" algn="ctr">
+                    <a:lnR w="12700" cap="flat" cmpd="sng" algn="ctr">
                       <a:solidFill>
-                        <a:srgbClr val="62B4C6"/>
+                        <a:schemeClr val="accent1"/>
                       </a:solidFill>
                       <a:prstDash val="solid"/>
                       <a:round/>
                       <a:headEnd type="none" w="med" len="med"/>
                       <a:tailEnd type="none" w="med" len="med"/>
                     </a:lnR>
-                    <a:lnT w="12697" cap="flat" cmpd="sng" algn="ctr">
+                    <a:lnT w="12700" cap="flat" cmpd="sng" algn="ctr">
                       <a:solidFill>
-                        <a:srgbClr val="62B4C6"/>
+                        <a:schemeClr val="accent1"/>
                       </a:solidFill>
                       <a:prstDash val="solid"/>
                       <a:round/>
                       <a:headEnd type="none" w="med" len="med"/>
                       <a:tailEnd type="none" w="med" len="med"/>
                     </a:lnT>
-                    <a:lnB w="12697" cap="flat" cmpd="sng" algn="ctr">
+                    <a:lnB w="12700" cap="flat" cmpd="sng" algn="ctr">
                       <a:solidFill>
-                        <a:srgbClr val="62B4C6"/>
+                        <a:schemeClr val="accent1"/>
                       </a:solidFill>
                       <a:prstDash val="solid"/>
                       <a:round/>
                       <a:headEnd type="none" w="med" len="med"/>
                       <a:tailEnd type="none" w="med" len="med"/>
                     </a:lnB>
-                    <a:solidFill>
-                      <a:schemeClr val="bg1"/>
-                    </a:solidFill>
                   </a:tcPr>
                 </a:tc>
                 <a:tc>
@@ -30323,12 +30127,8 @@
                         </a:spcAft>
                       </a:pPr>
                       <a:r>
-                        <a:rPr lang="en-US" sz="1000" b="0" i="0" u="none" strike="noStrike" dirty="0">
-                          <a:solidFill>
-                            <a:srgbClr val="000000"/>
-                          </a:solidFill>
+                        <a:rPr lang="en-US" sz="1000" u="none" strike="noStrike" dirty="0">
                           <a:effectLst/>
-                          <a:latin typeface="Gill Sans MT" panose="020B0502020104020203" pitchFamily="34" charset="77"/>
                         </a:rPr>
                         <a:t>Python and Excel</a:t>
                       </a:r>
@@ -30338,45 +30138,42 @@
                     </a:p>
                   </a:txBody>
                   <a:tcPr marL="54655" marR="54655" marT="54655" marB="54655">
-                    <a:lnL w="12697" cap="flat" cmpd="sng" algn="ctr">
+                    <a:lnL w="12700" cap="flat" cmpd="sng" algn="ctr">
                       <a:solidFill>
-                        <a:srgbClr val="62B4C6"/>
+                        <a:schemeClr val="accent1"/>
                       </a:solidFill>
                       <a:prstDash val="solid"/>
                       <a:round/>
                       <a:headEnd type="none" w="med" len="med"/>
                       <a:tailEnd type="none" w="med" len="med"/>
                     </a:lnL>
-                    <a:lnR w="12697" cap="flat" cmpd="sng" algn="ctr">
+                    <a:lnR w="12700" cap="flat" cmpd="sng" algn="ctr">
                       <a:solidFill>
-                        <a:srgbClr val="62B4C6"/>
+                        <a:schemeClr val="accent1"/>
                       </a:solidFill>
                       <a:prstDash val="solid"/>
                       <a:round/>
                       <a:headEnd type="none" w="med" len="med"/>
                       <a:tailEnd type="none" w="med" len="med"/>
                     </a:lnR>
-                    <a:lnT w="12697" cap="flat" cmpd="sng" algn="ctr">
+                    <a:lnT w="12700" cap="flat" cmpd="sng" algn="ctr">
                       <a:solidFill>
-                        <a:srgbClr val="62B4C6"/>
+                        <a:schemeClr val="accent1"/>
                       </a:solidFill>
                       <a:prstDash val="solid"/>
                       <a:round/>
                       <a:headEnd type="none" w="med" len="med"/>
                       <a:tailEnd type="none" w="med" len="med"/>
                     </a:lnT>
-                    <a:lnB w="12697" cap="flat" cmpd="sng" algn="ctr">
+                    <a:lnB w="12700" cap="flat" cmpd="sng" algn="ctr">
                       <a:solidFill>
-                        <a:srgbClr val="62B4C6"/>
+                        <a:schemeClr val="accent1"/>
                       </a:solidFill>
                       <a:prstDash val="solid"/>
                       <a:round/>
                       <a:headEnd type="none" w="med" len="med"/>
                       <a:tailEnd type="none" w="med" len="med"/>
                     </a:lnB>
-                    <a:solidFill>
-                      <a:schemeClr val="bg1"/>
-                    </a:solidFill>
                   </a:tcPr>
                 </a:tc>
                 <a:extLst>

--- a/DEPA Final Project PPT.pptx
+++ b/DEPA Final Project PPT.pptx
@@ -5,7 +5,7 @@
     <p:sldMasterId id="2147483673" r:id="rId1"/>
   </p:sldMasterIdLst>
   <p:notesMasterIdLst>
-    <p:notesMasterId r:id="rId10"/>
+    <p:notesMasterId r:id="rId11"/>
   </p:notesMasterIdLst>
   <p:sldIdLst>
     <p:sldId id="256" r:id="rId2"/>
@@ -15,7 +15,8 @@
     <p:sldId id="263" r:id="rId6"/>
     <p:sldId id="268" r:id="rId7"/>
     <p:sldId id="267" r:id="rId8"/>
-    <p:sldId id="265" r:id="rId9"/>
+    <p:sldId id="269" r:id="rId9"/>
+    <p:sldId id="265" r:id="rId10"/>
   </p:sldIdLst>
   <p:sldSz cx="9144000" cy="5143500" type="screen16x9"/>
   <p:notesSz cx="6858000" cy="9144000"/>
@@ -23169,13 +23170,13 @@
           <p:nvPr>
             <p:extLst>
               <p:ext uri="{D42A27DB-BD31-4B8C-83A1-F6EECF244321}">
-                <p14:modId xmlns:p14="http://schemas.microsoft.com/office/powerpoint/2010/main" val="824402579"/>
+                <p14:modId xmlns:p14="http://schemas.microsoft.com/office/powerpoint/2010/main" val="1370631973"/>
               </p:ext>
             </p:extLst>
           </p:nvPr>
         </p:nvGraphicFramePr>
         <p:xfrm>
-          <a:off x="758268" y="1380413"/>
+          <a:off x="758268" y="1064562"/>
           <a:ext cx="8066756" cy="3405576"/>
         </p:xfrm>
         <a:graphic>
@@ -23207,7 +23208,7 @@
                   </a:extLst>
                 </a:gridCol>
               </a:tblGrid>
-              <a:tr h="212500">
+              <a:tr h="286627">
                 <a:tc>
                   <a:txBody>
                     <a:bodyPr/>
@@ -23228,18 +23229,14 @@
                       <a:r>
                         <a:rPr lang="en" sz="1400" b="1" dirty="0">
                           <a:solidFill>
-                            <a:schemeClr val="accent1">
-                              <a:lumMod val="50000"/>
-                            </a:schemeClr>
+                            <a:schemeClr val="tx1"/>
                           </a:solidFill>
                         </a:rPr>
                         <a:t>Actor</a:t>
                       </a:r>
                       <a:endParaRPr sz="1400" b="1" dirty="0">
                         <a:solidFill>
-                          <a:schemeClr val="accent1">
-                            <a:lumMod val="50000"/>
-                          </a:schemeClr>
+                          <a:schemeClr val="tx1"/>
                         </a:solidFill>
                       </a:endParaRPr>
                     </a:p>
@@ -23266,18 +23263,14 @@
                       <a:r>
                         <a:rPr lang="en" sz="1400" b="1" dirty="0">
                           <a:solidFill>
-                            <a:schemeClr val="accent1">
-                              <a:lumMod val="50000"/>
-                            </a:schemeClr>
+                            <a:schemeClr val="tx1"/>
                           </a:solidFill>
                         </a:rPr>
                         <a:t>Incentive</a:t>
                       </a:r>
                       <a:endParaRPr sz="1400" b="1" dirty="0">
                         <a:solidFill>
-                          <a:schemeClr val="accent1">
-                            <a:lumMod val="50000"/>
-                          </a:schemeClr>
+                          <a:schemeClr val="tx1"/>
                         </a:solidFill>
                       </a:endParaRPr>
                     </a:p>
@@ -23304,18 +23297,14 @@
                       <a:r>
                         <a:rPr lang="en" sz="1400" b="1" dirty="0">
                           <a:solidFill>
-                            <a:schemeClr val="accent1">
-                              <a:lumMod val="50000"/>
-                            </a:schemeClr>
+                            <a:schemeClr val="tx1"/>
                           </a:solidFill>
                         </a:rPr>
                         <a:t>Business Use</a:t>
                       </a:r>
                       <a:endParaRPr sz="1400" b="1" dirty="0">
                         <a:solidFill>
-                          <a:schemeClr val="accent1">
-                            <a:lumMod val="50000"/>
-                          </a:schemeClr>
+                          <a:schemeClr val="tx1"/>
                         </a:solidFill>
                       </a:endParaRPr>
                     </a:p>
@@ -23347,10 +23336,18 @@
                         <a:buNone/>
                       </a:pPr>
                       <a:r>
-                        <a:rPr lang="en" sz="1400" dirty="0"/>
+                        <a:rPr lang="en" sz="1400" dirty="0">
+                          <a:solidFill>
+                            <a:schemeClr val="tx1"/>
+                          </a:solidFill>
+                        </a:rPr>
                         <a:t>TNP</a:t>
                       </a:r>
-                      <a:endParaRPr sz="1400" dirty="0"/>
+                      <a:endParaRPr sz="1400" dirty="0">
+                        <a:solidFill>
+                          <a:schemeClr val="tx1"/>
+                        </a:solidFill>
+                      </a:endParaRPr>
                     </a:p>
                   </a:txBody>
                   <a:tcPr marL="91425" marR="91425" marT="91425" marB="91425" anchor="ctr"/>
@@ -23380,7 +23377,7 @@
                       <a:r>
                         <a:rPr lang="en-US" sz="1350" b="0" i="0" u="none" strike="noStrike" kern="1200" dirty="0">
                           <a:solidFill>
-                            <a:schemeClr val="dk1"/>
+                            <a:schemeClr val="tx1"/>
                           </a:solidFill>
                           <a:effectLst/>
                           <a:latin typeface="+mn-lt"/>
@@ -23411,7 +23408,7 @@
                       <a:r>
                         <a:rPr lang="en-US" sz="1350" b="0" i="0" u="none" strike="noStrike" kern="1200" dirty="0">
                           <a:solidFill>
-                            <a:schemeClr val="dk1"/>
+                            <a:schemeClr val="tx1"/>
                           </a:solidFill>
                           <a:effectLst/>
                           <a:latin typeface="+mn-lt"/>
@@ -23442,7 +23439,7 @@
                       <a:r>
                         <a:rPr lang="en-US" sz="1350" b="0" i="0" u="none" strike="noStrike" kern="1200" dirty="0">
                           <a:solidFill>
-                            <a:schemeClr val="dk1"/>
+                            <a:schemeClr val="tx1"/>
                           </a:solidFill>
                           <a:effectLst/>
                           <a:latin typeface="+mn-lt"/>
@@ -23470,7 +23467,11 @@
                         <a:tabLst/>
                         <a:defRPr/>
                       </a:pPr>
-                      <a:endParaRPr lang="en" sz="1400" dirty="0"/>
+                      <a:endParaRPr lang="en" sz="1400" dirty="0">
+                        <a:solidFill>
+                          <a:schemeClr val="tx1"/>
+                        </a:solidFill>
+                      </a:endParaRPr>
                     </a:p>
                   </a:txBody>
                   <a:tcPr marL="91425" marR="91425" marT="91425" marB="91425"/>
@@ -23484,7 +23485,7 @@
                       <a:r>
                         <a:rPr lang="en-US" sz="1350" b="0" i="0" u="none" strike="noStrike" kern="1200" dirty="0">
                           <a:solidFill>
-                            <a:schemeClr val="dk1"/>
+                            <a:schemeClr val="tx1"/>
                           </a:solidFill>
                           <a:effectLst/>
                           <a:latin typeface="+mn-lt"/>
@@ -23494,6 +23495,9 @@
                         <a:t>Understand how different factors impact ridership and customer behavior</a:t>
                       </a:r>
                       <a:endParaRPr lang="en-US" sz="1400" b="0" dirty="0">
+                        <a:solidFill>
+                          <a:schemeClr val="tx1"/>
+                        </a:solidFill>
                         <a:effectLst/>
                       </a:endParaRPr>
                     </a:p>
@@ -23525,10 +23529,18 @@
                         <a:buNone/>
                       </a:pPr>
                       <a:r>
-                        <a:rPr lang="en" sz="1400" dirty="0"/>
+                        <a:rPr lang="en" sz="1400" dirty="0">
+                          <a:solidFill>
+                            <a:schemeClr val="tx1"/>
+                          </a:solidFill>
+                        </a:rPr>
                         <a:t>Driver</a:t>
                       </a:r>
-                      <a:endParaRPr sz="1400" dirty="0"/>
+                      <a:endParaRPr sz="1400" dirty="0">
+                        <a:solidFill>
+                          <a:schemeClr val="tx1"/>
+                        </a:solidFill>
+                      </a:endParaRPr>
                     </a:p>
                   </a:txBody>
                   <a:tcPr marL="91425" marR="91425" marT="91425" marB="91425" anchor="ctr"/>
@@ -23556,7 +23568,11 @@
                         <a:defRPr/>
                       </a:pPr>
                       <a:r>
-                        <a:rPr lang="en" sz="1400" dirty="0"/>
+                        <a:rPr lang="en" sz="1400" dirty="0">
+                          <a:solidFill>
+                            <a:schemeClr val="tx1"/>
+                          </a:solidFill>
+                        </a:rPr>
                         <a:t>Maximize income per unit time</a:t>
                       </a:r>
                     </a:p>
@@ -23581,10 +23597,18 @@
                         <a:buNone/>
                       </a:pPr>
                       <a:r>
-                        <a:rPr lang="en" sz="1400" dirty="0"/>
+                        <a:rPr lang="en" sz="1400" dirty="0">
+                          <a:solidFill>
+                            <a:schemeClr val="tx1"/>
+                          </a:solidFill>
+                        </a:rPr>
                         <a:t>Understand how tips vary in different circumstances</a:t>
                       </a:r>
-                      <a:endParaRPr sz="1400" dirty="0"/>
+                      <a:endParaRPr sz="1400" dirty="0">
+                        <a:solidFill>
+                          <a:schemeClr val="tx1"/>
+                        </a:solidFill>
+                      </a:endParaRPr>
                     </a:p>
                   </a:txBody>
                   <a:tcPr marL="91425" marR="91425" marT="91425" marB="91425"/>
@@ -23614,10 +23638,18 @@
                         <a:buNone/>
                       </a:pPr>
                       <a:r>
-                        <a:rPr lang="en" sz="1400" dirty="0"/>
+                        <a:rPr lang="en" sz="1400" dirty="0">
+                          <a:solidFill>
+                            <a:schemeClr val="tx1"/>
+                          </a:solidFill>
+                        </a:rPr>
                         <a:t>Customer </a:t>
                       </a:r>
-                      <a:endParaRPr sz="1400" dirty="0"/>
+                      <a:endParaRPr sz="1400" dirty="0">
+                        <a:solidFill>
+                          <a:schemeClr val="tx1"/>
+                        </a:solidFill>
+                      </a:endParaRPr>
                     </a:p>
                   </a:txBody>
                   <a:tcPr marL="91425" marR="91425" marT="91425" marB="91425" anchor="ctr"/>
@@ -23645,7 +23677,11 @@
                         <a:defRPr/>
                       </a:pPr>
                       <a:r>
-                        <a:rPr lang="en" sz="1400" dirty="0"/>
+                        <a:rPr lang="en" sz="1400" dirty="0">
+                          <a:solidFill>
+                            <a:schemeClr val="tx1"/>
+                          </a:solidFill>
+                        </a:rPr>
                         <a:t>Time-efficient and safer service </a:t>
                       </a:r>
                     </a:p>
@@ -23672,7 +23708,7 @@
                       <a:r>
                         <a:rPr lang="en-US" sz="1350" b="0" i="0" u="none" strike="noStrike" kern="1200" dirty="0">
                           <a:solidFill>
-                            <a:schemeClr val="dk1"/>
+                            <a:schemeClr val="tx1"/>
                           </a:solidFill>
                           <a:effectLst/>
                           <a:latin typeface="+mn-lt"/>
@@ -23681,7 +23717,11 @@
                         </a:rPr>
                         <a:t>Improvement of service experience with better vehicle allocation and customer service</a:t>
                       </a:r>
-                      <a:endParaRPr sz="1400" dirty="0"/>
+                      <a:endParaRPr sz="1400" dirty="0">
+                        <a:solidFill>
+                          <a:schemeClr val="tx1"/>
+                        </a:solidFill>
+                      </a:endParaRPr>
                     </a:p>
                   </a:txBody>
                   <a:tcPr marL="91425" marR="91425" marT="91425" marB="91425"/>
@@ -32969,6 +33009,1002 @@
       </p:grpSpPr>
       <p:sp>
         <p:nvSpPr>
+          <p:cNvPr id="10" name="Freeform 6">
+            <a:extLst>
+              <a:ext uri="{FF2B5EF4-FFF2-40B4-BE49-F238E27FC236}">
+                <a16:creationId xmlns:a16="http://schemas.microsoft.com/office/drawing/2014/main" id="{1DF61F47-37EC-408A-BDC8-E491FB5E59B8}"/>
+              </a:ext>
+              <a:ext uri="{C183D7F6-B498-43B3-948B-1728B52AA6E4}">
+                <adec:decorative xmlns:adec="http://schemas.microsoft.com/office/drawing/2017/decorative" val="1"/>
+              </a:ext>
+            </a:extLst>
+          </p:cNvPr>
+          <p:cNvSpPr>
+            <a:spLocks noGrp="1" noRot="1" noChangeAspect="1" noMove="1" noResize="1" noEditPoints="1" noAdjustHandles="1" noChangeArrowheads="1" noChangeShapeType="1" noTextEdit="1"/>
+          </p:cNvSpPr>
+          <p:nvPr>
+            <p:extLst>
+              <p:ext uri="{386F3935-93C4-4BCD-93E2-E3B085C9AB24}">
+                <p16:designElem xmlns:p16="http://schemas.microsoft.com/office/powerpoint/2015/main" val="1"/>
+              </p:ext>
+            </p:extLst>
+          </p:nvPr>
+        </p:nvSpPr>
+        <p:spPr bwMode="auto">
+          <a:xfrm>
+            <a:off x="0" y="0"/>
+            <a:ext cx="664368" cy="5143500"/>
+          </a:xfrm>
+          <a:custGeom>
+            <a:avLst/>
+            <a:gdLst/>
+            <a:ahLst/>
+            <a:cxnLst/>
+            <a:rect l="0" t="0" r="r" b="b"/>
+            <a:pathLst>
+              <a:path w="558" h="4320">
+                <a:moveTo>
+                  <a:pt x="0" y="0"/>
+                </a:moveTo>
+                <a:lnTo>
+                  <a:pt x="447" y="0"/>
+                </a:lnTo>
+                <a:lnTo>
+                  <a:pt x="448" y="43"/>
+                </a:lnTo>
+                <a:lnTo>
+                  <a:pt x="453" y="81"/>
+                </a:lnTo>
+                <a:lnTo>
+                  <a:pt x="460" y="114"/>
+                </a:lnTo>
+                <a:lnTo>
+                  <a:pt x="469" y="143"/>
+                </a:lnTo>
+                <a:lnTo>
+                  <a:pt x="479" y="169"/>
+                </a:lnTo>
+                <a:lnTo>
+                  <a:pt x="491" y="192"/>
+                </a:lnTo>
+                <a:lnTo>
+                  <a:pt x="503" y="216"/>
+                </a:lnTo>
+                <a:lnTo>
+                  <a:pt x="515" y="240"/>
+                </a:lnTo>
+                <a:lnTo>
+                  <a:pt x="525" y="263"/>
+                </a:lnTo>
+                <a:lnTo>
+                  <a:pt x="535" y="289"/>
+                </a:lnTo>
+                <a:lnTo>
+                  <a:pt x="545" y="318"/>
+                </a:lnTo>
+                <a:lnTo>
+                  <a:pt x="552" y="351"/>
+                </a:lnTo>
+                <a:lnTo>
+                  <a:pt x="556" y="389"/>
+                </a:lnTo>
+                <a:lnTo>
+                  <a:pt x="558" y="432"/>
+                </a:lnTo>
+                <a:lnTo>
+                  <a:pt x="556" y="475"/>
+                </a:lnTo>
+                <a:lnTo>
+                  <a:pt x="552" y="513"/>
+                </a:lnTo>
+                <a:lnTo>
+                  <a:pt x="545" y="546"/>
+                </a:lnTo>
+                <a:lnTo>
+                  <a:pt x="535" y="575"/>
+                </a:lnTo>
+                <a:lnTo>
+                  <a:pt x="525" y="601"/>
+                </a:lnTo>
+                <a:lnTo>
+                  <a:pt x="515" y="624"/>
+                </a:lnTo>
+                <a:lnTo>
+                  <a:pt x="503" y="648"/>
+                </a:lnTo>
+                <a:lnTo>
+                  <a:pt x="491" y="672"/>
+                </a:lnTo>
+                <a:lnTo>
+                  <a:pt x="479" y="695"/>
+                </a:lnTo>
+                <a:lnTo>
+                  <a:pt x="469" y="721"/>
+                </a:lnTo>
+                <a:lnTo>
+                  <a:pt x="460" y="750"/>
+                </a:lnTo>
+                <a:lnTo>
+                  <a:pt x="453" y="783"/>
+                </a:lnTo>
+                <a:lnTo>
+                  <a:pt x="448" y="821"/>
+                </a:lnTo>
+                <a:lnTo>
+                  <a:pt x="447" y="864"/>
+                </a:lnTo>
+                <a:lnTo>
+                  <a:pt x="448" y="907"/>
+                </a:lnTo>
+                <a:lnTo>
+                  <a:pt x="453" y="945"/>
+                </a:lnTo>
+                <a:lnTo>
+                  <a:pt x="460" y="978"/>
+                </a:lnTo>
+                <a:lnTo>
+                  <a:pt x="469" y="1007"/>
+                </a:lnTo>
+                <a:lnTo>
+                  <a:pt x="479" y="1033"/>
+                </a:lnTo>
+                <a:lnTo>
+                  <a:pt x="491" y="1056"/>
+                </a:lnTo>
+                <a:lnTo>
+                  <a:pt x="503" y="1080"/>
+                </a:lnTo>
+                <a:lnTo>
+                  <a:pt x="515" y="1104"/>
+                </a:lnTo>
+                <a:lnTo>
+                  <a:pt x="525" y="1127"/>
+                </a:lnTo>
+                <a:lnTo>
+                  <a:pt x="535" y="1153"/>
+                </a:lnTo>
+                <a:lnTo>
+                  <a:pt x="545" y="1182"/>
+                </a:lnTo>
+                <a:lnTo>
+                  <a:pt x="552" y="1215"/>
+                </a:lnTo>
+                <a:lnTo>
+                  <a:pt x="556" y="1253"/>
+                </a:lnTo>
+                <a:lnTo>
+                  <a:pt x="558" y="1296"/>
+                </a:lnTo>
+                <a:lnTo>
+                  <a:pt x="556" y="1339"/>
+                </a:lnTo>
+                <a:lnTo>
+                  <a:pt x="552" y="1377"/>
+                </a:lnTo>
+                <a:lnTo>
+                  <a:pt x="545" y="1410"/>
+                </a:lnTo>
+                <a:lnTo>
+                  <a:pt x="535" y="1439"/>
+                </a:lnTo>
+                <a:lnTo>
+                  <a:pt x="525" y="1465"/>
+                </a:lnTo>
+                <a:lnTo>
+                  <a:pt x="515" y="1488"/>
+                </a:lnTo>
+                <a:lnTo>
+                  <a:pt x="503" y="1512"/>
+                </a:lnTo>
+                <a:lnTo>
+                  <a:pt x="491" y="1536"/>
+                </a:lnTo>
+                <a:lnTo>
+                  <a:pt x="479" y="1559"/>
+                </a:lnTo>
+                <a:lnTo>
+                  <a:pt x="469" y="1585"/>
+                </a:lnTo>
+                <a:lnTo>
+                  <a:pt x="460" y="1614"/>
+                </a:lnTo>
+                <a:lnTo>
+                  <a:pt x="453" y="1647"/>
+                </a:lnTo>
+                <a:lnTo>
+                  <a:pt x="448" y="1685"/>
+                </a:lnTo>
+                <a:lnTo>
+                  <a:pt x="447" y="1728"/>
+                </a:lnTo>
+                <a:lnTo>
+                  <a:pt x="448" y="1771"/>
+                </a:lnTo>
+                <a:lnTo>
+                  <a:pt x="453" y="1809"/>
+                </a:lnTo>
+                <a:lnTo>
+                  <a:pt x="460" y="1842"/>
+                </a:lnTo>
+                <a:lnTo>
+                  <a:pt x="469" y="1871"/>
+                </a:lnTo>
+                <a:lnTo>
+                  <a:pt x="479" y="1897"/>
+                </a:lnTo>
+                <a:lnTo>
+                  <a:pt x="491" y="1920"/>
+                </a:lnTo>
+                <a:lnTo>
+                  <a:pt x="503" y="1944"/>
+                </a:lnTo>
+                <a:lnTo>
+                  <a:pt x="515" y="1968"/>
+                </a:lnTo>
+                <a:lnTo>
+                  <a:pt x="525" y="1991"/>
+                </a:lnTo>
+                <a:lnTo>
+                  <a:pt x="535" y="2017"/>
+                </a:lnTo>
+                <a:lnTo>
+                  <a:pt x="545" y="2046"/>
+                </a:lnTo>
+                <a:lnTo>
+                  <a:pt x="552" y="2079"/>
+                </a:lnTo>
+                <a:lnTo>
+                  <a:pt x="556" y="2117"/>
+                </a:lnTo>
+                <a:lnTo>
+                  <a:pt x="558" y="2159"/>
+                </a:lnTo>
+                <a:lnTo>
+                  <a:pt x="556" y="2203"/>
+                </a:lnTo>
+                <a:lnTo>
+                  <a:pt x="552" y="2241"/>
+                </a:lnTo>
+                <a:lnTo>
+                  <a:pt x="545" y="2274"/>
+                </a:lnTo>
+                <a:lnTo>
+                  <a:pt x="535" y="2303"/>
+                </a:lnTo>
+                <a:lnTo>
+                  <a:pt x="525" y="2329"/>
+                </a:lnTo>
+                <a:lnTo>
+                  <a:pt x="515" y="2352"/>
+                </a:lnTo>
+                <a:lnTo>
+                  <a:pt x="503" y="2376"/>
+                </a:lnTo>
+                <a:lnTo>
+                  <a:pt x="491" y="2400"/>
+                </a:lnTo>
+                <a:lnTo>
+                  <a:pt x="479" y="2423"/>
+                </a:lnTo>
+                <a:lnTo>
+                  <a:pt x="469" y="2449"/>
+                </a:lnTo>
+                <a:lnTo>
+                  <a:pt x="460" y="2478"/>
+                </a:lnTo>
+                <a:lnTo>
+                  <a:pt x="453" y="2511"/>
+                </a:lnTo>
+                <a:lnTo>
+                  <a:pt x="448" y="2549"/>
+                </a:lnTo>
+                <a:lnTo>
+                  <a:pt x="447" y="2592"/>
+                </a:lnTo>
+                <a:lnTo>
+                  <a:pt x="448" y="2635"/>
+                </a:lnTo>
+                <a:lnTo>
+                  <a:pt x="453" y="2673"/>
+                </a:lnTo>
+                <a:lnTo>
+                  <a:pt x="460" y="2706"/>
+                </a:lnTo>
+                <a:lnTo>
+                  <a:pt x="469" y="2735"/>
+                </a:lnTo>
+                <a:lnTo>
+                  <a:pt x="479" y="2761"/>
+                </a:lnTo>
+                <a:lnTo>
+                  <a:pt x="491" y="2784"/>
+                </a:lnTo>
+                <a:lnTo>
+                  <a:pt x="515" y="2832"/>
+                </a:lnTo>
+                <a:lnTo>
+                  <a:pt x="525" y="2855"/>
+                </a:lnTo>
+                <a:lnTo>
+                  <a:pt x="535" y="2881"/>
+                </a:lnTo>
+                <a:lnTo>
+                  <a:pt x="545" y="2910"/>
+                </a:lnTo>
+                <a:lnTo>
+                  <a:pt x="552" y="2943"/>
+                </a:lnTo>
+                <a:lnTo>
+                  <a:pt x="556" y="2981"/>
+                </a:lnTo>
+                <a:lnTo>
+                  <a:pt x="558" y="3024"/>
+                </a:lnTo>
+                <a:lnTo>
+                  <a:pt x="556" y="3067"/>
+                </a:lnTo>
+                <a:lnTo>
+                  <a:pt x="552" y="3105"/>
+                </a:lnTo>
+                <a:lnTo>
+                  <a:pt x="545" y="3138"/>
+                </a:lnTo>
+                <a:lnTo>
+                  <a:pt x="535" y="3167"/>
+                </a:lnTo>
+                <a:lnTo>
+                  <a:pt x="525" y="3193"/>
+                </a:lnTo>
+                <a:lnTo>
+                  <a:pt x="515" y="3216"/>
+                </a:lnTo>
+                <a:lnTo>
+                  <a:pt x="503" y="3240"/>
+                </a:lnTo>
+                <a:lnTo>
+                  <a:pt x="491" y="3264"/>
+                </a:lnTo>
+                <a:lnTo>
+                  <a:pt x="479" y="3287"/>
+                </a:lnTo>
+                <a:lnTo>
+                  <a:pt x="469" y="3313"/>
+                </a:lnTo>
+                <a:lnTo>
+                  <a:pt x="460" y="3342"/>
+                </a:lnTo>
+                <a:lnTo>
+                  <a:pt x="453" y="3375"/>
+                </a:lnTo>
+                <a:lnTo>
+                  <a:pt x="448" y="3413"/>
+                </a:lnTo>
+                <a:lnTo>
+                  <a:pt x="447" y="3456"/>
+                </a:lnTo>
+                <a:lnTo>
+                  <a:pt x="448" y="3499"/>
+                </a:lnTo>
+                <a:lnTo>
+                  <a:pt x="453" y="3537"/>
+                </a:lnTo>
+                <a:lnTo>
+                  <a:pt x="460" y="3570"/>
+                </a:lnTo>
+                <a:lnTo>
+                  <a:pt x="469" y="3599"/>
+                </a:lnTo>
+                <a:lnTo>
+                  <a:pt x="479" y="3625"/>
+                </a:lnTo>
+                <a:lnTo>
+                  <a:pt x="491" y="3648"/>
+                </a:lnTo>
+                <a:lnTo>
+                  <a:pt x="503" y="3672"/>
+                </a:lnTo>
+                <a:lnTo>
+                  <a:pt x="515" y="3696"/>
+                </a:lnTo>
+                <a:lnTo>
+                  <a:pt x="525" y="3719"/>
+                </a:lnTo>
+                <a:lnTo>
+                  <a:pt x="535" y="3745"/>
+                </a:lnTo>
+                <a:lnTo>
+                  <a:pt x="545" y="3774"/>
+                </a:lnTo>
+                <a:lnTo>
+                  <a:pt x="552" y="3807"/>
+                </a:lnTo>
+                <a:lnTo>
+                  <a:pt x="556" y="3845"/>
+                </a:lnTo>
+                <a:lnTo>
+                  <a:pt x="558" y="3888"/>
+                </a:lnTo>
+                <a:lnTo>
+                  <a:pt x="556" y="3931"/>
+                </a:lnTo>
+                <a:lnTo>
+                  <a:pt x="552" y="3969"/>
+                </a:lnTo>
+                <a:lnTo>
+                  <a:pt x="545" y="4002"/>
+                </a:lnTo>
+                <a:lnTo>
+                  <a:pt x="535" y="4031"/>
+                </a:lnTo>
+                <a:lnTo>
+                  <a:pt x="525" y="4057"/>
+                </a:lnTo>
+                <a:lnTo>
+                  <a:pt x="515" y="4080"/>
+                </a:lnTo>
+                <a:lnTo>
+                  <a:pt x="503" y="4104"/>
+                </a:lnTo>
+                <a:lnTo>
+                  <a:pt x="491" y="4128"/>
+                </a:lnTo>
+                <a:lnTo>
+                  <a:pt x="479" y="4151"/>
+                </a:lnTo>
+                <a:lnTo>
+                  <a:pt x="469" y="4177"/>
+                </a:lnTo>
+                <a:lnTo>
+                  <a:pt x="460" y="4206"/>
+                </a:lnTo>
+                <a:lnTo>
+                  <a:pt x="453" y="4239"/>
+                </a:lnTo>
+                <a:lnTo>
+                  <a:pt x="448" y="4277"/>
+                </a:lnTo>
+                <a:lnTo>
+                  <a:pt x="447" y="4320"/>
+                </a:lnTo>
+                <a:lnTo>
+                  <a:pt x="0" y="4320"/>
+                </a:lnTo>
+                <a:lnTo>
+                  <a:pt x="0" y="0"/>
+                </a:lnTo>
+                <a:close/>
+              </a:path>
+            </a:pathLst>
+          </a:custGeom>
+          <a:solidFill>
+            <a:schemeClr val="tx2"/>
+          </a:solidFill>
+          <a:ln w="0">
+            <a:noFill/>
+            <a:prstDash val="solid"/>
+            <a:round/>
+            <a:headEnd/>
+            <a:tailEnd/>
+          </a:ln>
+        </p:spPr>
+      </p:sp>
+      <p:sp>
+        <p:nvSpPr>
+          <p:cNvPr id="12" name="Rectangle 11">
+            <a:extLst>
+              <a:ext uri="{FF2B5EF4-FFF2-40B4-BE49-F238E27FC236}">
+                <a16:creationId xmlns:a16="http://schemas.microsoft.com/office/drawing/2014/main" id="{68157995-9098-42A2-8E36-8BA9015D759A}"/>
+              </a:ext>
+              <a:ext uri="{C183D7F6-B498-43B3-948B-1728B52AA6E4}">
+                <adec:decorative xmlns:adec="http://schemas.microsoft.com/office/drawing/2017/decorative" val="1"/>
+              </a:ext>
+            </a:extLst>
+          </p:cNvPr>
+          <p:cNvSpPr>
+            <a:spLocks noGrp="1" noRot="1" noChangeAspect="1" noMove="1" noResize="1" noEditPoints="1" noAdjustHandles="1" noChangeArrowheads="1" noChangeShapeType="1" noTextEdit="1"/>
+          </p:cNvSpPr>
+          <p:nvPr>
+            <p:extLst>
+              <p:ext uri="{386F3935-93C4-4BCD-93E2-E3B085C9AB24}">
+                <p16:designElem xmlns:p16="http://schemas.microsoft.com/office/powerpoint/2015/main" val="1"/>
+              </p:ext>
+            </p:extLst>
+          </p:nvPr>
+        </p:nvSpPr>
+        <p:spPr>
+          <a:xfrm>
+            <a:off x="8931402" y="0"/>
+            <a:ext cx="212598" cy="5143500"/>
+          </a:xfrm>
+          <a:prstGeom prst="rect">
+            <a:avLst/>
+          </a:prstGeom>
+          <a:solidFill>
+            <a:schemeClr val="accent1"/>
+          </a:solidFill>
+          <a:ln>
+            <a:noFill/>
+          </a:ln>
+        </p:spPr>
+        <p:style>
+          <a:lnRef idx="2">
+            <a:schemeClr val="accent1">
+              <a:shade val="50000"/>
+            </a:schemeClr>
+          </a:lnRef>
+          <a:fillRef idx="1">
+            <a:schemeClr val="accent1"/>
+          </a:fillRef>
+          <a:effectRef idx="0">
+            <a:schemeClr val="accent1"/>
+          </a:effectRef>
+          <a:fontRef idx="minor">
+            <a:schemeClr val="lt1"/>
+          </a:fontRef>
+        </p:style>
+      </p:sp>
+      <p:sp useBgFill="1">
+        <p:nvSpPr>
+          <p:cNvPr id="14" name="Rectangle 13">
+            <a:extLst>
+              <a:ext uri="{FF2B5EF4-FFF2-40B4-BE49-F238E27FC236}">
+                <a16:creationId xmlns:a16="http://schemas.microsoft.com/office/drawing/2014/main" id="{B680D4D6-B06E-4316-8BBC-7A65A10AC853}"/>
+              </a:ext>
+              <a:ext uri="{C183D7F6-B498-43B3-948B-1728B52AA6E4}">
+                <adec:decorative xmlns:adec="http://schemas.microsoft.com/office/drawing/2017/decorative" val="1"/>
+              </a:ext>
+            </a:extLst>
+          </p:cNvPr>
+          <p:cNvSpPr>
+            <a:spLocks noGrp="1" noRot="1" noChangeAspect="1" noMove="1" noResize="1" noEditPoints="1" noAdjustHandles="1" noChangeArrowheads="1" noChangeShapeType="1" noTextEdit="1"/>
+          </p:cNvSpPr>
+          <p:nvPr>
+            <p:extLst>
+              <p:ext uri="{386F3935-93C4-4BCD-93E2-E3B085C9AB24}">
+                <p16:designElem xmlns:p16="http://schemas.microsoft.com/office/powerpoint/2015/main" val="1"/>
+              </p:ext>
+            </p:extLst>
+          </p:nvPr>
+        </p:nvSpPr>
+        <p:spPr bwMode="ltGray">
+          <a:xfrm>
+            <a:off x="0" y="0"/>
+            <a:ext cx="9143999" cy="5143500"/>
+          </a:xfrm>
+          <a:prstGeom prst="rect">
+            <a:avLst/>
+          </a:prstGeom>
+          <a:ln>
+            <a:noFill/>
+          </a:ln>
+        </p:spPr>
+        <p:style>
+          <a:lnRef idx="2">
+            <a:schemeClr val="accent1">
+              <a:shade val="50000"/>
+            </a:schemeClr>
+          </a:lnRef>
+          <a:fillRef idx="1">
+            <a:schemeClr val="accent1"/>
+          </a:fillRef>
+          <a:effectRef idx="0">
+            <a:schemeClr val="accent1"/>
+          </a:effectRef>
+          <a:fontRef idx="minor">
+            <a:schemeClr val="lt1"/>
+          </a:fontRef>
+        </p:style>
+        <p:txBody>
+          <a:bodyPr rtlCol="0" anchor="ctr"/>
+          <a:lstStyle/>
+          <a:p>
+            <a:pPr algn="ctr"/>
+            <a:endParaRPr lang="en-US"/>
+          </a:p>
+        </p:txBody>
+      </p:sp>
+      <p:sp>
+        <p:nvSpPr>
+          <p:cNvPr id="4" name="Rectangle 3">
+            <a:extLst>
+              <a:ext uri="{FF2B5EF4-FFF2-40B4-BE49-F238E27FC236}">
+                <a16:creationId xmlns:a16="http://schemas.microsoft.com/office/drawing/2014/main" id="{25A97B8A-2A90-7F4A-AB59-49543EFA5555}"/>
+              </a:ext>
+            </a:extLst>
+          </p:cNvPr>
+          <p:cNvSpPr/>
+          <p:nvPr/>
+        </p:nvSpPr>
+        <p:spPr>
+          <a:xfrm>
+            <a:off x="130634" y="1699355"/>
+            <a:ext cx="3118790" cy="2118265"/>
+          </a:xfrm>
+          <a:prstGeom prst="rect">
+            <a:avLst/>
+          </a:prstGeom>
+        </p:spPr>
+        <p:txBody>
+          <a:bodyPr vert="horz" lIns="91440" tIns="45720" rIns="91440" bIns="45720" rtlCol="0" anchor="ctr">
+            <a:normAutofit/>
+          </a:bodyPr>
+          <a:lstStyle/>
+          <a:p>
+            <a:pPr algn="r" defTabSz="914400">
+              <a:lnSpc>
+                <a:spcPct val="90000"/>
+              </a:lnSpc>
+              <a:spcBef>
+                <a:spcPct val="0"/>
+              </a:spcBef>
+              <a:spcAft>
+                <a:spcPts val="600"/>
+              </a:spcAft>
+            </a:pPr>
+            <a:r>
+              <a:rPr lang="en-US" sz="2400" cap="all" spc="200" dirty="0">
+                <a:solidFill>
+                  <a:schemeClr val="tx2"/>
+                </a:solidFill>
+                <a:latin typeface="+mj-lt"/>
+                <a:ea typeface="+mj-ea"/>
+                <a:cs typeface="+mj-cs"/>
+              </a:rPr>
+              <a:t>Data Quality Dimension</a:t>
+            </a:r>
+            <a:br>
+              <a:rPr lang="en-US" sz="2400" cap="all" spc="200" dirty="0">
+                <a:solidFill>
+                  <a:schemeClr val="tx2"/>
+                </a:solidFill>
+                <a:latin typeface="+mj-lt"/>
+                <a:ea typeface="+mj-ea"/>
+                <a:cs typeface="+mj-cs"/>
+              </a:rPr>
+            </a:br>
+            <a:endParaRPr lang="en-US" sz="2400" cap="all" spc="200" dirty="0">
+              <a:solidFill>
+                <a:schemeClr val="tx2"/>
+              </a:solidFill>
+              <a:latin typeface="+mj-lt"/>
+              <a:ea typeface="+mj-ea"/>
+              <a:cs typeface="+mj-cs"/>
+            </a:endParaRPr>
+          </a:p>
+        </p:txBody>
+      </p:sp>
+      <p:cxnSp>
+        <p:nvCxnSpPr>
+          <p:cNvPr id="16" name="Straight Connector 15">
+            <a:extLst>
+              <a:ext uri="{FF2B5EF4-FFF2-40B4-BE49-F238E27FC236}">
+                <a16:creationId xmlns:a16="http://schemas.microsoft.com/office/drawing/2014/main" id="{ED72A37F-0C2F-473C-9D71-B80AEE71BF03}"/>
+              </a:ext>
+              <a:ext uri="{C183D7F6-B498-43B3-948B-1728B52AA6E4}">
+                <adec:decorative xmlns:adec="http://schemas.microsoft.com/office/drawing/2017/decorative" val="1"/>
+              </a:ext>
+            </a:extLst>
+          </p:cNvPr>
+          <p:cNvCxnSpPr>
+            <a:cxnSpLocks noGrp="1" noRot="1" noChangeAspect="1" noMove="1" noResize="1" noEditPoints="1" noAdjustHandles="1" noChangeArrowheads="1" noChangeShapeType="1"/>
+          </p:cNvCxnSpPr>
+          <p:nvPr>
+            <p:extLst>
+              <p:ext uri="{386F3935-93C4-4BCD-93E2-E3B085C9AB24}">
+                <p16:designElem xmlns:p16="http://schemas.microsoft.com/office/powerpoint/2015/main" val="1"/>
+              </p:ext>
+            </p:extLst>
+          </p:nvPr>
+        </p:nvCxnSpPr>
+        <p:spPr>
+          <a:xfrm>
+            <a:off x="3497847" y="1471797"/>
+            <a:ext cx="0" cy="2199905"/>
+          </a:xfrm>
+          <a:prstGeom prst="line">
+            <a:avLst/>
+          </a:prstGeom>
+          <a:ln w="22225">
+            <a:solidFill>
+              <a:schemeClr val="accent1"/>
+            </a:solidFill>
+            <a:miter lim="800000"/>
+          </a:ln>
+        </p:spPr>
+        <p:style>
+          <a:lnRef idx="1">
+            <a:schemeClr val="accent1"/>
+          </a:lnRef>
+          <a:fillRef idx="0">
+            <a:schemeClr val="accent1"/>
+          </a:fillRef>
+          <a:effectRef idx="0">
+            <a:schemeClr val="accent1"/>
+          </a:effectRef>
+          <a:fontRef idx="minor">
+            <a:schemeClr val="tx1"/>
+          </a:fontRef>
+        </p:style>
+      </p:cxnSp>
+      <p:sp>
+        <p:nvSpPr>
+          <p:cNvPr id="5" name="Rectangle 4">
+            <a:extLst>
+              <a:ext uri="{FF2B5EF4-FFF2-40B4-BE49-F238E27FC236}">
+                <a16:creationId xmlns:a16="http://schemas.microsoft.com/office/drawing/2014/main" id="{E1854189-77EA-2B45-A9EF-493286628C8C}"/>
+              </a:ext>
+            </a:extLst>
+          </p:cNvPr>
+          <p:cNvSpPr/>
+          <p:nvPr/>
+        </p:nvSpPr>
+        <p:spPr>
+          <a:xfrm>
+            <a:off x="3732023" y="279918"/>
+            <a:ext cx="5199373" cy="4198775"/>
+          </a:xfrm>
+          <a:prstGeom prst="rect">
+            <a:avLst/>
+          </a:prstGeom>
+        </p:spPr>
+        <p:txBody>
+          <a:bodyPr vert="horz" lIns="91440" tIns="45720" rIns="91440" bIns="45720" rtlCol="0" anchor="ctr">
+            <a:normAutofit/>
+          </a:bodyPr>
+          <a:lstStyle/>
+          <a:p>
+            <a:pPr marL="342900" indent="-285750" defTabSz="914400">
+              <a:lnSpc>
+                <a:spcPct val="110000"/>
+              </a:lnSpc>
+              <a:spcBef>
+                <a:spcPts val="700"/>
+              </a:spcBef>
+              <a:buClr>
+                <a:schemeClr val="tx2"/>
+              </a:buClr>
+              <a:buFont typeface="Wingdings" pitchFamily="2" charset="2"/>
+              <a:buChar char="ü"/>
+            </a:pPr>
+            <a:r>
+              <a:rPr lang="en-US" sz="1600" dirty="0">
+                <a:solidFill>
+                  <a:schemeClr val="tx1">
+                    <a:lumMod val="65000"/>
+                    <a:lumOff val="35000"/>
+                  </a:schemeClr>
+                </a:solidFill>
+              </a:rPr>
+              <a:t>Completeness: Missing Values in Weather Dataset treated as zero </a:t>
+            </a:r>
+          </a:p>
+          <a:p>
+            <a:pPr marL="342900" indent="-285750" defTabSz="914400">
+              <a:lnSpc>
+                <a:spcPct val="110000"/>
+              </a:lnSpc>
+              <a:spcBef>
+                <a:spcPts val="700"/>
+              </a:spcBef>
+              <a:buClr>
+                <a:schemeClr val="tx2"/>
+              </a:buClr>
+              <a:buFont typeface="Wingdings" pitchFamily="2" charset="2"/>
+              <a:buChar char="ü"/>
+            </a:pPr>
+            <a:r>
+              <a:rPr lang="en-US" sz="1600" dirty="0">
+                <a:solidFill>
+                  <a:schemeClr val="tx1">
+                    <a:lumMod val="65000"/>
+                    <a:lumOff val="35000"/>
+                  </a:schemeClr>
+                </a:solidFill>
+              </a:rPr>
+              <a:t>Validity: Data is transformed into fact and dimensions to meet our analytical need</a:t>
+            </a:r>
+          </a:p>
+          <a:p>
+            <a:pPr marL="342900" indent="-285750" defTabSz="914400">
+              <a:lnSpc>
+                <a:spcPct val="110000"/>
+              </a:lnSpc>
+              <a:spcBef>
+                <a:spcPts val="700"/>
+              </a:spcBef>
+              <a:buClr>
+                <a:schemeClr val="tx2"/>
+              </a:buClr>
+              <a:buFont typeface="Wingdings" pitchFamily="2" charset="2"/>
+              <a:buChar char="ü"/>
+            </a:pPr>
+            <a:r>
+              <a:rPr lang="en-US" sz="1600" dirty="0">
+                <a:solidFill>
+                  <a:schemeClr val="tx1">
+                    <a:lumMod val="65000"/>
+                    <a:lumOff val="35000"/>
+                  </a:schemeClr>
+                </a:solidFill>
+              </a:rPr>
+              <a:t>Uniqueness: No duplicate data</a:t>
+            </a:r>
+          </a:p>
+          <a:p>
+            <a:pPr marL="342900" indent="-285750" defTabSz="914400">
+              <a:lnSpc>
+                <a:spcPct val="110000"/>
+              </a:lnSpc>
+              <a:spcBef>
+                <a:spcPts val="700"/>
+              </a:spcBef>
+              <a:buClr>
+                <a:schemeClr val="tx2"/>
+              </a:buClr>
+              <a:buFont typeface="Wingdings" pitchFamily="2" charset="2"/>
+              <a:buChar char="ü"/>
+            </a:pPr>
+            <a:r>
+              <a:rPr lang="en-US" sz="1600" dirty="0">
+                <a:solidFill>
+                  <a:schemeClr val="tx1">
+                    <a:lumMod val="65000"/>
+                    <a:lumOff val="35000"/>
+                  </a:schemeClr>
+                </a:solidFill>
+              </a:rPr>
+              <a:t>Consistency: Data format is consistent throughout the database</a:t>
+            </a:r>
+          </a:p>
+          <a:p>
+            <a:pPr marL="342900" indent="-285750" defTabSz="914400">
+              <a:lnSpc>
+                <a:spcPct val="110000"/>
+              </a:lnSpc>
+              <a:spcBef>
+                <a:spcPts val="700"/>
+              </a:spcBef>
+              <a:buClr>
+                <a:schemeClr val="tx2"/>
+              </a:buClr>
+              <a:buFont typeface="Wingdings" pitchFamily="2" charset="2"/>
+              <a:buChar char="ü"/>
+            </a:pPr>
+            <a:r>
+              <a:rPr lang="en-US" sz="1600" dirty="0">
+                <a:solidFill>
+                  <a:schemeClr val="tx1">
+                    <a:lumMod val="65000"/>
+                    <a:lumOff val="35000"/>
+                  </a:schemeClr>
+                </a:solidFill>
+              </a:rPr>
+              <a:t>Timeliness: The data represent reality in time as data consist all the entries over the period considered</a:t>
+            </a:r>
+          </a:p>
+          <a:p>
+            <a:pPr marL="342900" indent="-285750" defTabSz="914400">
+              <a:lnSpc>
+                <a:spcPct val="110000"/>
+              </a:lnSpc>
+              <a:spcBef>
+                <a:spcPts val="700"/>
+              </a:spcBef>
+              <a:buClr>
+                <a:schemeClr val="tx2"/>
+              </a:buClr>
+              <a:buFont typeface="Wingdings" pitchFamily="2" charset="2"/>
+              <a:buChar char="ü"/>
+            </a:pPr>
+            <a:r>
+              <a:rPr lang="en-US" sz="1600" dirty="0">
+                <a:solidFill>
+                  <a:schemeClr val="tx1">
+                    <a:lumMod val="65000"/>
+                    <a:lumOff val="35000"/>
+                  </a:schemeClr>
+                </a:solidFill>
+              </a:rPr>
+              <a:t>Accuracy: Data is simply aggregated by summing and averaging over locations and dates, and this transformation can accurately represent reality</a:t>
+            </a:r>
+          </a:p>
+        </p:txBody>
+      </p:sp>
+      <p:sp>
+        <p:nvSpPr>
+          <p:cNvPr id="18" name="Rectangle 17">
+            <a:extLst>
+              <a:ext uri="{FF2B5EF4-FFF2-40B4-BE49-F238E27FC236}">
+                <a16:creationId xmlns:a16="http://schemas.microsoft.com/office/drawing/2014/main" id="{64016ABB-4F5D-4BFA-9406-7CD61399B6CC}"/>
+              </a:ext>
+              <a:ext uri="{C183D7F6-B498-43B3-948B-1728B52AA6E4}">
+                <adec:decorative xmlns:adec="http://schemas.microsoft.com/office/drawing/2017/decorative" val="1"/>
+              </a:ext>
+            </a:extLst>
+          </p:cNvPr>
+          <p:cNvSpPr>
+            <a:spLocks noGrp="1" noRot="1" noChangeAspect="1" noMove="1" noResize="1" noEditPoints="1" noAdjustHandles="1" noChangeArrowheads="1" noChangeShapeType="1" noTextEdit="1"/>
+          </p:cNvSpPr>
+          <p:nvPr>
+            <p:extLst>
+              <p:ext uri="{386F3935-93C4-4BCD-93E2-E3B085C9AB24}">
+                <p16:designElem xmlns:p16="http://schemas.microsoft.com/office/powerpoint/2015/main" val="1"/>
+              </p:ext>
+            </p:extLst>
+          </p:nvPr>
+        </p:nvSpPr>
+        <p:spPr>
+          <a:xfrm rot="5400000">
+            <a:off x="4330697" y="330200"/>
+            <a:ext cx="482600" cy="9143999"/>
+          </a:xfrm>
+          <a:prstGeom prst="rect">
+            <a:avLst/>
+          </a:prstGeom>
+          <a:solidFill>
+            <a:schemeClr val="accent1"/>
+          </a:solidFill>
+          <a:ln>
+            <a:noFill/>
+          </a:ln>
+        </p:spPr>
+        <p:style>
+          <a:lnRef idx="2">
+            <a:schemeClr val="accent1">
+              <a:shade val="50000"/>
+            </a:schemeClr>
+          </a:lnRef>
+          <a:fillRef idx="1">
+            <a:schemeClr val="accent1"/>
+          </a:fillRef>
+          <a:effectRef idx="0">
+            <a:schemeClr val="accent1"/>
+          </a:effectRef>
+          <a:fontRef idx="minor">
+            <a:schemeClr val="lt1"/>
+          </a:fontRef>
+        </p:style>
+      </p:sp>
+    </p:spTree>
+    <p:extLst>
+      <p:ext uri="{BB962C8B-B14F-4D97-AF65-F5344CB8AC3E}">
+        <p14:creationId xmlns:p14="http://schemas.microsoft.com/office/powerpoint/2010/main" val="612126247"/>
+      </p:ext>
+    </p:extLst>
+  </p:cSld>
+  <p:clrMapOvr>
+    <a:masterClrMapping/>
+  </p:clrMapOvr>
+</p:sld>
+</file>
+
+<file path=ppt/slides/slide9.xml><?xml version="1.0" encoding="utf-8"?>
+<p:sld xmlns:a="http://schemas.openxmlformats.org/drawingml/2006/main" xmlns:r="http://schemas.openxmlformats.org/officeDocument/2006/relationships" xmlns:p="http://schemas.openxmlformats.org/presentationml/2006/main">
+  <p:cSld>
+    <p:bg>
+      <p:bgPr>
+        <a:solidFill>
+          <a:schemeClr val="bg2"/>
+        </a:solidFill>
+        <a:effectLst/>
+      </p:bgPr>
+    </p:bg>
+    <p:spTree>
+      <p:nvGrpSpPr>
+        <p:cNvPr id="1" name=""/>
+        <p:cNvGrpSpPr/>
+        <p:nvPr/>
+      </p:nvGrpSpPr>
+      <p:grpSpPr>
+        <a:xfrm>
+          <a:off x="0" y="0"/>
+          <a:ext cx="0" cy="0"/>
+          <a:chOff x="0" y="0"/>
+          <a:chExt cx="0" cy="0"/>
+        </a:xfrm>
+      </p:grpSpPr>
+      <p:sp>
+        <p:nvSpPr>
           <p:cNvPr id="18" name="Freeform 6">
             <a:extLst>
               <a:ext uri="{FF2B5EF4-FFF2-40B4-BE49-F238E27FC236}">
